--- a/files/slides/slides_day3.pptx
+++ b/files/slides/slides_day3.pptx
@@ -5,41 +5,40 @@
     <p:sldMasterId id="2147483660" r:id="rId1"/>
   </p:sldMasterIdLst>
   <p:notesMasterIdLst>
-    <p:notesMasterId r:id="rId34"/>
+    <p:notesMasterId r:id="rId33"/>
   </p:notesMasterIdLst>
   <p:sldIdLst>
     <p:sldId id="256" r:id="rId2"/>
     <p:sldId id="277" r:id="rId3"/>
-    <p:sldId id="299" r:id="rId4"/>
-    <p:sldId id="300" r:id="rId5"/>
-    <p:sldId id="286" r:id="rId6"/>
-    <p:sldId id="287" r:id="rId7"/>
-    <p:sldId id="288" r:id="rId8"/>
-    <p:sldId id="289" r:id="rId9"/>
-    <p:sldId id="290" r:id="rId10"/>
-    <p:sldId id="292" r:id="rId11"/>
-    <p:sldId id="293" r:id="rId12"/>
-    <p:sldId id="294" r:id="rId13"/>
-    <p:sldId id="295" r:id="rId14"/>
-    <p:sldId id="296" r:id="rId15"/>
-    <p:sldId id="297" r:id="rId16"/>
-    <p:sldId id="298" r:id="rId17"/>
-    <p:sldId id="259" r:id="rId18"/>
-    <p:sldId id="260" r:id="rId19"/>
-    <p:sldId id="264" r:id="rId20"/>
-    <p:sldId id="280" r:id="rId21"/>
-    <p:sldId id="281" r:id="rId22"/>
-    <p:sldId id="267" r:id="rId23"/>
-    <p:sldId id="269" r:id="rId24"/>
-    <p:sldId id="272" r:id="rId25"/>
-    <p:sldId id="274" r:id="rId26"/>
-    <p:sldId id="275" r:id="rId27"/>
-    <p:sldId id="282" r:id="rId28"/>
-    <p:sldId id="283" r:id="rId29"/>
-    <p:sldId id="302" r:id="rId30"/>
-    <p:sldId id="303" r:id="rId31"/>
-    <p:sldId id="304" r:id="rId32"/>
-    <p:sldId id="305" r:id="rId33"/>
+    <p:sldId id="300" r:id="rId4"/>
+    <p:sldId id="286" r:id="rId5"/>
+    <p:sldId id="287" r:id="rId6"/>
+    <p:sldId id="288" r:id="rId7"/>
+    <p:sldId id="289" r:id="rId8"/>
+    <p:sldId id="290" r:id="rId9"/>
+    <p:sldId id="292" r:id="rId10"/>
+    <p:sldId id="293" r:id="rId11"/>
+    <p:sldId id="294" r:id="rId12"/>
+    <p:sldId id="295" r:id="rId13"/>
+    <p:sldId id="296" r:id="rId14"/>
+    <p:sldId id="297" r:id="rId15"/>
+    <p:sldId id="298" r:id="rId16"/>
+    <p:sldId id="259" r:id="rId17"/>
+    <p:sldId id="260" r:id="rId18"/>
+    <p:sldId id="264" r:id="rId19"/>
+    <p:sldId id="280" r:id="rId20"/>
+    <p:sldId id="281" r:id="rId21"/>
+    <p:sldId id="267" r:id="rId22"/>
+    <p:sldId id="269" r:id="rId23"/>
+    <p:sldId id="272" r:id="rId24"/>
+    <p:sldId id="274" r:id="rId25"/>
+    <p:sldId id="275" r:id="rId26"/>
+    <p:sldId id="282" r:id="rId27"/>
+    <p:sldId id="283" r:id="rId28"/>
+    <p:sldId id="302" r:id="rId29"/>
+    <p:sldId id="303" r:id="rId30"/>
+    <p:sldId id="304" r:id="rId31"/>
+    <p:sldId id="305" r:id="rId32"/>
   </p:sldIdLst>
   <p:sldSz cx="9144000" cy="6858000" type="screen4x3"/>
   <p:notesSz cx="6858000" cy="9144000"/>
@@ -239,7 +238,7 @@
           <a:p>
             <a:fld id="{F833E4A7-8C8F-0444-B05A-6DE0ED7B35B0}" type="datetimeFigureOut">
               <a:rPr lang="en-US" smtClean="0"/>
-              <a:t>5/19/18</a:t>
+              <a:t>5/21/18</a:t>
             </a:fld>
             <a:endParaRPr lang="en-US"/>
           </a:p>
@@ -700,7 +699,7 @@
           <a:p>
             <a:fld id="{CAF647BD-C221-1844-9ED2-A7F7759EF665}" type="datetimeFigureOut">
               <a:rPr lang="en-US" smtClean="0"/>
-              <a:t>5/19/18</a:t>
+              <a:t>5/21/18</a:t>
             </a:fld>
             <a:endParaRPr lang="en-US"/>
           </a:p>
@@ -965,7 +964,7 @@
           <a:p>
             <a:fld id="{CAF647BD-C221-1844-9ED2-A7F7759EF665}" type="datetimeFigureOut">
               <a:rPr lang="en-US" smtClean="0"/>
-              <a:t>5/19/18</a:t>
+              <a:t>5/21/18</a:t>
             </a:fld>
             <a:endParaRPr lang="en-US"/>
           </a:p>
@@ -1140,7 +1139,7 @@
           <a:p>
             <a:fld id="{CAF647BD-C221-1844-9ED2-A7F7759EF665}" type="datetimeFigureOut">
               <a:rPr lang="en-US" smtClean="0"/>
-              <a:t>5/19/18</a:t>
+              <a:t>5/21/18</a:t>
             </a:fld>
             <a:endParaRPr lang="en-US"/>
           </a:p>
@@ -1305,7 +1304,7 @@
           <a:p>
             <a:fld id="{CAF647BD-C221-1844-9ED2-A7F7759EF665}" type="datetimeFigureOut">
               <a:rPr lang="en-US" smtClean="0"/>
-              <a:t>5/19/18</a:t>
+              <a:t>5/21/18</a:t>
             </a:fld>
             <a:endParaRPr lang="en-US"/>
           </a:p>
@@ -1554,7 +1553,7 @@
           <a:p>
             <a:fld id="{CAF647BD-C221-1844-9ED2-A7F7759EF665}" type="datetimeFigureOut">
               <a:rPr lang="en-US" smtClean="0"/>
-              <a:t>5/19/18</a:t>
+              <a:t>5/21/18</a:t>
             </a:fld>
             <a:endParaRPr lang="en-US"/>
           </a:p>
@@ -1837,7 +1836,7 @@
           <a:p>
             <a:fld id="{CAF647BD-C221-1844-9ED2-A7F7759EF665}" type="datetimeFigureOut">
               <a:rPr lang="en-US" smtClean="0"/>
-              <a:t>5/19/18</a:t>
+              <a:t>5/21/18</a:t>
             </a:fld>
             <a:endParaRPr lang="en-US"/>
           </a:p>
@@ -2276,7 +2275,7 @@
           <a:p>
             <a:fld id="{CAF647BD-C221-1844-9ED2-A7F7759EF665}" type="datetimeFigureOut">
               <a:rPr lang="en-US" smtClean="0"/>
-              <a:t>5/19/18</a:t>
+              <a:t>5/21/18</a:t>
             </a:fld>
             <a:endParaRPr lang="en-US"/>
           </a:p>
@@ -2389,7 +2388,7 @@
           <a:p>
             <a:fld id="{CAF647BD-C221-1844-9ED2-A7F7759EF665}" type="datetimeFigureOut">
               <a:rPr lang="en-US" smtClean="0"/>
-              <a:t>5/19/18</a:t>
+              <a:t>5/21/18</a:t>
             </a:fld>
             <a:endParaRPr lang="en-US"/>
           </a:p>
@@ -2479,7 +2478,7 @@
           <a:p>
             <a:fld id="{CAF647BD-C221-1844-9ED2-A7F7759EF665}" type="datetimeFigureOut">
               <a:rPr lang="en-US" smtClean="0"/>
-              <a:t>5/19/18</a:t>
+              <a:t>5/21/18</a:t>
             </a:fld>
             <a:endParaRPr lang="en-US"/>
           </a:p>
@@ -2721,7 +2720,7 @@
           <a:p>
             <a:fld id="{CAF647BD-C221-1844-9ED2-A7F7759EF665}" type="datetimeFigureOut">
               <a:rPr lang="en-US" smtClean="0"/>
-              <a:t>5/19/18</a:t>
+              <a:t>5/21/18</a:t>
             </a:fld>
             <a:endParaRPr lang="en-US"/>
           </a:p>
@@ -3015,7 +3014,7 @@
           <a:p>
             <a:fld id="{CAF647BD-C221-1844-9ED2-A7F7759EF665}" type="datetimeFigureOut">
               <a:rPr lang="en-US" smtClean="0"/>
-              <a:t>5/19/18</a:t>
+              <a:t>5/21/18</a:t>
             </a:fld>
             <a:endParaRPr lang="en-US"/>
           </a:p>
@@ -3309,7 +3308,7 @@
           <a:p>
             <a:fld id="{CAF647BD-C221-1844-9ED2-A7F7759EF665}" type="datetimeFigureOut">
               <a:rPr lang="en-US" smtClean="0"/>
-              <a:t>5/19/18</a:t>
+              <a:t>5/21/18</a:t>
             </a:fld>
             <a:endParaRPr lang="en-US"/>
           </a:p>
@@ -3919,9 +3918,35 @@
           <a:p>
             <a:r>
               <a:rPr lang="en-US" dirty="0" smtClean="0"/>
-              <a:t>functions are generic formulas</a:t>
+              <a:t>use test cases to ensure your function works</a:t>
             </a:r>
             <a:endParaRPr lang="en-US" dirty="0"/>
+          </a:p>
+        </p:txBody>
+      </p:sp>
+      <p:sp>
+        <p:nvSpPr>
+          <p:cNvPr id="3" name="Content Placeholder 2"/>
+          <p:cNvSpPr>
+            <a:spLocks noGrp="1"/>
+          </p:cNvSpPr>
+          <p:nvPr>
+            <p:ph idx="1"/>
+          </p:nvPr>
+        </p:nvSpPr>
+        <p:spPr/>
+        <p:txBody>
+          <a:bodyPr/>
+          <a:lstStyle/>
+          <a:p>
+            <a:pPr marL="457200" indent="-457200">
+              <a:buFont typeface="Arial"/>
+              <a:buChar char="•"/>
+            </a:pPr>
+            <a:r>
+              <a:rPr lang="en-US" dirty="0" smtClean="0"/>
+              <a:t>After writing a function, *always* test it with input that you know should work</a:t>
+            </a:r>
           </a:p>
         </p:txBody>
       </p:sp>
@@ -3933,8 +3958,8 @@
         </p:nvSpPr>
         <p:spPr>
           <a:xfrm>
-            <a:off x="324884" y="1419724"/>
-            <a:ext cx="8338444" cy="5940088"/>
+            <a:off x="457199" y="2817044"/>
+            <a:ext cx="8338444" cy="3477875"/>
           </a:xfrm>
           <a:prstGeom prst="rect">
             <a:avLst/>
@@ -3979,7 +4004,7 @@
                 <a:latin typeface="Monaco"/>
                 <a:cs typeface="Monaco"/>
               </a:rPr>
-              <a:t>area = (l*w) / 2.0</a:t>
+              <a:t>area = l*w/ 2.0</a:t>
             </a:r>
           </a:p>
           <a:p>
@@ -3999,6 +4024,25 @@
             </a:r>
           </a:p>
           <a:p>
+            <a:endParaRPr lang="en-US" sz="2000" dirty="0">
+              <a:latin typeface="Monaco"/>
+              <a:cs typeface="Monaco"/>
+            </a:endParaRPr>
+          </a:p>
+          <a:p>
+            <a:r>
+              <a:rPr lang="en-US" sz="2000" dirty="0" smtClean="0">
+                <a:solidFill>
+                  <a:schemeClr val="accent3">
+                    <a:lumMod val="60000"/>
+                    <a:lumOff val="40000"/>
+                  </a:schemeClr>
+                </a:solidFill>
+                <a:latin typeface="Monaco"/>
+                <a:cs typeface="Monaco"/>
+              </a:rPr>
+              <a:t># Before using the function all over the place, make sure that l=7, w=6 prints 21</a:t>
+            </a:r>
             <a:endParaRPr lang="en-US" sz="2000" dirty="0" smtClean="0">
               <a:latin typeface="Monaco"/>
               <a:cs typeface="Monaco"/>
@@ -4007,22 +4051,52 @@
           <a:p>
             <a:r>
               <a:rPr lang="en-US" sz="2000" dirty="0" smtClean="0">
-                <a:solidFill>
-                  <a:schemeClr val="accent3">
-                    <a:lumMod val="60000"/>
-                    <a:lumOff val="40000"/>
+                <a:latin typeface="Monaco"/>
+                <a:cs typeface="Monaco"/>
+              </a:rPr>
+              <a:t>print(</a:t>
+            </a:r>
+            <a:r>
+              <a:rPr lang="en-US" sz="2000" dirty="0" err="1" smtClean="0">
+                <a:latin typeface="Monaco"/>
+                <a:cs typeface="Monaco"/>
+              </a:rPr>
+              <a:t>triangle_area</a:t>
+            </a:r>
+            <a:r>
+              <a:rPr lang="en-US" sz="2000" dirty="0" smtClean="0">
+                <a:latin typeface="Monaco"/>
+                <a:cs typeface="Monaco"/>
+              </a:rPr>
+              <a:t>(7,6))</a:t>
+            </a:r>
+          </a:p>
+          <a:p>
+            <a:r>
+              <a:rPr lang="en-US" sz="2000" dirty="0">
+                <a:latin typeface="Monaco"/>
+                <a:cs typeface="Monaco"/>
+              </a:rPr>
+              <a:t>	</a:t>
+            </a:r>
+            <a:r>
+              <a:rPr lang="en-US" sz="2000" dirty="0" smtClean="0">
+                <a:solidFill>
+                  <a:schemeClr val="bg1">
+                    <a:lumMod val="65000"/>
                   </a:schemeClr>
                 </a:solidFill>
                 <a:latin typeface="Monaco"/>
                 <a:cs typeface="Monaco"/>
               </a:rPr>
-              <a:t># Usage 1</a:t>
-            </a:r>
+              <a:t>21</a:t>
+            </a:r>
+          </a:p>
+          <a:p>
             <a:endParaRPr lang="en-US" sz="2000" dirty="0">
               <a:solidFill>
-                <a:schemeClr val="accent3">
-                  <a:lumMod val="60000"/>
-                  <a:lumOff val="40000"/>
+                <a:schemeClr val="bg1">
+                  <a:lumMod val="65000"/>
                 </a:schemeClr>
               </a:solidFill>
               <a:latin typeface="Monaco"/>
@@ -4030,135 +4104,17 @@
             </a:endParaRPr>
           </a:p>
           <a:p>
-            <a:r>
-              <a:rPr lang="en-US" sz="2000" dirty="0" smtClean="0">
-                <a:latin typeface="Monaco"/>
-                <a:cs typeface="Monaco"/>
-              </a:rPr>
-              <a:t>area = triangle_area(7, 6)</a:t>
-            </a:r>
-          </a:p>
-          <a:p>
             <a:endParaRPr lang="en-US" sz="2000" dirty="0" smtClean="0">
               <a:latin typeface="Monaco"/>
               <a:cs typeface="Monaco"/>
             </a:endParaRPr>
-          </a:p>
-          <a:p>
-            <a:r>
-              <a:rPr lang="en-US" sz="2000" dirty="0" smtClean="0">
-                <a:solidFill>
-                  <a:schemeClr val="accent3">
-                    <a:lumMod val="60000"/>
-                    <a:lumOff val="40000"/>
-                  </a:schemeClr>
-                </a:solidFill>
-                <a:latin typeface="Monaco"/>
-                <a:cs typeface="Monaco"/>
-              </a:rPr>
-              <a:t># Usage 2</a:t>
-            </a:r>
-          </a:p>
-          <a:p>
-            <a:r>
-              <a:rPr lang="en-US" sz="2000" dirty="0" smtClean="0">
-                <a:latin typeface="Monaco"/>
-                <a:cs typeface="Monaco"/>
-              </a:rPr>
-              <a:t>length = 7</a:t>
-            </a:r>
-          </a:p>
-          <a:p>
-            <a:r>
-              <a:rPr lang="en-US" sz="2000" dirty="0" smtClean="0">
-                <a:latin typeface="Monaco"/>
-                <a:cs typeface="Monaco"/>
-              </a:rPr>
-              <a:t>width = 6</a:t>
-            </a:r>
-          </a:p>
-          <a:p>
-            <a:r>
-              <a:rPr lang="en-US" sz="2000" dirty="0" smtClean="0">
-                <a:latin typeface="Monaco"/>
-                <a:cs typeface="Monaco"/>
-              </a:rPr>
-              <a:t>area = triangle_area(length, width)</a:t>
-            </a:r>
-          </a:p>
-          <a:p>
-            <a:endParaRPr lang="en-US" sz="2000" dirty="0">
-              <a:latin typeface="Monaco"/>
-              <a:cs typeface="Monaco"/>
-            </a:endParaRPr>
-          </a:p>
-          <a:p>
-            <a:r>
-              <a:rPr lang="en-US" sz="2000" dirty="0" smtClean="0">
-                <a:solidFill>
-                  <a:schemeClr val="accent3">
-                    <a:lumMod val="60000"/>
-                    <a:lumOff val="40000"/>
-                  </a:schemeClr>
-                </a:solidFill>
-                <a:latin typeface="Monaco"/>
-                <a:cs typeface="Monaco"/>
-              </a:rPr>
-              <a:t># Usage 3</a:t>
-            </a:r>
-          </a:p>
-          <a:p>
-            <a:r>
-              <a:rPr lang="en-US" sz="2000" dirty="0" smtClean="0">
-                <a:latin typeface="Monaco"/>
-                <a:cs typeface="Monaco"/>
-              </a:rPr>
-              <a:t>l = 7</a:t>
-            </a:r>
-          </a:p>
-          <a:p>
-            <a:r>
-              <a:rPr lang="en-US" sz="2000" dirty="0" smtClean="0">
-                <a:latin typeface="Monaco"/>
-                <a:cs typeface="Monaco"/>
-              </a:rPr>
-              <a:t>w = 6</a:t>
-            </a:r>
-          </a:p>
-          <a:p>
-            <a:r>
-              <a:rPr lang="en-US" sz="2000" dirty="0" smtClean="0">
-                <a:latin typeface="Monaco"/>
-                <a:cs typeface="Monaco"/>
-              </a:rPr>
-              <a:t>area = triangle_area(l, w)</a:t>
-            </a:r>
-            <a:endParaRPr lang="en-US" sz="2000" dirty="0">
-              <a:latin typeface="Monaco"/>
-              <a:cs typeface="Monaco"/>
-            </a:endParaRPr>
-          </a:p>
-          <a:p>
-            <a:endParaRPr lang="en-US" sz="2000" dirty="0" smtClean="0">
-              <a:latin typeface="Monaco"/>
-              <a:cs typeface="Monaco"/>
-            </a:endParaRPr>
-          </a:p>
-          <a:p>
-            <a:r>
-              <a:rPr lang="en-US" sz="2000" dirty="0" smtClean="0">
-                <a:latin typeface="Monaco"/>
-                <a:cs typeface="Monaco"/>
-              </a:rPr>
-              <a:t> </a:t>
-            </a:r>
           </a:p>
         </p:txBody>
       </p:sp>
     </p:spTree>
     <p:extLst>
       <p:ext uri="{BB962C8B-B14F-4D97-AF65-F5344CB8AC3E}">
-        <p14:creationId xmlns:p14="http://schemas.microsoft.com/office/powerpoint/2010/main" val="475125492"/>
+        <p14:creationId xmlns:p14="http://schemas.microsoft.com/office/powerpoint/2010/main" val="1089944498"/>
       </p:ext>
     </p:extLst>
   </p:cSld>
@@ -4186,7 +4142,7 @@
                             </p:stCondLst>
                             <p:childTnLst>
                               <p:par>
-                                <p:cTn id="5" presetID="1" presetClass="entr" presetSubtype="0" fill="hold" nodeType="clickEffect">
+                                <p:cTn id="5" presetID="1" presetClass="entr" presetSubtype="0" fill="hold" grpId="0" nodeType="clickEffect">
                                   <p:stCondLst>
                                     <p:cond delay="0"/>
                                   </p:stCondLst>
@@ -4199,326 +4155,7 @@
                                           </p:stCondLst>
                                         </p:cTn>
                                         <p:tgtEl>
-                                          <p:spTgt spid="4">
-                                            <p:txEl>
-                                              <p:pRg st="5" end="5"/>
-                                            </p:txEl>
-                                          </p:spTgt>
-                                        </p:tgtEl>
-                                        <p:attrNameLst>
-                                          <p:attrName>style.visibility</p:attrName>
-                                        </p:attrNameLst>
-                                      </p:cBhvr>
-                                      <p:to>
-                                        <p:strVal val="visible"/>
-                                      </p:to>
-                                    </p:set>
-                                  </p:childTnLst>
-                                </p:cTn>
-                              </p:par>
-                              <p:par>
-                                <p:cTn id="7" presetID="1" presetClass="entr" presetSubtype="0" fill="hold" nodeType="withEffect">
-                                  <p:stCondLst>
-                                    <p:cond delay="0"/>
-                                  </p:stCondLst>
-                                  <p:childTnLst>
-                                    <p:set>
-                                      <p:cBhvr>
-                                        <p:cTn id="8" dur="1" fill="hold">
-                                          <p:stCondLst>
-                                            <p:cond delay="0"/>
-                                          </p:stCondLst>
-                                        </p:cTn>
-                                        <p:tgtEl>
-                                          <p:spTgt spid="4">
-                                            <p:txEl>
-                                              <p:pRg st="6" end="6"/>
-                                            </p:txEl>
-                                          </p:spTgt>
-                                        </p:tgtEl>
-                                        <p:attrNameLst>
-                                          <p:attrName>style.visibility</p:attrName>
-                                        </p:attrNameLst>
-                                      </p:cBhvr>
-                                      <p:to>
-                                        <p:strVal val="visible"/>
-                                      </p:to>
-                                    </p:set>
-                                  </p:childTnLst>
-                                </p:cTn>
-                              </p:par>
-                            </p:childTnLst>
-                          </p:cTn>
-                        </p:par>
-                      </p:childTnLst>
-                    </p:cTn>
-                  </p:par>
-                  <p:par>
-                    <p:cTn id="9" fill="hold">
-                      <p:stCondLst>
-                        <p:cond delay="indefinite"/>
-                      </p:stCondLst>
-                      <p:childTnLst>
-                        <p:par>
-                          <p:cTn id="10" fill="hold">
-                            <p:stCondLst>
-                              <p:cond delay="0"/>
-                            </p:stCondLst>
-                            <p:childTnLst>
-                              <p:par>
-                                <p:cTn id="11" presetID="1" presetClass="entr" presetSubtype="0" fill="hold" nodeType="clickEffect">
-                                  <p:stCondLst>
-                                    <p:cond delay="0"/>
-                                  </p:stCondLst>
-                                  <p:childTnLst>
-                                    <p:set>
-                                      <p:cBhvr>
-                                        <p:cTn id="12" dur="1" fill="hold">
-                                          <p:stCondLst>
-                                            <p:cond delay="0"/>
-                                          </p:stCondLst>
-                                        </p:cTn>
-                                        <p:tgtEl>
-                                          <p:spTgt spid="4">
-                                            <p:txEl>
-                                              <p:pRg st="8" end="8"/>
-                                            </p:txEl>
-                                          </p:spTgt>
-                                        </p:tgtEl>
-                                        <p:attrNameLst>
-                                          <p:attrName>style.visibility</p:attrName>
-                                        </p:attrNameLst>
-                                      </p:cBhvr>
-                                      <p:to>
-                                        <p:strVal val="visible"/>
-                                      </p:to>
-                                    </p:set>
-                                  </p:childTnLst>
-                                </p:cTn>
-                              </p:par>
-                              <p:par>
-                                <p:cTn id="13" presetID="1" presetClass="entr" presetSubtype="0" fill="hold" nodeType="withEffect">
-                                  <p:stCondLst>
-                                    <p:cond delay="0"/>
-                                  </p:stCondLst>
-                                  <p:childTnLst>
-                                    <p:set>
-                                      <p:cBhvr>
-                                        <p:cTn id="14" dur="1" fill="hold">
-                                          <p:stCondLst>
-                                            <p:cond delay="0"/>
-                                          </p:stCondLst>
-                                        </p:cTn>
-                                        <p:tgtEl>
-                                          <p:spTgt spid="4">
-                                            <p:txEl>
-                                              <p:pRg st="9" end="9"/>
-                                            </p:txEl>
-                                          </p:spTgt>
-                                        </p:tgtEl>
-                                        <p:attrNameLst>
-                                          <p:attrName>style.visibility</p:attrName>
-                                        </p:attrNameLst>
-                                      </p:cBhvr>
-                                      <p:to>
-                                        <p:strVal val="visible"/>
-                                      </p:to>
-                                    </p:set>
-                                  </p:childTnLst>
-                                </p:cTn>
-                              </p:par>
-                              <p:par>
-                                <p:cTn id="15" presetID="1" presetClass="entr" presetSubtype="0" fill="hold" nodeType="withEffect">
-                                  <p:stCondLst>
-                                    <p:cond delay="0"/>
-                                  </p:stCondLst>
-                                  <p:childTnLst>
-                                    <p:set>
-                                      <p:cBhvr>
-                                        <p:cTn id="16" dur="1" fill="hold">
-                                          <p:stCondLst>
-                                            <p:cond delay="0"/>
-                                          </p:stCondLst>
-                                        </p:cTn>
-                                        <p:tgtEl>
-                                          <p:spTgt spid="4">
-                                            <p:txEl>
-                                              <p:pRg st="10" end="10"/>
-                                            </p:txEl>
-                                          </p:spTgt>
-                                        </p:tgtEl>
-                                        <p:attrNameLst>
-                                          <p:attrName>style.visibility</p:attrName>
-                                        </p:attrNameLst>
-                                      </p:cBhvr>
-                                      <p:to>
-                                        <p:strVal val="visible"/>
-                                      </p:to>
-                                    </p:set>
-                                  </p:childTnLst>
-                                </p:cTn>
-                              </p:par>
-                              <p:par>
-                                <p:cTn id="17" presetID="1" presetClass="entr" presetSubtype="0" fill="hold" nodeType="withEffect">
-                                  <p:stCondLst>
-                                    <p:cond delay="0"/>
-                                  </p:stCondLst>
-                                  <p:childTnLst>
-                                    <p:set>
-                                      <p:cBhvr>
-                                        <p:cTn id="18" dur="1" fill="hold">
-                                          <p:stCondLst>
-                                            <p:cond delay="0"/>
-                                          </p:stCondLst>
-                                        </p:cTn>
-                                        <p:tgtEl>
-                                          <p:spTgt spid="4">
-                                            <p:txEl>
-                                              <p:pRg st="11" end="11"/>
-                                            </p:txEl>
-                                          </p:spTgt>
-                                        </p:tgtEl>
-                                        <p:attrNameLst>
-                                          <p:attrName>style.visibility</p:attrName>
-                                        </p:attrNameLst>
-                                      </p:cBhvr>
-                                      <p:to>
-                                        <p:strVal val="visible"/>
-                                      </p:to>
-                                    </p:set>
-                                  </p:childTnLst>
-                                </p:cTn>
-                              </p:par>
-                            </p:childTnLst>
-                          </p:cTn>
-                        </p:par>
-                      </p:childTnLst>
-                    </p:cTn>
-                  </p:par>
-                  <p:par>
-                    <p:cTn id="19" fill="hold">
-                      <p:stCondLst>
-                        <p:cond delay="indefinite"/>
-                      </p:stCondLst>
-                      <p:childTnLst>
-                        <p:par>
-                          <p:cTn id="20" fill="hold">
-                            <p:stCondLst>
-                              <p:cond delay="0"/>
-                            </p:stCondLst>
-                            <p:childTnLst>
-                              <p:par>
-                                <p:cTn id="21" presetID="1" presetClass="entr" presetSubtype="0" fill="hold" nodeType="clickEffect">
-                                  <p:stCondLst>
-                                    <p:cond delay="0"/>
-                                  </p:stCondLst>
-                                  <p:childTnLst>
-                                    <p:set>
-                                      <p:cBhvr>
-                                        <p:cTn id="22" dur="1" fill="hold">
-                                          <p:stCondLst>
-                                            <p:cond delay="0"/>
-                                          </p:stCondLst>
-                                        </p:cTn>
-                                        <p:tgtEl>
-                                          <p:spTgt spid="4">
-                                            <p:txEl>
-                                              <p:pRg st="13" end="13"/>
-                                            </p:txEl>
-                                          </p:spTgt>
-                                        </p:tgtEl>
-                                        <p:attrNameLst>
-                                          <p:attrName>style.visibility</p:attrName>
-                                        </p:attrNameLst>
-                                      </p:cBhvr>
-                                      <p:to>
-                                        <p:strVal val="visible"/>
-                                      </p:to>
-                                    </p:set>
-                                  </p:childTnLst>
-                                </p:cTn>
-                              </p:par>
-                              <p:par>
-                                <p:cTn id="23" presetID="1" presetClass="entr" presetSubtype="0" fill="hold" nodeType="withEffect">
-                                  <p:stCondLst>
-                                    <p:cond delay="0"/>
-                                  </p:stCondLst>
-                                  <p:childTnLst>
-                                    <p:set>
-                                      <p:cBhvr>
-                                        <p:cTn id="24" dur="1" fill="hold">
-                                          <p:stCondLst>
-                                            <p:cond delay="0"/>
-                                          </p:stCondLst>
-                                        </p:cTn>
-                                        <p:tgtEl>
-                                          <p:spTgt spid="4">
-                                            <p:txEl>
-                                              <p:pRg st="14" end="14"/>
-                                            </p:txEl>
-                                          </p:spTgt>
-                                        </p:tgtEl>
-                                        <p:attrNameLst>
-                                          <p:attrName>style.visibility</p:attrName>
-                                        </p:attrNameLst>
-                                      </p:cBhvr>
-                                      <p:to>
-                                        <p:strVal val="visible"/>
-                                      </p:to>
-                                    </p:set>
-                                  </p:childTnLst>
-                                </p:cTn>
-                              </p:par>
-                              <p:par>
-                                <p:cTn id="25" presetID="1" presetClass="entr" presetSubtype="0" fill="hold" nodeType="withEffect">
-                                  <p:stCondLst>
-                                    <p:cond delay="0"/>
-                                  </p:stCondLst>
-                                  <p:childTnLst>
-                                    <p:set>
-                                      <p:cBhvr>
-                                        <p:cTn id="26" dur="1" fill="hold">
-                                          <p:stCondLst>
-                                            <p:cond delay="0"/>
-                                          </p:stCondLst>
-                                        </p:cTn>
-                                        <p:tgtEl>
-                                          <p:spTgt spid="4">
-                                            <p:txEl>
-                                              <p:pRg st="15" end="15"/>
-                                            </p:txEl>
-                                          </p:spTgt>
-                                        </p:tgtEl>
-                                        <p:attrNameLst>
-                                          <p:attrName>style.visibility</p:attrName>
-                                        </p:attrNameLst>
-                                      </p:cBhvr>
-                                      <p:to>
-                                        <p:strVal val="visible"/>
-                                      </p:to>
-                                    </p:set>
-                                  </p:childTnLst>
-                                </p:cTn>
-                              </p:par>
-                              <p:par>
-                                <p:cTn id="27" presetID="1" presetClass="entr" presetSubtype="0" fill="hold" nodeType="withEffect">
-                                  <p:stCondLst>
-                                    <p:cond delay="0"/>
-                                  </p:stCondLst>
-                                  <p:childTnLst>
-                                    <p:set>
-                                      <p:cBhvr>
-                                        <p:cTn id="28" dur="1" fill="hold">
-                                          <p:stCondLst>
-                                            <p:cond delay="0"/>
-                                          </p:stCondLst>
-                                        </p:cTn>
-                                        <p:tgtEl>
-                                          <p:spTgt spid="4">
-                                            <p:txEl>
-                                              <p:pRg st="16" end="16"/>
-                                            </p:txEl>
-                                          </p:spTgt>
+                                          <p:spTgt spid="4"/>
                                         </p:tgtEl>
                                         <p:attrNameLst>
                                           <p:attrName>style.visibility</p:attrName>
@@ -4558,6 +4195,9 @@
         </p:cTn>
       </p:par>
     </p:tnLst>
+    <p:bldLst>
+      <p:bldP spid="4" grpId="0"/>
+    </p:bldLst>
   </p:timing>
 </p:sld>
 </file>
@@ -4596,35 +4236,9 @@
           <a:p>
             <a:r>
               <a:rPr lang="en-US" dirty="0" smtClean="0"/>
-              <a:t>use test cases to ensure your function works</a:t>
+              <a:t>Testing, but fancier</a:t>
             </a:r>
             <a:endParaRPr lang="en-US" dirty="0"/>
-          </a:p>
-        </p:txBody>
-      </p:sp>
-      <p:sp>
-        <p:nvSpPr>
-          <p:cNvPr id="3" name="Content Placeholder 2"/>
-          <p:cNvSpPr>
-            <a:spLocks noGrp="1"/>
-          </p:cNvSpPr>
-          <p:nvPr>
-            <p:ph idx="1"/>
-          </p:nvPr>
-        </p:nvSpPr>
-        <p:spPr/>
-        <p:txBody>
-          <a:bodyPr/>
-          <a:lstStyle/>
-          <a:p>
-            <a:pPr marL="457200" indent="-457200">
-              <a:buFont typeface="Arial"/>
-              <a:buChar char="•"/>
-            </a:pPr>
-            <a:r>
-              <a:rPr lang="en-US" dirty="0" smtClean="0"/>
-              <a:t>After writing a function, *always* test it with input that you know should work</a:t>
-            </a:r>
           </a:p>
         </p:txBody>
       </p:sp>
@@ -4636,8 +4250,8 @@
         </p:nvSpPr>
         <p:spPr>
           <a:xfrm>
-            <a:off x="457199" y="2817044"/>
-            <a:ext cx="8338444" cy="3477875"/>
+            <a:off x="457198" y="1725223"/>
+            <a:ext cx="8686801" cy="5016758"/>
           </a:xfrm>
           <a:prstGeom prst="rect">
             <a:avLst/>
@@ -4719,7 +4333,7 @@
                 <a:latin typeface="Monaco"/>
                 <a:cs typeface="Monaco"/>
               </a:rPr>
-              <a:t># Before using the function all over the place, make sure that l=7, w=6 prints 21</a:t>
+              <a:t># Unit test code</a:t>
             </a:r>
             <a:endParaRPr lang="en-US" sz="2000" dirty="0" smtClean="0">
               <a:latin typeface="Monaco"/>
@@ -4732,7 +4346,56 @@
                 <a:latin typeface="Monaco"/>
                 <a:cs typeface="Monaco"/>
               </a:rPr>
-              <a:t>print(</a:t>
+              <a:t>truth = 21</a:t>
+            </a:r>
+          </a:p>
+          <a:p>
+            <a:r>
+              <a:rPr lang="en-US" sz="2000" dirty="0" smtClean="0">
+                <a:latin typeface="Monaco"/>
+                <a:cs typeface="Monaco"/>
+              </a:rPr>
+              <a:t>l = 7</a:t>
+            </a:r>
+          </a:p>
+          <a:p>
+            <a:r>
+              <a:rPr lang="en-US" sz="2000" dirty="0" smtClean="0">
+                <a:latin typeface="Monaco"/>
+                <a:cs typeface="Monaco"/>
+              </a:rPr>
+              <a:t>w = 6</a:t>
+            </a:r>
+          </a:p>
+          <a:p>
+            <a:endParaRPr lang="en-US" sz="2000" b="1" dirty="0" smtClean="0">
+              <a:solidFill>
+                <a:schemeClr val="accent5"/>
+              </a:solidFill>
+              <a:latin typeface="Monaco"/>
+              <a:cs typeface="Monaco"/>
+            </a:endParaRPr>
+          </a:p>
+          <a:p>
+            <a:r>
+              <a:rPr lang="en-US" sz="2000" b="1" dirty="0" smtClean="0">
+                <a:solidFill>
+                  <a:schemeClr val="accent5"/>
+                </a:solidFill>
+                <a:latin typeface="Monaco"/>
+                <a:cs typeface="Monaco"/>
+              </a:rPr>
+              <a:t>assert(</a:t>
+            </a:r>
+            <a:r>
+              <a:rPr lang="en-US" sz="2000" dirty="0">
+                <a:solidFill>
+                  <a:schemeClr val="accent5"/>
+                </a:solidFill>
+                <a:latin typeface="Monaco"/>
+                <a:cs typeface="Monaco"/>
+              </a:rPr>
+              <a:t> </a:t>
             </a:r>
             <a:r>
               <a:rPr lang="en-US" sz="2000" dirty="0" err="1" smtClean="0">
@@ -4746,29 +4409,104 @@
                 <a:latin typeface="Monaco"/>
                 <a:cs typeface="Monaco"/>
               </a:rPr>
-              <a:t>(7,6))</a:t>
-            </a:r>
+              <a:t>(l, w) == truth</a:t>
+            </a:r>
+            <a:r>
+              <a:rPr lang="en-US" sz="2000" b="1" dirty="0" smtClean="0">
+                <a:solidFill>
+                  <a:schemeClr val="accent5"/>
+                </a:solidFill>
+                <a:latin typeface="Monaco"/>
+                <a:cs typeface="Monaco"/>
+              </a:rPr>
+              <a:t>)</a:t>
+            </a:r>
+            <a:r>
+              <a:rPr lang="en-US" sz="2000" dirty="0" smtClean="0">
+                <a:latin typeface="Monaco"/>
+                <a:cs typeface="Monaco"/>
+              </a:rPr>
+              <a:t>, "Triangle fail."</a:t>
+            </a:r>
+            <a:endParaRPr lang="en-US" sz="2000" b="1" dirty="0" smtClean="0">
+              <a:latin typeface="Monaco"/>
+              <a:cs typeface="Monaco"/>
+            </a:endParaRPr>
           </a:p>
           <a:p>
             <a:r>
               <a:rPr lang="en-US" sz="2000" dirty="0">
-                <a:latin typeface="Monaco"/>
-                <a:cs typeface="Monaco"/>
-              </a:rPr>
-              <a:t>	</a:t>
+                <a:solidFill>
+                  <a:schemeClr val="accent3">
+                    <a:lumMod val="60000"/>
+                    <a:lumOff val="40000"/>
+                  </a:schemeClr>
+                </a:solidFill>
+                <a:latin typeface="Monaco"/>
+                <a:cs typeface="Monaco"/>
+              </a:rPr>
+              <a:t>## If assertion FAILS, </a:t>
             </a:r>
             <a:r>
               <a:rPr lang="en-US" sz="2000" dirty="0" smtClean="0">
                 <a:solidFill>
-                  <a:schemeClr val="bg1">
-                    <a:lumMod val="65000"/>
+                  <a:schemeClr val="accent3">
+                    <a:lumMod val="60000"/>
+                    <a:lumOff val="40000"/>
                   </a:schemeClr>
                 </a:solidFill>
                 <a:latin typeface="Monaco"/>
                 <a:cs typeface="Monaco"/>
               </a:rPr>
-              <a:t>21</a:t>
-            </a:r>
+              <a:t>prints </a:t>
+            </a:r>
+            <a:r>
+              <a:rPr lang="en-US" sz="2000" dirty="0">
+                <a:solidFill>
+                  <a:schemeClr val="accent3">
+                    <a:lumMod val="60000"/>
+                    <a:lumOff val="40000"/>
+                  </a:schemeClr>
+                </a:solidFill>
+                <a:latin typeface="Monaco"/>
+                <a:cs typeface="Monaco"/>
+              </a:rPr>
+              <a:t>statement and </a:t>
+            </a:r>
+            <a:r>
+              <a:rPr lang="en-US" sz="2000" i="1" dirty="0">
+                <a:solidFill>
+                  <a:schemeClr val="accent3">
+                    <a:lumMod val="60000"/>
+                    <a:lumOff val="40000"/>
+                  </a:schemeClr>
+                </a:solidFill>
+                <a:latin typeface="Monaco"/>
+                <a:cs typeface="Monaco"/>
+              </a:rPr>
+              <a:t>script immediately exits</a:t>
+            </a:r>
+            <a:endParaRPr lang="en-US" sz="2000" dirty="0">
+              <a:solidFill>
+                <a:schemeClr val="accent3">
+                  <a:lumMod val="60000"/>
+                  <a:lumOff val="40000"/>
+                </a:schemeClr>
+              </a:solidFill>
+              <a:latin typeface="Monaco"/>
+              <a:cs typeface="Monaco"/>
+            </a:endParaRPr>
+          </a:p>
+          <a:p>
+            <a:endParaRPr lang="en-US" sz="2000" dirty="0" smtClean="0">
+              <a:solidFill>
+                <a:schemeClr val="bg1">
+                  <a:lumMod val="65000"/>
+                </a:schemeClr>
+              </a:solidFill>
+              <a:latin typeface="Monaco"/>
+              <a:cs typeface="Monaco"/>
+            </a:endParaRPr>
           </a:p>
           <a:p>
             <a:endParaRPr lang="en-US" sz="2000" dirty="0">
@@ -4792,7 +4530,7 @@
     </p:spTree>
     <p:extLst>
       <p:ext uri="{BB962C8B-B14F-4D97-AF65-F5344CB8AC3E}">
-        <p14:creationId xmlns:p14="http://schemas.microsoft.com/office/powerpoint/2010/main" val="1089944498"/>
+        <p14:creationId xmlns:p14="http://schemas.microsoft.com/office/powerpoint/2010/main" val="661668976"/>
       </p:ext>
     </p:extLst>
   </p:cSld>
@@ -4914,422 +4652,6 @@
           <a:p>
             <a:r>
               <a:rPr lang="en-US" dirty="0" smtClean="0"/>
-              <a:t>Testing, but fancier</a:t>
-            </a:r>
-            <a:endParaRPr lang="en-US" dirty="0"/>
-          </a:p>
-        </p:txBody>
-      </p:sp>
-      <p:sp>
-        <p:nvSpPr>
-          <p:cNvPr id="4" name="TextBox 3"/>
-          <p:cNvSpPr txBox="1"/>
-          <p:nvPr/>
-        </p:nvSpPr>
-        <p:spPr>
-          <a:xfrm>
-            <a:off x="457198" y="1725223"/>
-            <a:ext cx="8686801" cy="5016758"/>
-          </a:xfrm>
-          <a:prstGeom prst="rect">
-            <a:avLst/>
-          </a:prstGeom>
-          <a:noFill/>
-        </p:spPr>
-        <p:txBody>
-          <a:bodyPr wrap="square" rtlCol="0">
-            <a:spAutoFit/>
-          </a:bodyPr>
-          <a:lstStyle/>
-          <a:p>
-            <a:endParaRPr lang="en-US" sz="2000" dirty="0">
-              <a:solidFill>
-                <a:schemeClr val="bg1">
-                  <a:lumMod val="65000"/>
-                </a:schemeClr>
-              </a:solidFill>
-              <a:latin typeface="Monaco"/>
-              <a:cs typeface="Monaco"/>
-            </a:endParaRPr>
-          </a:p>
-          <a:p>
-            <a:r>
-              <a:rPr lang="en-US" sz="2000" dirty="0" smtClean="0">
-                <a:latin typeface="Monaco"/>
-                <a:cs typeface="Monaco"/>
-              </a:rPr>
-              <a:t>def triangle_area(l, w):</a:t>
-            </a:r>
-          </a:p>
-          <a:p>
-            <a:r>
-              <a:rPr lang="en-US" sz="2000" dirty="0">
-                <a:latin typeface="Monaco"/>
-                <a:cs typeface="Monaco"/>
-              </a:rPr>
-              <a:t>	</a:t>
-            </a:r>
-            <a:r>
-              <a:rPr lang="en-US" sz="2000" dirty="0" smtClean="0">
-                <a:latin typeface="Monaco"/>
-                <a:cs typeface="Monaco"/>
-              </a:rPr>
-              <a:t>area = l*w/ 2.0</a:t>
-            </a:r>
-          </a:p>
-          <a:p>
-            <a:r>
-              <a:rPr lang="en-US" sz="2000" dirty="0">
-                <a:latin typeface="Monaco"/>
-                <a:cs typeface="Monaco"/>
-              </a:rPr>
-              <a:t>	</a:t>
-            </a:r>
-            <a:r>
-              <a:rPr lang="en-US" sz="2000" dirty="0" smtClean="0">
-                <a:latin typeface="Monaco"/>
-                <a:cs typeface="Monaco"/>
-              </a:rPr>
-              <a:t>return area</a:t>
-            </a:r>
-          </a:p>
-          <a:p>
-            <a:endParaRPr lang="en-US" sz="2000" dirty="0">
-              <a:latin typeface="Monaco"/>
-              <a:cs typeface="Monaco"/>
-            </a:endParaRPr>
-          </a:p>
-          <a:p>
-            <a:r>
-              <a:rPr lang="en-US" sz="2000" dirty="0" smtClean="0">
-                <a:solidFill>
-                  <a:schemeClr val="accent3">
-                    <a:lumMod val="60000"/>
-                    <a:lumOff val="40000"/>
-                  </a:schemeClr>
-                </a:solidFill>
-                <a:latin typeface="Monaco"/>
-                <a:cs typeface="Monaco"/>
-              </a:rPr>
-              <a:t># Unit test code</a:t>
-            </a:r>
-            <a:endParaRPr lang="en-US" sz="2000" dirty="0" smtClean="0">
-              <a:latin typeface="Monaco"/>
-              <a:cs typeface="Monaco"/>
-            </a:endParaRPr>
-          </a:p>
-          <a:p>
-            <a:r>
-              <a:rPr lang="en-US" sz="2000" dirty="0" smtClean="0">
-                <a:latin typeface="Monaco"/>
-                <a:cs typeface="Monaco"/>
-              </a:rPr>
-              <a:t>truth = 21</a:t>
-            </a:r>
-          </a:p>
-          <a:p>
-            <a:r>
-              <a:rPr lang="en-US" sz="2000" dirty="0" smtClean="0">
-                <a:latin typeface="Monaco"/>
-                <a:cs typeface="Monaco"/>
-              </a:rPr>
-              <a:t>l = 7</a:t>
-            </a:r>
-          </a:p>
-          <a:p>
-            <a:r>
-              <a:rPr lang="en-US" sz="2000" dirty="0" smtClean="0">
-                <a:latin typeface="Monaco"/>
-                <a:cs typeface="Monaco"/>
-              </a:rPr>
-              <a:t>w = 6</a:t>
-            </a:r>
-          </a:p>
-          <a:p>
-            <a:endParaRPr lang="en-US" sz="2000" b="1" dirty="0" smtClean="0">
-              <a:solidFill>
-                <a:schemeClr val="accent5"/>
-              </a:solidFill>
-              <a:latin typeface="Monaco"/>
-              <a:cs typeface="Monaco"/>
-            </a:endParaRPr>
-          </a:p>
-          <a:p>
-            <a:r>
-              <a:rPr lang="en-US" sz="2000" b="1" dirty="0" smtClean="0">
-                <a:solidFill>
-                  <a:schemeClr val="accent5"/>
-                </a:solidFill>
-                <a:latin typeface="Monaco"/>
-                <a:cs typeface="Monaco"/>
-              </a:rPr>
-              <a:t>assert(</a:t>
-            </a:r>
-            <a:r>
-              <a:rPr lang="en-US" sz="2000" dirty="0">
-                <a:solidFill>
-                  <a:schemeClr val="accent5"/>
-                </a:solidFill>
-                <a:latin typeface="Monaco"/>
-                <a:cs typeface="Monaco"/>
-              </a:rPr>
-              <a:t> </a:t>
-            </a:r>
-            <a:r>
-              <a:rPr lang="en-US" sz="2000" dirty="0" err="1" smtClean="0">
-                <a:latin typeface="Monaco"/>
-                <a:cs typeface="Monaco"/>
-              </a:rPr>
-              <a:t>triangle_area</a:t>
-            </a:r>
-            <a:r>
-              <a:rPr lang="en-US" sz="2000" dirty="0" smtClean="0">
-                <a:latin typeface="Monaco"/>
-                <a:cs typeface="Monaco"/>
-              </a:rPr>
-              <a:t>(l, w) == truth</a:t>
-            </a:r>
-            <a:r>
-              <a:rPr lang="en-US" sz="2000" b="1" dirty="0" smtClean="0">
-                <a:solidFill>
-                  <a:schemeClr val="accent5"/>
-                </a:solidFill>
-                <a:latin typeface="Monaco"/>
-                <a:cs typeface="Monaco"/>
-              </a:rPr>
-              <a:t>)</a:t>
-            </a:r>
-            <a:r>
-              <a:rPr lang="en-US" sz="2000" dirty="0" smtClean="0">
-                <a:latin typeface="Monaco"/>
-                <a:cs typeface="Monaco"/>
-              </a:rPr>
-              <a:t>, "Triangle fail."</a:t>
-            </a:r>
-            <a:endParaRPr lang="en-US" sz="2000" b="1" dirty="0" smtClean="0">
-              <a:latin typeface="Monaco"/>
-              <a:cs typeface="Monaco"/>
-            </a:endParaRPr>
-          </a:p>
-          <a:p>
-            <a:r>
-              <a:rPr lang="en-US" sz="2000" dirty="0">
-                <a:solidFill>
-                  <a:schemeClr val="accent3">
-                    <a:lumMod val="60000"/>
-                    <a:lumOff val="40000"/>
-                  </a:schemeClr>
-                </a:solidFill>
-                <a:latin typeface="Monaco"/>
-                <a:cs typeface="Monaco"/>
-              </a:rPr>
-              <a:t>## If assertion FAILS, </a:t>
-            </a:r>
-            <a:r>
-              <a:rPr lang="en-US" sz="2000" dirty="0" smtClean="0">
-                <a:solidFill>
-                  <a:schemeClr val="accent3">
-                    <a:lumMod val="60000"/>
-                    <a:lumOff val="40000"/>
-                  </a:schemeClr>
-                </a:solidFill>
-                <a:latin typeface="Monaco"/>
-                <a:cs typeface="Monaco"/>
-              </a:rPr>
-              <a:t>prints </a:t>
-            </a:r>
-            <a:r>
-              <a:rPr lang="en-US" sz="2000" dirty="0">
-                <a:solidFill>
-                  <a:schemeClr val="accent3">
-                    <a:lumMod val="60000"/>
-                    <a:lumOff val="40000"/>
-                  </a:schemeClr>
-                </a:solidFill>
-                <a:latin typeface="Monaco"/>
-                <a:cs typeface="Monaco"/>
-              </a:rPr>
-              <a:t>statement and </a:t>
-            </a:r>
-            <a:r>
-              <a:rPr lang="en-US" sz="2000" i="1" dirty="0">
-                <a:solidFill>
-                  <a:schemeClr val="accent3">
-                    <a:lumMod val="60000"/>
-                    <a:lumOff val="40000"/>
-                  </a:schemeClr>
-                </a:solidFill>
-                <a:latin typeface="Monaco"/>
-                <a:cs typeface="Monaco"/>
-              </a:rPr>
-              <a:t>script immediately exits</a:t>
-            </a:r>
-            <a:endParaRPr lang="en-US" sz="2000" dirty="0">
-              <a:solidFill>
-                <a:schemeClr val="accent3">
-                  <a:lumMod val="60000"/>
-                  <a:lumOff val="40000"/>
-                </a:schemeClr>
-              </a:solidFill>
-              <a:latin typeface="Monaco"/>
-              <a:cs typeface="Monaco"/>
-            </a:endParaRPr>
-          </a:p>
-          <a:p>
-            <a:endParaRPr lang="en-US" sz="2000" dirty="0" smtClean="0">
-              <a:solidFill>
-                <a:schemeClr val="bg1">
-                  <a:lumMod val="65000"/>
-                </a:schemeClr>
-              </a:solidFill>
-              <a:latin typeface="Monaco"/>
-              <a:cs typeface="Monaco"/>
-            </a:endParaRPr>
-          </a:p>
-          <a:p>
-            <a:endParaRPr lang="en-US" sz="2000" dirty="0">
-              <a:solidFill>
-                <a:schemeClr val="bg1">
-                  <a:lumMod val="65000"/>
-                </a:schemeClr>
-              </a:solidFill>
-              <a:latin typeface="Monaco"/>
-              <a:cs typeface="Monaco"/>
-            </a:endParaRPr>
-          </a:p>
-          <a:p>
-            <a:endParaRPr lang="en-US" sz="2000" dirty="0" smtClean="0">
-              <a:latin typeface="Monaco"/>
-              <a:cs typeface="Monaco"/>
-            </a:endParaRPr>
-          </a:p>
-        </p:txBody>
-      </p:sp>
-    </p:spTree>
-    <p:extLst>
-      <p:ext uri="{BB962C8B-B14F-4D97-AF65-F5344CB8AC3E}">
-        <p14:creationId xmlns:p14="http://schemas.microsoft.com/office/powerpoint/2010/main" val="661668976"/>
-      </p:ext>
-    </p:extLst>
-  </p:cSld>
-  <p:clrMapOvr>
-    <a:masterClrMapping/>
-  </p:clrMapOvr>
-  <p:timing>
-    <p:tnLst>
-      <p:par>
-        <p:cTn id="1" dur="indefinite" restart="never" nodeType="tmRoot">
-          <p:childTnLst>
-            <p:seq concurrent="1" nextAc="seek">
-              <p:cTn id="2" dur="indefinite" nodeType="mainSeq">
-                <p:childTnLst>
-                  <p:par>
-                    <p:cTn id="3" fill="hold">
-                      <p:stCondLst>
-                        <p:cond delay="indefinite"/>
-                      </p:stCondLst>
-                      <p:childTnLst>
-                        <p:par>
-                          <p:cTn id="4" fill="hold">
-                            <p:stCondLst>
-                              <p:cond delay="0"/>
-                            </p:stCondLst>
-                            <p:childTnLst>
-                              <p:par>
-                                <p:cTn id="5" presetID="1" presetClass="entr" presetSubtype="0" fill="hold" grpId="0" nodeType="clickEffect">
-                                  <p:stCondLst>
-                                    <p:cond delay="0"/>
-                                  </p:stCondLst>
-                                  <p:childTnLst>
-                                    <p:set>
-                                      <p:cBhvr>
-                                        <p:cTn id="6" dur="1" fill="hold">
-                                          <p:stCondLst>
-                                            <p:cond delay="0"/>
-                                          </p:stCondLst>
-                                        </p:cTn>
-                                        <p:tgtEl>
-                                          <p:spTgt spid="4"/>
-                                        </p:tgtEl>
-                                        <p:attrNameLst>
-                                          <p:attrName>style.visibility</p:attrName>
-                                        </p:attrNameLst>
-                                      </p:cBhvr>
-                                      <p:to>
-                                        <p:strVal val="visible"/>
-                                      </p:to>
-                                    </p:set>
-                                  </p:childTnLst>
-                                </p:cTn>
-                              </p:par>
-                            </p:childTnLst>
-                          </p:cTn>
-                        </p:par>
-                      </p:childTnLst>
-                    </p:cTn>
-                  </p:par>
-                </p:childTnLst>
-              </p:cTn>
-              <p:prevCondLst>
-                <p:cond evt="onPrev" delay="0">
-                  <p:tgtEl>
-                    <p:sldTgt/>
-                  </p:tgtEl>
-                </p:cond>
-              </p:prevCondLst>
-              <p:nextCondLst>
-                <p:cond evt="onNext" delay="0">
-                  <p:tgtEl>
-                    <p:sldTgt/>
-                  </p:tgtEl>
-                </p:cond>
-              </p:nextCondLst>
-            </p:seq>
-          </p:childTnLst>
-        </p:cTn>
-      </p:par>
-    </p:tnLst>
-    <p:bldLst>
-      <p:bldP spid="4" grpId="0"/>
-    </p:bldLst>
-  </p:timing>
-</p:sld>
-</file>
-
-<file path=ppt/slides/slide13.xml><?xml version="1.0" encoding="utf-8"?>
-<p:sld xmlns:a="http://schemas.openxmlformats.org/drawingml/2006/main" xmlns:r="http://schemas.openxmlformats.org/officeDocument/2006/relationships" xmlns:p="http://schemas.openxmlformats.org/presentationml/2006/main">
-  <p:cSld>
-    <p:spTree>
-      <p:nvGrpSpPr>
-        <p:cNvPr id="1" name=""/>
-        <p:cNvGrpSpPr/>
-        <p:nvPr/>
-      </p:nvGrpSpPr>
-      <p:grpSpPr>
-        <a:xfrm>
-          <a:off x="0" y="0"/>
-          <a:ext cx="0" cy="0"/>
-          <a:chOff x="0" y="0"/>
-          <a:chExt cx="0" cy="0"/>
-        </a:xfrm>
-      </p:grpSpPr>
-      <p:sp>
-        <p:nvSpPr>
-          <p:cNvPr id="2" name="Title 1"/>
-          <p:cNvSpPr>
-            <a:spLocks noGrp="1"/>
-          </p:cNvSpPr>
-          <p:nvPr>
-            <p:ph type="title"/>
-          </p:nvPr>
-        </p:nvSpPr>
-        <p:spPr/>
-        <p:txBody>
-          <a:bodyPr/>
-          <a:lstStyle/>
-          <a:p>
-            <a:r>
-              <a:rPr lang="en-US" dirty="0" smtClean="0"/>
               <a:t>a note on scope</a:t>
             </a:r>
             <a:endParaRPr lang="en-US" dirty="0"/>
@@ -5418,7 +4740,7 @@
 </p:sld>
 </file>
 
-<file path=ppt/slides/slide14.xml><?xml version="1.0" encoding="utf-8"?>
+<file path=ppt/slides/slide13.xml><?xml version="1.0" encoding="utf-8"?>
 <p:sld xmlns:a="http://schemas.openxmlformats.org/drawingml/2006/main" xmlns:r="http://schemas.openxmlformats.org/officeDocument/2006/relationships" xmlns:p="http://schemas.openxmlformats.org/presentationml/2006/main">
   <p:cSld>
     <p:spTree>
@@ -6117,7 +5439,7 @@
 </p:sld>
 </file>
 
-<file path=ppt/slides/slide15.xml><?xml version="1.0" encoding="utf-8"?>
+<file path=ppt/slides/slide14.xml><?xml version="1.0" encoding="utf-8"?>
 <p:sld xmlns:a="http://schemas.openxmlformats.org/drawingml/2006/main" xmlns:r="http://schemas.openxmlformats.org/officeDocument/2006/relationships" xmlns:p="http://schemas.openxmlformats.org/presentationml/2006/main">
   <p:cSld>
     <p:spTree>
@@ -6784,7 +6106,7 @@
 </p:sld>
 </file>
 
-<file path=ppt/slides/slide16.xml><?xml version="1.0" encoding="utf-8"?>
+<file path=ppt/slides/slide15.xml><?xml version="1.0" encoding="utf-8"?>
 <p:sld xmlns:a="http://schemas.openxmlformats.org/drawingml/2006/main" xmlns:r="http://schemas.openxmlformats.org/officeDocument/2006/relationships" xmlns:p="http://schemas.openxmlformats.org/presentationml/2006/main">
   <p:cSld>
     <p:spTree>
@@ -6849,7 +6171,7 @@
 </p:sld>
 </file>
 
-<file path=ppt/slides/slide17.xml><?xml version="1.0" encoding="utf-8"?>
+<file path=ppt/slides/slide16.xml><?xml version="1.0" encoding="utf-8"?>
 <p:sld xmlns:a="http://schemas.openxmlformats.org/drawingml/2006/main" xmlns:r="http://schemas.openxmlformats.org/officeDocument/2006/relationships" xmlns:p="http://schemas.openxmlformats.org/presentationml/2006/main">
   <p:cSld>
     <p:spTree>
@@ -7202,7 +6524,7 @@
 </p:sld>
 </file>
 
-<file path=ppt/slides/slide18.xml><?xml version="1.0" encoding="utf-8"?>
+<file path=ppt/slides/slide17.xml><?xml version="1.0" encoding="utf-8"?>
 <p:sld xmlns:a="http://schemas.openxmlformats.org/drawingml/2006/main" xmlns:r="http://schemas.openxmlformats.org/officeDocument/2006/relationships" xmlns:p="http://schemas.openxmlformats.org/presentationml/2006/main">
   <p:cSld>
     <p:spTree>
@@ -7813,7 +7135,7 @@
 </p:sld>
 </file>
 
-<file path=ppt/slides/slide19.xml><?xml version="1.0" encoding="utf-8"?>
+<file path=ppt/slides/slide18.xml><?xml version="1.0" encoding="utf-8"?>
 <p:sld xmlns:a="http://schemas.openxmlformats.org/drawingml/2006/main" xmlns:r="http://schemas.openxmlformats.org/officeDocument/2006/relationships" xmlns:p="http://schemas.openxmlformats.org/presentationml/2006/main">
   <p:cSld>
     <p:spTree>
@@ -8764,202 +8086,7 @@
 </p:sld>
 </file>
 
-<file path=ppt/slides/slide2.xml><?xml version="1.0" encoding="utf-8"?>
-<p:sld xmlns:a="http://schemas.openxmlformats.org/drawingml/2006/main" xmlns:r="http://schemas.openxmlformats.org/officeDocument/2006/relationships" xmlns:p="http://schemas.openxmlformats.org/presentationml/2006/main">
-  <p:cSld>
-    <p:spTree>
-      <p:nvGrpSpPr>
-        <p:cNvPr id="1" name=""/>
-        <p:cNvGrpSpPr/>
-        <p:nvPr/>
-      </p:nvGrpSpPr>
-      <p:grpSpPr>
-        <a:xfrm>
-          <a:off x="0" y="0"/>
-          <a:ext cx="0" cy="0"/>
-          <a:chOff x="0" y="0"/>
-          <a:chExt cx="0" cy="0"/>
-        </a:xfrm>
-      </p:grpSpPr>
-      <p:sp>
-        <p:nvSpPr>
-          <p:cNvPr id="2" name="Title 1"/>
-          <p:cNvSpPr>
-            <a:spLocks noGrp="1"/>
-          </p:cNvSpPr>
-          <p:nvPr>
-            <p:ph type="title"/>
-          </p:nvPr>
-        </p:nvSpPr>
-        <p:spPr/>
-        <p:txBody>
-          <a:bodyPr/>
-          <a:lstStyle/>
-          <a:p>
-            <a:r>
-              <a:rPr lang="en-US" dirty="0"/>
-              <a:t>Recap: we have learned</a:t>
-            </a:r>
-            <a:r>
-              <a:rPr lang="mr-IN" dirty="0"/>
-              <a:t>…</a:t>
-            </a:r>
-            <a:endParaRPr lang="en-US" dirty="0"/>
-          </a:p>
-        </p:txBody>
-      </p:sp>
-      <p:sp>
-        <p:nvSpPr>
-          <p:cNvPr id="3" name="Content Placeholder 2"/>
-          <p:cNvSpPr>
-            <a:spLocks noGrp="1"/>
-          </p:cNvSpPr>
-          <p:nvPr>
-            <p:ph idx="1"/>
-          </p:nvPr>
-        </p:nvSpPr>
-        <p:spPr/>
-        <p:txBody>
-          <a:bodyPr/>
-          <a:lstStyle/>
-          <a:p>
-            <a:pPr marL="457200" indent="-457200">
-              <a:buFont typeface="Arial" charset="0"/>
-              <a:buChar char="•"/>
-            </a:pPr>
-            <a:r>
-              <a:rPr lang="en-US" dirty="0"/>
-              <a:t>Working with several variable types</a:t>
-            </a:r>
-          </a:p>
-          <a:p>
-            <a:pPr marL="914400" lvl="1" indent="-457200">
-              <a:buFont typeface="Arial" charset="0"/>
-              <a:buChar char="•"/>
-            </a:pPr>
-            <a:r>
-              <a:rPr lang="en-US" dirty="0"/>
-              <a:t>Integer, float, </a:t>
-            </a:r>
-            <a:r>
-              <a:rPr lang="en-US" dirty="0" err="1"/>
-              <a:t>boolean</a:t>
-            </a:r>
-            <a:r>
-              <a:rPr lang="en-US" dirty="0"/>
-              <a:t>, string, </a:t>
-            </a:r>
-            <a:r>
-              <a:rPr lang="en-US" dirty="0" smtClean="0"/>
-              <a:t>list, dictionary</a:t>
-            </a:r>
-          </a:p>
-          <a:p>
-            <a:pPr marL="914400" lvl="1" indent="-457200">
-              <a:buFont typeface="Arial" charset="0"/>
-              <a:buChar char="•"/>
-            </a:pPr>
-            <a:endParaRPr lang="en-US" dirty="0" smtClean="0"/>
-          </a:p>
-          <a:p>
-            <a:pPr marL="457200" indent="-457200">
-              <a:buFont typeface="Arial" charset="0"/>
-              <a:buChar char="•"/>
-            </a:pPr>
-            <a:r>
-              <a:rPr lang="en-US" dirty="0" smtClean="0"/>
-              <a:t>Control flow with </a:t>
-            </a:r>
-            <a:r>
-              <a:rPr lang="en-US" dirty="0" smtClean="0">
-                <a:latin typeface="Monaco" charset="0"/>
-                <a:ea typeface="Monaco" charset="0"/>
-                <a:cs typeface="Monaco" charset="0"/>
-              </a:rPr>
-              <a:t>if </a:t>
-            </a:r>
-            <a:r>
-              <a:rPr lang="en-US" dirty="0" smtClean="0"/>
-              <a:t>and </a:t>
-            </a:r>
-            <a:r>
-              <a:rPr lang="en-US" dirty="0" smtClean="0">
-                <a:latin typeface="Monaco" charset="0"/>
-                <a:ea typeface="Monaco" charset="0"/>
-                <a:cs typeface="Monaco" charset="0"/>
-              </a:rPr>
-              <a:t>for</a:t>
-            </a:r>
-          </a:p>
-          <a:p>
-            <a:pPr marL="457200" indent="-457200">
-              <a:buFont typeface="Arial" charset="0"/>
-              <a:buChar char="•"/>
-            </a:pPr>
-            <a:endParaRPr lang="en-US" dirty="0"/>
-          </a:p>
-          <a:p>
-            <a:pPr marL="457200" indent="-457200">
-              <a:buFont typeface="Arial" charset="0"/>
-              <a:buChar char="•"/>
-            </a:pPr>
-            <a:r>
-              <a:rPr lang="en-US" dirty="0" smtClean="0"/>
-              <a:t>Today:</a:t>
-            </a:r>
-          </a:p>
-          <a:p>
-            <a:pPr marL="914400" lvl="1" indent="-457200">
-              <a:buFont typeface="Arial" charset="0"/>
-              <a:buChar char="•"/>
-            </a:pPr>
-            <a:r>
-              <a:rPr lang="en-US" dirty="0" smtClean="0"/>
-              <a:t>Writing </a:t>
-            </a:r>
-            <a:r>
-              <a:rPr lang="en-US" dirty="0" smtClean="0"/>
-              <a:t>and testing </a:t>
-            </a:r>
-            <a:r>
-              <a:rPr lang="en-US" dirty="0" smtClean="0"/>
-              <a:t>functions</a:t>
-            </a:r>
-          </a:p>
-          <a:p>
-            <a:pPr marL="914400" lvl="1" indent="-457200">
-              <a:buFont typeface="Arial" charset="0"/>
-              <a:buChar char="•"/>
-            </a:pPr>
-            <a:r>
-              <a:rPr lang="en-US" dirty="0" smtClean="0"/>
-              <a:t>File input/output</a:t>
-            </a:r>
-            <a:endParaRPr lang="en-US" dirty="0"/>
-          </a:p>
-        </p:txBody>
-      </p:sp>
-    </p:spTree>
-    <p:extLst>
-      <p:ext uri="{BB962C8B-B14F-4D97-AF65-F5344CB8AC3E}">
-        <p14:creationId xmlns:p14="http://schemas.microsoft.com/office/powerpoint/2010/main" val="1693920240"/>
-      </p:ext>
-    </p:extLst>
-  </p:cSld>
-  <p:clrMapOvr>
-    <a:masterClrMapping/>
-  </p:clrMapOvr>
-  <p:timing>
-    <p:tnLst>
-      <p:par>
-        <p:cTn id="1" dur="indefinite" restart="never" nodeType="tmRoot"/>
-      </p:par>
-    </p:tnLst>
-  </p:timing>
-</p:sld>
-</file>
-
-<file path=ppt/slides/slide20.xml><?xml version="1.0" encoding="utf-8"?>
+<file path=ppt/slides/slide19.xml><?xml version="1.0" encoding="utf-8"?>
 <p:sld xmlns:a="http://schemas.openxmlformats.org/drawingml/2006/main" xmlns:r="http://schemas.openxmlformats.org/officeDocument/2006/relationships" xmlns:p="http://schemas.openxmlformats.org/presentationml/2006/main">
   <p:cSld>
     <p:spTree>
@@ -9240,7 +8367,194 @@
 </p:sld>
 </file>
 
-<file path=ppt/slides/slide21.xml><?xml version="1.0" encoding="utf-8"?>
+<file path=ppt/slides/slide2.xml><?xml version="1.0" encoding="utf-8"?>
+<p:sld xmlns:a="http://schemas.openxmlformats.org/drawingml/2006/main" xmlns:r="http://schemas.openxmlformats.org/officeDocument/2006/relationships" xmlns:p="http://schemas.openxmlformats.org/presentationml/2006/main">
+  <p:cSld>
+    <p:spTree>
+      <p:nvGrpSpPr>
+        <p:cNvPr id="1" name=""/>
+        <p:cNvGrpSpPr/>
+        <p:nvPr/>
+      </p:nvGrpSpPr>
+      <p:grpSpPr>
+        <a:xfrm>
+          <a:off x="0" y="0"/>
+          <a:ext cx="0" cy="0"/>
+          <a:chOff x="0" y="0"/>
+          <a:chExt cx="0" cy="0"/>
+        </a:xfrm>
+      </p:grpSpPr>
+      <p:sp>
+        <p:nvSpPr>
+          <p:cNvPr id="2" name="Title 1"/>
+          <p:cNvSpPr>
+            <a:spLocks noGrp="1"/>
+          </p:cNvSpPr>
+          <p:nvPr>
+            <p:ph type="title"/>
+          </p:nvPr>
+        </p:nvSpPr>
+        <p:spPr/>
+        <p:txBody>
+          <a:bodyPr/>
+          <a:lstStyle/>
+          <a:p>
+            <a:r>
+              <a:rPr lang="en-US" dirty="0"/>
+              <a:t>Recap: we have learned</a:t>
+            </a:r>
+            <a:r>
+              <a:rPr lang="mr-IN" dirty="0"/>
+              <a:t>…</a:t>
+            </a:r>
+            <a:endParaRPr lang="en-US" dirty="0"/>
+          </a:p>
+        </p:txBody>
+      </p:sp>
+      <p:sp>
+        <p:nvSpPr>
+          <p:cNvPr id="3" name="Content Placeholder 2"/>
+          <p:cNvSpPr>
+            <a:spLocks noGrp="1"/>
+          </p:cNvSpPr>
+          <p:nvPr>
+            <p:ph idx="1"/>
+          </p:nvPr>
+        </p:nvSpPr>
+        <p:spPr/>
+        <p:txBody>
+          <a:bodyPr/>
+          <a:lstStyle/>
+          <a:p>
+            <a:pPr marL="457200" indent="-457200">
+              <a:buFont typeface="Arial" charset="0"/>
+              <a:buChar char="•"/>
+            </a:pPr>
+            <a:r>
+              <a:rPr lang="en-US" dirty="0"/>
+              <a:t>Working with several variable types</a:t>
+            </a:r>
+          </a:p>
+          <a:p>
+            <a:pPr marL="914400" lvl="1" indent="-457200">
+              <a:buFont typeface="Arial" charset="0"/>
+              <a:buChar char="•"/>
+            </a:pPr>
+            <a:r>
+              <a:rPr lang="en-US" dirty="0"/>
+              <a:t>Integer, float, </a:t>
+            </a:r>
+            <a:r>
+              <a:rPr lang="en-US" dirty="0" err="1"/>
+              <a:t>boolean</a:t>
+            </a:r>
+            <a:r>
+              <a:rPr lang="en-US" dirty="0"/>
+              <a:t>, string, </a:t>
+            </a:r>
+            <a:r>
+              <a:rPr lang="en-US" dirty="0" smtClean="0"/>
+              <a:t>list, dictionary</a:t>
+            </a:r>
+          </a:p>
+          <a:p>
+            <a:pPr marL="914400" lvl="1" indent="-457200">
+              <a:buFont typeface="Arial" charset="0"/>
+              <a:buChar char="•"/>
+            </a:pPr>
+            <a:endParaRPr lang="en-US" dirty="0" smtClean="0"/>
+          </a:p>
+          <a:p>
+            <a:pPr marL="457200" indent="-457200">
+              <a:buFont typeface="Arial" charset="0"/>
+              <a:buChar char="•"/>
+            </a:pPr>
+            <a:r>
+              <a:rPr lang="en-US" dirty="0" smtClean="0"/>
+              <a:t>Control flow with </a:t>
+            </a:r>
+            <a:r>
+              <a:rPr lang="en-US" dirty="0" smtClean="0">
+                <a:latin typeface="Monaco" charset="0"/>
+                <a:ea typeface="Monaco" charset="0"/>
+                <a:cs typeface="Monaco" charset="0"/>
+              </a:rPr>
+              <a:t>if </a:t>
+            </a:r>
+            <a:r>
+              <a:rPr lang="en-US" dirty="0" smtClean="0"/>
+              <a:t>and </a:t>
+            </a:r>
+            <a:r>
+              <a:rPr lang="en-US" dirty="0" smtClean="0">
+                <a:latin typeface="Monaco" charset="0"/>
+                <a:ea typeface="Monaco" charset="0"/>
+                <a:cs typeface="Monaco" charset="0"/>
+              </a:rPr>
+              <a:t>for</a:t>
+            </a:r>
+          </a:p>
+          <a:p>
+            <a:pPr marL="457200" indent="-457200">
+              <a:buFont typeface="Arial" charset="0"/>
+              <a:buChar char="•"/>
+            </a:pPr>
+            <a:endParaRPr lang="en-US" dirty="0"/>
+          </a:p>
+          <a:p>
+            <a:pPr marL="457200" indent="-457200">
+              <a:buFont typeface="Arial" charset="0"/>
+              <a:buChar char="•"/>
+            </a:pPr>
+            <a:r>
+              <a:rPr lang="en-US" dirty="0" smtClean="0"/>
+              <a:t>Today:</a:t>
+            </a:r>
+          </a:p>
+          <a:p>
+            <a:pPr marL="914400" lvl="1" indent="-457200">
+              <a:buFont typeface="Arial" charset="0"/>
+              <a:buChar char="•"/>
+            </a:pPr>
+            <a:r>
+              <a:rPr lang="en-US" dirty="0" smtClean="0"/>
+              <a:t>Writing and testing functions</a:t>
+            </a:r>
+          </a:p>
+          <a:p>
+            <a:pPr marL="914400" lvl="1" indent="-457200">
+              <a:buFont typeface="Arial" charset="0"/>
+              <a:buChar char="•"/>
+            </a:pPr>
+            <a:r>
+              <a:rPr lang="en-US" dirty="0" smtClean="0"/>
+              <a:t>File input/output</a:t>
+            </a:r>
+            <a:endParaRPr lang="en-US" dirty="0"/>
+          </a:p>
+        </p:txBody>
+      </p:sp>
+    </p:spTree>
+    <p:extLst>
+      <p:ext uri="{BB962C8B-B14F-4D97-AF65-F5344CB8AC3E}">
+        <p14:creationId xmlns:p14="http://schemas.microsoft.com/office/powerpoint/2010/main" val="1693920240"/>
+      </p:ext>
+    </p:extLst>
+  </p:cSld>
+  <p:clrMapOvr>
+    <a:masterClrMapping/>
+  </p:clrMapOvr>
+  <p:timing>
+    <p:tnLst>
+      <p:par>
+        <p:cTn id="1" dur="indefinite" restart="never" nodeType="tmRoot"/>
+      </p:par>
+    </p:tnLst>
+  </p:timing>
+</p:sld>
+</file>
+
+<file path=ppt/slides/slide20.xml><?xml version="1.0" encoding="utf-8"?>
 <p:sld xmlns:a="http://schemas.openxmlformats.org/drawingml/2006/main" xmlns:r="http://schemas.openxmlformats.org/officeDocument/2006/relationships" xmlns:p="http://schemas.openxmlformats.org/presentationml/2006/main">
   <p:cSld>
     <p:spTree>
@@ -10028,7 +9342,7 @@
 </p:sld>
 </file>
 
-<file path=ppt/slides/slide22.xml><?xml version="1.0" encoding="utf-8"?>
+<file path=ppt/slides/slide21.xml><?xml version="1.0" encoding="utf-8"?>
 <p:sld xmlns:a="http://schemas.openxmlformats.org/drawingml/2006/main" xmlns:r="http://schemas.openxmlformats.org/officeDocument/2006/relationships" xmlns:p="http://schemas.openxmlformats.org/presentationml/2006/main">
   <p:cSld>
     <p:spTree>
@@ -10623,7 +9937,7 @@
 </p:sld>
 </file>
 
-<file path=ppt/slides/slide23.xml><?xml version="1.0" encoding="utf-8"?>
+<file path=ppt/slides/slide22.xml><?xml version="1.0" encoding="utf-8"?>
 <p:sld xmlns:a="http://schemas.openxmlformats.org/drawingml/2006/main" xmlns:r="http://schemas.openxmlformats.org/officeDocument/2006/relationships" xmlns:p="http://schemas.openxmlformats.org/presentationml/2006/main">
   <p:cSld>
     <p:spTree>
@@ -11092,7 +10406,7 @@
 </p:sld>
 </file>
 
-<file path=ppt/slides/slide24.xml><?xml version="1.0" encoding="utf-8"?>
+<file path=ppt/slides/slide23.xml><?xml version="1.0" encoding="utf-8"?>
 <p:sld xmlns:a="http://schemas.openxmlformats.org/drawingml/2006/main" xmlns:r="http://schemas.openxmlformats.org/officeDocument/2006/relationships" xmlns:p="http://schemas.openxmlformats.org/presentationml/2006/main">
   <p:cSld>
     <p:spTree>
@@ -11815,7 +11129,7 @@
 </p:sld>
 </file>
 
-<file path=ppt/slides/slide25.xml><?xml version="1.0" encoding="utf-8"?>
+<file path=ppt/slides/slide24.xml><?xml version="1.0" encoding="utf-8"?>
 <p:sld xmlns:a="http://schemas.openxmlformats.org/drawingml/2006/main" xmlns:r="http://schemas.openxmlformats.org/officeDocument/2006/relationships" xmlns:p="http://schemas.openxmlformats.org/presentationml/2006/main">
   <p:cSld>
     <p:spTree>
@@ -12313,7 +11627,7 @@
 </p:sld>
 </file>
 
-<file path=ppt/slides/slide26.xml><?xml version="1.0" encoding="utf-8"?>
+<file path=ppt/slides/slide25.xml><?xml version="1.0" encoding="utf-8"?>
 <p:sld xmlns:a="http://schemas.openxmlformats.org/drawingml/2006/main" xmlns:r="http://schemas.openxmlformats.org/officeDocument/2006/relationships" xmlns:p="http://schemas.openxmlformats.org/presentationml/2006/main">
   <p:cSld>
     <p:spTree>
@@ -12378,7 +11692,7 @@
 </p:sld>
 </file>
 
-<file path=ppt/slides/slide27.xml><?xml version="1.0" encoding="utf-8"?>
+<file path=ppt/slides/slide26.xml><?xml version="1.0" encoding="utf-8"?>
 <p:sld xmlns:a="http://schemas.openxmlformats.org/drawingml/2006/main" xmlns:r="http://schemas.openxmlformats.org/officeDocument/2006/relationships" xmlns:p="http://schemas.openxmlformats.org/presentationml/2006/main">
   <p:cSld>
     <p:spTree>
@@ -12721,7 +12035,7 @@
 </p:sld>
 </file>
 
-<file path=ppt/slides/slide28.xml><?xml version="1.0" encoding="utf-8"?>
+<file path=ppt/slides/slide27.xml><?xml version="1.0" encoding="utf-8"?>
 <p:sld xmlns:a="http://schemas.openxmlformats.org/drawingml/2006/main" xmlns:r="http://schemas.openxmlformats.org/officeDocument/2006/relationships" xmlns:p="http://schemas.openxmlformats.org/presentationml/2006/main">
   <p:cSld>
     <p:spTree>
@@ -13507,7 +12821,7 @@
 </p:sld>
 </file>
 
-<file path=ppt/slides/slide29.xml><?xml version="1.0" encoding="utf-8"?>
+<file path=ppt/slides/slide28.xml><?xml version="1.0" encoding="utf-8"?>
 <p:sld xmlns:a="http://schemas.openxmlformats.org/drawingml/2006/main" xmlns:r="http://schemas.openxmlformats.org/officeDocument/2006/relationships" xmlns:p="http://schemas.openxmlformats.org/presentationml/2006/main">
   <p:cSld>
     <p:spTree>
@@ -14014,15 +13328,6 @@
               </a:rPr>
               <a:t>"col1,col2,col3"</a:t>
             </a:r>
-            <a:endParaRPr lang="en-US" dirty="0" smtClean="0">
-              <a:solidFill>
-                <a:schemeClr val="bg1">
-                  <a:lumMod val="65000"/>
-                </a:schemeClr>
-              </a:solidFill>
-              <a:latin typeface="Monaco"/>
-              <a:cs typeface="Monaco"/>
-            </a:endParaRPr>
           </a:p>
         </p:txBody>
       </p:sp>
@@ -14464,1143 +13769,7 @@
 </p:sld>
 </file>
 
-<file path=ppt/slides/slide3.xml><?xml version="1.0" encoding="utf-8"?>
-<p:sld xmlns:a="http://schemas.openxmlformats.org/drawingml/2006/main" xmlns:r="http://schemas.openxmlformats.org/officeDocument/2006/relationships" xmlns:p="http://schemas.openxmlformats.org/presentationml/2006/main">
-  <p:cSld>
-    <p:spTree>
-      <p:nvGrpSpPr>
-        <p:cNvPr id="1" name=""/>
-        <p:cNvGrpSpPr/>
-        <p:nvPr/>
-      </p:nvGrpSpPr>
-      <p:grpSpPr>
-        <a:xfrm>
-          <a:off x="0" y="0"/>
-          <a:ext cx="0" cy="0"/>
-          <a:chOff x="0" y="0"/>
-          <a:chExt cx="0" cy="0"/>
-        </a:xfrm>
-      </p:grpSpPr>
-      <p:sp>
-        <p:nvSpPr>
-          <p:cNvPr id="2" name="Title 1"/>
-          <p:cNvSpPr>
-            <a:spLocks noGrp="1"/>
-          </p:cNvSpPr>
-          <p:nvPr>
-            <p:ph type="title"/>
-          </p:nvPr>
-        </p:nvSpPr>
-        <p:spPr/>
-        <p:txBody>
-          <a:bodyPr>
-            <a:normAutofit/>
-          </a:bodyPr>
-          <a:lstStyle/>
-          <a:p>
-            <a:r>
-              <a:rPr lang="en-US" dirty="0" smtClean="0"/>
-              <a:t>A </a:t>
-            </a:r>
-            <a:r>
-              <a:rPr lang="en-US" dirty="0" smtClean="0"/>
-              <a:t>handy dictionary </a:t>
-            </a:r>
-            <a:r>
-              <a:rPr lang="en-US" dirty="0" smtClean="0"/>
-              <a:t>technique</a:t>
-            </a:r>
-            <a:endParaRPr lang="en-US" dirty="0"/>
-          </a:p>
-        </p:txBody>
-      </p:sp>
-      <p:sp>
-        <p:nvSpPr>
-          <p:cNvPr id="3" name="Content Placeholder 2"/>
-          <p:cNvSpPr>
-            <a:spLocks noGrp="1"/>
-          </p:cNvSpPr>
-          <p:nvPr>
-            <p:ph idx="1"/>
-          </p:nvPr>
-        </p:nvSpPr>
-        <p:spPr/>
-        <p:txBody>
-          <a:bodyPr>
-            <a:normAutofit/>
-          </a:bodyPr>
-          <a:lstStyle/>
-          <a:p>
-            <a:r>
-              <a:rPr lang="en-US" sz="2000" dirty="0" smtClean="0"/>
-              <a:t>The task: </a:t>
-            </a:r>
-            <a:r>
-              <a:rPr lang="en-US" sz="2000" b="0" dirty="0" smtClean="0"/>
-              <a:t>Count </a:t>
-            </a:r>
-            <a:r>
-              <a:rPr lang="en-US" sz="2000" b="0" dirty="0" smtClean="0"/>
-              <a:t>the number of each character in a string, by creating a dictionary, </a:t>
-            </a:r>
-            <a:r>
-              <a:rPr lang="en-US" sz="2000" b="0" dirty="0" err="1" smtClean="0">
-                <a:latin typeface="Monaco" charset="0"/>
-                <a:ea typeface="Monaco" charset="0"/>
-                <a:cs typeface="Monaco" charset="0"/>
-              </a:rPr>
-              <a:t>key:value</a:t>
-            </a:r>
-            <a:r>
-              <a:rPr lang="en-US" sz="2000" b="0" dirty="0" smtClean="0">
-                <a:latin typeface="Monaco" charset="0"/>
-                <a:ea typeface="Monaco" charset="0"/>
-                <a:cs typeface="Monaco" charset="0"/>
-              </a:rPr>
-              <a:t>::</a:t>
-            </a:r>
-            <a:r>
-              <a:rPr lang="en-US" sz="2000" b="0" dirty="0" err="1" smtClean="0">
-                <a:latin typeface="Monaco" charset="0"/>
-                <a:ea typeface="Monaco" charset="0"/>
-                <a:cs typeface="Monaco" charset="0"/>
-              </a:rPr>
-              <a:t>character:count</a:t>
-            </a:r>
-            <a:r>
-              <a:rPr lang="en-US" sz="2000" b="0" dirty="0" smtClean="0"/>
-              <a:t>. </a:t>
-            </a:r>
-          </a:p>
-          <a:p>
-            <a:r>
-              <a:rPr lang="en-US" sz="2000" dirty="0" smtClean="0"/>
-              <a:t>The catch: </a:t>
-            </a:r>
-            <a:r>
-              <a:rPr lang="en-US" sz="2000" b="0" dirty="0" smtClean="0"/>
-              <a:t>You don't know beforehand what characters are there!</a:t>
-            </a:r>
-            <a:endParaRPr lang="en-US" sz="2000" b="0" dirty="0"/>
-          </a:p>
-        </p:txBody>
-      </p:sp>
-      <p:sp>
-        <p:nvSpPr>
-          <p:cNvPr id="4" name="TextBox 3"/>
-          <p:cNvSpPr txBox="1"/>
-          <p:nvPr/>
-        </p:nvSpPr>
-        <p:spPr>
-          <a:xfrm>
-            <a:off x="457199" y="3170764"/>
-            <a:ext cx="8338444" cy="4124206"/>
-          </a:xfrm>
-          <a:prstGeom prst="rect">
-            <a:avLst/>
-          </a:prstGeom>
-          <a:noFill/>
-        </p:spPr>
-        <p:txBody>
-          <a:bodyPr wrap="square" rtlCol="0">
-            <a:spAutoFit/>
-          </a:bodyPr>
-          <a:lstStyle/>
-          <a:p>
-            <a:r>
-              <a:rPr lang="en-US" dirty="0" smtClean="0">
-                <a:latin typeface="Monaco" charset="0"/>
-                <a:ea typeface="Monaco" charset="0"/>
-                <a:cs typeface="Monaco" charset="0"/>
-              </a:rPr>
-              <a:t>string = "supercalifragilisticexpialidocious"</a:t>
-            </a:r>
-          </a:p>
-          <a:p>
-            <a:endParaRPr lang="en-US" dirty="0" smtClean="0">
-              <a:latin typeface="Monaco" charset="0"/>
-              <a:ea typeface="Monaco" charset="0"/>
-              <a:cs typeface="Monaco" charset="0"/>
-            </a:endParaRPr>
-          </a:p>
-          <a:p>
-            <a:r>
-              <a:rPr lang="en-US" dirty="0" err="1" smtClean="0">
-                <a:latin typeface="Monaco" charset="0"/>
-                <a:ea typeface="Monaco" charset="0"/>
-                <a:cs typeface="Monaco" charset="0"/>
-              </a:rPr>
-              <a:t>string_counts</a:t>
-            </a:r>
-            <a:r>
-              <a:rPr lang="en-US" dirty="0" smtClean="0">
-                <a:latin typeface="Monaco" charset="0"/>
-                <a:ea typeface="Monaco" charset="0"/>
-                <a:cs typeface="Monaco" charset="0"/>
-              </a:rPr>
-              <a:t> = {}</a:t>
-            </a:r>
-            <a:endParaRPr lang="en-US" dirty="0">
-              <a:latin typeface="Monaco" charset="0"/>
-              <a:ea typeface="Monaco" charset="0"/>
-              <a:cs typeface="Monaco" charset="0"/>
-            </a:endParaRPr>
-          </a:p>
-          <a:p>
-            <a:r>
-              <a:rPr lang="en-US" dirty="0" smtClean="0">
-                <a:latin typeface="Monaco" charset="0"/>
-                <a:ea typeface="Monaco" charset="0"/>
-                <a:cs typeface="Monaco" charset="0"/>
-              </a:rPr>
-              <a:t>for item in string:</a:t>
-            </a:r>
-          </a:p>
-          <a:p>
-            <a:r>
-              <a:rPr lang="en-US" dirty="0">
-                <a:latin typeface="Monaco" charset="0"/>
-                <a:ea typeface="Monaco" charset="0"/>
-                <a:cs typeface="Monaco" charset="0"/>
-              </a:rPr>
-              <a:t>	</a:t>
-            </a:r>
-            <a:r>
-              <a:rPr lang="en-US" dirty="0" smtClean="0">
-                <a:latin typeface="Monaco" charset="0"/>
-                <a:ea typeface="Monaco" charset="0"/>
-                <a:cs typeface="Monaco" charset="0"/>
-              </a:rPr>
-              <a:t>if item in </a:t>
-            </a:r>
-            <a:r>
-              <a:rPr lang="en-US" dirty="0" err="1" smtClean="0">
-                <a:latin typeface="Monaco" charset="0"/>
-                <a:ea typeface="Monaco" charset="0"/>
-                <a:cs typeface="Monaco" charset="0"/>
-              </a:rPr>
-              <a:t>string_counts</a:t>
-            </a:r>
-            <a:r>
-              <a:rPr lang="en-US" dirty="0" smtClean="0">
-                <a:latin typeface="Monaco" charset="0"/>
-                <a:ea typeface="Monaco" charset="0"/>
-                <a:cs typeface="Monaco" charset="0"/>
-              </a:rPr>
-              <a:t>:</a:t>
-            </a:r>
-          </a:p>
-          <a:p>
-            <a:r>
-              <a:rPr lang="en-US" dirty="0">
-                <a:latin typeface="Monaco" charset="0"/>
-                <a:ea typeface="Monaco" charset="0"/>
-                <a:cs typeface="Monaco" charset="0"/>
-              </a:rPr>
-              <a:t>	</a:t>
-            </a:r>
-            <a:r>
-              <a:rPr lang="en-US" dirty="0" smtClean="0">
-                <a:latin typeface="Monaco" charset="0"/>
-                <a:ea typeface="Monaco" charset="0"/>
-                <a:cs typeface="Monaco" charset="0"/>
-              </a:rPr>
-              <a:t>	</a:t>
-            </a:r>
-            <a:r>
-              <a:rPr lang="en-US" dirty="0" err="1" smtClean="0">
-                <a:latin typeface="Monaco" charset="0"/>
-                <a:ea typeface="Monaco" charset="0"/>
-                <a:cs typeface="Monaco" charset="0"/>
-              </a:rPr>
-              <a:t>string_counts</a:t>
-            </a:r>
-            <a:r>
-              <a:rPr lang="en-US" dirty="0" smtClean="0">
-                <a:latin typeface="Monaco" charset="0"/>
-                <a:ea typeface="Monaco" charset="0"/>
-                <a:cs typeface="Monaco" charset="0"/>
-              </a:rPr>
-              <a:t>[item] += 1</a:t>
-            </a:r>
-          </a:p>
-          <a:p>
-            <a:r>
-              <a:rPr lang="en-US" dirty="0">
-                <a:latin typeface="Monaco" charset="0"/>
-                <a:ea typeface="Monaco" charset="0"/>
-                <a:cs typeface="Monaco" charset="0"/>
-              </a:rPr>
-              <a:t>	</a:t>
-            </a:r>
-            <a:r>
-              <a:rPr lang="en-US" dirty="0" smtClean="0">
-                <a:latin typeface="Monaco" charset="0"/>
-                <a:ea typeface="Monaco" charset="0"/>
-                <a:cs typeface="Monaco" charset="0"/>
-              </a:rPr>
-              <a:t>else:</a:t>
-            </a:r>
-          </a:p>
-          <a:p>
-            <a:r>
-              <a:rPr lang="en-US" dirty="0">
-                <a:latin typeface="Monaco" charset="0"/>
-                <a:ea typeface="Monaco" charset="0"/>
-                <a:cs typeface="Monaco" charset="0"/>
-              </a:rPr>
-              <a:t>		</a:t>
-            </a:r>
-            <a:r>
-              <a:rPr lang="en-US" dirty="0" err="1" smtClean="0">
-                <a:latin typeface="Monaco" charset="0"/>
-                <a:ea typeface="Monaco" charset="0"/>
-                <a:cs typeface="Monaco" charset="0"/>
-              </a:rPr>
-              <a:t>string_counts</a:t>
-            </a:r>
-            <a:r>
-              <a:rPr lang="en-US" dirty="0" smtClean="0">
-                <a:latin typeface="Monaco" charset="0"/>
-                <a:ea typeface="Monaco" charset="0"/>
-                <a:cs typeface="Monaco" charset="0"/>
-              </a:rPr>
-              <a:t>[item] = 1</a:t>
-            </a:r>
-          </a:p>
-          <a:p>
-            <a:endParaRPr lang="en-US" dirty="0">
-              <a:latin typeface="Monaco" charset="0"/>
-              <a:ea typeface="Monaco" charset="0"/>
-              <a:cs typeface="Monaco" charset="0"/>
-            </a:endParaRPr>
-          </a:p>
-          <a:p>
-            <a:r>
-              <a:rPr lang="en-US" dirty="0" smtClean="0">
-                <a:latin typeface="Monaco" charset="0"/>
-                <a:ea typeface="Monaco" charset="0"/>
-                <a:cs typeface="Monaco" charset="0"/>
-              </a:rPr>
-              <a:t>print(</a:t>
-            </a:r>
-            <a:r>
-              <a:rPr lang="en-US" dirty="0" err="1" smtClean="0">
-                <a:latin typeface="Monaco" charset="0"/>
-                <a:ea typeface="Monaco" charset="0"/>
-                <a:cs typeface="Monaco" charset="0"/>
-              </a:rPr>
-              <a:t>string_counts</a:t>
-            </a:r>
-            <a:r>
-              <a:rPr lang="en-US" dirty="0" smtClean="0">
-                <a:latin typeface="Monaco" charset="0"/>
-                <a:ea typeface="Monaco" charset="0"/>
-                <a:cs typeface="Monaco" charset="0"/>
-              </a:rPr>
-              <a:t>)</a:t>
-            </a:r>
-          </a:p>
-          <a:p>
-            <a:r>
-              <a:rPr lang="en-US" sz="1400" dirty="0" smtClean="0">
-                <a:solidFill>
-                  <a:schemeClr val="bg1">
-                    <a:lumMod val="65000"/>
-                  </a:schemeClr>
-                </a:solidFill>
-                <a:latin typeface="Monaco" charset="0"/>
-                <a:ea typeface="Monaco" charset="0"/>
-                <a:cs typeface="Monaco" charset="0"/>
-              </a:rPr>
-              <a:t>	</a:t>
-            </a:r>
-            <a:r>
-              <a:rPr lang="mr-IN" sz="1400" dirty="0">
-                <a:solidFill>
-                  <a:schemeClr val="bg1">
-                    <a:lumMod val="65000"/>
-                  </a:schemeClr>
-                </a:solidFill>
-                <a:latin typeface="Monaco" charset="0"/>
-                <a:ea typeface="Monaco" charset="0"/>
-                <a:cs typeface="Monaco" charset="0"/>
-              </a:rPr>
-              <a:t>{'</a:t>
-            </a:r>
-            <a:r>
-              <a:rPr lang="mr-IN" sz="1400" dirty="0" err="1">
-                <a:solidFill>
-                  <a:schemeClr val="bg1">
-                    <a:lumMod val="65000"/>
-                  </a:schemeClr>
-                </a:solidFill>
-                <a:latin typeface="Monaco" charset="0"/>
-                <a:ea typeface="Monaco" charset="0"/>
-                <a:cs typeface="Monaco" charset="0"/>
-              </a:rPr>
-              <a:t>s</a:t>
-            </a:r>
-            <a:r>
-              <a:rPr lang="mr-IN" sz="1400" dirty="0">
-                <a:solidFill>
-                  <a:schemeClr val="bg1">
-                    <a:lumMod val="65000"/>
-                  </a:schemeClr>
-                </a:solidFill>
-                <a:latin typeface="Monaco" charset="0"/>
-                <a:ea typeface="Monaco" charset="0"/>
-                <a:cs typeface="Monaco" charset="0"/>
-              </a:rPr>
-              <a:t>': 3, '</a:t>
-            </a:r>
-            <a:r>
-              <a:rPr lang="mr-IN" sz="1400" dirty="0" err="1">
-                <a:solidFill>
-                  <a:schemeClr val="bg1">
-                    <a:lumMod val="65000"/>
-                  </a:schemeClr>
-                </a:solidFill>
-                <a:latin typeface="Monaco" charset="0"/>
-                <a:ea typeface="Monaco" charset="0"/>
-                <a:cs typeface="Monaco" charset="0"/>
-              </a:rPr>
-              <a:t>u</a:t>
-            </a:r>
-            <a:r>
-              <a:rPr lang="mr-IN" sz="1400" dirty="0">
-                <a:solidFill>
-                  <a:schemeClr val="bg1">
-                    <a:lumMod val="65000"/>
-                  </a:schemeClr>
-                </a:solidFill>
-                <a:latin typeface="Monaco" charset="0"/>
-                <a:ea typeface="Monaco" charset="0"/>
-                <a:cs typeface="Monaco" charset="0"/>
-              </a:rPr>
-              <a:t>': 2, '</a:t>
-            </a:r>
-            <a:r>
-              <a:rPr lang="mr-IN" sz="1400" dirty="0" err="1">
-                <a:solidFill>
-                  <a:schemeClr val="bg1">
-                    <a:lumMod val="65000"/>
-                  </a:schemeClr>
-                </a:solidFill>
-                <a:latin typeface="Monaco" charset="0"/>
-                <a:ea typeface="Monaco" charset="0"/>
-                <a:cs typeface="Monaco" charset="0"/>
-              </a:rPr>
-              <a:t>p</a:t>
-            </a:r>
-            <a:r>
-              <a:rPr lang="mr-IN" sz="1400" dirty="0">
-                <a:solidFill>
-                  <a:schemeClr val="bg1">
-                    <a:lumMod val="65000"/>
-                  </a:schemeClr>
-                </a:solidFill>
-                <a:latin typeface="Monaco" charset="0"/>
-                <a:ea typeface="Monaco" charset="0"/>
-                <a:cs typeface="Monaco" charset="0"/>
-              </a:rPr>
-              <a:t>': 2, '</a:t>
-            </a:r>
-            <a:r>
-              <a:rPr lang="mr-IN" sz="1400" dirty="0" err="1">
-                <a:solidFill>
-                  <a:schemeClr val="bg1">
-                    <a:lumMod val="65000"/>
-                  </a:schemeClr>
-                </a:solidFill>
-                <a:latin typeface="Monaco" charset="0"/>
-                <a:ea typeface="Monaco" charset="0"/>
-                <a:cs typeface="Monaco" charset="0"/>
-              </a:rPr>
-              <a:t>e</a:t>
-            </a:r>
-            <a:r>
-              <a:rPr lang="mr-IN" sz="1400" dirty="0">
-                <a:solidFill>
-                  <a:schemeClr val="bg1">
-                    <a:lumMod val="65000"/>
-                  </a:schemeClr>
-                </a:solidFill>
-                <a:latin typeface="Monaco" charset="0"/>
-                <a:ea typeface="Monaco" charset="0"/>
-                <a:cs typeface="Monaco" charset="0"/>
-              </a:rPr>
-              <a:t>': 2, '</a:t>
-            </a:r>
-            <a:r>
-              <a:rPr lang="mr-IN" sz="1400" dirty="0" err="1">
-                <a:solidFill>
-                  <a:schemeClr val="bg1">
-                    <a:lumMod val="65000"/>
-                  </a:schemeClr>
-                </a:solidFill>
-                <a:latin typeface="Monaco" charset="0"/>
-                <a:ea typeface="Monaco" charset="0"/>
-                <a:cs typeface="Monaco" charset="0"/>
-              </a:rPr>
-              <a:t>r</a:t>
-            </a:r>
-            <a:r>
-              <a:rPr lang="mr-IN" sz="1400" dirty="0">
-                <a:solidFill>
-                  <a:schemeClr val="bg1">
-                    <a:lumMod val="65000"/>
-                  </a:schemeClr>
-                </a:solidFill>
-                <a:latin typeface="Monaco" charset="0"/>
-                <a:ea typeface="Monaco" charset="0"/>
-                <a:cs typeface="Monaco" charset="0"/>
-              </a:rPr>
-              <a:t>': 2, '</a:t>
-            </a:r>
-            <a:r>
-              <a:rPr lang="mr-IN" sz="1400" dirty="0" err="1">
-                <a:solidFill>
-                  <a:schemeClr val="bg1">
-                    <a:lumMod val="65000"/>
-                  </a:schemeClr>
-                </a:solidFill>
-                <a:latin typeface="Monaco" charset="0"/>
-                <a:ea typeface="Monaco" charset="0"/>
-                <a:cs typeface="Monaco" charset="0"/>
-              </a:rPr>
-              <a:t>c</a:t>
-            </a:r>
-            <a:r>
-              <a:rPr lang="mr-IN" sz="1400" dirty="0">
-                <a:solidFill>
-                  <a:schemeClr val="bg1">
-                    <a:lumMod val="65000"/>
-                  </a:schemeClr>
-                </a:solidFill>
-                <a:latin typeface="Monaco" charset="0"/>
-                <a:ea typeface="Monaco" charset="0"/>
-                <a:cs typeface="Monaco" charset="0"/>
-              </a:rPr>
-              <a:t>': 3, '</a:t>
-            </a:r>
-            <a:r>
-              <a:rPr lang="mr-IN" sz="1400" dirty="0" err="1">
-                <a:solidFill>
-                  <a:schemeClr val="bg1">
-                    <a:lumMod val="65000"/>
-                  </a:schemeClr>
-                </a:solidFill>
-                <a:latin typeface="Monaco" charset="0"/>
-                <a:ea typeface="Monaco" charset="0"/>
-                <a:cs typeface="Monaco" charset="0"/>
-              </a:rPr>
-              <a:t>a</a:t>
-            </a:r>
-            <a:r>
-              <a:rPr lang="mr-IN" sz="1400" dirty="0">
-                <a:solidFill>
-                  <a:schemeClr val="bg1">
-                    <a:lumMod val="65000"/>
-                  </a:schemeClr>
-                </a:solidFill>
-                <a:latin typeface="Monaco" charset="0"/>
-                <a:ea typeface="Monaco" charset="0"/>
-                <a:cs typeface="Monaco" charset="0"/>
-              </a:rPr>
-              <a:t>': 3, '</a:t>
-            </a:r>
-            <a:r>
-              <a:rPr lang="mr-IN" sz="1400" dirty="0" err="1">
-                <a:solidFill>
-                  <a:schemeClr val="bg1">
-                    <a:lumMod val="65000"/>
-                  </a:schemeClr>
-                </a:solidFill>
-                <a:latin typeface="Monaco" charset="0"/>
-                <a:ea typeface="Monaco" charset="0"/>
-                <a:cs typeface="Monaco" charset="0"/>
-              </a:rPr>
-              <a:t>l</a:t>
-            </a:r>
-            <a:r>
-              <a:rPr lang="mr-IN" sz="1400" dirty="0">
-                <a:solidFill>
-                  <a:schemeClr val="bg1">
-                    <a:lumMod val="65000"/>
-                  </a:schemeClr>
-                </a:solidFill>
-                <a:latin typeface="Monaco" charset="0"/>
-                <a:ea typeface="Monaco" charset="0"/>
-                <a:cs typeface="Monaco" charset="0"/>
-              </a:rPr>
-              <a:t>': 3, '</a:t>
-            </a:r>
-            <a:r>
-              <a:rPr lang="mr-IN" sz="1400" dirty="0" err="1">
-                <a:solidFill>
-                  <a:schemeClr val="bg1">
-                    <a:lumMod val="65000"/>
-                  </a:schemeClr>
-                </a:solidFill>
-                <a:latin typeface="Monaco" charset="0"/>
-                <a:ea typeface="Monaco" charset="0"/>
-                <a:cs typeface="Monaco" charset="0"/>
-              </a:rPr>
-              <a:t>i</a:t>
-            </a:r>
-            <a:r>
-              <a:rPr lang="mr-IN" sz="1400" dirty="0">
-                <a:solidFill>
-                  <a:schemeClr val="bg1">
-                    <a:lumMod val="65000"/>
-                  </a:schemeClr>
-                </a:solidFill>
-                <a:latin typeface="Monaco" charset="0"/>
-                <a:ea typeface="Monaco" charset="0"/>
-                <a:cs typeface="Monaco" charset="0"/>
-              </a:rPr>
-              <a:t>': 7, '</a:t>
-            </a:r>
-            <a:r>
-              <a:rPr lang="mr-IN" sz="1400" dirty="0" err="1">
-                <a:solidFill>
-                  <a:schemeClr val="bg1">
-                    <a:lumMod val="65000"/>
-                  </a:schemeClr>
-                </a:solidFill>
-                <a:latin typeface="Monaco" charset="0"/>
-                <a:ea typeface="Monaco" charset="0"/>
-                <a:cs typeface="Monaco" charset="0"/>
-              </a:rPr>
-              <a:t>f</a:t>
-            </a:r>
-            <a:r>
-              <a:rPr lang="mr-IN" sz="1400" dirty="0">
-                <a:solidFill>
-                  <a:schemeClr val="bg1">
-                    <a:lumMod val="65000"/>
-                  </a:schemeClr>
-                </a:solidFill>
-                <a:latin typeface="Monaco" charset="0"/>
-                <a:ea typeface="Monaco" charset="0"/>
-                <a:cs typeface="Monaco" charset="0"/>
-              </a:rPr>
-              <a:t>': 1, '</a:t>
-            </a:r>
-            <a:r>
-              <a:rPr lang="mr-IN" sz="1400" dirty="0" err="1">
-                <a:solidFill>
-                  <a:schemeClr val="bg1">
-                    <a:lumMod val="65000"/>
-                  </a:schemeClr>
-                </a:solidFill>
-                <a:latin typeface="Monaco" charset="0"/>
-                <a:ea typeface="Monaco" charset="0"/>
-                <a:cs typeface="Monaco" charset="0"/>
-              </a:rPr>
-              <a:t>g</a:t>
-            </a:r>
-            <a:r>
-              <a:rPr lang="mr-IN" sz="1400" dirty="0">
-                <a:solidFill>
-                  <a:schemeClr val="bg1">
-                    <a:lumMod val="65000"/>
-                  </a:schemeClr>
-                </a:solidFill>
-                <a:latin typeface="Monaco" charset="0"/>
-                <a:ea typeface="Monaco" charset="0"/>
-                <a:cs typeface="Monaco" charset="0"/>
-              </a:rPr>
-              <a:t>': 1, '</a:t>
-            </a:r>
-            <a:r>
-              <a:rPr lang="mr-IN" sz="1400" dirty="0" err="1">
-                <a:solidFill>
-                  <a:schemeClr val="bg1">
-                    <a:lumMod val="65000"/>
-                  </a:schemeClr>
-                </a:solidFill>
-                <a:latin typeface="Monaco" charset="0"/>
-                <a:ea typeface="Monaco" charset="0"/>
-                <a:cs typeface="Monaco" charset="0"/>
-              </a:rPr>
-              <a:t>t</a:t>
-            </a:r>
-            <a:r>
-              <a:rPr lang="mr-IN" sz="1400" dirty="0">
-                <a:solidFill>
-                  <a:schemeClr val="bg1">
-                    <a:lumMod val="65000"/>
-                  </a:schemeClr>
-                </a:solidFill>
-                <a:latin typeface="Monaco" charset="0"/>
-                <a:ea typeface="Monaco" charset="0"/>
-                <a:cs typeface="Monaco" charset="0"/>
-              </a:rPr>
-              <a:t>': 1, '</a:t>
-            </a:r>
-            <a:r>
-              <a:rPr lang="mr-IN" sz="1400" dirty="0" err="1">
-                <a:solidFill>
-                  <a:schemeClr val="bg1">
-                    <a:lumMod val="65000"/>
-                  </a:schemeClr>
-                </a:solidFill>
-                <a:latin typeface="Monaco" charset="0"/>
-                <a:ea typeface="Monaco" charset="0"/>
-                <a:cs typeface="Monaco" charset="0"/>
-              </a:rPr>
-              <a:t>x</a:t>
-            </a:r>
-            <a:r>
-              <a:rPr lang="mr-IN" sz="1400" dirty="0">
-                <a:solidFill>
-                  <a:schemeClr val="bg1">
-                    <a:lumMod val="65000"/>
-                  </a:schemeClr>
-                </a:solidFill>
-                <a:latin typeface="Monaco" charset="0"/>
-                <a:ea typeface="Monaco" charset="0"/>
-                <a:cs typeface="Monaco" charset="0"/>
-              </a:rPr>
-              <a:t>': 1, '</a:t>
-            </a:r>
-            <a:r>
-              <a:rPr lang="mr-IN" sz="1400" dirty="0" err="1">
-                <a:solidFill>
-                  <a:schemeClr val="bg1">
-                    <a:lumMod val="65000"/>
-                  </a:schemeClr>
-                </a:solidFill>
-                <a:latin typeface="Monaco" charset="0"/>
-                <a:ea typeface="Monaco" charset="0"/>
-                <a:cs typeface="Monaco" charset="0"/>
-              </a:rPr>
-              <a:t>d</a:t>
-            </a:r>
-            <a:r>
-              <a:rPr lang="mr-IN" sz="1400" dirty="0">
-                <a:solidFill>
-                  <a:schemeClr val="bg1">
-                    <a:lumMod val="65000"/>
-                  </a:schemeClr>
-                </a:solidFill>
-                <a:latin typeface="Monaco" charset="0"/>
-                <a:ea typeface="Monaco" charset="0"/>
-                <a:cs typeface="Monaco" charset="0"/>
-              </a:rPr>
-              <a:t>': 1, '</a:t>
-            </a:r>
-            <a:r>
-              <a:rPr lang="mr-IN" sz="1400" dirty="0" err="1">
-                <a:solidFill>
-                  <a:schemeClr val="bg1">
-                    <a:lumMod val="65000"/>
-                  </a:schemeClr>
-                </a:solidFill>
-                <a:latin typeface="Monaco" charset="0"/>
-                <a:ea typeface="Monaco" charset="0"/>
-                <a:cs typeface="Monaco" charset="0"/>
-              </a:rPr>
-              <a:t>o</a:t>
-            </a:r>
-            <a:r>
-              <a:rPr lang="mr-IN" sz="1400" dirty="0">
-                <a:solidFill>
-                  <a:schemeClr val="bg1">
-                    <a:lumMod val="65000"/>
-                  </a:schemeClr>
-                </a:solidFill>
-                <a:latin typeface="Monaco" charset="0"/>
-                <a:ea typeface="Monaco" charset="0"/>
-                <a:cs typeface="Monaco" charset="0"/>
-              </a:rPr>
-              <a:t>': 2}</a:t>
-            </a:r>
-          </a:p>
-          <a:p>
-            <a:endParaRPr lang="en-US" dirty="0" smtClean="0">
-              <a:latin typeface="Monaco" charset="0"/>
-              <a:ea typeface="Monaco" charset="0"/>
-              <a:cs typeface="Monaco" charset="0"/>
-            </a:endParaRPr>
-          </a:p>
-          <a:p>
-            <a:endParaRPr lang="en-US" dirty="0" smtClean="0">
-              <a:solidFill>
-                <a:srgbClr val="DC5924"/>
-              </a:solidFill>
-              <a:latin typeface="Monaco"/>
-              <a:cs typeface="Monaco"/>
-            </a:endParaRPr>
-          </a:p>
-          <a:p>
-            <a:endParaRPr lang="en-US" dirty="0" smtClean="0">
-              <a:latin typeface="Monaco"/>
-              <a:cs typeface="Monaco"/>
-            </a:endParaRPr>
-          </a:p>
-        </p:txBody>
-      </p:sp>
-    </p:spTree>
-    <p:extLst>
-      <p:ext uri="{BB962C8B-B14F-4D97-AF65-F5344CB8AC3E}">
-        <p14:creationId xmlns:p14="http://schemas.microsoft.com/office/powerpoint/2010/main" val="1708406984"/>
-      </p:ext>
-    </p:extLst>
-  </p:cSld>
-  <p:clrMapOvr>
-    <a:masterClrMapping/>
-  </p:clrMapOvr>
-  <p:timing>
-    <p:tnLst>
-      <p:par>
-        <p:cTn id="1" dur="indefinite" restart="never" nodeType="tmRoot">
-          <p:childTnLst>
-            <p:seq concurrent="1" nextAc="seek">
-              <p:cTn id="2" dur="indefinite" nodeType="mainSeq">
-                <p:childTnLst>
-                  <p:par>
-                    <p:cTn id="3" fill="hold">
-                      <p:stCondLst>
-                        <p:cond delay="indefinite"/>
-                      </p:stCondLst>
-                      <p:childTnLst>
-                        <p:par>
-                          <p:cTn id="4" fill="hold">
-                            <p:stCondLst>
-                              <p:cond delay="0"/>
-                            </p:stCondLst>
-                            <p:childTnLst>
-                              <p:par>
-                                <p:cTn id="5" presetID="1" presetClass="entr" presetSubtype="0" fill="hold" grpId="0" nodeType="clickEffect">
-                                  <p:stCondLst>
-                                    <p:cond delay="0"/>
-                                  </p:stCondLst>
-                                  <p:childTnLst>
-                                    <p:set>
-                                      <p:cBhvr>
-                                        <p:cTn id="6" dur="1" fill="hold">
-                                          <p:stCondLst>
-                                            <p:cond delay="0"/>
-                                          </p:stCondLst>
-                                        </p:cTn>
-                                        <p:tgtEl>
-                                          <p:spTgt spid="4"/>
-                                        </p:tgtEl>
-                                        <p:attrNameLst>
-                                          <p:attrName>style.visibility</p:attrName>
-                                        </p:attrNameLst>
-                                      </p:cBhvr>
-                                      <p:to>
-                                        <p:strVal val="visible"/>
-                                      </p:to>
-                                    </p:set>
-                                  </p:childTnLst>
-                                </p:cTn>
-                              </p:par>
-                            </p:childTnLst>
-                          </p:cTn>
-                        </p:par>
-                      </p:childTnLst>
-                    </p:cTn>
-                  </p:par>
-                  <p:par>
-                    <p:cTn id="7" fill="hold">
-                      <p:stCondLst>
-                        <p:cond delay="indefinite"/>
-                      </p:stCondLst>
-                      <p:childTnLst>
-                        <p:par>
-                          <p:cTn id="8" fill="hold">
-                            <p:stCondLst>
-                              <p:cond delay="0"/>
-                            </p:stCondLst>
-                            <p:childTnLst>
-                              <p:par>
-                                <p:cTn id="9" presetID="1" presetClass="entr" presetSubtype="0" fill="hold" nodeType="clickEffect">
-                                  <p:stCondLst>
-                                    <p:cond delay="0"/>
-                                  </p:stCondLst>
-                                  <p:childTnLst>
-                                    <p:set>
-                                      <p:cBhvr>
-                                        <p:cTn id="10" dur="1" fill="hold">
-                                          <p:stCondLst>
-                                            <p:cond delay="0"/>
-                                          </p:stCondLst>
-                                        </p:cTn>
-                                        <p:tgtEl>
-                                          <p:spTgt spid="4">
-                                            <p:txEl>
-                                              <p:pRg st="2" end="2"/>
-                                            </p:txEl>
-                                          </p:spTgt>
-                                        </p:tgtEl>
-                                        <p:attrNameLst>
-                                          <p:attrName>style.visibility</p:attrName>
-                                        </p:attrNameLst>
-                                      </p:cBhvr>
-                                      <p:to>
-                                        <p:strVal val="visible"/>
-                                      </p:to>
-                                    </p:set>
-                                  </p:childTnLst>
-                                </p:cTn>
-                              </p:par>
-                              <p:par>
-                                <p:cTn id="11" presetID="1" presetClass="entr" presetSubtype="0" fill="hold" nodeType="withEffect">
-                                  <p:stCondLst>
-                                    <p:cond delay="0"/>
-                                  </p:stCondLst>
-                                  <p:childTnLst>
-                                    <p:set>
-                                      <p:cBhvr>
-                                        <p:cTn id="12" dur="1" fill="hold">
-                                          <p:stCondLst>
-                                            <p:cond delay="0"/>
-                                          </p:stCondLst>
-                                        </p:cTn>
-                                        <p:tgtEl>
-                                          <p:spTgt spid="4">
-                                            <p:txEl>
-                                              <p:pRg st="3" end="3"/>
-                                            </p:txEl>
-                                          </p:spTgt>
-                                        </p:tgtEl>
-                                        <p:attrNameLst>
-                                          <p:attrName>style.visibility</p:attrName>
-                                        </p:attrNameLst>
-                                      </p:cBhvr>
-                                      <p:to>
-                                        <p:strVal val="visible"/>
-                                      </p:to>
-                                    </p:set>
-                                  </p:childTnLst>
-                                </p:cTn>
-                              </p:par>
-                              <p:par>
-                                <p:cTn id="13" presetID="1" presetClass="entr" presetSubtype="0" fill="hold" nodeType="withEffect">
-                                  <p:stCondLst>
-                                    <p:cond delay="0"/>
-                                  </p:stCondLst>
-                                  <p:childTnLst>
-                                    <p:set>
-                                      <p:cBhvr>
-                                        <p:cTn id="14" dur="1" fill="hold">
-                                          <p:stCondLst>
-                                            <p:cond delay="0"/>
-                                          </p:stCondLst>
-                                        </p:cTn>
-                                        <p:tgtEl>
-                                          <p:spTgt spid="4">
-                                            <p:txEl>
-                                              <p:pRg st="4" end="4"/>
-                                            </p:txEl>
-                                          </p:spTgt>
-                                        </p:tgtEl>
-                                        <p:attrNameLst>
-                                          <p:attrName>style.visibility</p:attrName>
-                                        </p:attrNameLst>
-                                      </p:cBhvr>
-                                      <p:to>
-                                        <p:strVal val="visible"/>
-                                      </p:to>
-                                    </p:set>
-                                  </p:childTnLst>
-                                </p:cTn>
-                              </p:par>
-                              <p:par>
-                                <p:cTn id="15" presetID="1" presetClass="entr" presetSubtype="0" fill="hold" nodeType="withEffect">
-                                  <p:stCondLst>
-                                    <p:cond delay="0"/>
-                                  </p:stCondLst>
-                                  <p:childTnLst>
-                                    <p:set>
-                                      <p:cBhvr>
-                                        <p:cTn id="16" dur="1" fill="hold">
-                                          <p:stCondLst>
-                                            <p:cond delay="0"/>
-                                          </p:stCondLst>
-                                        </p:cTn>
-                                        <p:tgtEl>
-                                          <p:spTgt spid="4">
-                                            <p:txEl>
-                                              <p:pRg st="5" end="5"/>
-                                            </p:txEl>
-                                          </p:spTgt>
-                                        </p:tgtEl>
-                                        <p:attrNameLst>
-                                          <p:attrName>style.visibility</p:attrName>
-                                        </p:attrNameLst>
-                                      </p:cBhvr>
-                                      <p:to>
-                                        <p:strVal val="visible"/>
-                                      </p:to>
-                                    </p:set>
-                                  </p:childTnLst>
-                                </p:cTn>
-                              </p:par>
-                              <p:par>
-                                <p:cTn id="17" presetID="1" presetClass="entr" presetSubtype="0" fill="hold" nodeType="withEffect">
-                                  <p:stCondLst>
-                                    <p:cond delay="0"/>
-                                  </p:stCondLst>
-                                  <p:childTnLst>
-                                    <p:set>
-                                      <p:cBhvr>
-                                        <p:cTn id="18" dur="1" fill="hold">
-                                          <p:stCondLst>
-                                            <p:cond delay="0"/>
-                                          </p:stCondLst>
-                                        </p:cTn>
-                                        <p:tgtEl>
-                                          <p:spTgt spid="4">
-                                            <p:txEl>
-                                              <p:pRg st="6" end="6"/>
-                                            </p:txEl>
-                                          </p:spTgt>
-                                        </p:tgtEl>
-                                        <p:attrNameLst>
-                                          <p:attrName>style.visibility</p:attrName>
-                                        </p:attrNameLst>
-                                      </p:cBhvr>
-                                      <p:to>
-                                        <p:strVal val="visible"/>
-                                      </p:to>
-                                    </p:set>
-                                  </p:childTnLst>
-                                </p:cTn>
-                              </p:par>
-                              <p:par>
-                                <p:cTn id="19" presetID="1" presetClass="entr" presetSubtype="0" fill="hold" nodeType="withEffect">
-                                  <p:stCondLst>
-                                    <p:cond delay="0"/>
-                                  </p:stCondLst>
-                                  <p:childTnLst>
-                                    <p:set>
-                                      <p:cBhvr>
-                                        <p:cTn id="20" dur="1" fill="hold">
-                                          <p:stCondLst>
-                                            <p:cond delay="0"/>
-                                          </p:stCondLst>
-                                        </p:cTn>
-                                        <p:tgtEl>
-                                          <p:spTgt spid="4">
-                                            <p:txEl>
-                                              <p:pRg st="7" end="7"/>
-                                            </p:txEl>
-                                          </p:spTgt>
-                                        </p:tgtEl>
-                                        <p:attrNameLst>
-                                          <p:attrName>style.visibility</p:attrName>
-                                        </p:attrNameLst>
-                                      </p:cBhvr>
-                                      <p:to>
-                                        <p:strVal val="visible"/>
-                                      </p:to>
-                                    </p:set>
-                                  </p:childTnLst>
-                                </p:cTn>
-                              </p:par>
-                              <p:par>
-                                <p:cTn id="21" presetID="1" presetClass="entr" presetSubtype="0" fill="hold" nodeType="withEffect">
-                                  <p:stCondLst>
-                                    <p:cond delay="0"/>
-                                  </p:stCondLst>
-                                  <p:childTnLst>
-                                    <p:set>
-                                      <p:cBhvr>
-                                        <p:cTn id="22" dur="1" fill="hold">
-                                          <p:stCondLst>
-                                            <p:cond delay="0"/>
-                                          </p:stCondLst>
-                                        </p:cTn>
-                                        <p:tgtEl>
-                                          <p:spTgt spid="4">
-                                            <p:txEl>
-                                              <p:pRg st="9" end="9"/>
-                                            </p:txEl>
-                                          </p:spTgt>
-                                        </p:tgtEl>
-                                        <p:attrNameLst>
-                                          <p:attrName>style.visibility</p:attrName>
-                                        </p:attrNameLst>
-                                      </p:cBhvr>
-                                      <p:to>
-                                        <p:strVal val="visible"/>
-                                      </p:to>
-                                    </p:set>
-                                  </p:childTnLst>
-                                </p:cTn>
-                              </p:par>
-                              <p:par>
-                                <p:cTn id="23" presetID="1" presetClass="entr" presetSubtype="0" fill="hold" nodeType="withEffect">
-                                  <p:stCondLst>
-                                    <p:cond delay="0"/>
-                                  </p:stCondLst>
-                                  <p:childTnLst>
-                                    <p:set>
-                                      <p:cBhvr>
-                                        <p:cTn id="24" dur="1" fill="hold">
-                                          <p:stCondLst>
-                                            <p:cond delay="0"/>
-                                          </p:stCondLst>
-                                        </p:cTn>
-                                        <p:tgtEl>
-                                          <p:spTgt spid="4">
-                                            <p:txEl>
-                                              <p:pRg st="10" end="10"/>
-                                            </p:txEl>
-                                          </p:spTgt>
-                                        </p:tgtEl>
-                                        <p:attrNameLst>
-                                          <p:attrName>style.visibility</p:attrName>
-                                        </p:attrNameLst>
-                                      </p:cBhvr>
-                                      <p:to>
-                                        <p:strVal val="visible"/>
-                                      </p:to>
-                                    </p:set>
-                                  </p:childTnLst>
-                                </p:cTn>
-                              </p:par>
-                            </p:childTnLst>
-                          </p:cTn>
-                        </p:par>
-                      </p:childTnLst>
-                    </p:cTn>
-                  </p:par>
-                </p:childTnLst>
-              </p:cTn>
-              <p:prevCondLst>
-                <p:cond evt="onPrev" delay="0">
-                  <p:tgtEl>
-                    <p:sldTgt/>
-                  </p:tgtEl>
-                </p:cond>
-              </p:prevCondLst>
-              <p:nextCondLst>
-                <p:cond evt="onNext" delay="0">
-                  <p:tgtEl>
-                    <p:sldTgt/>
-                  </p:tgtEl>
-                </p:cond>
-              </p:nextCondLst>
-            </p:seq>
-          </p:childTnLst>
-        </p:cTn>
-      </p:par>
-    </p:tnLst>
-    <p:bldLst>
-      <p:bldP spid="4" grpId="0"/>
-    </p:bldLst>
-  </p:timing>
-</p:sld>
-</file>
-
-<file path=ppt/slides/slide30.xml><?xml version="1.0" encoding="utf-8"?>
+<file path=ppt/slides/slide29.xml><?xml version="1.0" encoding="utf-8"?>
 <p:sld xmlns:a="http://schemas.openxmlformats.org/drawingml/2006/main" xmlns:r="http://schemas.openxmlformats.org/officeDocument/2006/relationships" xmlns:p="http://schemas.openxmlformats.org/presentationml/2006/main">
   <p:cSld>
     <p:spTree>
@@ -16477,7 +14646,72 @@
 </p:sld>
 </file>
 
-<file path=ppt/slides/slide31.xml><?xml version="1.0" encoding="utf-8"?>
+<file path=ppt/slides/slide3.xml><?xml version="1.0" encoding="utf-8"?>
+<p:sld xmlns:a="http://schemas.openxmlformats.org/drawingml/2006/main" xmlns:r="http://schemas.openxmlformats.org/officeDocument/2006/relationships" xmlns:p="http://schemas.openxmlformats.org/presentationml/2006/main">
+  <p:cSld>
+    <p:spTree>
+      <p:nvGrpSpPr>
+        <p:cNvPr id="1" name=""/>
+        <p:cNvGrpSpPr/>
+        <p:nvPr/>
+      </p:nvGrpSpPr>
+      <p:grpSpPr>
+        <a:xfrm>
+          <a:off x="0" y="0"/>
+          <a:ext cx="0" cy="0"/>
+          <a:chOff x="0" y="0"/>
+          <a:chExt cx="0" cy="0"/>
+        </a:xfrm>
+      </p:grpSpPr>
+      <p:sp>
+        <p:nvSpPr>
+          <p:cNvPr id="2" name="Title 1"/>
+          <p:cNvSpPr>
+            <a:spLocks noGrp="1"/>
+          </p:cNvSpPr>
+          <p:nvPr>
+            <p:ph type="title"/>
+          </p:nvPr>
+        </p:nvSpPr>
+        <p:spPr>
+          <a:xfrm>
+            <a:off x="2230714" y="3087537"/>
+            <a:ext cx="4688183" cy="692215"/>
+          </a:xfrm>
+        </p:spPr>
+        <p:txBody>
+          <a:bodyPr/>
+          <a:lstStyle/>
+          <a:p>
+            <a:r>
+              <a:rPr lang="en-US" dirty="0" smtClean="0"/>
+              <a:t>exercise break</a:t>
+            </a:r>
+            <a:endParaRPr lang="en-US" dirty="0"/>
+          </a:p>
+        </p:txBody>
+      </p:sp>
+    </p:spTree>
+    <p:extLst>
+      <p:ext uri="{BB962C8B-B14F-4D97-AF65-F5344CB8AC3E}">
+        <p14:creationId xmlns:p14="http://schemas.microsoft.com/office/powerpoint/2010/main" val="1339819698"/>
+      </p:ext>
+    </p:extLst>
+  </p:cSld>
+  <p:clrMapOvr>
+    <a:masterClrMapping/>
+  </p:clrMapOvr>
+  <p:timing>
+    <p:tnLst>
+      <p:par>
+        <p:cTn id="1" dur="indefinite" restart="never" nodeType="tmRoot"/>
+      </p:par>
+    </p:tnLst>
+  </p:timing>
+</p:sld>
+</file>
+
+<file path=ppt/slides/slide30.xml><?xml version="1.0" encoding="utf-8"?>
 <p:sld xmlns:a="http://schemas.openxmlformats.org/drawingml/2006/main" xmlns:r="http://schemas.openxmlformats.org/officeDocument/2006/relationships" xmlns:p="http://schemas.openxmlformats.org/presentationml/2006/main">
   <p:cSld>
     <p:spTree>
@@ -16752,7 +14986,7 @@
 </p:sld>
 </file>
 
-<file path=ppt/slides/slide32.xml><?xml version="1.0" encoding="utf-8"?>
+<file path=ppt/slides/slide31.xml><?xml version="1.0" encoding="utf-8"?>
 <p:sld xmlns:a="http://schemas.openxmlformats.org/drawingml/2006/main" xmlns:r="http://schemas.openxmlformats.org/officeDocument/2006/relationships" xmlns:p="http://schemas.openxmlformats.org/presentationml/2006/main">
   <p:cSld>
     <p:spTree>
@@ -17781,71 +16015,6 @@
             <p:ph type="title"/>
           </p:nvPr>
         </p:nvSpPr>
-        <p:spPr>
-          <a:xfrm>
-            <a:off x="2230714" y="3087537"/>
-            <a:ext cx="4688183" cy="692215"/>
-          </a:xfrm>
-        </p:spPr>
-        <p:txBody>
-          <a:bodyPr/>
-          <a:lstStyle/>
-          <a:p>
-            <a:r>
-              <a:rPr lang="en-US" dirty="0" smtClean="0"/>
-              <a:t>exercise break</a:t>
-            </a:r>
-            <a:endParaRPr lang="en-US" dirty="0"/>
-          </a:p>
-        </p:txBody>
-      </p:sp>
-    </p:spTree>
-    <p:extLst>
-      <p:ext uri="{BB962C8B-B14F-4D97-AF65-F5344CB8AC3E}">
-        <p14:creationId xmlns:p14="http://schemas.microsoft.com/office/powerpoint/2010/main" val="1339819698"/>
-      </p:ext>
-    </p:extLst>
-  </p:cSld>
-  <p:clrMapOvr>
-    <a:masterClrMapping/>
-  </p:clrMapOvr>
-  <p:timing>
-    <p:tnLst>
-      <p:par>
-        <p:cTn id="1" dur="indefinite" restart="never" nodeType="tmRoot"/>
-      </p:par>
-    </p:tnLst>
-  </p:timing>
-</p:sld>
-</file>
-
-<file path=ppt/slides/slide5.xml><?xml version="1.0" encoding="utf-8"?>
-<p:sld xmlns:a="http://schemas.openxmlformats.org/drawingml/2006/main" xmlns:r="http://schemas.openxmlformats.org/officeDocument/2006/relationships" xmlns:p="http://schemas.openxmlformats.org/presentationml/2006/main">
-  <p:cSld>
-    <p:spTree>
-      <p:nvGrpSpPr>
-        <p:cNvPr id="1" name=""/>
-        <p:cNvGrpSpPr/>
-        <p:nvPr/>
-      </p:nvGrpSpPr>
-      <p:grpSpPr>
-        <a:xfrm>
-          <a:off x="0" y="0"/>
-          <a:ext cx="0" cy="0"/>
-          <a:chOff x="0" y="0"/>
-          <a:chExt cx="0" cy="0"/>
-        </a:xfrm>
-      </p:grpSpPr>
-      <p:sp>
-        <p:nvSpPr>
-          <p:cNvPr id="2" name="Title 1"/>
-          <p:cNvSpPr>
-            <a:spLocks noGrp="1"/>
-          </p:cNvSpPr>
-          <p:nvPr>
-            <p:ph type="title"/>
-          </p:nvPr>
-        </p:nvSpPr>
         <p:spPr/>
         <p:txBody>
           <a:bodyPr/>
@@ -17989,7 +16158,7 @@
 </p:sld>
 </file>
 
-<file path=ppt/slides/slide6.xml><?xml version="1.0" encoding="utf-8"?>
+<file path=ppt/slides/slide5.xml><?xml version="1.0" encoding="utf-8"?>
 <p:sld xmlns:a="http://schemas.openxmlformats.org/drawingml/2006/main" xmlns:r="http://schemas.openxmlformats.org/officeDocument/2006/relationships" xmlns:p="http://schemas.openxmlformats.org/presentationml/2006/main">
   <p:cSld>
     <p:spTree>
@@ -18438,7 +16607,7 @@
 </p:sld>
 </file>
 
-<file path=ppt/slides/slide7.xml><?xml version="1.0" encoding="utf-8"?>
+<file path=ppt/slides/slide6.xml><?xml version="1.0" encoding="utf-8"?>
 <p:sld xmlns:a="http://schemas.openxmlformats.org/drawingml/2006/main" xmlns:r="http://schemas.openxmlformats.org/officeDocument/2006/relationships" xmlns:p="http://schemas.openxmlformats.org/presentationml/2006/main">
   <p:cSld>
     <p:spTree>
@@ -19153,7 +17322,7 @@
 </p:sld>
 </file>
 
-<file path=ppt/slides/slide8.xml><?xml version="1.0" encoding="utf-8"?>
+<file path=ppt/slides/slide7.xml><?xml version="1.0" encoding="utf-8"?>
 <p:sld xmlns:a="http://schemas.openxmlformats.org/drawingml/2006/main" xmlns:r="http://schemas.openxmlformats.org/officeDocument/2006/relationships" xmlns:p="http://schemas.openxmlformats.org/presentationml/2006/main">
   <p:cSld>
     <p:spTree>
@@ -20108,6 +18277,150 @@
 </p:sld>
 </file>
 
+<file path=ppt/slides/slide8.xml><?xml version="1.0" encoding="utf-8"?>
+<p:sld xmlns:a="http://schemas.openxmlformats.org/drawingml/2006/main" xmlns:r="http://schemas.openxmlformats.org/officeDocument/2006/relationships" xmlns:p="http://schemas.openxmlformats.org/presentationml/2006/main">
+  <p:cSld>
+    <p:spTree>
+      <p:nvGrpSpPr>
+        <p:cNvPr id="1" name=""/>
+        <p:cNvGrpSpPr/>
+        <p:nvPr/>
+      </p:nvGrpSpPr>
+      <p:grpSpPr>
+        <a:xfrm>
+          <a:off x="0" y="0"/>
+          <a:ext cx="0" cy="0"/>
+          <a:chOff x="0" y="0"/>
+          <a:chExt cx="0" cy="0"/>
+        </a:xfrm>
+      </p:grpSpPr>
+      <p:sp>
+        <p:nvSpPr>
+          <p:cNvPr id="2" name="Title 1"/>
+          <p:cNvSpPr>
+            <a:spLocks noGrp="1"/>
+          </p:cNvSpPr>
+          <p:nvPr>
+            <p:ph type="title"/>
+          </p:nvPr>
+        </p:nvSpPr>
+        <p:spPr/>
+        <p:txBody>
+          <a:bodyPr/>
+          <a:lstStyle/>
+          <a:p>
+            <a:r>
+              <a:rPr lang="en-US" dirty="0" smtClean="0"/>
+              <a:t>functions are generic formulas</a:t>
+            </a:r>
+            <a:endParaRPr lang="en-US" dirty="0"/>
+          </a:p>
+        </p:txBody>
+      </p:sp>
+      <p:sp>
+        <p:nvSpPr>
+          <p:cNvPr id="4" name="TextBox 3"/>
+          <p:cNvSpPr txBox="1"/>
+          <p:nvPr/>
+        </p:nvSpPr>
+        <p:spPr>
+          <a:xfrm>
+            <a:off x="365827" y="1651736"/>
+            <a:ext cx="8338444" cy="1477328"/>
+          </a:xfrm>
+          <a:prstGeom prst="rect">
+            <a:avLst/>
+          </a:prstGeom>
+          <a:noFill/>
+        </p:spPr>
+        <p:txBody>
+          <a:bodyPr wrap="square" rtlCol="0">
+            <a:spAutoFit/>
+          </a:bodyPr>
+          <a:lstStyle/>
+          <a:p>
+            <a:endParaRPr lang="en-US" dirty="0">
+              <a:solidFill>
+                <a:schemeClr val="bg1">
+                  <a:lumMod val="65000"/>
+                </a:schemeClr>
+              </a:solidFill>
+              <a:latin typeface="Monaco"/>
+              <a:cs typeface="Monaco"/>
+            </a:endParaRPr>
+          </a:p>
+          <a:p>
+            <a:r>
+              <a:rPr lang="en-US" dirty="0" smtClean="0">
+                <a:latin typeface="Monaco"/>
+                <a:cs typeface="Monaco"/>
+              </a:rPr>
+              <a:t>def triangle_area(l, w):</a:t>
+            </a:r>
+          </a:p>
+          <a:p>
+            <a:r>
+              <a:rPr lang="en-US" dirty="0">
+                <a:latin typeface="Monaco"/>
+                <a:cs typeface="Monaco"/>
+              </a:rPr>
+              <a:t>	</a:t>
+            </a:r>
+            <a:r>
+              <a:rPr lang="en-US" dirty="0" smtClean="0">
+                <a:latin typeface="Monaco"/>
+                <a:cs typeface="Monaco"/>
+              </a:rPr>
+              <a:t>area = l*w / 2.0</a:t>
+            </a:r>
+          </a:p>
+          <a:p>
+            <a:r>
+              <a:rPr lang="en-US" dirty="0">
+                <a:latin typeface="Monaco"/>
+                <a:cs typeface="Monaco"/>
+              </a:rPr>
+              <a:t>	</a:t>
+            </a:r>
+            <a:r>
+              <a:rPr lang="en-US" dirty="0" smtClean="0">
+                <a:latin typeface="Monaco"/>
+                <a:cs typeface="Monaco"/>
+              </a:rPr>
+              <a:t>return area</a:t>
+            </a:r>
+          </a:p>
+          <a:p>
+            <a:r>
+              <a:rPr lang="en-US" dirty="0" smtClean="0">
+                <a:latin typeface="Monaco"/>
+                <a:cs typeface="Monaco"/>
+              </a:rPr>
+              <a:t> </a:t>
+            </a:r>
+          </a:p>
+        </p:txBody>
+      </p:sp>
+    </p:spTree>
+    <p:extLst>
+      <p:ext uri="{BB962C8B-B14F-4D97-AF65-F5344CB8AC3E}">
+        <p14:creationId xmlns:p14="http://schemas.microsoft.com/office/powerpoint/2010/main" val="978883696"/>
+      </p:ext>
+    </p:extLst>
+  </p:cSld>
+  <p:clrMapOvr>
+    <a:masterClrMapping/>
+  </p:clrMapOvr>
+  <p:timing>
+    <p:tnLst>
+      <p:par>
+        <p:cTn id="1" dur="indefinite" restart="never" nodeType="tmRoot"/>
+      </p:par>
+    </p:tnLst>
+  </p:timing>
+</p:sld>
+</file>
+
 <file path=ppt/slides/slide9.xml><?xml version="1.0" encoding="utf-8"?>
 <p:sld xmlns:a="http://schemas.openxmlformats.org/drawingml/2006/main" xmlns:r="http://schemas.openxmlformats.org/officeDocument/2006/relationships" xmlns:p="http://schemas.openxmlformats.org/presentationml/2006/main">
   <p:cSld>
@@ -20156,8 +18469,8 @@
         </p:nvSpPr>
         <p:spPr>
           <a:xfrm>
-            <a:off x="365827" y="1651736"/>
-            <a:ext cx="8338444" cy="1477328"/>
+            <a:off x="324884" y="1419724"/>
+            <a:ext cx="8338444" cy="5940088"/>
           </a:xfrm>
           <a:prstGeom prst="rect">
             <a:avLst/>
@@ -20170,7 +18483,7 @@
           </a:bodyPr>
           <a:lstStyle/>
           <a:p>
-            <a:endParaRPr lang="en-US" dirty="0">
+            <a:endParaRPr lang="en-US" sz="2000" dirty="0">
               <a:solidFill>
                 <a:schemeClr val="bg1">
                   <a:lumMod val="65000"/>
@@ -20182,7 +18495,7 @@
           </a:p>
           <a:p>
             <a:r>
-              <a:rPr lang="en-US" dirty="0" smtClean="0">
+              <a:rPr lang="en-US" sz="2000" dirty="0" smtClean="0">
                 <a:latin typeface="Monaco"/>
                 <a:cs typeface="Monaco"/>
               </a:rPr>
@@ -20191,30 +18504,30 @@
           </a:p>
           <a:p>
             <a:r>
-              <a:rPr lang="en-US" dirty="0">
+              <a:rPr lang="en-US" sz="2000" dirty="0">
                 <a:latin typeface="Monaco"/>
                 <a:cs typeface="Monaco"/>
               </a:rPr>
               <a:t>	</a:t>
             </a:r>
             <a:r>
-              <a:rPr lang="en-US" dirty="0" smtClean="0">
-                <a:latin typeface="Monaco"/>
-                <a:cs typeface="Monaco"/>
-              </a:rPr>
-              <a:t>area = l*w / 2.0</a:t>
-            </a:r>
-          </a:p>
-          <a:p>
-            <a:r>
-              <a:rPr lang="en-US" dirty="0">
+              <a:rPr lang="en-US" sz="2000" dirty="0" smtClean="0">
+                <a:latin typeface="Monaco"/>
+                <a:cs typeface="Monaco"/>
+              </a:rPr>
+              <a:t>area = (l*w) / 2.0</a:t>
+            </a:r>
+          </a:p>
+          <a:p>
+            <a:r>
+              <a:rPr lang="en-US" sz="2000" dirty="0">
                 <a:latin typeface="Monaco"/>
                 <a:cs typeface="Monaco"/>
               </a:rPr>
               <a:t>	</a:t>
             </a:r>
             <a:r>
-              <a:rPr lang="en-US" dirty="0" smtClean="0">
+              <a:rPr lang="en-US" sz="2000" dirty="0" smtClean="0">
                 <a:latin typeface="Monaco"/>
                 <a:cs typeface="Monaco"/>
               </a:rPr>
@@ -20222,8 +18535,154 @@
             </a:r>
           </a:p>
           <a:p>
-            <a:r>
-              <a:rPr lang="en-US" dirty="0" smtClean="0">
+            <a:endParaRPr lang="en-US" sz="2000" dirty="0" smtClean="0">
+              <a:latin typeface="Monaco"/>
+              <a:cs typeface="Monaco"/>
+            </a:endParaRPr>
+          </a:p>
+          <a:p>
+            <a:r>
+              <a:rPr lang="en-US" sz="2000" dirty="0" smtClean="0">
+                <a:solidFill>
+                  <a:schemeClr val="accent3">
+                    <a:lumMod val="60000"/>
+                    <a:lumOff val="40000"/>
+                  </a:schemeClr>
+                </a:solidFill>
+                <a:latin typeface="Monaco"/>
+                <a:cs typeface="Monaco"/>
+              </a:rPr>
+              <a:t># Usage 1</a:t>
+            </a:r>
+            <a:endParaRPr lang="en-US" sz="2000" dirty="0">
+              <a:solidFill>
+                <a:schemeClr val="accent3">
+                  <a:lumMod val="60000"/>
+                  <a:lumOff val="40000"/>
+                </a:schemeClr>
+              </a:solidFill>
+              <a:latin typeface="Monaco"/>
+              <a:cs typeface="Monaco"/>
+            </a:endParaRPr>
+          </a:p>
+          <a:p>
+            <a:r>
+              <a:rPr lang="en-US" sz="2000" dirty="0" smtClean="0">
+                <a:latin typeface="Monaco"/>
+                <a:cs typeface="Monaco"/>
+              </a:rPr>
+              <a:t>area = triangle_area(7, 6)</a:t>
+            </a:r>
+          </a:p>
+          <a:p>
+            <a:endParaRPr lang="en-US" sz="2000" dirty="0" smtClean="0">
+              <a:latin typeface="Monaco"/>
+              <a:cs typeface="Monaco"/>
+            </a:endParaRPr>
+          </a:p>
+          <a:p>
+            <a:r>
+              <a:rPr lang="en-US" sz="2000" dirty="0" smtClean="0">
+                <a:solidFill>
+                  <a:schemeClr val="accent3">
+                    <a:lumMod val="60000"/>
+                    <a:lumOff val="40000"/>
+                  </a:schemeClr>
+                </a:solidFill>
+                <a:latin typeface="Monaco"/>
+                <a:cs typeface="Monaco"/>
+              </a:rPr>
+              <a:t># Usage 2</a:t>
+            </a:r>
+          </a:p>
+          <a:p>
+            <a:r>
+              <a:rPr lang="en-US" sz="2000" dirty="0" smtClean="0">
+                <a:latin typeface="Monaco"/>
+                <a:cs typeface="Monaco"/>
+              </a:rPr>
+              <a:t>length = 7</a:t>
+            </a:r>
+          </a:p>
+          <a:p>
+            <a:r>
+              <a:rPr lang="en-US" sz="2000" dirty="0" smtClean="0">
+                <a:latin typeface="Monaco"/>
+                <a:cs typeface="Monaco"/>
+              </a:rPr>
+              <a:t>width = 6</a:t>
+            </a:r>
+          </a:p>
+          <a:p>
+            <a:r>
+              <a:rPr lang="en-US" sz="2000" dirty="0" smtClean="0">
+                <a:latin typeface="Monaco"/>
+                <a:cs typeface="Monaco"/>
+              </a:rPr>
+              <a:t>area = triangle_area(length, width)</a:t>
+            </a:r>
+          </a:p>
+          <a:p>
+            <a:endParaRPr lang="en-US" sz="2000" dirty="0">
+              <a:latin typeface="Monaco"/>
+              <a:cs typeface="Monaco"/>
+            </a:endParaRPr>
+          </a:p>
+          <a:p>
+            <a:r>
+              <a:rPr lang="en-US" sz="2000" dirty="0" smtClean="0">
+                <a:solidFill>
+                  <a:schemeClr val="accent3">
+                    <a:lumMod val="60000"/>
+                    <a:lumOff val="40000"/>
+                  </a:schemeClr>
+                </a:solidFill>
+                <a:latin typeface="Monaco"/>
+                <a:cs typeface="Monaco"/>
+              </a:rPr>
+              <a:t># Usage 3</a:t>
+            </a:r>
+          </a:p>
+          <a:p>
+            <a:r>
+              <a:rPr lang="en-US" sz="2000" dirty="0" smtClean="0">
+                <a:latin typeface="Monaco"/>
+                <a:cs typeface="Monaco"/>
+              </a:rPr>
+              <a:t>l = 7</a:t>
+            </a:r>
+          </a:p>
+          <a:p>
+            <a:r>
+              <a:rPr lang="en-US" sz="2000" dirty="0" smtClean="0">
+                <a:latin typeface="Monaco"/>
+                <a:cs typeface="Monaco"/>
+              </a:rPr>
+              <a:t>w = 6</a:t>
+            </a:r>
+          </a:p>
+          <a:p>
+            <a:r>
+              <a:rPr lang="en-US" sz="2000" dirty="0" smtClean="0">
+                <a:latin typeface="Monaco"/>
+                <a:cs typeface="Monaco"/>
+              </a:rPr>
+              <a:t>area = triangle_area(l, w)</a:t>
+            </a:r>
+            <a:endParaRPr lang="en-US" sz="2000" dirty="0">
+              <a:latin typeface="Monaco"/>
+              <a:cs typeface="Monaco"/>
+            </a:endParaRPr>
+          </a:p>
+          <a:p>
+            <a:endParaRPr lang="en-US" sz="2000" dirty="0" smtClean="0">
+              <a:latin typeface="Monaco"/>
+              <a:cs typeface="Monaco"/>
+            </a:endParaRPr>
+          </a:p>
+          <a:p>
+            <a:r>
+              <a:rPr lang="en-US" sz="2000" dirty="0" smtClean="0">
                 <a:latin typeface="Monaco"/>
                 <a:cs typeface="Monaco"/>
               </a:rPr>
@@ -20235,7 +18694,7 @@
     </p:spTree>
     <p:extLst>
       <p:ext uri="{BB962C8B-B14F-4D97-AF65-F5344CB8AC3E}">
-        <p14:creationId xmlns:p14="http://schemas.microsoft.com/office/powerpoint/2010/main" val="978883696"/>
+        <p14:creationId xmlns:p14="http://schemas.microsoft.com/office/powerpoint/2010/main" val="475125492"/>
       </p:ext>
     </p:extLst>
   </p:cSld>
@@ -20245,7 +18704,394 @@
   <p:timing>
     <p:tnLst>
       <p:par>
-        <p:cTn id="1" dur="indefinite" restart="never" nodeType="tmRoot"/>
+        <p:cTn id="1" dur="indefinite" restart="never" nodeType="tmRoot">
+          <p:childTnLst>
+            <p:seq concurrent="1" nextAc="seek">
+              <p:cTn id="2" dur="indefinite" nodeType="mainSeq">
+                <p:childTnLst>
+                  <p:par>
+                    <p:cTn id="3" fill="hold">
+                      <p:stCondLst>
+                        <p:cond delay="indefinite"/>
+                      </p:stCondLst>
+                      <p:childTnLst>
+                        <p:par>
+                          <p:cTn id="4" fill="hold">
+                            <p:stCondLst>
+                              <p:cond delay="0"/>
+                            </p:stCondLst>
+                            <p:childTnLst>
+                              <p:par>
+                                <p:cTn id="5" presetID="1" presetClass="entr" presetSubtype="0" fill="hold" nodeType="clickEffect">
+                                  <p:stCondLst>
+                                    <p:cond delay="0"/>
+                                  </p:stCondLst>
+                                  <p:childTnLst>
+                                    <p:set>
+                                      <p:cBhvr>
+                                        <p:cTn id="6" dur="1" fill="hold">
+                                          <p:stCondLst>
+                                            <p:cond delay="0"/>
+                                          </p:stCondLst>
+                                        </p:cTn>
+                                        <p:tgtEl>
+                                          <p:spTgt spid="4">
+                                            <p:txEl>
+                                              <p:pRg st="5" end="5"/>
+                                            </p:txEl>
+                                          </p:spTgt>
+                                        </p:tgtEl>
+                                        <p:attrNameLst>
+                                          <p:attrName>style.visibility</p:attrName>
+                                        </p:attrNameLst>
+                                      </p:cBhvr>
+                                      <p:to>
+                                        <p:strVal val="visible"/>
+                                      </p:to>
+                                    </p:set>
+                                  </p:childTnLst>
+                                </p:cTn>
+                              </p:par>
+                              <p:par>
+                                <p:cTn id="7" presetID="1" presetClass="entr" presetSubtype="0" fill="hold" nodeType="withEffect">
+                                  <p:stCondLst>
+                                    <p:cond delay="0"/>
+                                  </p:stCondLst>
+                                  <p:childTnLst>
+                                    <p:set>
+                                      <p:cBhvr>
+                                        <p:cTn id="8" dur="1" fill="hold">
+                                          <p:stCondLst>
+                                            <p:cond delay="0"/>
+                                          </p:stCondLst>
+                                        </p:cTn>
+                                        <p:tgtEl>
+                                          <p:spTgt spid="4">
+                                            <p:txEl>
+                                              <p:pRg st="6" end="6"/>
+                                            </p:txEl>
+                                          </p:spTgt>
+                                        </p:tgtEl>
+                                        <p:attrNameLst>
+                                          <p:attrName>style.visibility</p:attrName>
+                                        </p:attrNameLst>
+                                      </p:cBhvr>
+                                      <p:to>
+                                        <p:strVal val="visible"/>
+                                      </p:to>
+                                    </p:set>
+                                  </p:childTnLst>
+                                </p:cTn>
+                              </p:par>
+                            </p:childTnLst>
+                          </p:cTn>
+                        </p:par>
+                      </p:childTnLst>
+                    </p:cTn>
+                  </p:par>
+                  <p:par>
+                    <p:cTn id="9" fill="hold">
+                      <p:stCondLst>
+                        <p:cond delay="indefinite"/>
+                      </p:stCondLst>
+                      <p:childTnLst>
+                        <p:par>
+                          <p:cTn id="10" fill="hold">
+                            <p:stCondLst>
+                              <p:cond delay="0"/>
+                            </p:stCondLst>
+                            <p:childTnLst>
+                              <p:par>
+                                <p:cTn id="11" presetID="1" presetClass="entr" presetSubtype="0" fill="hold" nodeType="clickEffect">
+                                  <p:stCondLst>
+                                    <p:cond delay="0"/>
+                                  </p:stCondLst>
+                                  <p:childTnLst>
+                                    <p:set>
+                                      <p:cBhvr>
+                                        <p:cTn id="12" dur="1" fill="hold">
+                                          <p:stCondLst>
+                                            <p:cond delay="0"/>
+                                          </p:stCondLst>
+                                        </p:cTn>
+                                        <p:tgtEl>
+                                          <p:spTgt spid="4">
+                                            <p:txEl>
+                                              <p:pRg st="8" end="8"/>
+                                            </p:txEl>
+                                          </p:spTgt>
+                                        </p:tgtEl>
+                                        <p:attrNameLst>
+                                          <p:attrName>style.visibility</p:attrName>
+                                        </p:attrNameLst>
+                                      </p:cBhvr>
+                                      <p:to>
+                                        <p:strVal val="visible"/>
+                                      </p:to>
+                                    </p:set>
+                                  </p:childTnLst>
+                                </p:cTn>
+                              </p:par>
+                              <p:par>
+                                <p:cTn id="13" presetID="1" presetClass="entr" presetSubtype="0" fill="hold" nodeType="withEffect">
+                                  <p:stCondLst>
+                                    <p:cond delay="0"/>
+                                  </p:stCondLst>
+                                  <p:childTnLst>
+                                    <p:set>
+                                      <p:cBhvr>
+                                        <p:cTn id="14" dur="1" fill="hold">
+                                          <p:stCondLst>
+                                            <p:cond delay="0"/>
+                                          </p:stCondLst>
+                                        </p:cTn>
+                                        <p:tgtEl>
+                                          <p:spTgt spid="4">
+                                            <p:txEl>
+                                              <p:pRg st="9" end="9"/>
+                                            </p:txEl>
+                                          </p:spTgt>
+                                        </p:tgtEl>
+                                        <p:attrNameLst>
+                                          <p:attrName>style.visibility</p:attrName>
+                                        </p:attrNameLst>
+                                      </p:cBhvr>
+                                      <p:to>
+                                        <p:strVal val="visible"/>
+                                      </p:to>
+                                    </p:set>
+                                  </p:childTnLst>
+                                </p:cTn>
+                              </p:par>
+                              <p:par>
+                                <p:cTn id="15" presetID="1" presetClass="entr" presetSubtype="0" fill="hold" nodeType="withEffect">
+                                  <p:stCondLst>
+                                    <p:cond delay="0"/>
+                                  </p:stCondLst>
+                                  <p:childTnLst>
+                                    <p:set>
+                                      <p:cBhvr>
+                                        <p:cTn id="16" dur="1" fill="hold">
+                                          <p:stCondLst>
+                                            <p:cond delay="0"/>
+                                          </p:stCondLst>
+                                        </p:cTn>
+                                        <p:tgtEl>
+                                          <p:spTgt spid="4">
+                                            <p:txEl>
+                                              <p:pRg st="10" end="10"/>
+                                            </p:txEl>
+                                          </p:spTgt>
+                                        </p:tgtEl>
+                                        <p:attrNameLst>
+                                          <p:attrName>style.visibility</p:attrName>
+                                        </p:attrNameLst>
+                                      </p:cBhvr>
+                                      <p:to>
+                                        <p:strVal val="visible"/>
+                                      </p:to>
+                                    </p:set>
+                                  </p:childTnLst>
+                                </p:cTn>
+                              </p:par>
+                              <p:par>
+                                <p:cTn id="17" presetID="1" presetClass="entr" presetSubtype="0" fill="hold" nodeType="withEffect">
+                                  <p:stCondLst>
+                                    <p:cond delay="0"/>
+                                  </p:stCondLst>
+                                  <p:childTnLst>
+                                    <p:set>
+                                      <p:cBhvr>
+                                        <p:cTn id="18" dur="1" fill="hold">
+                                          <p:stCondLst>
+                                            <p:cond delay="0"/>
+                                          </p:stCondLst>
+                                        </p:cTn>
+                                        <p:tgtEl>
+                                          <p:spTgt spid="4">
+                                            <p:txEl>
+                                              <p:pRg st="11" end="11"/>
+                                            </p:txEl>
+                                          </p:spTgt>
+                                        </p:tgtEl>
+                                        <p:attrNameLst>
+                                          <p:attrName>style.visibility</p:attrName>
+                                        </p:attrNameLst>
+                                      </p:cBhvr>
+                                      <p:to>
+                                        <p:strVal val="visible"/>
+                                      </p:to>
+                                    </p:set>
+                                  </p:childTnLst>
+                                </p:cTn>
+                              </p:par>
+                            </p:childTnLst>
+                          </p:cTn>
+                        </p:par>
+                      </p:childTnLst>
+                    </p:cTn>
+                  </p:par>
+                  <p:par>
+                    <p:cTn id="19" fill="hold">
+                      <p:stCondLst>
+                        <p:cond delay="indefinite"/>
+                      </p:stCondLst>
+                      <p:childTnLst>
+                        <p:par>
+                          <p:cTn id="20" fill="hold">
+                            <p:stCondLst>
+                              <p:cond delay="0"/>
+                            </p:stCondLst>
+                            <p:childTnLst>
+                              <p:par>
+                                <p:cTn id="21" presetID="1" presetClass="entr" presetSubtype="0" fill="hold" nodeType="clickEffect">
+                                  <p:stCondLst>
+                                    <p:cond delay="0"/>
+                                  </p:stCondLst>
+                                  <p:childTnLst>
+                                    <p:set>
+                                      <p:cBhvr>
+                                        <p:cTn id="22" dur="1" fill="hold">
+                                          <p:stCondLst>
+                                            <p:cond delay="0"/>
+                                          </p:stCondLst>
+                                        </p:cTn>
+                                        <p:tgtEl>
+                                          <p:spTgt spid="4">
+                                            <p:txEl>
+                                              <p:pRg st="13" end="13"/>
+                                            </p:txEl>
+                                          </p:spTgt>
+                                        </p:tgtEl>
+                                        <p:attrNameLst>
+                                          <p:attrName>style.visibility</p:attrName>
+                                        </p:attrNameLst>
+                                      </p:cBhvr>
+                                      <p:to>
+                                        <p:strVal val="visible"/>
+                                      </p:to>
+                                    </p:set>
+                                  </p:childTnLst>
+                                </p:cTn>
+                              </p:par>
+                              <p:par>
+                                <p:cTn id="23" presetID="1" presetClass="entr" presetSubtype="0" fill="hold" nodeType="withEffect">
+                                  <p:stCondLst>
+                                    <p:cond delay="0"/>
+                                  </p:stCondLst>
+                                  <p:childTnLst>
+                                    <p:set>
+                                      <p:cBhvr>
+                                        <p:cTn id="24" dur="1" fill="hold">
+                                          <p:stCondLst>
+                                            <p:cond delay="0"/>
+                                          </p:stCondLst>
+                                        </p:cTn>
+                                        <p:tgtEl>
+                                          <p:spTgt spid="4">
+                                            <p:txEl>
+                                              <p:pRg st="14" end="14"/>
+                                            </p:txEl>
+                                          </p:spTgt>
+                                        </p:tgtEl>
+                                        <p:attrNameLst>
+                                          <p:attrName>style.visibility</p:attrName>
+                                        </p:attrNameLst>
+                                      </p:cBhvr>
+                                      <p:to>
+                                        <p:strVal val="visible"/>
+                                      </p:to>
+                                    </p:set>
+                                  </p:childTnLst>
+                                </p:cTn>
+                              </p:par>
+                              <p:par>
+                                <p:cTn id="25" presetID="1" presetClass="entr" presetSubtype="0" fill="hold" nodeType="withEffect">
+                                  <p:stCondLst>
+                                    <p:cond delay="0"/>
+                                  </p:stCondLst>
+                                  <p:childTnLst>
+                                    <p:set>
+                                      <p:cBhvr>
+                                        <p:cTn id="26" dur="1" fill="hold">
+                                          <p:stCondLst>
+                                            <p:cond delay="0"/>
+                                          </p:stCondLst>
+                                        </p:cTn>
+                                        <p:tgtEl>
+                                          <p:spTgt spid="4">
+                                            <p:txEl>
+                                              <p:pRg st="15" end="15"/>
+                                            </p:txEl>
+                                          </p:spTgt>
+                                        </p:tgtEl>
+                                        <p:attrNameLst>
+                                          <p:attrName>style.visibility</p:attrName>
+                                        </p:attrNameLst>
+                                      </p:cBhvr>
+                                      <p:to>
+                                        <p:strVal val="visible"/>
+                                      </p:to>
+                                    </p:set>
+                                  </p:childTnLst>
+                                </p:cTn>
+                              </p:par>
+                              <p:par>
+                                <p:cTn id="27" presetID="1" presetClass="entr" presetSubtype="0" fill="hold" nodeType="withEffect">
+                                  <p:stCondLst>
+                                    <p:cond delay="0"/>
+                                  </p:stCondLst>
+                                  <p:childTnLst>
+                                    <p:set>
+                                      <p:cBhvr>
+                                        <p:cTn id="28" dur="1" fill="hold">
+                                          <p:stCondLst>
+                                            <p:cond delay="0"/>
+                                          </p:stCondLst>
+                                        </p:cTn>
+                                        <p:tgtEl>
+                                          <p:spTgt spid="4">
+                                            <p:txEl>
+                                              <p:pRg st="16" end="16"/>
+                                            </p:txEl>
+                                          </p:spTgt>
+                                        </p:tgtEl>
+                                        <p:attrNameLst>
+                                          <p:attrName>style.visibility</p:attrName>
+                                        </p:attrNameLst>
+                                      </p:cBhvr>
+                                      <p:to>
+                                        <p:strVal val="visible"/>
+                                      </p:to>
+                                    </p:set>
+                                  </p:childTnLst>
+                                </p:cTn>
+                              </p:par>
+                            </p:childTnLst>
+                          </p:cTn>
+                        </p:par>
+                      </p:childTnLst>
+                    </p:cTn>
+                  </p:par>
+                </p:childTnLst>
+              </p:cTn>
+              <p:prevCondLst>
+                <p:cond evt="onPrev" delay="0">
+                  <p:tgtEl>
+                    <p:sldTgt/>
+                  </p:tgtEl>
+                </p:cond>
+              </p:prevCondLst>
+              <p:nextCondLst>
+                <p:cond evt="onNext" delay="0">
+                  <p:tgtEl>
+                    <p:sldTgt/>
+                  </p:tgtEl>
+                </p:cond>
+              </p:nextCondLst>
+            </p:seq>
+          </p:childTnLst>
+        </p:cTn>
       </p:par>
     </p:tnLst>
   </p:timing>

--- a/files/slides/slides_day3.pptx
+++ b/files/slides/slides_day3.pptx
@@ -5,7 +5,7 @@
     <p:sldMasterId id="2147483660" r:id="rId1"/>
   </p:sldMasterIdLst>
   <p:notesMasterIdLst>
-    <p:notesMasterId r:id="rId33"/>
+    <p:notesMasterId r:id="rId26"/>
   </p:notesMasterIdLst>
   <p:sldIdLst>
     <p:sldId id="256" r:id="rId2"/>
@@ -15,30 +15,23 @@
     <p:sldId id="287" r:id="rId6"/>
     <p:sldId id="288" r:id="rId7"/>
     <p:sldId id="289" r:id="rId8"/>
-    <p:sldId id="290" r:id="rId9"/>
-    <p:sldId id="292" r:id="rId10"/>
-    <p:sldId id="293" r:id="rId11"/>
-    <p:sldId id="294" r:id="rId12"/>
-    <p:sldId id="295" r:id="rId13"/>
-    <p:sldId id="296" r:id="rId14"/>
-    <p:sldId id="297" r:id="rId15"/>
-    <p:sldId id="298" r:id="rId16"/>
-    <p:sldId id="259" r:id="rId17"/>
-    <p:sldId id="260" r:id="rId18"/>
-    <p:sldId id="264" r:id="rId19"/>
-    <p:sldId id="280" r:id="rId20"/>
-    <p:sldId id="281" r:id="rId21"/>
-    <p:sldId id="267" r:id="rId22"/>
-    <p:sldId id="269" r:id="rId23"/>
-    <p:sldId id="272" r:id="rId24"/>
-    <p:sldId id="274" r:id="rId25"/>
-    <p:sldId id="275" r:id="rId26"/>
-    <p:sldId id="282" r:id="rId27"/>
-    <p:sldId id="283" r:id="rId28"/>
-    <p:sldId id="302" r:id="rId29"/>
-    <p:sldId id="303" r:id="rId30"/>
-    <p:sldId id="304" r:id="rId31"/>
-    <p:sldId id="305" r:id="rId32"/>
+    <p:sldId id="292" r:id="rId9"/>
+    <p:sldId id="293" r:id="rId10"/>
+    <p:sldId id="294" r:id="rId11"/>
+    <p:sldId id="295" r:id="rId12"/>
+    <p:sldId id="296" r:id="rId13"/>
+    <p:sldId id="297" r:id="rId14"/>
+    <p:sldId id="298" r:id="rId15"/>
+    <p:sldId id="259" r:id="rId16"/>
+    <p:sldId id="260" r:id="rId17"/>
+    <p:sldId id="264" r:id="rId18"/>
+    <p:sldId id="280" r:id="rId19"/>
+    <p:sldId id="281" r:id="rId20"/>
+    <p:sldId id="267" r:id="rId21"/>
+    <p:sldId id="269" r:id="rId22"/>
+    <p:sldId id="272" r:id="rId23"/>
+    <p:sldId id="274" r:id="rId24"/>
+    <p:sldId id="275" r:id="rId25"/>
   </p:sldIdLst>
   <p:sldSz cx="9144000" cy="6858000" type="screen4x3"/>
   <p:notesSz cx="6858000" cy="9144000"/>
@@ -238,7 +231,7 @@
           <a:p>
             <a:fld id="{F833E4A7-8C8F-0444-B05A-6DE0ED7B35B0}" type="datetimeFigureOut">
               <a:rPr lang="en-US" smtClean="0"/>
-              <a:t>5/21/18</a:t>
+              <a:t>5/23/18</a:t>
             </a:fld>
             <a:endParaRPr lang="en-US"/>
           </a:p>
@@ -699,7 +692,7 @@
           <a:p>
             <a:fld id="{CAF647BD-C221-1844-9ED2-A7F7759EF665}" type="datetimeFigureOut">
               <a:rPr lang="en-US" smtClean="0"/>
-              <a:t>5/21/18</a:t>
+              <a:t>5/23/18</a:t>
             </a:fld>
             <a:endParaRPr lang="en-US"/>
           </a:p>
@@ -964,7 +957,7 @@
           <a:p>
             <a:fld id="{CAF647BD-C221-1844-9ED2-A7F7759EF665}" type="datetimeFigureOut">
               <a:rPr lang="en-US" smtClean="0"/>
-              <a:t>5/21/18</a:t>
+              <a:t>5/23/18</a:t>
             </a:fld>
             <a:endParaRPr lang="en-US"/>
           </a:p>
@@ -1139,7 +1132,7 @@
           <a:p>
             <a:fld id="{CAF647BD-C221-1844-9ED2-A7F7759EF665}" type="datetimeFigureOut">
               <a:rPr lang="en-US" smtClean="0"/>
-              <a:t>5/21/18</a:t>
+              <a:t>5/23/18</a:t>
             </a:fld>
             <a:endParaRPr lang="en-US"/>
           </a:p>
@@ -1304,7 +1297,7 @@
           <a:p>
             <a:fld id="{CAF647BD-C221-1844-9ED2-A7F7759EF665}" type="datetimeFigureOut">
               <a:rPr lang="en-US" smtClean="0"/>
-              <a:t>5/21/18</a:t>
+              <a:t>5/23/18</a:t>
             </a:fld>
             <a:endParaRPr lang="en-US"/>
           </a:p>
@@ -1553,7 +1546,7 @@
           <a:p>
             <a:fld id="{CAF647BD-C221-1844-9ED2-A7F7759EF665}" type="datetimeFigureOut">
               <a:rPr lang="en-US" smtClean="0"/>
-              <a:t>5/21/18</a:t>
+              <a:t>5/23/18</a:t>
             </a:fld>
             <a:endParaRPr lang="en-US"/>
           </a:p>
@@ -1836,7 +1829,7 @@
           <a:p>
             <a:fld id="{CAF647BD-C221-1844-9ED2-A7F7759EF665}" type="datetimeFigureOut">
               <a:rPr lang="en-US" smtClean="0"/>
-              <a:t>5/21/18</a:t>
+              <a:t>5/23/18</a:t>
             </a:fld>
             <a:endParaRPr lang="en-US"/>
           </a:p>
@@ -2275,7 +2268,7 @@
           <a:p>
             <a:fld id="{CAF647BD-C221-1844-9ED2-A7F7759EF665}" type="datetimeFigureOut">
               <a:rPr lang="en-US" smtClean="0"/>
-              <a:t>5/21/18</a:t>
+              <a:t>5/23/18</a:t>
             </a:fld>
             <a:endParaRPr lang="en-US"/>
           </a:p>
@@ -2388,7 +2381,7 @@
           <a:p>
             <a:fld id="{CAF647BD-C221-1844-9ED2-A7F7759EF665}" type="datetimeFigureOut">
               <a:rPr lang="en-US" smtClean="0"/>
-              <a:t>5/21/18</a:t>
+              <a:t>5/23/18</a:t>
             </a:fld>
             <a:endParaRPr lang="en-US"/>
           </a:p>
@@ -2478,7 +2471,7 @@
           <a:p>
             <a:fld id="{CAF647BD-C221-1844-9ED2-A7F7759EF665}" type="datetimeFigureOut">
               <a:rPr lang="en-US" smtClean="0"/>
-              <a:t>5/21/18</a:t>
+              <a:t>5/23/18</a:t>
             </a:fld>
             <a:endParaRPr lang="en-US"/>
           </a:p>
@@ -2720,7 +2713,7 @@
           <a:p>
             <a:fld id="{CAF647BD-C221-1844-9ED2-A7F7759EF665}" type="datetimeFigureOut">
               <a:rPr lang="en-US" smtClean="0"/>
-              <a:t>5/21/18</a:t>
+              <a:t>5/23/18</a:t>
             </a:fld>
             <a:endParaRPr lang="en-US"/>
           </a:p>
@@ -3014,7 +3007,7 @@
           <a:p>
             <a:fld id="{CAF647BD-C221-1844-9ED2-A7F7759EF665}" type="datetimeFigureOut">
               <a:rPr lang="en-US" smtClean="0"/>
-              <a:t>5/21/18</a:t>
+              <a:t>5/23/18</a:t>
             </a:fld>
             <a:endParaRPr lang="en-US"/>
           </a:p>
@@ -3308,7 +3301,7 @@
           <a:p>
             <a:fld id="{CAF647BD-C221-1844-9ED2-A7F7759EF665}" type="datetimeFigureOut">
               <a:rPr lang="en-US" smtClean="0"/>
-              <a:t>5/21/18</a:t>
+              <a:t>5/23/18</a:t>
             </a:fld>
             <a:endParaRPr lang="en-US"/>
           </a:p>
@@ -3918,35 +3911,9 @@
           <a:p>
             <a:r>
               <a:rPr lang="en-US" dirty="0" smtClean="0"/>
-              <a:t>use test cases to ensure your function works</a:t>
+              <a:t>Testing, but fancier</a:t>
             </a:r>
             <a:endParaRPr lang="en-US" dirty="0"/>
-          </a:p>
-        </p:txBody>
-      </p:sp>
-      <p:sp>
-        <p:nvSpPr>
-          <p:cNvPr id="3" name="Content Placeholder 2"/>
-          <p:cNvSpPr>
-            <a:spLocks noGrp="1"/>
-          </p:cNvSpPr>
-          <p:nvPr>
-            <p:ph idx="1"/>
-          </p:nvPr>
-        </p:nvSpPr>
-        <p:spPr/>
-        <p:txBody>
-          <a:bodyPr/>
-          <a:lstStyle/>
-          <a:p>
-            <a:pPr marL="457200" indent="-457200">
-              <a:buFont typeface="Arial"/>
-              <a:buChar char="•"/>
-            </a:pPr>
-            <a:r>
-              <a:rPr lang="en-US" dirty="0" smtClean="0"/>
-              <a:t>After writing a function, *always* test it with input that you know should work</a:t>
-            </a:r>
           </a:p>
         </p:txBody>
       </p:sp>
@@ -3958,8 +3925,8 @@
         </p:nvSpPr>
         <p:spPr>
           <a:xfrm>
-            <a:off x="457199" y="2817044"/>
-            <a:ext cx="8338444" cy="3477875"/>
+            <a:off x="457198" y="1725223"/>
+            <a:ext cx="8686801" cy="5016758"/>
           </a:xfrm>
           <a:prstGeom prst="rect">
             <a:avLst/>
@@ -4041,7 +4008,7 @@
                 <a:latin typeface="Monaco"/>
                 <a:cs typeface="Monaco"/>
               </a:rPr>
-              <a:t># Before using the function all over the place, make sure that l=7, w=6 prints 21</a:t>
+              <a:t># Unit test code</a:t>
             </a:r>
             <a:endParaRPr lang="en-US" sz="2000" dirty="0" smtClean="0">
               <a:latin typeface="Monaco"/>
@@ -4054,7 +4021,56 @@
                 <a:latin typeface="Monaco"/>
                 <a:cs typeface="Monaco"/>
               </a:rPr>
-              <a:t>print(</a:t>
+              <a:t>truth = 21</a:t>
+            </a:r>
+          </a:p>
+          <a:p>
+            <a:r>
+              <a:rPr lang="en-US" sz="2000" dirty="0" smtClean="0">
+                <a:latin typeface="Monaco"/>
+                <a:cs typeface="Monaco"/>
+              </a:rPr>
+              <a:t>l = 7</a:t>
+            </a:r>
+          </a:p>
+          <a:p>
+            <a:r>
+              <a:rPr lang="en-US" sz="2000" dirty="0" smtClean="0">
+                <a:latin typeface="Monaco"/>
+                <a:cs typeface="Monaco"/>
+              </a:rPr>
+              <a:t>w = 6</a:t>
+            </a:r>
+          </a:p>
+          <a:p>
+            <a:endParaRPr lang="en-US" sz="2000" b="1" dirty="0" smtClean="0">
+              <a:solidFill>
+                <a:schemeClr val="accent5"/>
+              </a:solidFill>
+              <a:latin typeface="Monaco"/>
+              <a:cs typeface="Monaco"/>
+            </a:endParaRPr>
+          </a:p>
+          <a:p>
+            <a:r>
+              <a:rPr lang="en-US" sz="2000" b="1" dirty="0" smtClean="0">
+                <a:solidFill>
+                  <a:schemeClr val="accent5"/>
+                </a:solidFill>
+                <a:latin typeface="Monaco"/>
+                <a:cs typeface="Monaco"/>
+              </a:rPr>
+              <a:t>assert(</a:t>
+            </a:r>
+            <a:r>
+              <a:rPr lang="en-US" sz="2000" dirty="0">
+                <a:solidFill>
+                  <a:schemeClr val="accent5"/>
+                </a:solidFill>
+                <a:latin typeface="Monaco"/>
+                <a:cs typeface="Monaco"/>
+              </a:rPr>
+              <a:t> </a:t>
             </a:r>
             <a:r>
               <a:rPr lang="en-US" sz="2000" dirty="0" err="1" smtClean="0">
@@ -4068,29 +4084,104 @@
                 <a:latin typeface="Monaco"/>
                 <a:cs typeface="Monaco"/>
               </a:rPr>
-              <a:t>(7,6))</a:t>
-            </a:r>
+              <a:t>(l, w) == truth</a:t>
+            </a:r>
+            <a:r>
+              <a:rPr lang="en-US" sz="2000" b="1" dirty="0" smtClean="0">
+                <a:solidFill>
+                  <a:schemeClr val="accent5"/>
+                </a:solidFill>
+                <a:latin typeface="Monaco"/>
+                <a:cs typeface="Monaco"/>
+              </a:rPr>
+              <a:t>)</a:t>
+            </a:r>
+            <a:r>
+              <a:rPr lang="en-US" sz="2000" dirty="0" smtClean="0">
+                <a:latin typeface="Monaco"/>
+                <a:cs typeface="Monaco"/>
+              </a:rPr>
+              <a:t>, "Triangle fail."</a:t>
+            </a:r>
+            <a:endParaRPr lang="en-US" sz="2000" b="1" dirty="0" smtClean="0">
+              <a:latin typeface="Monaco"/>
+              <a:cs typeface="Monaco"/>
+            </a:endParaRPr>
           </a:p>
           <a:p>
             <a:r>
               <a:rPr lang="en-US" sz="2000" dirty="0">
-                <a:latin typeface="Monaco"/>
-                <a:cs typeface="Monaco"/>
-              </a:rPr>
-              <a:t>	</a:t>
+                <a:solidFill>
+                  <a:schemeClr val="accent3">
+                    <a:lumMod val="60000"/>
+                    <a:lumOff val="40000"/>
+                  </a:schemeClr>
+                </a:solidFill>
+                <a:latin typeface="Monaco"/>
+                <a:cs typeface="Monaco"/>
+              </a:rPr>
+              <a:t>## If assertion FAILS, </a:t>
             </a:r>
             <a:r>
               <a:rPr lang="en-US" sz="2000" dirty="0" smtClean="0">
                 <a:solidFill>
-                  <a:schemeClr val="bg1">
-                    <a:lumMod val="65000"/>
+                  <a:schemeClr val="accent3">
+                    <a:lumMod val="60000"/>
+                    <a:lumOff val="40000"/>
                   </a:schemeClr>
                 </a:solidFill>
                 <a:latin typeface="Monaco"/>
                 <a:cs typeface="Monaco"/>
               </a:rPr>
-              <a:t>21</a:t>
-            </a:r>
+              <a:t>prints </a:t>
+            </a:r>
+            <a:r>
+              <a:rPr lang="en-US" sz="2000" dirty="0">
+                <a:solidFill>
+                  <a:schemeClr val="accent3">
+                    <a:lumMod val="60000"/>
+                    <a:lumOff val="40000"/>
+                  </a:schemeClr>
+                </a:solidFill>
+                <a:latin typeface="Monaco"/>
+                <a:cs typeface="Monaco"/>
+              </a:rPr>
+              <a:t>statement and </a:t>
+            </a:r>
+            <a:r>
+              <a:rPr lang="en-US" sz="2000" i="1" dirty="0">
+                <a:solidFill>
+                  <a:schemeClr val="accent3">
+                    <a:lumMod val="60000"/>
+                    <a:lumOff val="40000"/>
+                  </a:schemeClr>
+                </a:solidFill>
+                <a:latin typeface="Monaco"/>
+                <a:cs typeface="Monaco"/>
+              </a:rPr>
+              <a:t>script immediately exits</a:t>
+            </a:r>
+            <a:endParaRPr lang="en-US" sz="2000" dirty="0">
+              <a:solidFill>
+                <a:schemeClr val="accent3">
+                  <a:lumMod val="60000"/>
+                  <a:lumOff val="40000"/>
+                </a:schemeClr>
+              </a:solidFill>
+              <a:latin typeface="Monaco"/>
+              <a:cs typeface="Monaco"/>
+            </a:endParaRPr>
+          </a:p>
+          <a:p>
+            <a:endParaRPr lang="en-US" sz="2000" dirty="0" smtClean="0">
+              <a:solidFill>
+                <a:schemeClr val="bg1">
+                  <a:lumMod val="65000"/>
+                </a:schemeClr>
+              </a:solidFill>
+              <a:latin typeface="Monaco"/>
+              <a:cs typeface="Monaco"/>
+            </a:endParaRPr>
           </a:p>
           <a:p>
             <a:endParaRPr lang="en-US" sz="2000" dirty="0">
@@ -4114,7 +4205,7 @@
     </p:spTree>
     <p:extLst>
       <p:ext uri="{BB962C8B-B14F-4D97-AF65-F5344CB8AC3E}">
-        <p14:creationId xmlns:p14="http://schemas.microsoft.com/office/powerpoint/2010/main" val="1089944498"/>
+        <p14:creationId xmlns:p14="http://schemas.microsoft.com/office/powerpoint/2010/main" val="661668976"/>
       </p:ext>
     </p:extLst>
   </p:cSld>
@@ -4236,422 +4327,6 @@
           <a:p>
             <a:r>
               <a:rPr lang="en-US" dirty="0" smtClean="0"/>
-              <a:t>Testing, but fancier</a:t>
-            </a:r>
-            <a:endParaRPr lang="en-US" dirty="0"/>
-          </a:p>
-        </p:txBody>
-      </p:sp>
-      <p:sp>
-        <p:nvSpPr>
-          <p:cNvPr id="4" name="TextBox 3"/>
-          <p:cNvSpPr txBox="1"/>
-          <p:nvPr/>
-        </p:nvSpPr>
-        <p:spPr>
-          <a:xfrm>
-            <a:off x="457198" y="1725223"/>
-            <a:ext cx="8686801" cy="5016758"/>
-          </a:xfrm>
-          <a:prstGeom prst="rect">
-            <a:avLst/>
-          </a:prstGeom>
-          <a:noFill/>
-        </p:spPr>
-        <p:txBody>
-          <a:bodyPr wrap="square" rtlCol="0">
-            <a:spAutoFit/>
-          </a:bodyPr>
-          <a:lstStyle/>
-          <a:p>
-            <a:endParaRPr lang="en-US" sz="2000" dirty="0">
-              <a:solidFill>
-                <a:schemeClr val="bg1">
-                  <a:lumMod val="65000"/>
-                </a:schemeClr>
-              </a:solidFill>
-              <a:latin typeface="Monaco"/>
-              <a:cs typeface="Monaco"/>
-            </a:endParaRPr>
-          </a:p>
-          <a:p>
-            <a:r>
-              <a:rPr lang="en-US" sz="2000" dirty="0" smtClean="0">
-                <a:latin typeface="Monaco"/>
-                <a:cs typeface="Monaco"/>
-              </a:rPr>
-              <a:t>def triangle_area(l, w):</a:t>
-            </a:r>
-          </a:p>
-          <a:p>
-            <a:r>
-              <a:rPr lang="en-US" sz="2000" dirty="0">
-                <a:latin typeface="Monaco"/>
-                <a:cs typeface="Monaco"/>
-              </a:rPr>
-              <a:t>	</a:t>
-            </a:r>
-            <a:r>
-              <a:rPr lang="en-US" sz="2000" dirty="0" smtClean="0">
-                <a:latin typeface="Monaco"/>
-                <a:cs typeface="Monaco"/>
-              </a:rPr>
-              <a:t>area = l*w/ 2.0</a:t>
-            </a:r>
-          </a:p>
-          <a:p>
-            <a:r>
-              <a:rPr lang="en-US" sz="2000" dirty="0">
-                <a:latin typeface="Monaco"/>
-                <a:cs typeface="Monaco"/>
-              </a:rPr>
-              <a:t>	</a:t>
-            </a:r>
-            <a:r>
-              <a:rPr lang="en-US" sz="2000" dirty="0" smtClean="0">
-                <a:latin typeface="Monaco"/>
-                <a:cs typeface="Monaco"/>
-              </a:rPr>
-              <a:t>return area</a:t>
-            </a:r>
-          </a:p>
-          <a:p>
-            <a:endParaRPr lang="en-US" sz="2000" dirty="0">
-              <a:latin typeface="Monaco"/>
-              <a:cs typeface="Monaco"/>
-            </a:endParaRPr>
-          </a:p>
-          <a:p>
-            <a:r>
-              <a:rPr lang="en-US" sz="2000" dirty="0" smtClean="0">
-                <a:solidFill>
-                  <a:schemeClr val="accent3">
-                    <a:lumMod val="60000"/>
-                    <a:lumOff val="40000"/>
-                  </a:schemeClr>
-                </a:solidFill>
-                <a:latin typeface="Monaco"/>
-                <a:cs typeface="Monaco"/>
-              </a:rPr>
-              <a:t># Unit test code</a:t>
-            </a:r>
-            <a:endParaRPr lang="en-US" sz="2000" dirty="0" smtClean="0">
-              <a:latin typeface="Monaco"/>
-              <a:cs typeface="Monaco"/>
-            </a:endParaRPr>
-          </a:p>
-          <a:p>
-            <a:r>
-              <a:rPr lang="en-US" sz="2000" dirty="0" smtClean="0">
-                <a:latin typeface="Monaco"/>
-                <a:cs typeface="Monaco"/>
-              </a:rPr>
-              <a:t>truth = 21</a:t>
-            </a:r>
-          </a:p>
-          <a:p>
-            <a:r>
-              <a:rPr lang="en-US" sz="2000" dirty="0" smtClean="0">
-                <a:latin typeface="Monaco"/>
-                <a:cs typeface="Monaco"/>
-              </a:rPr>
-              <a:t>l = 7</a:t>
-            </a:r>
-          </a:p>
-          <a:p>
-            <a:r>
-              <a:rPr lang="en-US" sz="2000" dirty="0" smtClean="0">
-                <a:latin typeface="Monaco"/>
-                <a:cs typeface="Monaco"/>
-              </a:rPr>
-              <a:t>w = 6</a:t>
-            </a:r>
-          </a:p>
-          <a:p>
-            <a:endParaRPr lang="en-US" sz="2000" b="1" dirty="0" smtClean="0">
-              <a:solidFill>
-                <a:schemeClr val="accent5"/>
-              </a:solidFill>
-              <a:latin typeface="Monaco"/>
-              <a:cs typeface="Monaco"/>
-            </a:endParaRPr>
-          </a:p>
-          <a:p>
-            <a:r>
-              <a:rPr lang="en-US" sz="2000" b="1" dirty="0" smtClean="0">
-                <a:solidFill>
-                  <a:schemeClr val="accent5"/>
-                </a:solidFill>
-                <a:latin typeface="Monaco"/>
-                <a:cs typeface="Monaco"/>
-              </a:rPr>
-              <a:t>assert(</a:t>
-            </a:r>
-            <a:r>
-              <a:rPr lang="en-US" sz="2000" dirty="0">
-                <a:solidFill>
-                  <a:schemeClr val="accent5"/>
-                </a:solidFill>
-                <a:latin typeface="Monaco"/>
-                <a:cs typeface="Monaco"/>
-              </a:rPr>
-              <a:t> </a:t>
-            </a:r>
-            <a:r>
-              <a:rPr lang="en-US" sz="2000" dirty="0" err="1" smtClean="0">
-                <a:latin typeface="Monaco"/>
-                <a:cs typeface="Monaco"/>
-              </a:rPr>
-              <a:t>triangle_area</a:t>
-            </a:r>
-            <a:r>
-              <a:rPr lang="en-US" sz="2000" dirty="0" smtClean="0">
-                <a:latin typeface="Monaco"/>
-                <a:cs typeface="Monaco"/>
-              </a:rPr>
-              <a:t>(l, w) == truth</a:t>
-            </a:r>
-            <a:r>
-              <a:rPr lang="en-US" sz="2000" b="1" dirty="0" smtClean="0">
-                <a:solidFill>
-                  <a:schemeClr val="accent5"/>
-                </a:solidFill>
-                <a:latin typeface="Monaco"/>
-                <a:cs typeface="Monaco"/>
-              </a:rPr>
-              <a:t>)</a:t>
-            </a:r>
-            <a:r>
-              <a:rPr lang="en-US" sz="2000" dirty="0" smtClean="0">
-                <a:latin typeface="Monaco"/>
-                <a:cs typeface="Monaco"/>
-              </a:rPr>
-              <a:t>, "Triangle fail."</a:t>
-            </a:r>
-            <a:endParaRPr lang="en-US" sz="2000" b="1" dirty="0" smtClean="0">
-              <a:latin typeface="Monaco"/>
-              <a:cs typeface="Monaco"/>
-            </a:endParaRPr>
-          </a:p>
-          <a:p>
-            <a:r>
-              <a:rPr lang="en-US" sz="2000" dirty="0">
-                <a:solidFill>
-                  <a:schemeClr val="accent3">
-                    <a:lumMod val="60000"/>
-                    <a:lumOff val="40000"/>
-                  </a:schemeClr>
-                </a:solidFill>
-                <a:latin typeface="Monaco"/>
-                <a:cs typeface="Monaco"/>
-              </a:rPr>
-              <a:t>## If assertion FAILS, </a:t>
-            </a:r>
-            <a:r>
-              <a:rPr lang="en-US" sz="2000" dirty="0" smtClean="0">
-                <a:solidFill>
-                  <a:schemeClr val="accent3">
-                    <a:lumMod val="60000"/>
-                    <a:lumOff val="40000"/>
-                  </a:schemeClr>
-                </a:solidFill>
-                <a:latin typeface="Monaco"/>
-                <a:cs typeface="Monaco"/>
-              </a:rPr>
-              <a:t>prints </a:t>
-            </a:r>
-            <a:r>
-              <a:rPr lang="en-US" sz="2000" dirty="0">
-                <a:solidFill>
-                  <a:schemeClr val="accent3">
-                    <a:lumMod val="60000"/>
-                    <a:lumOff val="40000"/>
-                  </a:schemeClr>
-                </a:solidFill>
-                <a:latin typeface="Monaco"/>
-                <a:cs typeface="Monaco"/>
-              </a:rPr>
-              <a:t>statement and </a:t>
-            </a:r>
-            <a:r>
-              <a:rPr lang="en-US" sz="2000" i="1" dirty="0">
-                <a:solidFill>
-                  <a:schemeClr val="accent3">
-                    <a:lumMod val="60000"/>
-                    <a:lumOff val="40000"/>
-                  </a:schemeClr>
-                </a:solidFill>
-                <a:latin typeface="Monaco"/>
-                <a:cs typeface="Monaco"/>
-              </a:rPr>
-              <a:t>script immediately exits</a:t>
-            </a:r>
-            <a:endParaRPr lang="en-US" sz="2000" dirty="0">
-              <a:solidFill>
-                <a:schemeClr val="accent3">
-                  <a:lumMod val="60000"/>
-                  <a:lumOff val="40000"/>
-                </a:schemeClr>
-              </a:solidFill>
-              <a:latin typeface="Monaco"/>
-              <a:cs typeface="Monaco"/>
-            </a:endParaRPr>
-          </a:p>
-          <a:p>
-            <a:endParaRPr lang="en-US" sz="2000" dirty="0" smtClean="0">
-              <a:solidFill>
-                <a:schemeClr val="bg1">
-                  <a:lumMod val="65000"/>
-                </a:schemeClr>
-              </a:solidFill>
-              <a:latin typeface="Monaco"/>
-              <a:cs typeface="Monaco"/>
-            </a:endParaRPr>
-          </a:p>
-          <a:p>
-            <a:endParaRPr lang="en-US" sz="2000" dirty="0">
-              <a:solidFill>
-                <a:schemeClr val="bg1">
-                  <a:lumMod val="65000"/>
-                </a:schemeClr>
-              </a:solidFill>
-              <a:latin typeface="Monaco"/>
-              <a:cs typeface="Monaco"/>
-            </a:endParaRPr>
-          </a:p>
-          <a:p>
-            <a:endParaRPr lang="en-US" sz="2000" dirty="0" smtClean="0">
-              <a:latin typeface="Monaco"/>
-              <a:cs typeface="Monaco"/>
-            </a:endParaRPr>
-          </a:p>
-        </p:txBody>
-      </p:sp>
-    </p:spTree>
-    <p:extLst>
-      <p:ext uri="{BB962C8B-B14F-4D97-AF65-F5344CB8AC3E}">
-        <p14:creationId xmlns:p14="http://schemas.microsoft.com/office/powerpoint/2010/main" val="661668976"/>
-      </p:ext>
-    </p:extLst>
-  </p:cSld>
-  <p:clrMapOvr>
-    <a:masterClrMapping/>
-  </p:clrMapOvr>
-  <p:timing>
-    <p:tnLst>
-      <p:par>
-        <p:cTn id="1" dur="indefinite" restart="never" nodeType="tmRoot">
-          <p:childTnLst>
-            <p:seq concurrent="1" nextAc="seek">
-              <p:cTn id="2" dur="indefinite" nodeType="mainSeq">
-                <p:childTnLst>
-                  <p:par>
-                    <p:cTn id="3" fill="hold">
-                      <p:stCondLst>
-                        <p:cond delay="indefinite"/>
-                      </p:stCondLst>
-                      <p:childTnLst>
-                        <p:par>
-                          <p:cTn id="4" fill="hold">
-                            <p:stCondLst>
-                              <p:cond delay="0"/>
-                            </p:stCondLst>
-                            <p:childTnLst>
-                              <p:par>
-                                <p:cTn id="5" presetID="1" presetClass="entr" presetSubtype="0" fill="hold" grpId="0" nodeType="clickEffect">
-                                  <p:stCondLst>
-                                    <p:cond delay="0"/>
-                                  </p:stCondLst>
-                                  <p:childTnLst>
-                                    <p:set>
-                                      <p:cBhvr>
-                                        <p:cTn id="6" dur="1" fill="hold">
-                                          <p:stCondLst>
-                                            <p:cond delay="0"/>
-                                          </p:stCondLst>
-                                        </p:cTn>
-                                        <p:tgtEl>
-                                          <p:spTgt spid="4"/>
-                                        </p:tgtEl>
-                                        <p:attrNameLst>
-                                          <p:attrName>style.visibility</p:attrName>
-                                        </p:attrNameLst>
-                                      </p:cBhvr>
-                                      <p:to>
-                                        <p:strVal val="visible"/>
-                                      </p:to>
-                                    </p:set>
-                                  </p:childTnLst>
-                                </p:cTn>
-                              </p:par>
-                            </p:childTnLst>
-                          </p:cTn>
-                        </p:par>
-                      </p:childTnLst>
-                    </p:cTn>
-                  </p:par>
-                </p:childTnLst>
-              </p:cTn>
-              <p:prevCondLst>
-                <p:cond evt="onPrev" delay="0">
-                  <p:tgtEl>
-                    <p:sldTgt/>
-                  </p:tgtEl>
-                </p:cond>
-              </p:prevCondLst>
-              <p:nextCondLst>
-                <p:cond evt="onNext" delay="0">
-                  <p:tgtEl>
-                    <p:sldTgt/>
-                  </p:tgtEl>
-                </p:cond>
-              </p:nextCondLst>
-            </p:seq>
-          </p:childTnLst>
-        </p:cTn>
-      </p:par>
-    </p:tnLst>
-    <p:bldLst>
-      <p:bldP spid="4" grpId="0"/>
-    </p:bldLst>
-  </p:timing>
-</p:sld>
-</file>
-
-<file path=ppt/slides/slide12.xml><?xml version="1.0" encoding="utf-8"?>
-<p:sld xmlns:a="http://schemas.openxmlformats.org/drawingml/2006/main" xmlns:r="http://schemas.openxmlformats.org/officeDocument/2006/relationships" xmlns:p="http://schemas.openxmlformats.org/presentationml/2006/main">
-  <p:cSld>
-    <p:spTree>
-      <p:nvGrpSpPr>
-        <p:cNvPr id="1" name=""/>
-        <p:cNvGrpSpPr/>
-        <p:nvPr/>
-      </p:nvGrpSpPr>
-      <p:grpSpPr>
-        <a:xfrm>
-          <a:off x="0" y="0"/>
-          <a:ext cx="0" cy="0"/>
-          <a:chOff x="0" y="0"/>
-          <a:chExt cx="0" cy="0"/>
-        </a:xfrm>
-      </p:grpSpPr>
-      <p:sp>
-        <p:nvSpPr>
-          <p:cNvPr id="2" name="Title 1"/>
-          <p:cNvSpPr>
-            <a:spLocks noGrp="1"/>
-          </p:cNvSpPr>
-          <p:nvPr>
-            <p:ph type="title"/>
-          </p:nvPr>
-        </p:nvSpPr>
-        <p:spPr/>
-        <p:txBody>
-          <a:bodyPr/>
-          <a:lstStyle/>
-          <a:p>
-            <a:r>
-              <a:rPr lang="en-US" dirty="0" smtClean="0"/>
               <a:t>a note on scope</a:t>
             </a:r>
             <a:endParaRPr lang="en-US" dirty="0"/>
@@ -4740,7 +4415,7 @@
 </p:sld>
 </file>
 
-<file path=ppt/slides/slide13.xml><?xml version="1.0" encoding="utf-8"?>
+<file path=ppt/slides/slide12.xml><?xml version="1.0" encoding="utf-8"?>
 <p:sld xmlns:a="http://schemas.openxmlformats.org/drawingml/2006/main" xmlns:r="http://schemas.openxmlformats.org/officeDocument/2006/relationships" xmlns:p="http://schemas.openxmlformats.org/presentationml/2006/main">
   <p:cSld>
     <p:spTree>
@@ -5439,7 +5114,7 @@
 </p:sld>
 </file>
 
-<file path=ppt/slides/slide14.xml><?xml version="1.0" encoding="utf-8"?>
+<file path=ppt/slides/slide13.xml><?xml version="1.0" encoding="utf-8"?>
 <p:sld xmlns:a="http://schemas.openxmlformats.org/drawingml/2006/main" xmlns:r="http://schemas.openxmlformats.org/officeDocument/2006/relationships" xmlns:p="http://schemas.openxmlformats.org/presentationml/2006/main">
   <p:cSld>
     <p:spTree>
@@ -6106,7 +5781,7 @@
 </p:sld>
 </file>
 
-<file path=ppt/slides/slide15.xml><?xml version="1.0" encoding="utf-8"?>
+<file path=ppt/slides/slide14.xml><?xml version="1.0" encoding="utf-8"?>
 <p:sld xmlns:a="http://schemas.openxmlformats.org/drawingml/2006/main" xmlns:r="http://schemas.openxmlformats.org/officeDocument/2006/relationships" xmlns:p="http://schemas.openxmlformats.org/presentationml/2006/main">
   <p:cSld>
     <p:spTree>
@@ -6171,7 +5846,7 @@
 </p:sld>
 </file>
 
-<file path=ppt/slides/slide16.xml><?xml version="1.0" encoding="utf-8"?>
+<file path=ppt/slides/slide15.xml><?xml version="1.0" encoding="utf-8"?>
 <p:sld xmlns:a="http://schemas.openxmlformats.org/drawingml/2006/main" xmlns:r="http://schemas.openxmlformats.org/officeDocument/2006/relationships" xmlns:p="http://schemas.openxmlformats.org/presentationml/2006/main">
   <p:cSld>
     <p:spTree>
@@ -6524,7 +6199,7 @@
 </p:sld>
 </file>
 
-<file path=ppt/slides/slide17.xml><?xml version="1.0" encoding="utf-8"?>
+<file path=ppt/slides/slide16.xml><?xml version="1.0" encoding="utf-8"?>
 <p:sld xmlns:a="http://schemas.openxmlformats.org/drawingml/2006/main" xmlns:r="http://schemas.openxmlformats.org/officeDocument/2006/relationships" xmlns:p="http://schemas.openxmlformats.org/presentationml/2006/main">
   <p:cSld>
     <p:spTree>
@@ -7135,7 +6810,7 @@
 </p:sld>
 </file>
 
-<file path=ppt/slides/slide18.xml><?xml version="1.0" encoding="utf-8"?>
+<file path=ppt/slides/slide17.xml><?xml version="1.0" encoding="utf-8"?>
 <p:sld xmlns:a="http://schemas.openxmlformats.org/drawingml/2006/main" xmlns:r="http://schemas.openxmlformats.org/officeDocument/2006/relationships" xmlns:p="http://schemas.openxmlformats.org/presentationml/2006/main">
   <p:cSld>
     <p:spTree>
@@ -8086,7 +7761,7 @@
 </p:sld>
 </file>
 
-<file path=ppt/slides/slide19.xml><?xml version="1.0" encoding="utf-8"?>
+<file path=ppt/slides/slide18.xml><?xml version="1.0" encoding="utf-8"?>
 <p:sld xmlns:a="http://schemas.openxmlformats.org/drawingml/2006/main" xmlns:r="http://schemas.openxmlformats.org/officeDocument/2006/relationships" xmlns:p="http://schemas.openxmlformats.org/presentationml/2006/main">
   <p:cSld>
     <p:spTree>
@@ -8367,194 +8042,7 @@
 </p:sld>
 </file>
 
-<file path=ppt/slides/slide2.xml><?xml version="1.0" encoding="utf-8"?>
-<p:sld xmlns:a="http://schemas.openxmlformats.org/drawingml/2006/main" xmlns:r="http://schemas.openxmlformats.org/officeDocument/2006/relationships" xmlns:p="http://schemas.openxmlformats.org/presentationml/2006/main">
-  <p:cSld>
-    <p:spTree>
-      <p:nvGrpSpPr>
-        <p:cNvPr id="1" name=""/>
-        <p:cNvGrpSpPr/>
-        <p:nvPr/>
-      </p:nvGrpSpPr>
-      <p:grpSpPr>
-        <a:xfrm>
-          <a:off x="0" y="0"/>
-          <a:ext cx="0" cy="0"/>
-          <a:chOff x="0" y="0"/>
-          <a:chExt cx="0" cy="0"/>
-        </a:xfrm>
-      </p:grpSpPr>
-      <p:sp>
-        <p:nvSpPr>
-          <p:cNvPr id="2" name="Title 1"/>
-          <p:cNvSpPr>
-            <a:spLocks noGrp="1"/>
-          </p:cNvSpPr>
-          <p:nvPr>
-            <p:ph type="title"/>
-          </p:nvPr>
-        </p:nvSpPr>
-        <p:spPr/>
-        <p:txBody>
-          <a:bodyPr/>
-          <a:lstStyle/>
-          <a:p>
-            <a:r>
-              <a:rPr lang="en-US" dirty="0"/>
-              <a:t>Recap: we have learned</a:t>
-            </a:r>
-            <a:r>
-              <a:rPr lang="mr-IN" dirty="0"/>
-              <a:t>…</a:t>
-            </a:r>
-            <a:endParaRPr lang="en-US" dirty="0"/>
-          </a:p>
-        </p:txBody>
-      </p:sp>
-      <p:sp>
-        <p:nvSpPr>
-          <p:cNvPr id="3" name="Content Placeholder 2"/>
-          <p:cNvSpPr>
-            <a:spLocks noGrp="1"/>
-          </p:cNvSpPr>
-          <p:nvPr>
-            <p:ph idx="1"/>
-          </p:nvPr>
-        </p:nvSpPr>
-        <p:spPr/>
-        <p:txBody>
-          <a:bodyPr/>
-          <a:lstStyle/>
-          <a:p>
-            <a:pPr marL="457200" indent="-457200">
-              <a:buFont typeface="Arial" charset="0"/>
-              <a:buChar char="•"/>
-            </a:pPr>
-            <a:r>
-              <a:rPr lang="en-US" dirty="0"/>
-              <a:t>Working with several variable types</a:t>
-            </a:r>
-          </a:p>
-          <a:p>
-            <a:pPr marL="914400" lvl="1" indent="-457200">
-              <a:buFont typeface="Arial" charset="0"/>
-              <a:buChar char="•"/>
-            </a:pPr>
-            <a:r>
-              <a:rPr lang="en-US" dirty="0"/>
-              <a:t>Integer, float, </a:t>
-            </a:r>
-            <a:r>
-              <a:rPr lang="en-US" dirty="0" err="1"/>
-              <a:t>boolean</a:t>
-            </a:r>
-            <a:r>
-              <a:rPr lang="en-US" dirty="0"/>
-              <a:t>, string, </a:t>
-            </a:r>
-            <a:r>
-              <a:rPr lang="en-US" dirty="0" smtClean="0"/>
-              <a:t>list, dictionary</a:t>
-            </a:r>
-          </a:p>
-          <a:p>
-            <a:pPr marL="914400" lvl="1" indent="-457200">
-              <a:buFont typeface="Arial" charset="0"/>
-              <a:buChar char="•"/>
-            </a:pPr>
-            <a:endParaRPr lang="en-US" dirty="0" smtClean="0"/>
-          </a:p>
-          <a:p>
-            <a:pPr marL="457200" indent="-457200">
-              <a:buFont typeface="Arial" charset="0"/>
-              <a:buChar char="•"/>
-            </a:pPr>
-            <a:r>
-              <a:rPr lang="en-US" dirty="0" smtClean="0"/>
-              <a:t>Control flow with </a:t>
-            </a:r>
-            <a:r>
-              <a:rPr lang="en-US" dirty="0" smtClean="0">
-                <a:latin typeface="Monaco" charset="0"/>
-                <a:ea typeface="Monaco" charset="0"/>
-                <a:cs typeface="Monaco" charset="0"/>
-              </a:rPr>
-              <a:t>if </a:t>
-            </a:r>
-            <a:r>
-              <a:rPr lang="en-US" dirty="0" smtClean="0"/>
-              <a:t>and </a:t>
-            </a:r>
-            <a:r>
-              <a:rPr lang="en-US" dirty="0" smtClean="0">
-                <a:latin typeface="Monaco" charset="0"/>
-                <a:ea typeface="Monaco" charset="0"/>
-                <a:cs typeface="Monaco" charset="0"/>
-              </a:rPr>
-              <a:t>for</a:t>
-            </a:r>
-          </a:p>
-          <a:p>
-            <a:pPr marL="457200" indent="-457200">
-              <a:buFont typeface="Arial" charset="0"/>
-              <a:buChar char="•"/>
-            </a:pPr>
-            <a:endParaRPr lang="en-US" dirty="0"/>
-          </a:p>
-          <a:p>
-            <a:pPr marL="457200" indent="-457200">
-              <a:buFont typeface="Arial" charset="0"/>
-              <a:buChar char="•"/>
-            </a:pPr>
-            <a:r>
-              <a:rPr lang="en-US" dirty="0" smtClean="0"/>
-              <a:t>Today:</a:t>
-            </a:r>
-          </a:p>
-          <a:p>
-            <a:pPr marL="914400" lvl="1" indent="-457200">
-              <a:buFont typeface="Arial" charset="0"/>
-              <a:buChar char="•"/>
-            </a:pPr>
-            <a:r>
-              <a:rPr lang="en-US" dirty="0" smtClean="0"/>
-              <a:t>Writing and testing functions</a:t>
-            </a:r>
-          </a:p>
-          <a:p>
-            <a:pPr marL="914400" lvl="1" indent="-457200">
-              <a:buFont typeface="Arial" charset="0"/>
-              <a:buChar char="•"/>
-            </a:pPr>
-            <a:r>
-              <a:rPr lang="en-US" dirty="0" smtClean="0"/>
-              <a:t>File input/output</a:t>
-            </a:r>
-            <a:endParaRPr lang="en-US" dirty="0"/>
-          </a:p>
-        </p:txBody>
-      </p:sp>
-    </p:spTree>
-    <p:extLst>
-      <p:ext uri="{BB962C8B-B14F-4D97-AF65-F5344CB8AC3E}">
-        <p14:creationId xmlns:p14="http://schemas.microsoft.com/office/powerpoint/2010/main" val="1693920240"/>
-      </p:ext>
-    </p:extLst>
-  </p:cSld>
-  <p:clrMapOvr>
-    <a:masterClrMapping/>
-  </p:clrMapOvr>
-  <p:timing>
-    <p:tnLst>
-      <p:par>
-        <p:cTn id="1" dur="indefinite" restart="never" nodeType="tmRoot"/>
-      </p:par>
-    </p:tnLst>
-  </p:timing>
-</p:sld>
-</file>
-
-<file path=ppt/slides/slide20.xml><?xml version="1.0" encoding="utf-8"?>
+<file path=ppt/slides/slide19.xml><?xml version="1.0" encoding="utf-8"?>
 <p:sld xmlns:a="http://schemas.openxmlformats.org/drawingml/2006/main" xmlns:r="http://schemas.openxmlformats.org/officeDocument/2006/relationships" xmlns:p="http://schemas.openxmlformats.org/presentationml/2006/main">
   <p:cSld>
     <p:spTree>
@@ -9342,7 +8830,7 @@
 </p:sld>
 </file>
 
-<file path=ppt/slides/slide21.xml><?xml version="1.0" encoding="utf-8"?>
+<file path=ppt/slides/slide2.xml><?xml version="1.0" encoding="utf-8"?>
 <p:sld xmlns:a="http://schemas.openxmlformats.org/drawingml/2006/main" xmlns:r="http://schemas.openxmlformats.org/officeDocument/2006/relationships" xmlns:p="http://schemas.openxmlformats.org/presentationml/2006/main">
   <p:cSld>
     <p:spTree>
@@ -9375,6 +8863,193 @@
           <a:lstStyle/>
           <a:p>
             <a:r>
+              <a:rPr lang="en-US" dirty="0"/>
+              <a:t>Recap: we have learned</a:t>
+            </a:r>
+            <a:r>
+              <a:rPr lang="mr-IN" dirty="0"/>
+              <a:t>…</a:t>
+            </a:r>
+            <a:endParaRPr lang="en-US" dirty="0"/>
+          </a:p>
+        </p:txBody>
+      </p:sp>
+      <p:sp>
+        <p:nvSpPr>
+          <p:cNvPr id="3" name="Content Placeholder 2"/>
+          <p:cNvSpPr>
+            <a:spLocks noGrp="1"/>
+          </p:cNvSpPr>
+          <p:nvPr>
+            <p:ph idx="1"/>
+          </p:nvPr>
+        </p:nvSpPr>
+        <p:spPr/>
+        <p:txBody>
+          <a:bodyPr/>
+          <a:lstStyle/>
+          <a:p>
+            <a:pPr marL="457200" indent="-457200">
+              <a:buFont typeface="Arial" charset="0"/>
+              <a:buChar char="•"/>
+            </a:pPr>
+            <a:r>
+              <a:rPr lang="en-US" dirty="0"/>
+              <a:t>Working with several variable types</a:t>
+            </a:r>
+          </a:p>
+          <a:p>
+            <a:pPr marL="914400" lvl="1" indent="-457200">
+              <a:buFont typeface="Arial" charset="0"/>
+              <a:buChar char="•"/>
+            </a:pPr>
+            <a:r>
+              <a:rPr lang="en-US" dirty="0"/>
+              <a:t>Integer, float, </a:t>
+            </a:r>
+            <a:r>
+              <a:rPr lang="en-US" dirty="0" err="1"/>
+              <a:t>boolean</a:t>
+            </a:r>
+            <a:r>
+              <a:rPr lang="en-US" dirty="0"/>
+              <a:t>, string, </a:t>
+            </a:r>
+            <a:r>
+              <a:rPr lang="en-US" dirty="0" smtClean="0"/>
+              <a:t>list, dictionary</a:t>
+            </a:r>
+          </a:p>
+          <a:p>
+            <a:pPr marL="914400" lvl="1" indent="-457200">
+              <a:buFont typeface="Arial" charset="0"/>
+              <a:buChar char="•"/>
+            </a:pPr>
+            <a:endParaRPr lang="en-US" dirty="0" smtClean="0"/>
+          </a:p>
+          <a:p>
+            <a:pPr marL="457200" indent="-457200">
+              <a:buFont typeface="Arial" charset="0"/>
+              <a:buChar char="•"/>
+            </a:pPr>
+            <a:r>
+              <a:rPr lang="en-US" dirty="0" smtClean="0"/>
+              <a:t>Control flow with </a:t>
+            </a:r>
+            <a:r>
+              <a:rPr lang="en-US" dirty="0" smtClean="0">
+                <a:latin typeface="Monaco" charset="0"/>
+                <a:ea typeface="Monaco" charset="0"/>
+                <a:cs typeface="Monaco" charset="0"/>
+              </a:rPr>
+              <a:t>if </a:t>
+            </a:r>
+            <a:r>
+              <a:rPr lang="en-US" dirty="0" smtClean="0"/>
+              <a:t>and </a:t>
+            </a:r>
+            <a:r>
+              <a:rPr lang="en-US" dirty="0" smtClean="0">
+                <a:latin typeface="Monaco" charset="0"/>
+                <a:ea typeface="Monaco" charset="0"/>
+                <a:cs typeface="Monaco" charset="0"/>
+              </a:rPr>
+              <a:t>for</a:t>
+            </a:r>
+          </a:p>
+          <a:p>
+            <a:pPr marL="457200" indent="-457200">
+              <a:buFont typeface="Arial" charset="0"/>
+              <a:buChar char="•"/>
+            </a:pPr>
+            <a:endParaRPr lang="en-US" dirty="0"/>
+          </a:p>
+          <a:p>
+            <a:pPr marL="457200" indent="-457200">
+              <a:buFont typeface="Arial" charset="0"/>
+              <a:buChar char="•"/>
+            </a:pPr>
+            <a:r>
+              <a:rPr lang="en-US" dirty="0" smtClean="0"/>
+              <a:t>Today:</a:t>
+            </a:r>
+          </a:p>
+          <a:p>
+            <a:pPr marL="914400" lvl="1" indent="-457200">
+              <a:buFont typeface="Arial" charset="0"/>
+              <a:buChar char="•"/>
+            </a:pPr>
+            <a:r>
+              <a:rPr lang="en-US" dirty="0" smtClean="0"/>
+              <a:t>Writing and testing functions</a:t>
+            </a:r>
+          </a:p>
+          <a:p>
+            <a:pPr marL="914400" lvl="1" indent="-457200">
+              <a:buFont typeface="Arial" charset="0"/>
+              <a:buChar char="•"/>
+            </a:pPr>
+            <a:r>
+              <a:rPr lang="en-US" dirty="0" smtClean="0"/>
+              <a:t>File input/output</a:t>
+            </a:r>
+            <a:endParaRPr lang="en-US" dirty="0"/>
+          </a:p>
+        </p:txBody>
+      </p:sp>
+    </p:spTree>
+    <p:extLst>
+      <p:ext uri="{BB962C8B-B14F-4D97-AF65-F5344CB8AC3E}">
+        <p14:creationId xmlns:p14="http://schemas.microsoft.com/office/powerpoint/2010/main" val="1693920240"/>
+      </p:ext>
+    </p:extLst>
+  </p:cSld>
+  <p:clrMapOvr>
+    <a:masterClrMapping/>
+  </p:clrMapOvr>
+  <p:timing>
+    <p:tnLst>
+      <p:par>
+        <p:cTn id="1" dur="indefinite" restart="never" nodeType="tmRoot"/>
+      </p:par>
+    </p:tnLst>
+  </p:timing>
+</p:sld>
+</file>
+
+<file path=ppt/slides/slide20.xml><?xml version="1.0" encoding="utf-8"?>
+<p:sld xmlns:a="http://schemas.openxmlformats.org/drawingml/2006/main" xmlns:r="http://schemas.openxmlformats.org/officeDocument/2006/relationships" xmlns:p="http://schemas.openxmlformats.org/presentationml/2006/main">
+  <p:cSld>
+    <p:spTree>
+      <p:nvGrpSpPr>
+        <p:cNvPr id="1" name=""/>
+        <p:cNvGrpSpPr/>
+        <p:nvPr/>
+      </p:nvGrpSpPr>
+      <p:grpSpPr>
+        <a:xfrm>
+          <a:off x="0" y="0"/>
+          <a:ext cx="0" cy="0"/>
+          <a:chOff x="0" y="0"/>
+          <a:chExt cx="0" cy="0"/>
+        </a:xfrm>
+      </p:grpSpPr>
+      <p:sp>
+        <p:nvSpPr>
+          <p:cNvPr id="2" name="Title 1"/>
+          <p:cNvSpPr>
+            <a:spLocks noGrp="1"/>
+          </p:cNvSpPr>
+          <p:nvPr>
+            <p:ph type="title"/>
+          </p:nvPr>
+        </p:nvSpPr>
+        <p:spPr/>
+        <p:txBody>
+          <a:bodyPr/>
+          <a:lstStyle/>
+          <a:p>
+            <a:r>
               <a:rPr lang="en-US" dirty="0" smtClean="0"/>
               <a:t>opening files for writing</a:t>
             </a:r>
@@ -9415,8 +9090,31 @@
                 <a:latin typeface="Monaco"/>
                 <a:cs typeface="Monaco"/>
               </a:rPr>
-              <a:t># Name of file to open</a:t>
-            </a:r>
+              <a:t># Name of file to </a:t>
+            </a:r>
+            <a:r>
+              <a:rPr lang="en-US" dirty="0" smtClean="0">
+                <a:solidFill>
+                  <a:schemeClr val="accent3">
+                    <a:lumMod val="60000"/>
+                    <a:lumOff val="40000"/>
+                  </a:schemeClr>
+                </a:solidFill>
+                <a:latin typeface="Monaco"/>
+                <a:cs typeface="Monaco"/>
+              </a:rPr>
+              <a:t>open (or to create!)</a:t>
+            </a:r>
+            <a:endParaRPr lang="en-US" dirty="0" smtClean="0">
+              <a:solidFill>
+                <a:schemeClr val="accent3">
+                  <a:lumMod val="60000"/>
+                  <a:lumOff val="40000"/>
+                </a:schemeClr>
+              </a:solidFill>
+              <a:latin typeface="Monaco"/>
+              <a:cs typeface="Monaco"/>
+            </a:endParaRPr>
           </a:p>
           <a:p>
             <a:r>
@@ -9937,6 +9635,475 @@
 </p:sld>
 </file>
 
+<file path=ppt/slides/slide21.xml><?xml version="1.0" encoding="utf-8"?>
+<p:sld xmlns:a="http://schemas.openxmlformats.org/drawingml/2006/main" xmlns:r="http://schemas.openxmlformats.org/officeDocument/2006/relationships" xmlns:p="http://schemas.openxmlformats.org/presentationml/2006/main">
+  <p:cSld>
+    <p:spTree>
+      <p:nvGrpSpPr>
+        <p:cNvPr id="1" name=""/>
+        <p:cNvGrpSpPr/>
+        <p:nvPr/>
+      </p:nvGrpSpPr>
+      <p:grpSpPr>
+        <a:xfrm>
+          <a:off x="0" y="0"/>
+          <a:ext cx="0" cy="0"/>
+          <a:chOff x="0" y="0"/>
+          <a:chExt cx="0" cy="0"/>
+        </a:xfrm>
+      </p:grpSpPr>
+      <p:sp>
+        <p:nvSpPr>
+          <p:cNvPr id="2" name="Title 1"/>
+          <p:cNvSpPr>
+            <a:spLocks noGrp="1"/>
+          </p:cNvSpPr>
+          <p:nvPr>
+            <p:ph type="title"/>
+          </p:nvPr>
+        </p:nvSpPr>
+        <p:spPr/>
+        <p:txBody>
+          <a:bodyPr/>
+          <a:lstStyle/>
+          <a:p>
+            <a:r>
+              <a:rPr lang="en-US" dirty="0" smtClean="0"/>
+              <a:t>Add to an existing file with append-mode</a:t>
+            </a:r>
+            <a:endParaRPr lang="en-US" dirty="0"/>
+          </a:p>
+        </p:txBody>
+      </p:sp>
+      <p:sp>
+        <p:nvSpPr>
+          <p:cNvPr id="5" name="TextBox 4"/>
+          <p:cNvSpPr txBox="1"/>
+          <p:nvPr/>
+        </p:nvSpPr>
+        <p:spPr>
+          <a:xfrm>
+            <a:off x="457199" y="1727554"/>
+            <a:ext cx="8338444" cy="3416320"/>
+          </a:xfrm>
+          <a:prstGeom prst="rect">
+            <a:avLst/>
+          </a:prstGeom>
+          <a:noFill/>
+        </p:spPr>
+        <p:txBody>
+          <a:bodyPr wrap="square" rtlCol="0">
+            <a:spAutoFit/>
+          </a:bodyPr>
+          <a:lstStyle/>
+          <a:p>
+            <a:r>
+              <a:rPr lang="en-US" dirty="0" smtClean="0">
+                <a:latin typeface="Monaco"/>
+                <a:cs typeface="Monaco"/>
+              </a:rPr>
+              <a:t>filename = "</a:t>
+            </a:r>
+            <a:r>
+              <a:rPr lang="en-US" dirty="0" err="1" smtClean="0">
+                <a:latin typeface="Monaco"/>
+                <a:cs typeface="Monaco"/>
+              </a:rPr>
+              <a:t>my_file_to_append_to.txt</a:t>
+            </a:r>
+            <a:r>
+              <a:rPr lang="en-US" dirty="0" smtClean="0">
+                <a:latin typeface="Monaco"/>
+                <a:cs typeface="Monaco"/>
+              </a:rPr>
+              <a:t>"</a:t>
+            </a:r>
+          </a:p>
+          <a:p>
+            <a:endParaRPr lang="en-US" dirty="0">
+              <a:latin typeface="Monaco"/>
+              <a:cs typeface="Monaco"/>
+            </a:endParaRPr>
+          </a:p>
+          <a:p>
+            <a:r>
+              <a:rPr lang="en-US" dirty="0">
+                <a:solidFill>
+                  <a:schemeClr val="accent3">
+                    <a:lumMod val="60000"/>
+                    <a:lumOff val="40000"/>
+                  </a:schemeClr>
+                </a:solidFill>
+                <a:latin typeface="Monaco"/>
+                <a:cs typeface="Monaco"/>
+              </a:rPr>
+              <a:t># Open </a:t>
+            </a:r>
+            <a:r>
+              <a:rPr lang="en-US" dirty="0" smtClean="0">
+                <a:solidFill>
+                  <a:schemeClr val="accent3">
+                    <a:lumMod val="60000"/>
+                    <a:lumOff val="40000"/>
+                  </a:schemeClr>
+                </a:solidFill>
+                <a:latin typeface="Monaco"/>
+                <a:cs typeface="Monaco"/>
+              </a:rPr>
+              <a:t>handle for </a:t>
+            </a:r>
+            <a:r>
+              <a:rPr lang="en-US" dirty="0">
+                <a:solidFill>
+                  <a:schemeClr val="accent3">
+                    <a:lumMod val="60000"/>
+                    <a:lumOff val="40000"/>
+                  </a:schemeClr>
+                </a:solidFill>
+                <a:latin typeface="Monaco"/>
+                <a:cs typeface="Monaco"/>
+              </a:rPr>
+              <a:t>writing with the </a:t>
+            </a:r>
+            <a:r>
+              <a:rPr lang="en-US" i="1" dirty="0">
+                <a:solidFill>
+                  <a:schemeClr val="accent3">
+                    <a:lumMod val="60000"/>
+                    <a:lumOff val="40000"/>
+                  </a:schemeClr>
+                </a:solidFill>
+                <a:latin typeface="Monaco"/>
+                <a:cs typeface="Monaco"/>
+              </a:rPr>
+              <a:t>.open() </a:t>
+            </a:r>
+            <a:r>
+              <a:rPr lang="en-US" dirty="0">
+                <a:solidFill>
+                  <a:schemeClr val="accent3">
+                    <a:lumMod val="60000"/>
+                    <a:lumOff val="40000"/>
+                  </a:schemeClr>
+                </a:solidFill>
+                <a:latin typeface="Monaco"/>
+                <a:cs typeface="Monaco"/>
+              </a:rPr>
+              <a:t>function</a:t>
+            </a:r>
+          </a:p>
+          <a:p>
+            <a:r>
+              <a:rPr lang="en-US" dirty="0" err="1" smtClean="0">
+                <a:latin typeface="Monaco"/>
+                <a:cs typeface="Monaco"/>
+              </a:rPr>
+              <a:t>file_handle</a:t>
+            </a:r>
+            <a:r>
+              <a:rPr lang="en-US" dirty="0" smtClean="0">
+                <a:latin typeface="Monaco"/>
+                <a:cs typeface="Monaco"/>
+              </a:rPr>
+              <a:t> = </a:t>
+            </a:r>
+            <a:r>
+              <a:rPr lang="en-US" dirty="0" smtClean="0">
+                <a:solidFill>
+                  <a:srgbClr val="DC5924"/>
+                </a:solidFill>
+                <a:latin typeface="Monaco"/>
+                <a:cs typeface="Monaco"/>
+              </a:rPr>
+              <a:t>open</a:t>
+            </a:r>
+            <a:r>
+              <a:rPr lang="en-US" dirty="0" smtClean="0">
+                <a:latin typeface="Monaco"/>
+                <a:cs typeface="Monaco"/>
+              </a:rPr>
+              <a:t>(filename, </a:t>
+            </a:r>
+            <a:r>
+              <a:rPr lang="en-US" dirty="0" smtClean="0">
+                <a:solidFill>
+                  <a:srgbClr val="DC5924"/>
+                </a:solidFill>
+                <a:latin typeface="Monaco"/>
+                <a:cs typeface="Monaco"/>
+              </a:rPr>
+              <a:t>"a"</a:t>
+            </a:r>
+            <a:r>
+              <a:rPr lang="en-US" dirty="0" smtClean="0">
+                <a:latin typeface="Monaco"/>
+                <a:cs typeface="Monaco"/>
+              </a:rPr>
+              <a:t>)  </a:t>
+            </a:r>
+            <a:r>
+              <a:rPr lang="en-US" dirty="0" smtClean="0">
+                <a:solidFill>
+                  <a:schemeClr val="accent3">
+                    <a:lumMod val="60000"/>
+                    <a:lumOff val="40000"/>
+                  </a:schemeClr>
+                </a:solidFill>
+                <a:latin typeface="Monaco"/>
+                <a:cs typeface="Monaco"/>
+              </a:rPr>
+              <a:t># note the mode!</a:t>
+            </a:r>
+          </a:p>
+          <a:p>
+            <a:endParaRPr lang="en-US" dirty="0">
+              <a:latin typeface="Monaco"/>
+              <a:cs typeface="Monaco"/>
+            </a:endParaRPr>
+          </a:p>
+          <a:p>
+            <a:r>
+              <a:rPr lang="en-US" dirty="0" smtClean="0">
+                <a:solidFill>
+                  <a:schemeClr val="accent3">
+                    <a:lumMod val="60000"/>
+                    <a:lumOff val="40000"/>
+                  </a:schemeClr>
+                </a:solidFill>
+                <a:latin typeface="Monaco"/>
+                <a:cs typeface="Monaco"/>
+              </a:rPr>
+              <a:t># Write to the file with the </a:t>
+            </a:r>
+            <a:r>
+              <a:rPr lang="en-US" i="1" dirty="0" smtClean="0">
+                <a:solidFill>
+                  <a:schemeClr val="accent3">
+                    <a:lumMod val="60000"/>
+                    <a:lumOff val="40000"/>
+                  </a:schemeClr>
+                </a:solidFill>
+                <a:latin typeface="Monaco"/>
+                <a:cs typeface="Monaco"/>
+              </a:rPr>
+              <a:t>.write()</a:t>
+            </a:r>
+            <a:r>
+              <a:rPr lang="en-US" dirty="0">
+                <a:solidFill>
+                  <a:schemeClr val="accent3">
+                    <a:lumMod val="60000"/>
+                    <a:lumOff val="40000"/>
+                  </a:schemeClr>
+                </a:solidFill>
+                <a:latin typeface="Monaco"/>
+                <a:cs typeface="Monaco"/>
+              </a:rPr>
+              <a:t> </a:t>
+            </a:r>
+            <a:r>
+              <a:rPr lang="en-US" dirty="0" smtClean="0">
+                <a:solidFill>
+                  <a:schemeClr val="accent3">
+                    <a:lumMod val="60000"/>
+                    <a:lumOff val="40000"/>
+                  </a:schemeClr>
+                </a:solidFill>
+                <a:latin typeface="Monaco"/>
+                <a:cs typeface="Monaco"/>
+              </a:rPr>
+              <a:t>method</a:t>
+            </a:r>
+          </a:p>
+          <a:p>
+            <a:r>
+              <a:rPr lang="en-US" dirty="0" smtClean="0">
+                <a:solidFill>
+                  <a:schemeClr val="accent3">
+                    <a:lumMod val="60000"/>
+                    <a:lumOff val="40000"/>
+                  </a:schemeClr>
+                </a:solidFill>
+                <a:latin typeface="Monaco"/>
+                <a:cs typeface="Monaco"/>
+              </a:rPr>
+              <a:t># Append mode does NOT add a new line for you.</a:t>
+            </a:r>
+          </a:p>
+          <a:p>
+            <a:r>
+              <a:rPr lang="en-US" dirty="0" err="1" smtClean="0">
+                <a:latin typeface="Monaco"/>
+                <a:cs typeface="Monaco"/>
+              </a:rPr>
+              <a:t>file_handle</a:t>
+            </a:r>
+            <a:r>
+              <a:rPr lang="en-US" dirty="0" err="1" smtClean="0">
+                <a:solidFill>
+                  <a:schemeClr val="accent5"/>
+                </a:solidFill>
+                <a:latin typeface="Monaco"/>
+                <a:cs typeface="Monaco"/>
+              </a:rPr>
+              <a:t>.write</a:t>
+            </a:r>
+            <a:r>
+              <a:rPr lang="en-US" dirty="0" smtClean="0">
+                <a:solidFill>
+                  <a:schemeClr val="accent5"/>
+                </a:solidFill>
+                <a:latin typeface="Monaco"/>
+                <a:cs typeface="Monaco"/>
+              </a:rPr>
+              <a:t>(</a:t>
+            </a:r>
+            <a:r>
+              <a:rPr lang="en-US" dirty="0" smtClean="0">
+                <a:latin typeface="Monaco"/>
+                <a:cs typeface="Monaco"/>
+              </a:rPr>
+              <a:t>"</a:t>
+            </a:r>
+            <a:r>
+              <a:rPr lang="en-US" dirty="0">
+                <a:solidFill>
+                  <a:srgbClr val="D1282E"/>
+                </a:solidFill>
+                <a:latin typeface="Monaco"/>
+                <a:cs typeface="Monaco"/>
+              </a:rPr>
+              <a:t>\</a:t>
+            </a:r>
+            <a:r>
+              <a:rPr lang="en-US" dirty="0" err="1">
+                <a:solidFill>
+                  <a:srgbClr val="D1282E"/>
+                </a:solidFill>
+                <a:latin typeface="Monaco"/>
+                <a:cs typeface="Monaco"/>
+              </a:rPr>
+              <a:t>n</a:t>
+            </a:r>
+            <a:r>
+              <a:rPr lang="en-US" dirty="0" err="1" smtClean="0">
+                <a:latin typeface="Monaco"/>
+                <a:cs typeface="Monaco"/>
+              </a:rPr>
+              <a:t>Adding</a:t>
+            </a:r>
+            <a:r>
+              <a:rPr lang="en-US" dirty="0" smtClean="0">
+                <a:latin typeface="Monaco"/>
+                <a:cs typeface="Monaco"/>
+              </a:rPr>
+              <a:t> this line to the file."</a:t>
+            </a:r>
+            <a:r>
+              <a:rPr lang="en-US" dirty="0" smtClean="0">
+                <a:solidFill>
+                  <a:schemeClr val="accent5"/>
+                </a:solidFill>
+                <a:latin typeface="Monaco"/>
+                <a:cs typeface="Monaco"/>
+              </a:rPr>
+              <a:t>)</a:t>
+            </a:r>
+          </a:p>
+          <a:p>
+            <a:endParaRPr lang="en-US" dirty="0">
+              <a:latin typeface="Monaco"/>
+              <a:cs typeface="Monaco"/>
+            </a:endParaRPr>
+          </a:p>
+          <a:p>
+            <a:r>
+              <a:rPr lang="en-US" dirty="0" smtClean="0">
+                <a:solidFill>
+                  <a:schemeClr val="accent3">
+                    <a:lumMod val="60000"/>
+                    <a:lumOff val="40000"/>
+                  </a:schemeClr>
+                </a:solidFill>
+                <a:latin typeface="Monaco"/>
+                <a:cs typeface="Monaco"/>
+              </a:rPr>
+              <a:t># Close the file when done with the </a:t>
+            </a:r>
+            <a:r>
+              <a:rPr lang="en-US" i="1" dirty="0" smtClean="0">
+                <a:solidFill>
+                  <a:schemeClr val="accent3">
+                    <a:lumMod val="60000"/>
+                    <a:lumOff val="40000"/>
+                  </a:schemeClr>
+                </a:solidFill>
+                <a:latin typeface="Monaco"/>
+                <a:cs typeface="Monaco"/>
+              </a:rPr>
+              <a:t>.close()</a:t>
+            </a:r>
+            <a:r>
+              <a:rPr lang="en-US" dirty="0" smtClean="0">
+                <a:solidFill>
+                  <a:schemeClr val="accent3">
+                    <a:lumMod val="60000"/>
+                    <a:lumOff val="40000"/>
+                  </a:schemeClr>
+                </a:solidFill>
+                <a:latin typeface="Monaco"/>
+                <a:cs typeface="Monaco"/>
+              </a:rPr>
+              <a:t> method (!!!)</a:t>
+            </a:r>
+          </a:p>
+          <a:p>
+            <a:r>
+              <a:rPr lang="en-US" dirty="0" smtClean="0">
+                <a:latin typeface="Monaco"/>
+                <a:cs typeface="Monaco"/>
+              </a:rPr>
+              <a:t>file_handle</a:t>
+            </a:r>
+            <a:r>
+              <a:rPr lang="en-US" dirty="0" smtClean="0">
+                <a:solidFill>
+                  <a:srgbClr val="DC5924"/>
+                </a:solidFill>
+                <a:latin typeface="Monaco"/>
+                <a:cs typeface="Monaco"/>
+              </a:rPr>
+              <a:t>.close()</a:t>
+            </a:r>
+          </a:p>
+          <a:p>
+            <a:endParaRPr lang="en-US" dirty="0" smtClean="0">
+              <a:latin typeface="Monaco"/>
+              <a:cs typeface="Monaco"/>
+            </a:endParaRPr>
+          </a:p>
+        </p:txBody>
+      </p:sp>
+    </p:spTree>
+    <p:extLst>
+      <p:ext uri="{BB962C8B-B14F-4D97-AF65-F5344CB8AC3E}">
+        <p14:creationId xmlns:p14="http://schemas.microsoft.com/office/powerpoint/2010/main" val="1946463741"/>
+      </p:ext>
+    </p:extLst>
+  </p:cSld>
+  <p:clrMapOvr>
+    <a:masterClrMapping/>
+  </p:clrMapOvr>
+  <p:timing>
+    <p:tnLst>
+      <p:par>
+        <p:cTn id="1" dur="indefinite" restart="never" nodeType="tmRoot"/>
+      </p:par>
+    </p:tnLst>
+  </p:timing>
+</p:sld>
+</file>
+
 <file path=ppt/slides/slide22.xml><?xml version="1.0" encoding="utf-8"?>
 <p:sld xmlns:a="http://schemas.openxmlformats.org/drawingml/2006/main" xmlns:r="http://schemas.openxmlformats.org/officeDocument/2006/relationships" xmlns:p="http://schemas.openxmlformats.org/presentationml/2006/main">
   <p:cSld>
@@ -9971,475 +10138,6 @@
           <a:p>
             <a:r>
               <a:rPr lang="en-US" dirty="0" smtClean="0"/>
-              <a:t>Add to an existing file with append-mode</a:t>
-            </a:r>
-            <a:endParaRPr lang="en-US" dirty="0"/>
-          </a:p>
-        </p:txBody>
-      </p:sp>
-      <p:sp>
-        <p:nvSpPr>
-          <p:cNvPr id="5" name="TextBox 4"/>
-          <p:cNvSpPr txBox="1"/>
-          <p:nvPr/>
-        </p:nvSpPr>
-        <p:spPr>
-          <a:xfrm>
-            <a:off x="457199" y="1727554"/>
-            <a:ext cx="8338444" cy="3416320"/>
-          </a:xfrm>
-          <a:prstGeom prst="rect">
-            <a:avLst/>
-          </a:prstGeom>
-          <a:noFill/>
-        </p:spPr>
-        <p:txBody>
-          <a:bodyPr wrap="square" rtlCol="0">
-            <a:spAutoFit/>
-          </a:bodyPr>
-          <a:lstStyle/>
-          <a:p>
-            <a:r>
-              <a:rPr lang="en-US" dirty="0" smtClean="0">
-                <a:latin typeface="Monaco"/>
-                <a:cs typeface="Monaco"/>
-              </a:rPr>
-              <a:t>filename = "</a:t>
-            </a:r>
-            <a:r>
-              <a:rPr lang="en-US" dirty="0" err="1" smtClean="0">
-                <a:latin typeface="Monaco"/>
-                <a:cs typeface="Monaco"/>
-              </a:rPr>
-              <a:t>my_file_to_append_to.txt</a:t>
-            </a:r>
-            <a:r>
-              <a:rPr lang="en-US" dirty="0" smtClean="0">
-                <a:latin typeface="Monaco"/>
-                <a:cs typeface="Monaco"/>
-              </a:rPr>
-              <a:t>"</a:t>
-            </a:r>
-          </a:p>
-          <a:p>
-            <a:endParaRPr lang="en-US" dirty="0">
-              <a:latin typeface="Monaco"/>
-              <a:cs typeface="Monaco"/>
-            </a:endParaRPr>
-          </a:p>
-          <a:p>
-            <a:r>
-              <a:rPr lang="en-US" dirty="0">
-                <a:solidFill>
-                  <a:schemeClr val="accent3">
-                    <a:lumMod val="60000"/>
-                    <a:lumOff val="40000"/>
-                  </a:schemeClr>
-                </a:solidFill>
-                <a:latin typeface="Monaco"/>
-                <a:cs typeface="Monaco"/>
-              </a:rPr>
-              <a:t># Open </a:t>
-            </a:r>
-            <a:r>
-              <a:rPr lang="en-US" dirty="0" smtClean="0">
-                <a:solidFill>
-                  <a:schemeClr val="accent3">
-                    <a:lumMod val="60000"/>
-                    <a:lumOff val="40000"/>
-                  </a:schemeClr>
-                </a:solidFill>
-                <a:latin typeface="Monaco"/>
-                <a:cs typeface="Monaco"/>
-              </a:rPr>
-              <a:t>handle for </a:t>
-            </a:r>
-            <a:r>
-              <a:rPr lang="en-US" dirty="0">
-                <a:solidFill>
-                  <a:schemeClr val="accent3">
-                    <a:lumMod val="60000"/>
-                    <a:lumOff val="40000"/>
-                  </a:schemeClr>
-                </a:solidFill>
-                <a:latin typeface="Monaco"/>
-                <a:cs typeface="Monaco"/>
-              </a:rPr>
-              <a:t>writing with the </a:t>
-            </a:r>
-            <a:r>
-              <a:rPr lang="en-US" i="1" dirty="0">
-                <a:solidFill>
-                  <a:schemeClr val="accent3">
-                    <a:lumMod val="60000"/>
-                    <a:lumOff val="40000"/>
-                  </a:schemeClr>
-                </a:solidFill>
-                <a:latin typeface="Monaco"/>
-                <a:cs typeface="Monaco"/>
-              </a:rPr>
-              <a:t>.open() </a:t>
-            </a:r>
-            <a:r>
-              <a:rPr lang="en-US" dirty="0">
-                <a:solidFill>
-                  <a:schemeClr val="accent3">
-                    <a:lumMod val="60000"/>
-                    <a:lumOff val="40000"/>
-                  </a:schemeClr>
-                </a:solidFill>
-                <a:latin typeface="Monaco"/>
-                <a:cs typeface="Monaco"/>
-              </a:rPr>
-              <a:t>function</a:t>
-            </a:r>
-          </a:p>
-          <a:p>
-            <a:r>
-              <a:rPr lang="en-US" dirty="0" err="1" smtClean="0">
-                <a:latin typeface="Monaco"/>
-                <a:cs typeface="Monaco"/>
-              </a:rPr>
-              <a:t>file_handle</a:t>
-            </a:r>
-            <a:r>
-              <a:rPr lang="en-US" dirty="0" smtClean="0">
-                <a:latin typeface="Monaco"/>
-                <a:cs typeface="Monaco"/>
-              </a:rPr>
-              <a:t> = </a:t>
-            </a:r>
-            <a:r>
-              <a:rPr lang="en-US" dirty="0" smtClean="0">
-                <a:solidFill>
-                  <a:srgbClr val="DC5924"/>
-                </a:solidFill>
-                <a:latin typeface="Monaco"/>
-                <a:cs typeface="Monaco"/>
-              </a:rPr>
-              <a:t>open</a:t>
-            </a:r>
-            <a:r>
-              <a:rPr lang="en-US" dirty="0" smtClean="0">
-                <a:latin typeface="Monaco"/>
-                <a:cs typeface="Monaco"/>
-              </a:rPr>
-              <a:t>(filename, </a:t>
-            </a:r>
-            <a:r>
-              <a:rPr lang="en-US" dirty="0" smtClean="0">
-                <a:solidFill>
-                  <a:srgbClr val="DC5924"/>
-                </a:solidFill>
-                <a:latin typeface="Monaco"/>
-                <a:cs typeface="Monaco"/>
-              </a:rPr>
-              <a:t>"a"</a:t>
-            </a:r>
-            <a:r>
-              <a:rPr lang="en-US" dirty="0" smtClean="0">
-                <a:latin typeface="Monaco"/>
-                <a:cs typeface="Monaco"/>
-              </a:rPr>
-              <a:t>)  </a:t>
-            </a:r>
-            <a:r>
-              <a:rPr lang="en-US" dirty="0" smtClean="0">
-                <a:solidFill>
-                  <a:schemeClr val="accent3">
-                    <a:lumMod val="60000"/>
-                    <a:lumOff val="40000"/>
-                  </a:schemeClr>
-                </a:solidFill>
-                <a:latin typeface="Monaco"/>
-                <a:cs typeface="Monaco"/>
-              </a:rPr>
-              <a:t># note the mode!</a:t>
-            </a:r>
-          </a:p>
-          <a:p>
-            <a:endParaRPr lang="en-US" dirty="0">
-              <a:latin typeface="Monaco"/>
-              <a:cs typeface="Monaco"/>
-            </a:endParaRPr>
-          </a:p>
-          <a:p>
-            <a:r>
-              <a:rPr lang="en-US" dirty="0" smtClean="0">
-                <a:solidFill>
-                  <a:schemeClr val="accent3">
-                    <a:lumMod val="60000"/>
-                    <a:lumOff val="40000"/>
-                  </a:schemeClr>
-                </a:solidFill>
-                <a:latin typeface="Monaco"/>
-                <a:cs typeface="Monaco"/>
-              </a:rPr>
-              <a:t># Write to the file with the </a:t>
-            </a:r>
-            <a:r>
-              <a:rPr lang="en-US" i="1" dirty="0" smtClean="0">
-                <a:solidFill>
-                  <a:schemeClr val="accent3">
-                    <a:lumMod val="60000"/>
-                    <a:lumOff val="40000"/>
-                  </a:schemeClr>
-                </a:solidFill>
-                <a:latin typeface="Monaco"/>
-                <a:cs typeface="Monaco"/>
-              </a:rPr>
-              <a:t>.write()</a:t>
-            </a:r>
-            <a:r>
-              <a:rPr lang="en-US" dirty="0">
-                <a:solidFill>
-                  <a:schemeClr val="accent3">
-                    <a:lumMod val="60000"/>
-                    <a:lumOff val="40000"/>
-                  </a:schemeClr>
-                </a:solidFill>
-                <a:latin typeface="Monaco"/>
-                <a:cs typeface="Monaco"/>
-              </a:rPr>
-              <a:t> </a:t>
-            </a:r>
-            <a:r>
-              <a:rPr lang="en-US" dirty="0" smtClean="0">
-                <a:solidFill>
-                  <a:schemeClr val="accent3">
-                    <a:lumMod val="60000"/>
-                    <a:lumOff val="40000"/>
-                  </a:schemeClr>
-                </a:solidFill>
-                <a:latin typeface="Monaco"/>
-                <a:cs typeface="Monaco"/>
-              </a:rPr>
-              <a:t>method</a:t>
-            </a:r>
-          </a:p>
-          <a:p>
-            <a:r>
-              <a:rPr lang="en-US" dirty="0" smtClean="0">
-                <a:solidFill>
-                  <a:schemeClr val="accent3">
-                    <a:lumMod val="60000"/>
-                    <a:lumOff val="40000"/>
-                  </a:schemeClr>
-                </a:solidFill>
-                <a:latin typeface="Monaco"/>
-                <a:cs typeface="Monaco"/>
-              </a:rPr>
-              <a:t># Append mode does NOT add a new line for you.</a:t>
-            </a:r>
-          </a:p>
-          <a:p>
-            <a:r>
-              <a:rPr lang="en-US" dirty="0" err="1" smtClean="0">
-                <a:latin typeface="Monaco"/>
-                <a:cs typeface="Monaco"/>
-              </a:rPr>
-              <a:t>file_handle</a:t>
-            </a:r>
-            <a:r>
-              <a:rPr lang="en-US" dirty="0" err="1" smtClean="0">
-                <a:solidFill>
-                  <a:schemeClr val="accent5"/>
-                </a:solidFill>
-                <a:latin typeface="Monaco"/>
-                <a:cs typeface="Monaco"/>
-              </a:rPr>
-              <a:t>.write</a:t>
-            </a:r>
-            <a:r>
-              <a:rPr lang="en-US" dirty="0" smtClean="0">
-                <a:solidFill>
-                  <a:schemeClr val="accent5"/>
-                </a:solidFill>
-                <a:latin typeface="Monaco"/>
-                <a:cs typeface="Monaco"/>
-              </a:rPr>
-              <a:t>(</a:t>
-            </a:r>
-            <a:r>
-              <a:rPr lang="en-US" dirty="0" smtClean="0">
-                <a:latin typeface="Monaco"/>
-                <a:cs typeface="Monaco"/>
-              </a:rPr>
-              <a:t>"</a:t>
-            </a:r>
-            <a:r>
-              <a:rPr lang="en-US" dirty="0">
-                <a:solidFill>
-                  <a:srgbClr val="D1282E"/>
-                </a:solidFill>
-                <a:latin typeface="Monaco"/>
-                <a:cs typeface="Monaco"/>
-              </a:rPr>
-              <a:t>\</a:t>
-            </a:r>
-            <a:r>
-              <a:rPr lang="en-US" dirty="0" err="1">
-                <a:solidFill>
-                  <a:srgbClr val="D1282E"/>
-                </a:solidFill>
-                <a:latin typeface="Monaco"/>
-                <a:cs typeface="Monaco"/>
-              </a:rPr>
-              <a:t>n</a:t>
-            </a:r>
-            <a:r>
-              <a:rPr lang="en-US" dirty="0" err="1" smtClean="0">
-                <a:latin typeface="Monaco"/>
-                <a:cs typeface="Monaco"/>
-              </a:rPr>
-              <a:t>Adding</a:t>
-            </a:r>
-            <a:r>
-              <a:rPr lang="en-US" dirty="0" smtClean="0">
-                <a:latin typeface="Monaco"/>
-                <a:cs typeface="Monaco"/>
-              </a:rPr>
-              <a:t> this line to the file."</a:t>
-            </a:r>
-            <a:r>
-              <a:rPr lang="en-US" dirty="0" smtClean="0">
-                <a:solidFill>
-                  <a:schemeClr val="accent5"/>
-                </a:solidFill>
-                <a:latin typeface="Monaco"/>
-                <a:cs typeface="Monaco"/>
-              </a:rPr>
-              <a:t>)</a:t>
-            </a:r>
-          </a:p>
-          <a:p>
-            <a:endParaRPr lang="en-US" dirty="0">
-              <a:latin typeface="Monaco"/>
-              <a:cs typeface="Monaco"/>
-            </a:endParaRPr>
-          </a:p>
-          <a:p>
-            <a:r>
-              <a:rPr lang="en-US" dirty="0" smtClean="0">
-                <a:solidFill>
-                  <a:schemeClr val="accent3">
-                    <a:lumMod val="60000"/>
-                    <a:lumOff val="40000"/>
-                  </a:schemeClr>
-                </a:solidFill>
-                <a:latin typeface="Monaco"/>
-                <a:cs typeface="Monaco"/>
-              </a:rPr>
-              <a:t># Close the file when done with the </a:t>
-            </a:r>
-            <a:r>
-              <a:rPr lang="en-US" i="1" dirty="0" smtClean="0">
-                <a:solidFill>
-                  <a:schemeClr val="accent3">
-                    <a:lumMod val="60000"/>
-                    <a:lumOff val="40000"/>
-                  </a:schemeClr>
-                </a:solidFill>
-                <a:latin typeface="Monaco"/>
-                <a:cs typeface="Monaco"/>
-              </a:rPr>
-              <a:t>.close()</a:t>
-            </a:r>
-            <a:r>
-              <a:rPr lang="en-US" dirty="0" smtClean="0">
-                <a:solidFill>
-                  <a:schemeClr val="accent3">
-                    <a:lumMod val="60000"/>
-                    <a:lumOff val="40000"/>
-                  </a:schemeClr>
-                </a:solidFill>
-                <a:latin typeface="Monaco"/>
-                <a:cs typeface="Monaco"/>
-              </a:rPr>
-              <a:t> method (!!!)</a:t>
-            </a:r>
-          </a:p>
-          <a:p>
-            <a:r>
-              <a:rPr lang="en-US" dirty="0" smtClean="0">
-                <a:latin typeface="Monaco"/>
-                <a:cs typeface="Monaco"/>
-              </a:rPr>
-              <a:t>file_handle</a:t>
-            </a:r>
-            <a:r>
-              <a:rPr lang="en-US" dirty="0" smtClean="0">
-                <a:solidFill>
-                  <a:srgbClr val="DC5924"/>
-                </a:solidFill>
-                <a:latin typeface="Monaco"/>
-                <a:cs typeface="Monaco"/>
-              </a:rPr>
-              <a:t>.close()</a:t>
-            </a:r>
-          </a:p>
-          <a:p>
-            <a:endParaRPr lang="en-US" dirty="0" smtClean="0">
-              <a:latin typeface="Monaco"/>
-              <a:cs typeface="Monaco"/>
-            </a:endParaRPr>
-          </a:p>
-        </p:txBody>
-      </p:sp>
-    </p:spTree>
-    <p:extLst>
-      <p:ext uri="{BB962C8B-B14F-4D97-AF65-F5344CB8AC3E}">
-        <p14:creationId xmlns:p14="http://schemas.microsoft.com/office/powerpoint/2010/main" val="1946463741"/>
-      </p:ext>
-    </p:extLst>
-  </p:cSld>
-  <p:clrMapOvr>
-    <a:masterClrMapping/>
-  </p:clrMapOvr>
-  <p:timing>
-    <p:tnLst>
-      <p:par>
-        <p:cTn id="1" dur="indefinite" restart="never" nodeType="tmRoot"/>
-      </p:par>
-    </p:tnLst>
-  </p:timing>
-</p:sld>
-</file>
-
-<file path=ppt/slides/slide23.xml><?xml version="1.0" encoding="utf-8"?>
-<p:sld xmlns:a="http://schemas.openxmlformats.org/drawingml/2006/main" xmlns:r="http://schemas.openxmlformats.org/officeDocument/2006/relationships" xmlns:p="http://schemas.openxmlformats.org/presentationml/2006/main">
-  <p:cSld>
-    <p:spTree>
-      <p:nvGrpSpPr>
-        <p:cNvPr id="1" name=""/>
-        <p:cNvGrpSpPr/>
-        <p:nvPr/>
-      </p:nvGrpSpPr>
-      <p:grpSpPr>
-        <a:xfrm>
-          <a:off x="0" y="0"/>
-          <a:ext cx="0" cy="0"/>
-          <a:chOff x="0" y="0"/>
-          <a:chExt cx="0" cy="0"/>
-        </a:xfrm>
-      </p:grpSpPr>
-      <p:sp>
-        <p:nvSpPr>
-          <p:cNvPr id="2" name="Title 1"/>
-          <p:cNvSpPr>
-            <a:spLocks noGrp="1"/>
-          </p:cNvSpPr>
-          <p:nvPr>
-            <p:ph type="title"/>
-          </p:nvPr>
-        </p:nvSpPr>
-        <p:spPr/>
-        <p:txBody>
-          <a:bodyPr/>
-          <a:lstStyle/>
-          <a:p>
-            <a:r>
-              <a:rPr lang="en-US" dirty="0" smtClean="0"/>
               <a:t>but </a:t>
             </a:r>
             <a:r>
@@ -10732,7 +10430,7 @@
               <a:t># do stuff </a:t>
             </a:r>
             <a:r>
-              <a:rPr lang="en-US" sz="2000" dirty="0" err="1" smtClean="0">
+              <a:rPr lang="en-US" sz="2000" dirty="0" smtClean="0">
                 <a:solidFill>
                   <a:schemeClr val="accent3">
                     <a:lumMod val="60000"/>
@@ -10742,7 +10440,20 @@
                 <a:latin typeface="Monaco"/>
                 <a:cs typeface="Monaco"/>
               </a:rPr>
-              <a:t>withfile_handle</a:t>
+              <a:t>with </a:t>
+            </a:r>
+            <a:r>
+              <a:rPr lang="en-US" sz="2000" dirty="0" err="1" smtClean="0">
+                <a:solidFill>
+                  <a:schemeClr val="accent3">
+                    <a:lumMod val="60000"/>
+                    <a:lumOff val="40000"/>
+                  </a:schemeClr>
+                </a:solidFill>
+                <a:latin typeface="Monaco"/>
+                <a:cs typeface="Monaco"/>
+              </a:rPr>
+              <a:t>file_handle</a:t>
             </a:r>
             <a:endParaRPr lang="en-US" sz="2000" dirty="0" smtClean="0">
               <a:solidFill>
@@ -11129,7 +10840,7 @@
 </p:sld>
 </file>
 
-<file path=ppt/slides/slide24.xml><?xml version="1.0" encoding="utf-8"?>
+<file path=ppt/slides/slide23.xml><?xml version="1.0" encoding="utf-8"?>
 <p:sld xmlns:a="http://schemas.openxmlformats.org/drawingml/2006/main" xmlns:r="http://schemas.openxmlformats.org/officeDocument/2006/relationships" xmlns:p="http://schemas.openxmlformats.org/presentationml/2006/main">
   <p:cSld>
     <p:spTree>
@@ -11627,7 +11338,7 @@
 </p:sld>
 </file>
 
-<file path=ppt/slides/slide25.xml><?xml version="1.0" encoding="utf-8"?>
+<file path=ppt/slides/slide24.xml><?xml version="1.0" encoding="utf-8"?>
 <p:sld xmlns:a="http://schemas.openxmlformats.org/drawingml/2006/main" xmlns:r="http://schemas.openxmlformats.org/officeDocument/2006/relationships" xmlns:p="http://schemas.openxmlformats.org/presentationml/2006/main">
   <p:cSld>
     <p:spTree>
@@ -11686,2960 +11397,6 @@
     <p:tnLst>
       <p:par>
         <p:cTn id="1" dur="indefinite" restart="never" nodeType="tmRoot"/>
-      </p:par>
-    </p:tnLst>
-  </p:timing>
-</p:sld>
-</file>
-
-<file path=ppt/slides/slide26.xml><?xml version="1.0" encoding="utf-8"?>
-<p:sld xmlns:a="http://schemas.openxmlformats.org/drawingml/2006/main" xmlns:r="http://schemas.openxmlformats.org/officeDocument/2006/relationships" xmlns:p="http://schemas.openxmlformats.org/presentationml/2006/main">
-  <p:cSld>
-    <p:spTree>
-      <p:nvGrpSpPr>
-        <p:cNvPr id="1" name=""/>
-        <p:cNvGrpSpPr/>
-        <p:nvPr/>
-      </p:nvGrpSpPr>
-      <p:grpSpPr>
-        <a:xfrm>
-          <a:off x="0" y="0"/>
-          <a:ext cx="0" cy="0"/>
-          <a:chOff x="0" y="0"/>
-          <a:chExt cx="0" cy="0"/>
-        </a:xfrm>
-      </p:grpSpPr>
-      <p:sp>
-        <p:nvSpPr>
-          <p:cNvPr id="2" name="Title 1"/>
-          <p:cNvSpPr>
-            <a:spLocks noGrp="1"/>
-          </p:cNvSpPr>
-          <p:nvPr>
-            <p:ph type="title"/>
-          </p:nvPr>
-        </p:nvSpPr>
-        <p:spPr/>
-        <p:txBody>
-          <a:bodyPr/>
-          <a:lstStyle/>
-          <a:p>
-            <a:r>
-              <a:rPr lang="en-US" dirty="0" smtClean="0"/>
-              <a:t>Working with strings, round 2</a:t>
-            </a:r>
-            <a:endParaRPr lang="en-US" dirty="0"/>
-          </a:p>
-        </p:txBody>
-      </p:sp>
-      <p:sp>
-        <p:nvSpPr>
-          <p:cNvPr id="3" name="Content Placeholder 2"/>
-          <p:cNvSpPr>
-            <a:spLocks noGrp="1"/>
-          </p:cNvSpPr>
-          <p:nvPr>
-            <p:ph idx="1"/>
-          </p:nvPr>
-        </p:nvSpPr>
-        <p:spPr/>
-        <p:txBody>
-          <a:bodyPr/>
-          <a:lstStyle/>
-          <a:p>
-            <a:pPr marL="457200" indent="-457200">
-              <a:buFont typeface="Arial" charset="0"/>
-              <a:buChar char="•"/>
-            </a:pPr>
-            <a:r>
-              <a:rPr lang="en-US" dirty="0" smtClean="0"/>
-              <a:t>File/text manipulation often uses some more advanced string methods</a:t>
-            </a:r>
-          </a:p>
-          <a:p>
-            <a:pPr marL="914400" lvl="1" indent="-457200">
-              <a:buFont typeface="Arial" charset="0"/>
-              <a:buChar char="•"/>
-            </a:pPr>
-            <a:r>
-              <a:rPr lang="en-US" dirty="0" err="1" smtClean="0">
-                <a:latin typeface="Monaco" charset="0"/>
-                <a:ea typeface="Monaco" charset="0"/>
-                <a:cs typeface="Monaco" charset="0"/>
-              </a:rPr>
-              <a:t>stringvariable</a:t>
-            </a:r>
-            <a:r>
-              <a:rPr lang="en-US" dirty="0" err="1" smtClean="0">
-                <a:solidFill>
-                  <a:schemeClr val="accent5"/>
-                </a:solidFill>
-                <a:latin typeface="Monaco" charset="0"/>
-                <a:ea typeface="Monaco" charset="0"/>
-                <a:cs typeface="Monaco" charset="0"/>
-              </a:rPr>
-              <a:t>.split</a:t>
-            </a:r>
-            <a:r>
-              <a:rPr lang="en-US" dirty="0" smtClean="0">
-                <a:solidFill>
-                  <a:schemeClr val="accent5"/>
-                </a:solidFill>
-                <a:latin typeface="Monaco" charset="0"/>
-                <a:ea typeface="Monaco" charset="0"/>
-                <a:cs typeface="Monaco" charset="0"/>
-              </a:rPr>
-              <a:t>()</a:t>
-            </a:r>
-          </a:p>
-          <a:p>
-            <a:pPr marL="914400" lvl="1" indent="-457200">
-              <a:buFont typeface="Arial" charset="0"/>
-              <a:buChar char="•"/>
-            </a:pPr>
-            <a:r>
-              <a:rPr lang="en-US" dirty="0" err="1">
-                <a:latin typeface="Monaco" charset="0"/>
-                <a:ea typeface="Monaco" charset="0"/>
-                <a:cs typeface="Monaco" charset="0"/>
-              </a:rPr>
-              <a:t>stringvariable</a:t>
-            </a:r>
-            <a:r>
-              <a:rPr lang="en-US" dirty="0" err="1" smtClean="0">
-                <a:solidFill>
-                  <a:schemeClr val="accent5"/>
-                </a:solidFill>
-                <a:latin typeface="Monaco" charset="0"/>
-                <a:ea typeface="Monaco" charset="0"/>
-                <a:cs typeface="Monaco" charset="0"/>
-              </a:rPr>
-              <a:t>.join</a:t>
-            </a:r>
-            <a:r>
-              <a:rPr lang="en-US" dirty="0" smtClean="0">
-                <a:solidFill>
-                  <a:schemeClr val="accent5"/>
-                </a:solidFill>
-                <a:latin typeface="Monaco" charset="0"/>
-                <a:ea typeface="Monaco" charset="0"/>
-                <a:cs typeface="Monaco" charset="0"/>
-              </a:rPr>
-              <a:t>()</a:t>
-            </a:r>
-          </a:p>
-          <a:p>
-            <a:pPr marL="914400" lvl="1" indent="-457200">
-              <a:buFont typeface="Arial" charset="0"/>
-              <a:buChar char="•"/>
-            </a:pPr>
-            <a:r>
-              <a:rPr lang="en-US" dirty="0" err="1">
-                <a:latin typeface="Monaco" charset="0"/>
-                <a:ea typeface="Monaco" charset="0"/>
-                <a:cs typeface="Monaco" charset="0"/>
-              </a:rPr>
-              <a:t>stringvariable</a:t>
-            </a:r>
-            <a:r>
-              <a:rPr lang="en-US" dirty="0" err="1" smtClean="0">
-                <a:solidFill>
-                  <a:schemeClr val="accent5"/>
-                </a:solidFill>
-                <a:latin typeface="Monaco" charset="0"/>
-                <a:ea typeface="Monaco" charset="0"/>
-                <a:cs typeface="Monaco" charset="0"/>
-              </a:rPr>
-              <a:t>.strip</a:t>
-            </a:r>
-            <a:r>
-              <a:rPr lang="en-US" dirty="0" smtClean="0">
-                <a:solidFill>
-                  <a:schemeClr val="accent5"/>
-                </a:solidFill>
-                <a:latin typeface="Monaco" charset="0"/>
-                <a:ea typeface="Monaco" charset="0"/>
-                <a:cs typeface="Monaco" charset="0"/>
-              </a:rPr>
-              <a:t>()</a:t>
-            </a:r>
-          </a:p>
-          <a:p>
-            <a:pPr marL="1600200" lvl="2" indent="-457200">
-              <a:buFont typeface="Arial" charset="0"/>
-              <a:buChar char="•"/>
-            </a:pPr>
-            <a:r>
-              <a:rPr lang="en-US" dirty="0" smtClean="0">
-                <a:solidFill>
-                  <a:schemeClr val="accent5"/>
-                </a:solidFill>
-                <a:latin typeface="Monaco" charset="0"/>
-                <a:ea typeface="Monaco" charset="0"/>
-                <a:cs typeface="Monaco" charset="0"/>
-              </a:rPr>
-              <a:t>.</a:t>
-            </a:r>
-            <a:r>
-              <a:rPr lang="en-US" dirty="0" err="1" smtClean="0">
-                <a:solidFill>
-                  <a:schemeClr val="accent5"/>
-                </a:solidFill>
-                <a:latin typeface="Monaco" charset="0"/>
-                <a:ea typeface="Monaco" charset="0"/>
-                <a:cs typeface="Monaco" charset="0"/>
-              </a:rPr>
-              <a:t>rstrip</a:t>
-            </a:r>
-            <a:r>
-              <a:rPr lang="en-US" dirty="0" smtClean="0">
-                <a:solidFill>
-                  <a:schemeClr val="accent5"/>
-                </a:solidFill>
-                <a:latin typeface="Monaco" charset="0"/>
-                <a:ea typeface="Monaco" charset="0"/>
-                <a:cs typeface="Monaco" charset="0"/>
-              </a:rPr>
-              <a:t>()</a:t>
-            </a:r>
-            <a:r>
-              <a:rPr lang="en-US" dirty="0" smtClean="0">
-                <a:latin typeface="Monaco" charset="0"/>
-                <a:ea typeface="Monaco" charset="0"/>
-                <a:cs typeface="Monaco" charset="0"/>
-              </a:rPr>
-              <a:t>, .</a:t>
-            </a:r>
-            <a:r>
-              <a:rPr lang="en-US" dirty="0" err="1" smtClean="0">
-                <a:solidFill>
-                  <a:schemeClr val="accent5"/>
-                </a:solidFill>
-                <a:latin typeface="Monaco" charset="0"/>
-                <a:ea typeface="Monaco" charset="0"/>
-                <a:cs typeface="Monaco" charset="0"/>
-              </a:rPr>
-              <a:t>lstrip</a:t>
-            </a:r>
-            <a:r>
-              <a:rPr lang="en-US" dirty="0" smtClean="0">
-                <a:solidFill>
-                  <a:schemeClr val="accent5"/>
-                </a:solidFill>
-                <a:latin typeface="Monaco" charset="0"/>
-                <a:ea typeface="Monaco" charset="0"/>
-                <a:cs typeface="Monaco" charset="0"/>
-              </a:rPr>
-              <a:t>()</a:t>
-            </a:r>
-          </a:p>
-          <a:p>
-            <a:pPr marL="914400" lvl="1" indent="-457200">
-              <a:buFont typeface="Arial" charset="0"/>
-              <a:buChar char="•"/>
-            </a:pPr>
-            <a:r>
-              <a:rPr lang="en-US" dirty="0" err="1">
-                <a:latin typeface="Monaco" charset="0"/>
-                <a:ea typeface="Monaco" charset="0"/>
-                <a:cs typeface="Monaco" charset="0"/>
-              </a:rPr>
-              <a:t>stringvariable</a:t>
-            </a:r>
-            <a:r>
-              <a:rPr lang="en-US" dirty="0" err="1" smtClean="0">
-                <a:solidFill>
-                  <a:schemeClr val="accent5"/>
-                </a:solidFill>
-                <a:latin typeface="Monaco" charset="0"/>
-                <a:ea typeface="Monaco" charset="0"/>
-                <a:cs typeface="Monaco" charset="0"/>
-              </a:rPr>
-              <a:t>.startswith</a:t>
-            </a:r>
-            <a:r>
-              <a:rPr lang="en-US" dirty="0" smtClean="0">
-                <a:solidFill>
-                  <a:schemeClr val="accent5"/>
-                </a:solidFill>
-                <a:latin typeface="Monaco" charset="0"/>
-                <a:ea typeface="Monaco" charset="0"/>
-                <a:cs typeface="Monaco" charset="0"/>
-              </a:rPr>
-              <a:t>()</a:t>
-            </a:r>
-          </a:p>
-          <a:p>
-            <a:pPr marL="914400" lvl="1" indent="-457200">
-              <a:buFont typeface="Arial" charset="0"/>
-              <a:buChar char="•"/>
-            </a:pPr>
-            <a:r>
-              <a:rPr lang="en-US" dirty="0" err="1">
-                <a:latin typeface="Monaco" charset="0"/>
-                <a:ea typeface="Monaco" charset="0"/>
-                <a:cs typeface="Monaco" charset="0"/>
-              </a:rPr>
-              <a:t>stringvariable</a:t>
-            </a:r>
-            <a:r>
-              <a:rPr lang="en-US" dirty="0" err="1" smtClean="0">
-                <a:solidFill>
-                  <a:schemeClr val="accent5"/>
-                </a:solidFill>
-                <a:latin typeface="Monaco" charset="0"/>
-                <a:ea typeface="Monaco" charset="0"/>
-                <a:cs typeface="Monaco" charset="0"/>
-              </a:rPr>
-              <a:t>.endswith</a:t>
-            </a:r>
-            <a:r>
-              <a:rPr lang="en-US" dirty="0" smtClean="0">
-                <a:solidFill>
-                  <a:schemeClr val="accent5"/>
-                </a:solidFill>
-                <a:latin typeface="Monaco" charset="0"/>
-                <a:ea typeface="Monaco" charset="0"/>
-                <a:cs typeface="Monaco" charset="0"/>
-              </a:rPr>
-              <a:t>()</a:t>
-            </a:r>
-            <a:endParaRPr lang="en-US" dirty="0">
-              <a:solidFill>
-                <a:schemeClr val="accent5"/>
-              </a:solidFill>
-              <a:latin typeface="Monaco" charset="0"/>
-              <a:ea typeface="Monaco" charset="0"/>
-              <a:cs typeface="Monaco" charset="0"/>
-            </a:endParaRPr>
-          </a:p>
-        </p:txBody>
-      </p:sp>
-    </p:spTree>
-    <p:extLst>
-      <p:ext uri="{BB962C8B-B14F-4D97-AF65-F5344CB8AC3E}">
-        <p14:creationId xmlns:p14="http://schemas.microsoft.com/office/powerpoint/2010/main" val="1045830032"/>
-      </p:ext>
-    </p:extLst>
-  </p:cSld>
-  <p:clrMapOvr>
-    <a:masterClrMapping/>
-  </p:clrMapOvr>
-  <p:timing>
-    <p:tnLst>
-      <p:par>
-        <p:cTn id="1" dur="indefinite" restart="never" nodeType="tmRoot"/>
-      </p:par>
-    </p:tnLst>
-  </p:timing>
-</p:sld>
-</file>
-
-<file path=ppt/slides/slide27.xml><?xml version="1.0" encoding="utf-8"?>
-<p:sld xmlns:a="http://schemas.openxmlformats.org/drawingml/2006/main" xmlns:r="http://schemas.openxmlformats.org/officeDocument/2006/relationships" xmlns:p="http://schemas.openxmlformats.org/presentationml/2006/main">
-  <p:cSld>
-    <p:spTree>
-      <p:nvGrpSpPr>
-        <p:cNvPr id="1" name=""/>
-        <p:cNvGrpSpPr/>
-        <p:nvPr/>
-      </p:nvGrpSpPr>
-      <p:grpSpPr>
-        <a:xfrm>
-          <a:off x="0" y="0"/>
-          <a:ext cx="0" cy="0"/>
-          <a:chOff x="0" y="0"/>
-          <a:chExt cx="0" cy="0"/>
-        </a:xfrm>
-      </p:grpSpPr>
-      <p:sp>
-        <p:nvSpPr>
-          <p:cNvPr id="2" name="Title 1"/>
-          <p:cNvSpPr>
-            <a:spLocks noGrp="1"/>
-          </p:cNvSpPr>
-          <p:nvPr>
-            <p:ph type="title"/>
-          </p:nvPr>
-        </p:nvSpPr>
-        <p:spPr/>
-        <p:txBody>
-          <a:bodyPr/>
-          <a:lstStyle/>
-          <a:p>
-            <a:r>
-              <a:rPr lang="en-US" dirty="0" smtClean="0"/>
-              <a:t>The .split() method</a:t>
-            </a:r>
-            <a:endParaRPr lang="en-US" dirty="0"/>
-          </a:p>
-        </p:txBody>
-      </p:sp>
-      <p:sp>
-        <p:nvSpPr>
-          <p:cNvPr id="4" name="TextBox 3"/>
-          <p:cNvSpPr txBox="1"/>
-          <p:nvPr/>
-        </p:nvSpPr>
-        <p:spPr>
-          <a:xfrm>
-            <a:off x="457199" y="1558432"/>
-            <a:ext cx="8338444" cy="4247317"/>
-          </a:xfrm>
-          <a:prstGeom prst="rect">
-            <a:avLst/>
-          </a:prstGeom>
-          <a:noFill/>
-        </p:spPr>
-        <p:txBody>
-          <a:bodyPr wrap="square" rtlCol="0">
-            <a:spAutoFit/>
-          </a:bodyPr>
-          <a:lstStyle/>
-          <a:p>
-            <a:r>
-              <a:rPr lang="en-US" dirty="0" smtClean="0">
-                <a:solidFill>
-                  <a:schemeClr val="accent3">
-                    <a:lumMod val="60000"/>
-                    <a:lumOff val="40000"/>
-                  </a:schemeClr>
-                </a:solidFill>
-                <a:latin typeface="Monaco"/>
-                <a:cs typeface="Monaco"/>
-              </a:rPr>
-              <a:t>## Usage:</a:t>
-            </a:r>
-          </a:p>
-          <a:p>
-            <a:r>
-              <a:rPr lang="en-US" dirty="0" smtClean="0">
-                <a:solidFill>
-                  <a:schemeClr val="accent3">
-                    <a:lumMod val="60000"/>
-                    <a:lumOff val="40000"/>
-                  </a:schemeClr>
-                </a:solidFill>
-                <a:latin typeface="Monaco"/>
-                <a:cs typeface="Monaco"/>
-              </a:rPr>
-              <a:t>## &lt;string&gt;.split(&lt;string/character to split on&gt;)</a:t>
-            </a:r>
-          </a:p>
-          <a:p>
-            <a:endParaRPr lang="en-US" dirty="0">
-              <a:latin typeface="Monaco"/>
-              <a:cs typeface="Monaco"/>
-            </a:endParaRPr>
-          </a:p>
-          <a:p>
-            <a:r>
-              <a:rPr lang="en-US" dirty="0" err="1" smtClean="0">
-                <a:latin typeface="Monaco"/>
-                <a:cs typeface="Monaco"/>
-              </a:rPr>
-              <a:t>mystring</a:t>
-            </a:r>
-            <a:r>
-              <a:rPr lang="en-US" dirty="0" smtClean="0">
-                <a:latin typeface="Monaco"/>
-                <a:cs typeface="Monaco"/>
-              </a:rPr>
-              <a:t> = "Hello this is a string"</a:t>
-            </a:r>
-          </a:p>
-          <a:p>
-            <a:endParaRPr lang="en-US" dirty="0" smtClean="0">
-              <a:latin typeface="Monaco"/>
-              <a:cs typeface="Monaco"/>
-            </a:endParaRPr>
-          </a:p>
-          <a:p>
-            <a:endParaRPr lang="en-US" dirty="0" smtClean="0">
-              <a:latin typeface="Monaco"/>
-              <a:cs typeface="Monaco"/>
-            </a:endParaRPr>
-          </a:p>
-          <a:p>
-            <a:r>
-              <a:rPr lang="en-US" dirty="0" smtClean="0">
-                <a:solidFill>
-                  <a:schemeClr val="accent3">
-                    <a:lumMod val="60000"/>
-                    <a:lumOff val="40000"/>
-                  </a:schemeClr>
-                </a:solidFill>
-                <a:latin typeface="Monaco"/>
-                <a:cs typeface="Monaco"/>
-              </a:rPr>
-              <a:t>## Split string into a list on </a:t>
-            </a:r>
-            <a:r>
-              <a:rPr lang="en-US" i="1" dirty="0" smtClean="0">
-                <a:solidFill>
-                  <a:schemeClr val="accent3">
-                    <a:lumMod val="60000"/>
-                    <a:lumOff val="40000"/>
-                  </a:schemeClr>
-                </a:solidFill>
-                <a:latin typeface="Monaco"/>
-                <a:cs typeface="Monaco"/>
-              </a:rPr>
-              <a:t>a space</a:t>
-            </a:r>
-          </a:p>
-          <a:p>
-            <a:r>
-              <a:rPr lang="en-US" dirty="0" smtClean="0">
-                <a:solidFill>
-                  <a:schemeClr val="accent3">
-                    <a:lumMod val="60000"/>
-                    <a:lumOff val="40000"/>
-                  </a:schemeClr>
-                </a:solidFill>
-                <a:latin typeface="Monaco"/>
-                <a:cs typeface="Monaco"/>
-              </a:rPr>
-              <a:t>## The split argument is *removed* from the output</a:t>
-            </a:r>
-            <a:endParaRPr lang="en-US" dirty="0">
-              <a:solidFill>
-                <a:schemeClr val="accent3">
-                  <a:lumMod val="60000"/>
-                  <a:lumOff val="40000"/>
-                </a:schemeClr>
-              </a:solidFill>
-              <a:latin typeface="Monaco"/>
-              <a:cs typeface="Monaco"/>
-            </a:endParaRPr>
-          </a:p>
-          <a:p>
-            <a:r>
-              <a:rPr lang="en-US" dirty="0" smtClean="0">
-                <a:latin typeface="Monaco"/>
-                <a:cs typeface="Monaco"/>
-              </a:rPr>
-              <a:t>print(</a:t>
-            </a:r>
-            <a:r>
-              <a:rPr lang="en-US" dirty="0" err="1" smtClean="0">
-                <a:latin typeface="Monaco"/>
-                <a:cs typeface="Monaco"/>
-              </a:rPr>
-              <a:t>mystring</a:t>
-            </a:r>
-            <a:r>
-              <a:rPr lang="en-US" dirty="0" err="1" smtClean="0">
-                <a:solidFill>
-                  <a:schemeClr val="accent5"/>
-                </a:solidFill>
-                <a:latin typeface="Monaco"/>
-                <a:cs typeface="Monaco"/>
-              </a:rPr>
-              <a:t>.split</a:t>
-            </a:r>
-            <a:r>
-              <a:rPr lang="en-US" dirty="0" smtClean="0">
-                <a:solidFill>
-                  <a:schemeClr val="accent5"/>
-                </a:solidFill>
-                <a:latin typeface="Monaco"/>
-                <a:cs typeface="Monaco"/>
-              </a:rPr>
-              <a:t>(" ")</a:t>
-            </a:r>
-            <a:r>
-              <a:rPr lang="en-US" dirty="0" smtClean="0">
-                <a:latin typeface="Monaco"/>
-                <a:cs typeface="Monaco"/>
-              </a:rPr>
-              <a:t>)</a:t>
-            </a:r>
-          </a:p>
-          <a:p>
-            <a:r>
-              <a:rPr lang="en-US" dirty="0">
-                <a:solidFill>
-                  <a:schemeClr val="bg1">
-                    <a:lumMod val="65000"/>
-                  </a:schemeClr>
-                </a:solidFill>
-                <a:latin typeface="Monaco"/>
-                <a:cs typeface="Monaco"/>
-              </a:rPr>
-              <a:t>	</a:t>
-            </a:r>
-            <a:r>
-              <a:rPr lang="en-US" dirty="0" smtClean="0">
-                <a:solidFill>
-                  <a:schemeClr val="bg1">
-                    <a:lumMod val="65000"/>
-                  </a:schemeClr>
-                </a:solidFill>
-                <a:latin typeface="Monaco"/>
-                <a:cs typeface="Monaco"/>
-              </a:rPr>
-              <a:t>["Hello", "this", "is", "a", "string"]</a:t>
-            </a:r>
-          </a:p>
-          <a:p>
-            <a:endParaRPr lang="en-US" dirty="0">
-              <a:latin typeface="Monaco"/>
-              <a:cs typeface="Monaco"/>
-            </a:endParaRPr>
-          </a:p>
-          <a:p>
-            <a:r>
-              <a:rPr lang="en-US" dirty="0" smtClean="0">
-                <a:solidFill>
-                  <a:schemeClr val="accent3">
-                    <a:lumMod val="60000"/>
-                    <a:lumOff val="40000"/>
-                  </a:schemeClr>
-                </a:solidFill>
-                <a:latin typeface="Monaco"/>
-                <a:cs typeface="Monaco"/>
-              </a:rPr>
-              <a:t>## Split string into a list on </a:t>
-            </a:r>
-            <a:r>
-              <a:rPr lang="en-US" i="1" dirty="0" smtClean="0">
-                <a:solidFill>
-                  <a:schemeClr val="accent3">
-                    <a:lumMod val="60000"/>
-                    <a:lumOff val="40000"/>
-                  </a:schemeClr>
-                </a:solidFill>
-                <a:latin typeface="Monaco"/>
-                <a:cs typeface="Monaco"/>
-              </a:rPr>
-              <a:t>the lowercase letter 's'</a:t>
-            </a:r>
-            <a:endParaRPr lang="en-US" dirty="0" smtClean="0">
-              <a:solidFill>
-                <a:schemeClr val="accent3">
-                  <a:lumMod val="60000"/>
-                  <a:lumOff val="40000"/>
-                </a:schemeClr>
-              </a:solidFill>
-              <a:latin typeface="Monaco"/>
-              <a:cs typeface="Monaco"/>
-            </a:endParaRPr>
-          </a:p>
-          <a:p>
-            <a:r>
-              <a:rPr lang="en-US" dirty="0">
-                <a:latin typeface="Monaco"/>
-                <a:cs typeface="Monaco"/>
-              </a:rPr>
-              <a:t>print(</a:t>
-            </a:r>
-            <a:r>
-              <a:rPr lang="en-US" dirty="0" err="1">
-                <a:latin typeface="Monaco"/>
-                <a:cs typeface="Monaco"/>
-              </a:rPr>
-              <a:t>mystring</a:t>
-            </a:r>
-            <a:r>
-              <a:rPr lang="en-US" dirty="0" err="1">
-                <a:solidFill>
-                  <a:schemeClr val="accent5"/>
-                </a:solidFill>
-                <a:latin typeface="Monaco"/>
-                <a:cs typeface="Monaco"/>
-              </a:rPr>
-              <a:t>.split</a:t>
-            </a:r>
-            <a:r>
-              <a:rPr lang="en-US" dirty="0" smtClean="0">
-                <a:solidFill>
-                  <a:schemeClr val="accent5"/>
-                </a:solidFill>
-                <a:latin typeface="Monaco"/>
-                <a:cs typeface="Monaco"/>
-              </a:rPr>
-              <a:t>("s")</a:t>
-            </a:r>
-            <a:r>
-              <a:rPr lang="en-US" dirty="0" smtClean="0">
-                <a:latin typeface="Monaco"/>
-                <a:cs typeface="Monaco"/>
-              </a:rPr>
-              <a:t>)</a:t>
-            </a:r>
-            <a:endParaRPr lang="en-US" dirty="0">
-              <a:latin typeface="Monaco"/>
-              <a:cs typeface="Monaco"/>
-            </a:endParaRPr>
-          </a:p>
-          <a:p>
-            <a:r>
-              <a:rPr lang="en-US" dirty="0" smtClean="0">
-                <a:solidFill>
-                  <a:schemeClr val="bg1">
-                    <a:lumMod val="65000"/>
-                  </a:schemeClr>
-                </a:solidFill>
-                <a:latin typeface="Monaco"/>
-                <a:cs typeface="Monaco"/>
-              </a:rPr>
-              <a:t>	["</a:t>
-            </a:r>
-            <a:r>
-              <a:rPr lang="en-US" dirty="0" err="1" smtClean="0">
-                <a:solidFill>
-                  <a:schemeClr val="bg1">
-                    <a:lumMod val="65000"/>
-                  </a:schemeClr>
-                </a:solidFill>
-                <a:latin typeface="Monaco"/>
-                <a:cs typeface="Monaco"/>
-              </a:rPr>
-              <a:t>Hellothi</a:t>
-            </a:r>
-            <a:r>
-              <a:rPr lang="en-US" dirty="0" smtClean="0">
-                <a:solidFill>
-                  <a:schemeClr val="bg1">
-                    <a:lumMod val="65000"/>
-                  </a:schemeClr>
-                </a:solidFill>
-                <a:latin typeface="Monaco"/>
-                <a:cs typeface="Monaco"/>
-              </a:rPr>
-              <a:t>", " </a:t>
-            </a:r>
-            <a:r>
-              <a:rPr lang="en-US" dirty="0" err="1" smtClean="0">
-                <a:solidFill>
-                  <a:schemeClr val="bg1">
-                    <a:lumMod val="65000"/>
-                  </a:schemeClr>
-                </a:solidFill>
-                <a:latin typeface="Monaco"/>
-                <a:cs typeface="Monaco"/>
-              </a:rPr>
-              <a:t>i</a:t>
-            </a:r>
-            <a:r>
-              <a:rPr lang="en-US" dirty="0" smtClean="0">
-                <a:solidFill>
-                  <a:schemeClr val="bg1">
-                    <a:lumMod val="65000"/>
-                  </a:schemeClr>
-                </a:solidFill>
-                <a:latin typeface="Monaco"/>
-                <a:cs typeface="Monaco"/>
-              </a:rPr>
-              <a:t>", " a ", "</a:t>
-            </a:r>
-            <a:r>
-              <a:rPr lang="en-US" dirty="0" err="1" smtClean="0">
-                <a:solidFill>
-                  <a:schemeClr val="bg1">
-                    <a:lumMod val="65000"/>
-                  </a:schemeClr>
-                </a:solidFill>
-                <a:latin typeface="Monaco"/>
-                <a:cs typeface="Monaco"/>
-              </a:rPr>
-              <a:t>tring</a:t>
-            </a:r>
-            <a:r>
-              <a:rPr lang="en-US" dirty="0" smtClean="0">
-                <a:solidFill>
-                  <a:schemeClr val="bg1">
-                    <a:lumMod val="65000"/>
-                  </a:schemeClr>
-                </a:solidFill>
-                <a:latin typeface="Monaco"/>
-                <a:cs typeface="Monaco"/>
-              </a:rPr>
-              <a:t>."]</a:t>
-            </a:r>
-            <a:endParaRPr lang="en-US" dirty="0">
-              <a:solidFill>
-                <a:schemeClr val="bg1">
-                  <a:lumMod val="65000"/>
-                </a:schemeClr>
-              </a:solidFill>
-              <a:latin typeface="Monaco"/>
-              <a:cs typeface="Monaco"/>
-            </a:endParaRPr>
-          </a:p>
-          <a:p>
-            <a:endParaRPr lang="en-US" dirty="0" smtClean="0">
-              <a:latin typeface="Monaco"/>
-              <a:cs typeface="Monaco"/>
-            </a:endParaRPr>
-          </a:p>
-        </p:txBody>
-      </p:sp>
-    </p:spTree>
-    <p:extLst>
-      <p:ext uri="{BB962C8B-B14F-4D97-AF65-F5344CB8AC3E}">
-        <p14:creationId xmlns:p14="http://schemas.microsoft.com/office/powerpoint/2010/main" val="1984556623"/>
-      </p:ext>
-    </p:extLst>
-  </p:cSld>
-  <p:clrMapOvr>
-    <a:masterClrMapping/>
-  </p:clrMapOvr>
-  <p:timing>
-    <p:tnLst>
-      <p:par>
-        <p:cTn id="1" dur="indefinite" restart="never" nodeType="tmRoot">
-          <p:childTnLst>
-            <p:seq concurrent="1" nextAc="seek">
-              <p:cTn id="2" dur="indefinite" nodeType="mainSeq">
-                <p:childTnLst>
-                  <p:par>
-                    <p:cTn id="3" fill="hold">
-                      <p:stCondLst>
-                        <p:cond delay="indefinite"/>
-                      </p:stCondLst>
-                      <p:childTnLst>
-                        <p:par>
-                          <p:cTn id="4" fill="hold">
-                            <p:stCondLst>
-                              <p:cond delay="0"/>
-                            </p:stCondLst>
-                            <p:childTnLst>
-                              <p:par>
-                                <p:cTn id="5" presetID="1" presetClass="entr" presetSubtype="0" fill="hold" nodeType="clickEffect">
-                                  <p:stCondLst>
-                                    <p:cond delay="0"/>
-                                  </p:stCondLst>
-                                  <p:childTnLst>
-                                    <p:set>
-                                      <p:cBhvr>
-                                        <p:cTn id="6" dur="1" fill="hold">
-                                          <p:stCondLst>
-                                            <p:cond delay="0"/>
-                                          </p:stCondLst>
-                                        </p:cTn>
-                                        <p:tgtEl>
-                                          <p:spTgt spid="4">
-                                            <p:txEl>
-                                              <p:pRg st="3" end="3"/>
-                                            </p:txEl>
-                                          </p:spTgt>
-                                        </p:tgtEl>
-                                        <p:attrNameLst>
-                                          <p:attrName>style.visibility</p:attrName>
-                                        </p:attrNameLst>
-                                      </p:cBhvr>
-                                      <p:to>
-                                        <p:strVal val="visible"/>
-                                      </p:to>
-                                    </p:set>
-                                  </p:childTnLst>
-                                </p:cTn>
-                              </p:par>
-                            </p:childTnLst>
-                          </p:cTn>
-                        </p:par>
-                      </p:childTnLst>
-                    </p:cTn>
-                  </p:par>
-                  <p:par>
-                    <p:cTn id="7" fill="hold">
-                      <p:stCondLst>
-                        <p:cond delay="indefinite"/>
-                      </p:stCondLst>
-                      <p:childTnLst>
-                        <p:par>
-                          <p:cTn id="8" fill="hold">
-                            <p:stCondLst>
-                              <p:cond delay="0"/>
-                            </p:stCondLst>
-                            <p:childTnLst>
-                              <p:par>
-                                <p:cTn id="9" presetID="1" presetClass="entr" presetSubtype="0" fill="hold" nodeType="clickEffect">
-                                  <p:stCondLst>
-                                    <p:cond delay="0"/>
-                                  </p:stCondLst>
-                                  <p:childTnLst>
-                                    <p:set>
-                                      <p:cBhvr>
-                                        <p:cTn id="10" dur="1" fill="hold">
-                                          <p:stCondLst>
-                                            <p:cond delay="0"/>
-                                          </p:stCondLst>
-                                        </p:cTn>
-                                        <p:tgtEl>
-                                          <p:spTgt spid="4">
-                                            <p:txEl>
-                                              <p:pRg st="6" end="6"/>
-                                            </p:txEl>
-                                          </p:spTgt>
-                                        </p:tgtEl>
-                                        <p:attrNameLst>
-                                          <p:attrName>style.visibility</p:attrName>
-                                        </p:attrNameLst>
-                                      </p:cBhvr>
-                                      <p:to>
-                                        <p:strVal val="visible"/>
-                                      </p:to>
-                                    </p:set>
-                                  </p:childTnLst>
-                                </p:cTn>
-                              </p:par>
-                              <p:par>
-                                <p:cTn id="11" presetID="1" presetClass="entr" presetSubtype="0" fill="hold" nodeType="withEffect">
-                                  <p:stCondLst>
-                                    <p:cond delay="0"/>
-                                  </p:stCondLst>
-                                  <p:childTnLst>
-                                    <p:set>
-                                      <p:cBhvr>
-                                        <p:cTn id="12" dur="1" fill="hold">
-                                          <p:stCondLst>
-                                            <p:cond delay="0"/>
-                                          </p:stCondLst>
-                                        </p:cTn>
-                                        <p:tgtEl>
-                                          <p:spTgt spid="4">
-                                            <p:txEl>
-                                              <p:pRg st="7" end="7"/>
-                                            </p:txEl>
-                                          </p:spTgt>
-                                        </p:tgtEl>
-                                        <p:attrNameLst>
-                                          <p:attrName>style.visibility</p:attrName>
-                                        </p:attrNameLst>
-                                      </p:cBhvr>
-                                      <p:to>
-                                        <p:strVal val="visible"/>
-                                      </p:to>
-                                    </p:set>
-                                  </p:childTnLst>
-                                </p:cTn>
-                              </p:par>
-                              <p:par>
-                                <p:cTn id="13" presetID="1" presetClass="entr" presetSubtype="0" fill="hold" nodeType="withEffect">
-                                  <p:stCondLst>
-                                    <p:cond delay="0"/>
-                                  </p:stCondLst>
-                                  <p:childTnLst>
-                                    <p:set>
-                                      <p:cBhvr>
-                                        <p:cTn id="14" dur="1" fill="hold">
-                                          <p:stCondLst>
-                                            <p:cond delay="0"/>
-                                          </p:stCondLst>
-                                        </p:cTn>
-                                        <p:tgtEl>
-                                          <p:spTgt spid="4">
-                                            <p:txEl>
-                                              <p:pRg st="8" end="8"/>
-                                            </p:txEl>
-                                          </p:spTgt>
-                                        </p:tgtEl>
-                                        <p:attrNameLst>
-                                          <p:attrName>style.visibility</p:attrName>
-                                        </p:attrNameLst>
-                                      </p:cBhvr>
-                                      <p:to>
-                                        <p:strVal val="visible"/>
-                                      </p:to>
-                                    </p:set>
-                                  </p:childTnLst>
-                                </p:cTn>
-                              </p:par>
-                              <p:par>
-                                <p:cTn id="15" presetID="1" presetClass="entr" presetSubtype="0" fill="hold" nodeType="withEffect">
-                                  <p:stCondLst>
-                                    <p:cond delay="0"/>
-                                  </p:stCondLst>
-                                  <p:childTnLst>
-                                    <p:set>
-                                      <p:cBhvr>
-                                        <p:cTn id="16" dur="1" fill="hold">
-                                          <p:stCondLst>
-                                            <p:cond delay="0"/>
-                                          </p:stCondLst>
-                                        </p:cTn>
-                                        <p:tgtEl>
-                                          <p:spTgt spid="4">
-                                            <p:txEl>
-                                              <p:pRg st="9" end="9"/>
-                                            </p:txEl>
-                                          </p:spTgt>
-                                        </p:tgtEl>
-                                        <p:attrNameLst>
-                                          <p:attrName>style.visibility</p:attrName>
-                                        </p:attrNameLst>
-                                      </p:cBhvr>
-                                      <p:to>
-                                        <p:strVal val="visible"/>
-                                      </p:to>
-                                    </p:set>
-                                  </p:childTnLst>
-                                </p:cTn>
-                              </p:par>
-                            </p:childTnLst>
-                          </p:cTn>
-                        </p:par>
-                      </p:childTnLst>
-                    </p:cTn>
-                  </p:par>
-                  <p:par>
-                    <p:cTn id="17" fill="hold">
-                      <p:stCondLst>
-                        <p:cond delay="indefinite"/>
-                      </p:stCondLst>
-                      <p:childTnLst>
-                        <p:par>
-                          <p:cTn id="18" fill="hold">
-                            <p:stCondLst>
-                              <p:cond delay="0"/>
-                            </p:stCondLst>
-                            <p:childTnLst>
-                              <p:par>
-                                <p:cTn id="19" presetID="1" presetClass="entr" presetSubtype="0" fill="hold" nodeType="clickEffect">
-                                  <p:stCondLst>
-                                    <p:cond delay="0"/>
-                                  </p:stCondLst>
-                                  <p:childTnLst>
-                                    <p:set>
-                                      <p:cBhvr>
-                                        <p:cTn id="20" dur="1" fill="hold">
-                                          <p:stCondLst>
-                                            <p:cond delay="0"/>
-                                          </p:stCondLst>
-                                        </p:cTn>
-                                        <p:tgtEl>
-                                          <p:spTgt spid="4">
-                                            <p:txEl>
-                                              <p:pRg st="11" end="11"/>
-                                            </p:txEl>
-                                          </p:spTgt>
-                                        </p:tgtEl>
-                                        <p:attrNameLst>
-                                          <p:attrName>style.visibility</p:attrName>
-                                        </p:attrNameLst>
-                                      </p:cBhvr>
-                                      <p:to>
-                                        <p:strVal val="visible"/>
-                                      </p:to>
-                                    </p:set>
-                                  </p:childTnLst>
-                                </p:cTn>
-                              </p:par>
-                              <p:par>
-                                <p:cTn id="21" presetID="1" presetClass="entr" presetSubtype="0" fill="hold" nodeType="withEffect">
-                                  <p:stCondLst>
-                                    <p:cond delay="0"/>
-                                  </p:stCondLst>
-                                  <p:childTnLst>
-                                    <p:set>
-                                      <p:cBhvr>
-                                        <p:cTn id="22" dur="1" fill="hold">
-                                          <p:stCondLst>
-                                            <p:cond delay="0"/>
-                                          </p:stCondLst>
-                                        </p:cTn>
-                                        <p:tgtEl>
-                                          <p:spTgt spid="4">
-                                            <p:txEl>
-                                              <p:pRg st="12" end="12"/>
-                                            </p:txEl>
-                                          </p:spTgt>
-                                        </p:tgtEl>
-                                        <p:attrNameLst>
-                                          <p:attrName>style.visibility</p:attrName>
-                                        </p:attrNameLst>
-                                      </p:cBhvr>
-                                      <p:to>
-                                        <p:strVal val="visible"/>
-                                      </p:to>
-                                    </p:set>
-                                  </p:childTnLst>
-                                </p:cTn>
-                              </p:par>
-                              <p:par>
-                                <p:cTn id="23" presetID="1" presetClass="entr" presetSubtype="0" fill="hold" nodeType="withEffect">
-                                  <p:stCondLst>
-                                    <p:cond delay="0"/>
-                                  </p:stCondLst>
-                                  <p:childTnLst>
-                                    <p:set>
-                                      <p:cBhvr>
-                                        <p:cTn id="24" dur="1" fill="hold">
-                                          <p:stCondLst>
-                                            <p:cond delay="0"/>
-                                          </p:stCondLst>
-                                        </p:cTn>
-                                        <p:tgtEl>
-                                          <p:spTgt spid="4">
-                                            <p:txEl>
-                                              <p:pRg st="13" end="13"/>
-                                            </p:txEl>
-                                          </p:spTgt>
-                                        </p:tgtEl>
-                                        <p:attrNameLst>
-                                          <p:attrName>style.visibility</p:attrName>
-                                        </p:attrNameLst>
-                                      </p:cBhvr>
-                                      <p:to>
-                                        <p:strVal val="visible"/>
-                                      </p:to>
-                                    </p:set>
-                                  </p:childTnLst>
-                                </p:cTn>
-                              </p:par>
-                            </p:childTnLst>
-                          </p:cTn>
-                        </p:par>
-                      </p:childTnLst>
-                    </p:cTn>
-                  </p:par>
-                </p:childTnLst>
-              </p:cTn>
-              <p:prevCondLst>
-                <p:cond evt="onPrev" delay="0">
-                  <p:tgtEl>
-                    <p:sldTgt/>
-                  </p:tgtEl>
-                </p:cond>
-              </p:prevCondLst>
-              <p:nextCondLst>
-                <p:cond evt="onNext" delay="0">
-                  <p:tgtEl>
-                    <p:sldTgt/>
-                  </p:tgtEl>
-                </p:cond>
-              </p:nextCondLst>
-            </p:seq>
-          </p:childTnLst>
-        </p:cTn>
-      </p:par>
-    </p:tnLst>
-  </p:timing>
-</p:sld>
-</file>
-
-<file path=ppt/slides/slide28.xml><?xml version="1.0" encoding="utf-8"?>
-<p:sld xmlns:a="http://schemas.openxmlformats.org/drawingml/2006/main" xmlns:r="http://schemas.openxmlformats.org/officeDocument/2006/relationships" xmlns:p="http://schemas.openxmlformats.org/presentationml/2006/main">
-  <p:cSld>
-    <p:spTree>
-      <p:nvGrpSpPr>
-        <p:cNvPr id="1" name=""/>
-        <p:cNvGrpSpPr/>
-        <p:nvPr/>
-      </p:nvGrpSpPr>
-      <p:grpSpPr>
-        <a:xfrm>
-          <a:off x="0" y="0"/>
-          <a:ext cx="0" cy="0"/>
-          <a:chOff x="0" y="0"/>
-          <a:chExt cx="0" cy="0"/>
-        </a:xfrm>
-      </p:grpSpPr>
-      <p:sp>
-        <p:nvSpPr>
-          <p:cNvPr id="2" name="Title 1"/>
-          <p:cNvSpPr>
-            <a:spLocks noGrp="1"/>
-          </p:cNvSpPr>
-          <p:nvPr>
-            <p:ph type="title"/>
-          </p:nvPr>
-        </p:nvSpPr>
-        <p:spPr/>
-        <p:txBody>
-          <a:bodyPr/>
-          <a:lstStyle/>
-          <a:p>
-            <a:r>
-              <a:rPr lang="en-US" dirty="0" smtClean="0"/>
-              <a:t>The .join() method is opposite of .split()s</a:t>
-            </a:r>
-            <a:endParaRPr lang="en-US" dirty="0"/>
-          </a:p>
-        </p:txBody>
-      </p:sp>
-      <p:sp>
-        <p:nvSpPr>
-          <p:cNvPr id="4" name="TextBox 3"/>
-          <p:cNvSpPr txBox="1"/>
-          <p:nvPr/>
-        </p:nvSpPr>
-        <p:spPr>
-          <a:xfrm>
-            <a:off x="457199" y="1558432"/>
-            <a:ext cx="8338444" cy="5355312"/>
-          </a:xfrm>
-          <a:prstGeom prst="rect">
-            <a:avLst/>
-          </a:prstGeom>
-          <a:noFill/>
-        </p:spPr>
-        <p:txBody>
-          <a:bodyPr wrap="square" rtlCol="0">
-            <a:spAutoFit/>
-          </a:bodyPr>
-          <a:lstStyle/>
-          <a:p>
-            <a:r>
-              <a:rPr lang="en-US" dirty="0">
-                <a:solidFill>
-                  <a:schemeClr val="accent3">
-                    <a:lumMod val="60000"/>
-                    <a:lumOff val="40000"/>
-                  </a:schemeClr>
-                </a:solidFill>
-                <a:latin typeface="Monaco"/>
-                <a:cs typeface="Monaco"/>
-              </a:rPr>
-              <a:t>## Usage:</a:t>
-            </a:r>
-          </a:p>
-          <a:p>
-            <a:r>
-              <a:rPr lang="en-US" dirty="0">
-                <a:solidFill>
-                  <a:schemeClr val="accent3">
-                    <a:lumMod val="60000"/>
-                    <a:lumOff val="40000"/>
-                  </a:schemeClr>
-                </a:solidFill>
-                <a:latin typeface="Monaco"/>
-                <a:cs typeface="Monaco"/>
-              </a:rPr>
-              <a:t>## </a:t>
-            </a:r>
-            <a:r>
-              <a:rPr lang="en-US" dirty="0" smtClean="0">
-                <a:solidFill>
-                  <a:schemeClr val="accent3">
-                    <a:lumMod val="60000"/>
-                    <a:lumOff val="40000"/>
-                  </a:schemeClr>
-                </a:solidFill>
-                <a:latin typeface="Monaco"/>
-                <a:cs typeface="Monaco"/>
-              </a:rPr>
-              <a:t>&lt;string to join with &gt;.</a:t>
-            </a:r>
-            <a:r>
-              <a:rPr lang="en-US" dirty="0">
-                <a:solidFill>
-                  <a:schemeClr val="accent3">
-                    <a:lumMod val="60000"/>
-                    <a:lumOff val="40000"/>
-                  </a:schemeClr>
-                </a:solidFill>
-                <a:latin typeface="Monaco"/>
-                <a:cs typeface="Monaco"/>
-              </a:rPr>
-              <a:t>split</a:t>
-            </a:r>
-            <a:r>
-              <a:rPr lang="en-US" dirty="0" smtClean="0">
-                <a:solidFill>
-                  <a:schemeClr val="accent3">
-                    <a:lumMod val="60000"/>
-                    <a:lumOff val="40000"/>
-                  </a:schemeClr>
-                </a:solidFill>
-                <a:latin typeface="Monaco"/>
-                <a:cs typeface="Monaco"/>
-              </a:rPr>
-              <a:t>(&lt;list to join&gt;)</a:t>
-            </a:r>
-            <a:endParaRPr lang="en-US" dirty="0">
-              <a:solidFill>
-                <a:schemeClr val="accent3">
-                  <a:lumMod val="60000"/>
-                  <a:lumOff val="40000"/>
-                </a:schemeClr>
-              </a:solidFill>
-              <a:latin typeface="Monaco"/>
-              <a:cs typeface="Monaco"/>
-            </a:endParaRPr>
-          </a:p>
-          <a:p>
-            <a:endParaRPr lang="en-US" dirty="0" smtClean="0">
-              <a:latin typeface="Monaco"/>
-              <a:cs typeface="Monaco"/>
-            </a:endParaRPr>
-          </a:p>
-          <a:p>
-            <a:r>
-              <a:rPr lang="en-US" dirty="0" err="1" smtClean="0">
-                <a:latin typeface="Monaco"/>
-                <a:cs typeface="Monaco"/>
-              </a:rPr>
-              <a:t>mystring</a:t>
-            </a:r>
-            <a:r>
-              <a:rPr lang="en-US" dirty="0" smtClean="0">
-                <a:latin typeface="Monaco"/>
-                <a:cs typeface="Monaco"/>
-              </a:rPr>
-              <a:t> = "Hello this is a string"</a:t>
-            </a:r>
-          </a:p>
-          <a:p>
-            <a:endParaRPr lang="en-US" dirty="0" smtClean="0">
-              <a:latin typeface="Monaco"/>
-              <a:cs typeface="Monaco"/>
-            </a:endParaRPr>
-          </a:p>
-          <a:p>
-            <a:r>
-              <a:rPr lang="en-US" dirty="0" smtClean="0">
-                <a:solidFill>
-                  <a:schemeClr val="accent3">
-                    <a:lumMod val="60000"/>
-                    <a:lumOff val="40000"/>
-                  </a:schemeClr>
-                </a:solidFill>
-                <a:latin typeface="Monaco"/>
-                <a:cs typeface="Monaco"/>
-              </a:rPr>
-              <a:t>## Split string into a list on </a:t>
-            </a:r>
-            <a:r>
-              <a:rPr lang="en-US" i="1" dirty="0" smtClean="0">
-                <a:solidFill>
-                  <a:schemeClr val="accent3">
-                    <a:lumMod val="60000"/>
-                    <a:lumOff val="40000"/>
-                  </a:schemeClr>
-                </a:solidFill>
-                <a:latin typeface="Monaco"/>
-                <a:cs typeface="Monaco"/>
-              </a:rPr>
-              <a:t>a space</a:t>
-            </a:r>
-          </a:p>
-          <a:p>
-            <a:r>
-              <a:rPr lang="en-US" dirty="0" smtClean="0">
-                <a:solidFill>
-                  <a:schemeClr val="accent3">
-                    <a:lumMod val="60000"/>
-                    <a:lumOff val="40000"/>
-                  </a:schemeClr>
-                </a:solidFill>
-                <a:latin typeface="Monaco"/>
-                <a:cs typeface="Monaco"/>
-              </a:rPr>
-              <a:t>## The split argument is *removed* from the output</a:t>
-            </a:r>
-            <a:endParaRPr lang="en-US" dirty="0">
-              <a:solidFill>
-                <a:schemeClr val="accent3">
-                  <a:lumMod val="60000"/>
-                  <a:lumOff val="40000"/>
-                </a:schemeClr>
-              </a:solidFill>
-              <a:latin typeface="Monaco"/>
-              <a:cs typeface="Monaco"/>
-            </a:endParaRPr>
-          </a:p>
-          <a:p>
-            <a:r>
-              <a:rPr lang="en-US" dirty="0" smtClean="0">
-                <a:latin typeface="Monaco"/>
-                <a:cs typeface="Monaco"/>
-              </a:rPr>
-              <a:t>print(</a:t>
-            </a:r>
-            <a:r>
-              <a:rPr lang="en-US" dirty="0" err="1" smtClean="0">
-                <a:latin typeface="Monaco"/>
-                <a:cs typeface="Monaco"/>
-              </a:rPr>
-              <a:t>mystring</a:t>
-            </a:r>
-            <a:r>
-              <a:rPr lang="en-US" dirty="0" err="1" smtClean="0">
-                <a:solidFill>
-                  <a:schemeClr val="accent5"/>
-                </a:solidFill>
-                <a:latin typeface="Monaco"/>
-                <a:cs typeface="Monaco"/>
-              </a:rPr>
-              <a:t>.split</a:t>
-            </a:r>
-            <a:r>
-              <a:rPr lang="en-US" dirty="0" smtClean="0">
-                <a:solidFill>
-                  <a:schemeClr val="accent5"/>
-                </a:solidFill>
-                <a:latin typeface="Monaco"/>
-                <a:cs typeface="Monaco"/>
-              </a:rPr>
-              <a:t>(" ")</a:t>
-            </a:r>
-            <a:r>
-              <a:rPr lang="en-US" dirty="0" smtClean="0">
-                <a:latin typeface="Monaco"/>
-                <a:cs typeface="Monaco"/>
-              </a:rPr>
-              <a:t>)</a:t>
-            </a:r>
-          </a:p>
-          <a:p>
-            <a:r>
-              <a:rPr lang="en-US" dirty="0">
-                <a:solidFill>
-                  <a:schemeClr val="bg1">
-                    <a:lumMod val="65000"/>
-                  </a:schemeClr>
-                </a:solidFill>
-                <a:latin typeface="Monaco"/>
-                <a:cs typeface="Monaco"/>
-              </a:rPr>
-              <a:t>	</a:t>
-            </a:r>
-            <a:r>
-              <a:rPr lang="en-US" dirty="0" smtClean="0">
-                <a:solidFill>
-                  <a:schemeClr val="bg1">
-                    <a:lumMod val="65000"/>
-                  </a:schemeClr>
-                </a:solidFill>
-                <a:latin typeface="Monaco"/>
-                <a:cs typeface="Monaco"/>
-              </a:rPr>
-              <a:t>["Hello", "this", "is", "a", "string"]</a:t>
-            </a:r>
-          </a:p>
-          <a:p>
-            <a:endParaRPr lang="en-US" dirty="0" smtClean="0">
-              <a:latin typeface="Monaco"/>
-              <a:cs typeface="Monaco"/>
-            </a:endParaRPr>
-          </a:p>
-          <a:p>
-            <a:endParaRPr lang="en-US" dirty="0">
-              <a:latin typeface="Monaco"/>
-              <a:cs typeface="Monaco"/>
-            </a:endParaRPr>
-          </a:p>
-          <a:p>
-            <a:r>
-              <a:rPr lang="en-US" dirty="0" smtClean="0">
-                <a:latin typeface="Monaco"/>
-                <a:cs typeface="Monaco"/>
-              </a:rPr>
-              <a:t>x = </a:t>
-            </a:r>
-            <a:r>
-              <a:rPr lang="en-US" dirty="0">
-                <a:latin typeface="Monaco"/>
-                <a:cs typeface="Monaco"/>
-              </a:rPr>
-              <a:t>["Hello", "this", "is", "a", "string"]</a:t>
-            </a:r>
-          </a:p>
-          <a:p>
-            <a:r>
-              <a:rPr lang="en-US" dirty="0" smtClean="0">
-                <a:latin typeface="Monaco"/>
-                <a:cs typeface="Monaco"/>
-              </a:rPr>
-              <a:t>print(</a:t>
-            </a:r>
-            <a:r>
-              <a:rPr lang="en-US" dirty="0" err="1" smtClean="0">
-                <a:latin typeface="Monaco"/>
-                <a:cs typeface="Monaco"/>
-              </a:rPr>
-              <a:t>x</a:t>
-            </a:r>
-            <a:r>
-              <a:rPr lang="en-US" dirty="0" err="1" smtClean="0">
-                <a:solidFill>
-                  <a:schemeClr val="accent5"/>
-                </a:solidFill>
-                <a:latin typeface="Monaco"/>
-                <a:cs typeface="Monaco"/>
-              </a:rPr>
-              <a:t>.join</a:t>
-            </a:r>
-            <a:r>
-              <a:rPr lang="en-US" dirty="0" smtClean="0">
-                <a:solidFill>
-                  <a:schemeClr val="accent5"/>
-                </a:solidFill>
-                <a:latin typeface="Monaco"/>
-                <a:cs typeface="Monaco"/>
-              </a:rPr>
-              <a:t>(" ")</a:t>
-            </a:r>
-            <a:r>
-              <a:rPr lang="en-US" dirty="0" smtClean="0">
-                <a:latin typeface="Monaco"/>
-                <a:cs typeface="Monaco"/>
-              </a:rPr>
-              <a:t>)</a:t>
-            </a:r>
-          </a:p>
-          <a:p>
-            <a:r>
-              <a:rPr lang="en-US" dirty="0" smtClean="0">
-                <a:solidFill>
-                  <a:schemeClr val="bg1">
-                    <a:lumMod val="65000"/>
-                  </a:schemeClr>
-                </a:solidFill>
-                <a:latin typeface="Monaco"/>
-                <a:cs typeface="Monaco"/>
-              </a:rPr>
-              <a:t>	"</a:t>
-            </a:r>
-            <a:r>
-              <a:rPr lang="en-US" dirty="0">
-                <a:solidFill>
-                  <a:schemeClr val="bg1">
-                    <a:lumMod val="65000"/>
-                  </a:schemeClr>
-                </a:solidFill>
-                <a:latin typeface="Monaco"/>
-                <a:cs typeface="Monaco"/>
-              </a:rPr>
-              <a:t>Hello this is a </a:t>
-            </a:r>
-            <a:r>
-              <a:rPr lang="en-US" dirty="0" smtClean="0">
-                <a:solidFill>
-                  <a:schemeClr val="bg1">
-                    <a:lumMod val="65000"/>
-                  </a:schemeClr>
-                </a:solidFill>
-                <a:latin typeface="Monaco"/>
-                <a:cs typeface="Monaco"/>
-              </a:rPr>
-              <a:t>string"</a:t>
-            </a:r>
-          </a:p>
-          <a:p>
-            <a:endParaRPr lang="en-US" dirty="0" smtClean="0">
-              <a:latin typeface="Monaco"/>
-              <a:cs typeface="Monaco"/>
-            </a:endParaRPr>
-          </a:p>
-          <a:p>
-            <a:r>
-              <a:rPr lang="en-US" dirty="0" smtClean="0">
-                <a:solidFill>
-                  <a:schemeClr val="accent3">
-                    <a:lumMod val="60000"/>
-                    <a:lumOff val="40000"/>
-                  </a:schemeClr>
-                </a:solidFill>
-                <a:latin typeface="Monaco"/>
-                <a:cs typeface="Monaco"/>
-              </a:rPr>
-              <a:t># Useful for creating comma-separated values, IMO</a:t>
-            </a:r>
-            <a:endParaRPr lang="en-US" dirty="0">
-              <a:solidFill>
-                <a:schemeClr val="accent3">
-                  <a:lumMod val="60000"/>
-                  <a:lumOff val="40000"/>
-                </a:schemeClr>
-              </a:solidFill>
-              <a:latin typeface="Monaco"/>
-              <a:cs typeface="Monaco"/>
-            </a:endParaRPr>
-          </a:p>
-          <a:p>
-            <a:r>
-              <a:rPr lang="en-US" dirty="0" smtClean="0">
-                <a:latin typeface="Monaco"/>
-                <a:cs typeface="Monaco"/>
-              </a:rPr>
-              <a:t>x = ["col1", "col2", "col3"]</a:t>
-            </a:r>
-          </a:p>
-          <a:p>
-            <a:r>
-              <a:rPr lang="en-US" dirty="0" smtClean="0">
-                <a:latin typeface="Monaco"/>
-                <a:cs typeface="Monaco"/>
-              </a:rPr>
-              <a:t>print(</a:t>
-            </a:r>
-            <a:r>
-              <a:rPr lang="en-US" dirty="0" err="1" smtClean="0">
-                <a:latin typeface="Monaco"/>
-                <a:cs typeface="Monaco"/>
-              </a:rPr>
-              <a:t>x</a:t>
-            </a:r>
-            <a:r>
-              <a:rPr lang="en-US" dirty="0" err="1" smtClean="0">
-                <a:solidFill>
-                  <a:schemeClr val="accent5"/>
-                </a:solidFill>
-                <a:latin typeface="Monaco"/>
-                <a:cs typeface="Monaco"/>
-              </a:rPr>
-              <a:t>.join</a:t>
-            </a:r>
-            <a:r>
-              <a:rPr lang="en-US" dirty="0" smtClean="0">
-                <a:solidFill>
-                  <a:schemeClr val="accent5"/>
-                </a:solidFill>
-                <a:latin typeface="Monaco"/>
-                <a:cs typeface="Monaco"/>
-              </a:rPr>
-              <a:t>(",")</a:t>
-            </a:r>
-            <a:r>
-              <a:rPr lang="en-US" dirty="0" smtClean="0">
-                <a:latin typeface="Monaco"/>
-                <a:cs typeface="Monaco"/>
-              </a:rPr>
-              <a:t>)</a:t>
-            </a:r>
-          </a:p>
-          <a:p>
-            <a:r>
-              <a:rPr lang="en-US" dirty="0">
-                <a:solidFill>
-                  <a:schemeClr val="bg1">
-                    <a:lumMod val="65000"/>
-                  </a:schemeClr>
-                </a:solidFill>
-                <a:latin typeface="Monaco"/>
-                <a:cs typeface="Monaco"/>
-              </a:rPr>
-              <a:t>	</a:t>
-            </a:r>
-            <a:r>
-              <a:rPr lang="en-US" dirty="0" smtClean="0">
-                <a:solidFill>
-                  <a:schemeClr val="bg1">
-                    <a:lumMod val="65000"/>
-                  </a:schemeClr>
-                </a:solidFill>
-                <a:latin typeface="Monaco"/>
-                <a:cs typeface="Monaco"/>
-              </a:rPr>
-              <a:t>"col1,col2,col3"</a:t>
-            </a:r>
-          </a:p>
-        </p:txBody>
-      </p:sp>
-    </p:spTree>
-    <p:extLst>
-      <p:ext uri="{BB962C8B-B14F-4D97-AF65-F5344CB8AC3E}">
-        <p14:creationId xmlns:p14="http://schemas.microsoft.com/office/powerpoint/2010/main" val="1191112318"/>
-      </p:ext>
-    </p:extLst>
-  </p:cSld>
-  <p:clrMapOvr>
-    <a:masterClrMapping/>
-  </p:clrMapOvr>
-  <p:timing>
-    <p:tnLst>
-      <p:par>
-        <p:cTn id="1" dur="indefinite" restart="never" nodeType="tmRoot">
-          <p:childTnLst>
-            <p:seq concurrent="1" nextAc="seek">
-              <p:cTn id="2" dur="indefinite" nodeType="mainSeq">
-                <p:childTnLst>
-                  <p:par>
-                    <p:cTn id="3" fill="hold">
-                      <p:stCondLst>
-                        <p:cond delay="indefinite"/>
-                      </p:stCondLst>
-                      <p:childTnLst>
-                        <p:par>
-                          <p:cTn id="4" fill="hold">
-                            <p:stCondLst>
-                              <p:cond delay="0"/>
-                            </p:stCondLst>
-                            <p:childTnLst>
-                              <p:par>
-                                <p:cTn id="5" presetID="1" presetClass="entr" presetSubtype="0" fill="hold" nodeType="clickEffect">
-                                  <p:stCondLst>
-                                    <p:cond delay="0"/>
-                                  </p:stCondLst>
-                                  <p:childTnLst>
-                                    <p:set>
-                                      <p:cBhvr>
-                                        <p:cTn id="6" dur="1" fill="hold">
-                                          <p:stCondLst>
-                                            <p:cond delay="0"/>
-                                          </p:stCondLst>
-                                        </p:cTn>
-                                        <p:tgtEl>
-                                          <p:spTgt spid="4">
-                                            <p:txEl>
-                                              <p:pRg st="5" end="5"/>
-                                            </p:txEl>
-                                          </p:spTgt>
-                                        </p:tgtEl>
-                                        <p:attrNameLst>
-                                          <p:attrName>style.visibility</p:attrName>
-                                        </p:attrNameLst>
-                                      </p:cBhvr>
-                                      <p:to>
-                                        <p:strVal val="visible"/>
-                                      </p:to>
-                                    </p:set>
-                                  </p:childTnLst>
-                                </p:cTn>
-                              </p:par>
-                              <p:par>
-                                <p:cTn id="7" presetID="1" presetClass="entr" presetSubtype="0" fill="hold" nodeType="withEffect">
-                                  <p:stCondLst>
-                                    <p:cond delay="0"/>
-                                  </p:stCondLst>
-                                  <p:childTnLst>
-                                    <p:set>
-                                      <p:cBhvr>
-                                        <p:cTn id="8" dur="1" fill="hold">
-                                          <p:stCondLst>
-                                            <p:cond delay="0"/>
-                                          </p:stCondLst>
-                                        </p:cTn>
-                                        <p:tgtEl>
-                                          <p:spTgt spid="4">
-                                            <p:txEl>
-                                              <p:pRg st="6" end="6"/>
-                                            </p:txEl>
-                                          </p:spTgt>
-                                        </p:tgtEl>
-                                        <p:attrNameLst>
-                                          <p:attrName>style.visibility</p:attrName>
-                                        </p:attrNameLst>
-                                      </p:cBhvr>
-                                      <p:to>
-                                        <p:strVal val="visible"/>
-                                      </p:to>
-                                    </p:set>
-                                  </p:childTnLst>
-                                </p:cTn>
-                              </p:par>
-                              <p:par>
-                                <p:cTn id="9" presetID="1" presetClass="entr" presetSubtype="0" fill="hold" nodeType="withEffect">
-                                  <p:stCondLst>
-                                    <p:cond delay="0"/>
-                                  </p:stCondLst>
-                                  <p:childTnLst>
-                                    <p:set>
-                                      <p:cBhvr>
-                                        <p:cTn id="10" dur="1" fill="hold">
-                                          <p:stCondLst>
-                                            <p:cond delay="0"/>
-                                          </p:stCondLst>
-                                        </p:cTn>
-                                        <p:tgtEl>
-                                          <p:spTgt spid="4">
-                                            <p:txEl>
-                                              <p:pRg st="7" end="7"/>
-                                            </p:txEl>
-                                          </p:spTgt>
-                                        </p:tgtEl>
-                                        <p:attrNameLst>
-                                          <p:attrName>style.visibility</p:attrName>
-                                        </p:attrNameLst>
-                                      </p:cBhvr>
-                                      <p:to>
-                                        <p:strVal val="visible"/>
-                                      </p:to>
-                                    </p:set>
-                                  </p:childTnLst>
-                                </p:cTn>
-                              </p:par>
-                              <p:par>
-                                <p:cTn id="11" presetID="1" presetClass="entr" presetSubtype="0" fill="hold" nodeType="withEffect">
-                                  <p:stCondLst>
-                                    <p:cond delay="0"/>
-                                  </p:stCondLst>
-                                  <p:childTnLst>
-                                    <p:set>
-                                      <p:cBhvr>
-                                        <p:cTn id="12" dur="1" fill="hold">
-                                          <p:stCondLst>
-                                            <p:cond delay="0"/>
-                                          </p:stCondLst>
-                                        </p:cTn>
-                                        <p:tgtEl>
-                                          <p:spTgt spid="4">
-                                            <p:txEl>
-                                              <p:pRg st="8" end="8"/>
-                                            </p:txEl>
-                                          </p:spTgt>
-                                        </p:tgtEl>
-                                        <p:attrNameLst>
-                                          <p:attrName>style.visibility</p:attrName>
-                                        </p:attrNameLst>
-                                      </p:cBhvr>
-                                      <p:to>
-                                        <p:strVal val="visible"/>
-                                      </p:to>
-                                    </p:set>
-                                  </p:childTnLst>
-                                </p:cTn>
-                              </p:par>
-                            </p:childTnLst>
-                          </p:cTn>
-                        </p:par>
-                      </p:childTnLst>
-                    </p:cTn>
-                  </p:par>
-                  <p:par>
-                    <p:cTn id="13" fill="hold">
-                      <p:stCondLst>
-                        <p:cond delay="indefinite"/>
-                      </p:stCondLst>
-                      <p:childTnLst>
-                        <p:par>
-                          <p:cTn id="14" fill="hold">
-                            <p:stCondLst>
-                              <p:cond delay="0"/>
-                            </p:stCondLst>
-                            <p:childTnLst>
-                              <p:par>
-                                <p:cTn id="15" presetID="1" presetClass="entr" presetSubtype="0" fill="hold" nodeType="clickEffect">
-                                  <p:stCondLst>
-                                    <p:cond delay="0"/>
-                                  </p:stCondLst>
-                                  <p:childTnLst>
-                                    <p:set>
-                                      <p:cBhvr>
-                                        <p:cTn id="16" dur="1" fill="hold">
-                                          <p:stCondLst>
-                                            <p:cond delay="0"/>
-                                          </p:stCondLst>
-                                        </p:cTn>
-                                        <p:tgtEl>
-                                          <p:spTgt spid="4">
-                                            <p:txEl>
-                                              <p:pRg st="11" end="11"/>
-                                            </p:txEl>
-                                          </p:spTgt>
-                                        </p:tgtEl>
-                                        <p:attrNameLst>
-                                          <p:attrName>style.visibility</p:attrName>
-                                        </p:attrNameLst>
-                                      </p:cBhvr>
-                                      <p:to>
-                                        <p:strVal val="visible"/>
-                                      </p:to>
-                                    </p:set>
-                                  </p:childTnLst>
-                                </p:cTn>
-                              </p:par>
-                              <p:par>
-                                <p:cTn id="17" presetID="1" presetClass="entr" presetSubtype="0" fill="hold" nodeType="withEffect">
-                                  <p:stCondLst>
-                                    <p:cond delay="0"/>
-                                  </p:stCondLst>
-                                  <p:childTnLst>
-                                    <p:set>
-                                      <p:cBhvr>
-                                        <p:cTn id="18" dur="1" fill="hold">
-                                          <p:stCondLst>
-                                            <p:cond delay="0"/>
-                                          </p:stCondLst>
-                                        </p:cTn>
-                                        <p:tgtEl>
-                                          <p:spTgt spid="4">
-                                            <p:txEl>
-                                              <p:pRg st="12" end="12"/>
-                                            </p:txEl>
-                                          </p:spTgt>
-                                        </p:tgtEl>
-                                        <p:attrNameLst>
-                                          <p:attrName>style.visibility</p:attrName>
-                                        </p:attrNameLst>
-                                      </p:cBhvr>
-                                      <p:to>
-                                        <p:strVal val="visible"/>
-                                      </p:to>
-                                    </p:set>
-                                  </p:childTnLst>
-                                </p:cTn>
-                              </p:par>
-                              <p:par>
-                                <p:cTn id="19" presetID="1" presetClass="entr" presetSubtype="0" fill="hold" nodeType="withEffect">
-                                  <p:stCondLst>
-                                    <p:cond delay="0"/>
-                                  </p:stCondLst>
-                                  <p:childTnLst>
-                                    <p:set>
-                                      <p:cBhvr>
-                                        <p:cTn id="20" dur="1" fill="hold">
-                                          <p:stCondLst>
-                                            <p:cond delay="0"/>
-                                          </p:stCondLst>
-                                        </p:cTn>
-                                        <p:tgtEl>
-                                          <p:spTgt spid="4">
-                                            <p:txEl>
-                                              <p:pRg st="13" end="13"/>
-                                            </p:txEl>
-                                          </p:spTgt>
-                                        </p:tgtEl>
-                                        <p:attrNameLst>
-                                          <p:attrName>style.visibility</p:attrName>
-                                        </p:attrNameLst>
-                                      </p:cBhvr>
-                                      <p:to>
-                                        <p:strVal val="visible"/>
-                                      </p:to>
-                                    </p:set>
-                                  </p:childTnLst>
-                                </p:cTn>
-                              </p:par>
-                            </p:childTnLst>
-                          </p:cTn>
-                        </p:par>
-                      </p:childTnLst>
-                    </p:cTn>
-                  </p:par>
-                  <p:par>
-                    <p:cTn id="21" fill="hold">
-                      <p:stCondLst>
-                        <p:cond delay="indefinite"/>
-                      </p:stCondLst>
-                      <p:childTnLst>
-                        <p:par>
-                          <p:cTn id="22" fill="hold">
-                            <p:stCondLst>
-                              <p:cond delay="0"/>
-                            </p:stCondLst>
-                            <p:childTnLst>
-                              <p:par>
-                                <p:cTn id="23" presetID="1" presetClass="entr" presetSubtype="0" fill="hold" nodeType="clickEffect">
-                                  <p:stCondLst>
-                                    <p:cond delay="0"/>
-                                  </p:stCondLst>
-                                  <p:childTnLst>
-                                    <p:set>
-                                      <p:cBhvr>
-                                        <p:cTn id="24" dur="1" fill="hold">
-                                          <p:stCondLst>
-                                            <p:cond delay="0"/>
-                                          </p:stCondLst>
-                                        </p:cTn>
-                                        <p:tgtEl>
-                                          <p:spTgt spid="4">
-                                            <p:txEl>
-                                              <p:pRg st="15" end="15"/>
-                                            </p:txEl>
-                                          </p:spTgt>
-                                        </p:tgtEl>
-                                        <p:attrNameLst>
-                                          <p:attrName>style.visibility</p:attrName>
-                                        </p:attrNameLst>
-                                      </p:cBhvr>
-                                      <p:to>
-                                        <p:strVal val="visible"/>
-                                      </p:to>
-                                    </p:set>
-                                  </p:childTnLst>
-                                </p:cTn>
-                              </p:par>
-                              <p:par>
-                                <p:cTn id="25" presetID="1" presetClass="entr" presetSubtype="0" fill="hold" nodeType="withEffect">
-                                  <p:stCondLst>
-                                    <p:cond delay="0"/>
-                                  </p:stCondLst>
-                                  <p:childTnLst>
-                                    <p:set>
-                                      <p:cBhvr>
-                                        <p:cTn id="26" dur="1" fill="hold">
-                                          <p:stCondLst>
-                                            <p:cond delay="0"/>
-                                          </p:stCondLst>
-                                        </p:cTn>
-                                        <p:tgtEl>
-                                          <p:spTgt spid="4">
-                                            <p:txEl>
-                                              <p:pRg st="16" end="16"/>
-                                            </p:txEl>
-                                          </p:spTgt>
-                                        </p:tgtEl>
-                                        <p:attrNameLst>
-                                          <p:attrName>style.visibility</p:attrName>
-                                        </p:attrNameLst>
-                                      </p:cBhvr>
-                                      <p:to>
-                                        <p:strVal val="visible"/>
-                                      </p:to>
-                                    </p:set>
-                                  </p:childTnLst>
-                                </p:cTn>
-                              </p:par>
-                              <p:par>
-                                <p:cTn id="27" presetID="1" presetClass="entr" presetSubtype="0" fill="hold" nodeType="withEffect">
-                                  <p:stCondLst>
-                                    <p:cond delay="0"/>
-                                  </p:stCondLst>
-                                  <p:childTnLst>
-                                    <p:set>
-                                      <p:cBhvr>
-                                        <p:cTn id="28" dur="1" fill="hold">
-                                          <p:stCondLst>
-                                            <p:cond delay="0"/>
-                                          </p:stCondLst>
-                                        </p:cTn>
-                                        <p:tgtEl>
-                                          <p:spTgt spid="4">
-                                            <p:txEl>
-                                              <p:pRg st="17" end="17"/>
-                                            </p:txEl>
-                                          </p:spTgt>
-                                        </p:tgtEl>
-                                        <p:attrNameLst>
-                                          <p:attrName>style.visibility</p:attrName>
-                                        </p:attrNameLst>
-                                      </p:cBhvr>
-                                      <p:to>
-                                        <p:strVal val="visible"/>
-                                      </p:to>
-                                    </p:set>
-                                  </p:childTnLst>
-                                </p:cTn>
-                              </p:par>
-                              <p:par>
-                                <p:cTn id="29" presetID="1" presetClass="entr" presetSubtype="0" fill="hold" nodeType="withEffect">
-                                  <p:stCondLst>
-                                    <p:cond delay="0"/>
-                                  </p:stCondLst>
-                                  <p:childTnLst>
-                                    <p:set>
-                                      <p:cBhvr>
-                                        <p:cTn id="30" dur="1" fill="hold">
-                                          <p:stCondLst>
-                                            <p:cond delay="0"/>
-                                          </p:stCondLst>
-                                        </p:cTn>
-                                        <p:tgtEl>
-                                          <p:spTgt spid="4">
-                                            <p:txEl>
-                                              <p:pRg st="18" end="18"/>
-                                            </p:txEl>
-                                          </p:spTgt>
-                                        </p:tgtEl>
-                                        <p:attrNameLst>
-                                          <p:attrName>style.visibility</p:attrName>
-                                        </p:attrNameLst>
-                                      </p:cBhvr>
-                                      <p:to>
-                                        <p:strVal val="visible"/>
-                                      </p:to>
-                                    </p:set>
-                                  </p:childTnLst>
-                                </p:cTn>
-                              </p:par>
-                            </p:childTnLst>
-                          </p:cTn>
-                        </p:par>
-                      </p:childTnLst>
-                    </p:cTn>
-                  </p:par>
-                </p:childTnLst>
-              </p:cTn>
-              <p:prevCondLst>
-                <p:cond evt="onPrev" delay="0">
-                  <p:tgtEl>
-                    <p:sldTgt/>
-                  </p:tgtEl>
-                </p:cond>
-              </p:prevCondLst>
-              <p:nextCondLst>
-                <p:cond evt="onNext" delay="0">
-                  <p:tgtEl>
-                    <p:sldTgt/>
-                  </p:tgtEl>
-                </p:cond>
-              </p:nextCondLst>
-            </p:seq>
-          </p:childTnLst>
-        </p:cTn>
-      </p:par>
-    </p:tnLst>
-  </p:timing>
-</p:sld>
-</file>
-
-<file path=ppt/slides/slide29.xml><?xml version="1.0" encoding="utf-8"?>
-<p:sld xmlns:a="http://schemas.openxmlformats.org/drawingml/2006/main" xmlns:r="http://schemas.openxmlformats.org/officeDocument/2006/relationships" xmlns:p="http://schemas.openxmlformats.org/presentationml/2006/main">
-  <p:cSld>
-    <p:spTree>
-      <p:nvGrpSpPr>
-        <p:cNvPr id="1" name=""/>
-        <p:cNvGrpSpPr/>
-        <p:nvPr/>
-      </p:nvGrpSpPr>
-      <p:grpSpPr>
-        <a:xfrm>
-          <a:off x="0" y="0"/>
-          <a:ext cx="0" cy="0"/>
-          <a:chOff x="0" y="0"/>
-          <a:chExt cx="0" cy="0"/>
-        </a:xfrm>
-      </p:grpSpPr>
-      <p:sp>
-        <p:nvSpPr>
-          <p:cNvPr id="2" name="Title 1"/>
-          <p:cNvSpPr>
-            <a:spLocks noGrp="1"/>
-          </p:cNvSpPr>
-          <p:nvPr>
-            <p:ph type="title"/>
-          </p:nvPr>
-        </p:nvSpPr>
-        <p:spPr/>
-        <p:txBody>
-          <a:bodyPr>
-            <a:normAutofit/>
-          </a:bodyPr>
-          <a:lstStyle/>
-          <a:p>
-            <a:r>
-              <a:rPr lang="en-US" sz="2800" dirty="0" smtClean="0"/>
-              <a:t>the .strip() family removes leading and trailing whitespace, </a:t>
-            </a:r>
-            <a:r>
-              <a:rPr lang="en-US" sz="2800" dirty="0" err="1" smtClean="0"/>
-              <a:t>etc</a:t>
-            </a:r>
-            <a:endParaRPr lang="en-US" sz="2800" dirty="0"/>
-          </a:p>
-        </p:txBody>
-      </p:sp>
-      <p:sp>
-        <p:nvSpPr>
-          <p:cNvPr id="4" name="TextBox 3"/>
-          <p:cNvSpPr txBox="1"/>
-          <p:nvPr/>
-        </p:nvSpPr>
-        <p:spPr>
-          <a:xfrm>
-            <a:off x="457199" y="1558432"/>
-            <a:ext cx="8338444" cy="4524315"/>
-          </a:xfrm>
-          <a:prstGeom prst="rect">
-            <a:avLst/>
-          </a:prstGeom>
-          <a:noFill/>
-        </p:spPr>
-        <p:txBody>
-          <a:bodyPr wrap="square" rtlCol="0">
-            <a:spAutoFit/>
-          </a:bodyPr>
-          <a:lstStyle/>
-          <a:p>
-            <a:r>
-              <a:rPr lang="en-US" dirty="0" err="1" smtClean="0">
-                <a:latin typeface="Monaco"/>
-                <a:cs typeface="Monaco"/>
-              </a:rPr>
-              <a:t>mystring</a:t>
-            </a:r>
-            <a:r>
-              <a:rPr lang="en-US" dirty="0" smtClean="0">
-                <a:latin typeface="Monaco"/>
-                <a:cs typeface="Monaco"/>
-              </a:rPr>
-              <a:t> = "     Hello this is a string"</a:t>
-            </a:r>
-          </a:p>
-          <a:p>
-            <a:endParaRPr lang="en-US" dirty="0" smtClean="0">
-              <a:latin typeface="Monaco"/>
-              <a:cs typeface="Monaco"/>
-            </a:endParaRPr>
-          </a:p>
-          <a:p>
-            <a:endParaRPr lang="en-US" dirty="0">
-              <a:latin typeface="Monaco"/>
-              <a:cs typeface="Monaco"/>
-            </a:endParaRPr>
-          </a:p>
-          <a:p>
-            <a:r>
-              <a:rPr lang="en-US" dirty="0" smtClean="0">
-                <a:latin typeface="Monaco"/>
-                <a:cs typeface="Monaco"/>
-              </a:rPr>
-              <a:t>print(</a:t>
-            </a:r>
-            <a:r>
-              <a:rPr lang="en-US" dirty="0" err="1" smtClean="0">
-                <a:latin typeface="Monaco"/>
-                <a:cs typeface="Monaco"/>
-              </a:rPr>
-              <a:t>mystring</a:t>
-            </a:r>
-            <a:r>
-              <a:rPr lang="en-US" dirty="0" err="1" smtClean="0">
-                <a:solidFill>
-                  <a:schemeClr val="accent5"/>
-                </a:solidFill>
-                <a:latin typeface="Monaco"/>
-                <a:cs typeface="Monaco"/>
-              </a:rPr>
-              <a:t>.strip</a:t>
-            </a:r>
-            <a:r>
-              <a:rPr lang="en-US" dirty="0" smtClean="0">
-                <a:solidFill>
-                  <a:schemeClr val="accent5"/>
-                </a:solidFill>
-                <a:latin typeface="Monaco"/>
-                <a:cs typeface="Monaco"/>
-              </a:rPr>
-              <a:t>()</a:t>
-            </a:r>
-            <a:r>
-              <a:rPr lang="en-US" dirty="0" smtClean="0">
-                <a:latin typeface="Monaco"/>
-                <a:cs typeface="Monaco"/>
-              </a:rPr>
-              <a:t>)</a:t>
-            </a:r>
-          </a:p>
-          <a:p>
-            <a:r>
-              <a:rPr lang="en-US" dirty="0" smtClean="0">
-                <a:solidFill>
-                  <a:schemeClr val="bg1">
-                    <a:lumMod val="65000"/>
-                  </a:schemeClr>
-                </a:solidFill>
-                <a:latin typeface="Monaco"/>
-                <a:cs typeface="Monaco"/>
-              </a:rPr>
-              <a:t>	"</a:t>
-            </a:r>
-            <a:r>
-              <a:rPr lang="en-US" dirty="0">
-                <a:solidFill>
-                  <a:schemeClr val="bg1">
-                    <a:lumMod val="65000"/>
-                  </a:schemeClr>
-                </a:solidFill>
-                <a:latin typeface="Monaco"/>
-                <a:cs typeface="Monaco"/>
-              </a:rPr>
-              <a:t>Hello this is a </a:t>
-            </a:r>
-            <a:r>
-              <a:rPr lang="en-US" dirty="0" smtClean="0">
-                <a:solidFill>
-                  <a:schemeClr val="bg1">
-                    <a:lumMod val="65000"/>
-                  </a:schemeClr>
-                </a:solidFill>
-                <a:latin typeface="Monaco"/>
-                <a:cs typeface="Monaco"/>
-              </a:rPr>
-              <a:t>string"</a:t>
-            </a:r>
-          </a:p>
-          <a:p>
-            <a:endParaRPr lang="en-US" dirty="0">
-              <a:solidFill>
-                <a:schemeClr val="bg1">
-                  <a:lumMod val="65000"/>
-                </a:schemeClr>
-              </a:solidFill>
-              <a:latin typeface="Monaco"/>
-              <a:cs typeface="Monaco"/>
-            </a:endParaRPr>
-          </a:p>
-          <a:p>
-            <a:r>
-              <a:rPr lang="en-US" dirty="0" smtClean="0">
-                <a:latin typeface="Monaco"/>
-                <a:cs typeface="Monaco"/>
-              </a:rPr>
-              <a:t>print(</a:t>
-            </a:r>
-            <a:r>
-              <a:rPr lang="en-US" dirty="0" err="1" smtClean="0">
-                <a:latin typeface="Monaco"/>
-                <a:cs typeface="Monaco"/>
-              </a:rPr>
-              <a:t>mystring.</a:t>
-            </a:r>
-            <a:r>
-              <a:rPr lang="en-US" dirty="0" err="1" smtClean="0">
-                <a:solidFill>
-                  <a:schemeClr val="accent5"/>
-                </a:solidFill>
-                <a:latin typeface="Monaco"/>
-                <a:cs typeface="Monaco"/>
-              </a:rPr>
-              <a:t>lstrip</a:t>
-            </a:r>
-            <a:r>
-              <a:rPr lang="en-US" dirty="0" smtClean="0">
-                <a:solidFill>
-                  <a:schemeClr val="accent5"/>
-                </a:solidFill>
-                <a:latin typeface="Monaco"/>
-                <a:cs typeface="Monaco"/>
-              </a:rPr>
-              <a:t>()</a:t>
-            </a:r>
-            <a:r>
-              <a:rPr lang="en-US" dirty="0" smtClean="0">
-                <a:latin typeface="Monaco"/>
-                <a:cs typeface="Monaco"/>
-              </a:rPr>
-              <a:t>)</a:t>
-            </a:r>
-          </a:p>
-          <a:p>
-            <a:r>
-              <a:rPr lang="en-US" dirty="0">
-                <a:solidFill>
-                  <a:schemeClr val="bg1">
-                    <a:lumMod val="65000"/>
-                  </a:schemeClr>
-                </a:solidFill>
-                <a:latin typeface="Monaco"/>
-                <a:cs typeface="Monaco"/>
-              </a:rPr>
-              <a:t>	"Hello this is a string"</a:t>
-            </a:r>
-          </a:p>
-          <a:p>
-            <a:endParaRPr lang="en-US" dirty="0" smtClean="0">
-              <a:solidFill>
-                <a:schemeClr val="bg1">
-                  <a:lumMod val="65000"/>
-                </a:schemeClr>
-              </a:solidFill>
-              <a:latin typeface="Monaco"/>
-              <a:cs typeface="Monaco"/>
-            </a:endParaRPr>
-          </a:p>
-          <a:p>
-            <a:endParaRPr lang="en-US" dirty="0">
-              <a:solidFill>
-                <a:schemeClr val="bg1">
-                  <a:lumMod val="65000"/>
-                </a:schemeClr>
-              </a:solidFill>
-              <a:latin typeface="Monaco"/>
-              <a:cs typeface="Monaco"/>
-            </a:endParaRPr>
-          </a:p>
-          <a:p>
-            <a:r>
-              <a:rPr lang="en-US" dirty="0" smtClean="0">
-                <a:latin typeface="Monaco"/>
-                <a:cs typeface="Monaco"/>
-              </a:rPr>
-              <a:t>print(</a:t>
-            </a:r>
-            <a:r>
-              <a:rPr lang="en-US" dirty="0" err="1" smtClean="0">
-                <a:latin typeface="Monaco"/>
-                <a:cs typeface="Monaco"/>
-              </a:rPr>
-              <a:t>mystring</a:t>
-            </a:r>
-            <a:r>
-              <a:rPr lang="en-US" dirty="0" err="1" smtClean="0">
-                <a:solidFill>
-                  <a:schemeClr val="accent5"/>
-                </a:solidFill>
-                <a:latin typeface="Monaco"/>
-                <a:cs typeface="Monaco"/>
-              </a:rPr>
-              <a:t>.rstrip</a:t>
-            </a:r>
-            <a:r>
-              <a:rPr lang="en-US" dirty="0">
-                <a:solidFill>
-                  <a:schemeClr val="accent5"/>
-                </a:solidFill>
-                <a:latin typeface="Monaco"/>
-                <a:cs typeface="Monaco"/>
-              </a:rPr>
-              <a:t>()</a:t>
-            </a:r>
-            <a:r>
-              <a:rPr lang="en-US" dirty="0">
-                <a:latin typeface="Monaco"/>
-                <a:cs typeface="Monaco"/>
-              </a:rPr>
-              <a:t>)</a:t>
-            </a:r>
-          </a:p>
-          <a:p>
-            <a:r>
-              <a:rPr lang="en-US" dirty="0">
-                <a:solidFill>
-                  <a:schemeClr val="bg1">
-                    <a:lumMod val="65000"/>
-                  </a:schemeClr>
-                </a:solidFill>
-                <a:latin typeface="Monaco"/>
-                <a:cs typeface="Monaco"/>
-              </a:rPr>
-              <a:t>	 </a:t>
-            </a:r>
-            <a:r>
-              <a:rPr lang="en-US" dirty="0" smtClean="0">
-                <a:solidFill>
-                  <a:schemeClr val="bg1">
-                    <a:lumMod val="65000"/>
-                  </a:schemeClr>
-                </a:solidFill>
-                <a:latin typeface="Monaco"/>
-                <a:cs typeface="Monaco"/>
-              </a:rPr>
-              <a:t>"      Hello </a:t>
-            </a:r>
-            <a:r>
-              <a:rPr lang="en-US" dirty="0">
-                <a:solidFill>
-                  <a:schemeClr val="bg1">
-                    <a:lumMod val="65000"/>
-                  </a:schemeClr>
-                </a:solidFill>
-                <a:latin typeface="Monaco"/>
-                <a:cs typeface="Monaco"/>
-              </a:rPr>
-              <a:t>this is a string"</a:t>
-            </a:r>
-          </a:p>
-          <a:p>
-            <a:endParaRPr lang="en-US" dirty="0" smtClean="0">
-              <a:solidFill>
-                <a:schemeClr val="bg1">
-                  <a:lumMod val="65000"/>
-                </a:schemeClr>
-              </a:solidFill>
-              <a:latin typeface="Monaco"/>
-              <a:cs typeface="Monaco"/>
-            </a:endParaRPr>
-          </a:p>
-          <a:p>
-            <a:r>
-              <a:rPr lang="en-US" dirty="0" err="1" smtClean="0">
-                <a:latin typeface="Monaco"/>
-                <a:cs typeface="Monaco"/>
-              </a:rPr>
-              <a:t>newstring</a:t>
-            </a:r>
-            <a:r>
-              <a:rPr lang="en-US" dirty="0" smtClean="0">
-                <a:latin typeface="Monaco"/>
-                <a:cs typeface="Monaco"/>
-              </a:rPr>
-              <a:t> = "</a:t>
-            </a:r>
-            <a:r>
-              <a:rPr lang="en-US" dirty="0" err="1" smtClean="0">
-                <a:latin typeface="Monaco"/>
-                <a:cs typeface="Monaco"/>
-              </a:rPr>
-              <a:t>abcdefa</a:t>
-            </a:r>
-            <a:r>
-              <a:rPr lang="en-US" dirty="0" smtClean="0">
-                <a:latin typeface="Monaco"/>
-                <a:cs typeface="Monaco"/>
-              </a:rPr>
-              <a:t>"</a:t>
-            </a:r>
-          </a:p>
-          <a:p>
-            <a:r>
-              <a:rPr lang="en-US" dirty="0" smtClean="0">
-                <a:latin typeface="Monaco"/>
-                <a:cs typeface="Monaco"/>
-              </a:rPr>
-              <a:t>print(</a:t>
-            </a:r>
-            <a:r>
-              <a:rPr lang="en-US" dirty="0" err="1" smtClean="0">
-                <a:latin typeface="Monaco"/>
-                <a:cs typeface="Monaco"/>
-              </a:rPr>
-              <a:t>newstring</a:t>
-            </a:r>
-            <a:r>
-              <a:rPr lang="en-US" dirty="0" err="1" smtClean="0">
-                <a:solidFill>
-                  <a:schemeClr val="accent5"/>
-                </a:solidFill>
-                <a:latin typeface="Monaco"/>
-                <a:cs typeface="Monaco"/>
-              </a:rPr>
-              <a:t>.strip</a:t>
-            </a:r>
-            <a:r>
-              <a:rPr lang="en-US" dirty="0" smtClean="0">
-                <a:solidFill>
-                  <a:schemeClr val="accent5"/>
-                </a:solidFill>
-                <a:latin typeface="Monaco"/>
-                <a:cs typeface="Monaco"/>
-              </a:rPr>
-              <a:t>("a")</a:t>
-            </a:r>
-            <a:r>
-              <a:rPr lang="en-US" dirty="0" smtClean="0">
-                <a:latin typeface="Monaco"/>
-                <a:cs typeface="Monaco"/>
-              </a:rPr>
-              <a:t>)</a:t>
-            </a:r>
-          </a:p>
-          <a:p>
-            <a:r>
-              <a:rPr lang="en-US" dirty="0">
-                <a:solidFill>
-                  <a:schemeClr val="bg1">
-                    <a:lumMod val="65000"/>
-                  </a:schemeClr>
-                </a:solidFill>
-                <a:latin typeface="Monaco"/>
-                <a:cs typeface="Monaco"/>
-              </a:rPr>
-              <a:t>	</a:t>
-            </a:r>
-            <a:r>
-              <a:rPr lang="en-US" dirty="0" smtClean="0">
-                <a:solidFill>
-                  <a:schemeClr val="bg1">
-                    <a:lumMod val="65000"/>
-                  </a:schemeClr>
-                </a:solidFill>
-                <a:latin typeface="Monaco"/>
-                <a:cs typeface="Monaco"/>
-              </a:rPr>
-              <a:t>"</a:t>
-            </a:r>
-            <a:r>
-              <a:rPr lang="en-US" dirty="0" err="1" smtClean="0">
-                <a:solidFill>
-                  <a:schemeClr val="bg1">
-                    <a:lumMod val="65000"/>
-                  </a:schemeClr>
-                </a:solidFill>
-                <a:latin typeface="Monaco"/>
-                <a:cs typeface="Monaco"/>
-              </a:rPr>
-              <a:t>bcdef</a:t>
-            </a:r>
-            <a:r>
-              <a:rPr lang="en-US" dirty="0" smtClean="0">
-                <a:solidFill>
-                  <a:schemeClr val="bg1">
-                    <a:lumMod val="65000"/>
-                  </a:schemeClr>
-                </a:solidFill>
-                <a:latin typeface="Monaco"/>
-                <a:cs typeface="Monaco"/>
-              </a:rPr>
-              <a:t>"</a:t>
-            </a:r>
-          </a:p>
-        </p:txBody>
-      </p:sp>
-    </p:spTree>
-    <p:extLst>
-      <p:ext uri="{BB962C8B-B14F-4D97-AF65-F5344CB8AC3E}">
-        <p14:creationId xmlns:p14="http://schemas.microsoft.com/office/powerpoint/2010/main" val="528702371"/>
-      </p:ext>
-    </p:extLst>
-  </p:cSld>
-  <p:clrMapOvr>
-    <a:masterClrMapping/>
-  </p:clrMapOvr>
-  <p:timing>
-    <p:tnLst>
-      <p:par>
-        <p:cTn id="1" dur="indefinite" restart="never" nodeType="tmRoot">
-          <p:childTnLst>
-            <p:seq concurrent="1" nextAc="seek">
-              <p:cTn id="2" dur="indefinite" nodeType="mainSeq">
-                <p:childTnLst>
-                  <p:par>
-                    <p:cTn id="3" fill="hold">
-                      <p:stCondLst>
-                        <p:cond delay="indefinite"/>
-                      </p:stCondLst>
-                      <p:childTnLst>
-                        <p:par>
-                          <p:cTn id="4" fill="hold">
-                            <p:stCondLst>
-                              <p:cond delay="0"/>
-                            </p:stCondLst>
-                            <p:childTnLst>
-                              <p:par>
-                                <p:cTn id="5" presetID="1" presetClass="entr" presetSubtype="0" fill="hold" nodeType="clickEffect">
-                                  <p:stCondLst>
-                                    <p:cond delay="0"/>
-                                  </p:stCondLst>
-                                  <p:childTnLst>
-                                    <p:set>
-                                      <p:cBhvr>
-                                        <p:cTn id="6" dur="1" fill="hold">
-                                          <p:stCondLst>
-                                            <p:cond delay="0"/>
-                                          </p:stCondLst>
-                                        </p:cTn>
-                                        <p:tgtEl>
-                                          <p:spTgt spid="4">
-                                            <p:txEl>
-                                              <p:pRg st="3" end="3"/>
-                                            </p:txEl>
-                                          </p:spTgt>
-                                        </p:tgtEl>
-                                        <p:attrNameLst>
-                                          <p:attrName>style.visibility</p:attrName>
-                                        </p:attrNameLst>
-                                      </p:cBhvr>
-                                      <p:to>
-                                        <p:strVal val="visible"/>
-                                      </p:to>
-                                    </p:set>
-                                  </p:childTnLst>
-                                </p:cTn>
-                              </p:par>
-                              <p:par>
-                                <p:cTn id="7" presetID="1" presetClass="entr" presetSubtype="0" fill="hold" nodeType="withEffect">
-                                  <p:stCondLst>
-                                    <p:cond delay="0"/>
-                                  </p:stCondLst>
-                                  <p:childTnLst>
-                                    <p:set>
-                                      <p:cBhvr>
-                                        <p:cTn id="8" dur="1" fill="hold">
-                                          <p:stCondLst>
-                                            <p:cond delay="0"/>
-                                          </p:stCondLst>
-                                        </p:cTn>
-                                        <p:tgtEl>
-                                          <p:spTgt spid="4">
-                                            <p:txEl>
-                                              <p:pRg st="4" end="4"/>
-                                            </p:txEl>
-                                          </p:spTgt>
-                                        </p:tgtEl>
-                                        <p:attrNameLst>
-                                          <p:attrName>style.visibility</p:attrName>
-                                        </p:attrNameLst>
-                                      </p:cBhvr>
-                                      <p:to>
-                                        <p:strVal val="visible"/>
-                                      </p:to>
-                                    </p:set>
-                                  </p:childTnLst>
-                                </p:cTn>
-                              </p:par>
-                            </p:childTnLst>
-                          </p:cTn>
-                        </p:par>
-                      </p:childTnLst>
-                    </p:cTn>
-                  </p:par>
-                  <p:par>
-                    <p:cTn id="9" fill="hold">
-                      <p:stCondLst>
-                        <p:cond delay="indefinite"/>
-                      </p:stCondLst>
-                      <p:childTnLst>
-                        <p:par>
-                          <p:cTn id="10" fill="hold">
-                            <p:stCondLst>
-                              <p:cond delay="0"/>
-                            </p:stCondLst>
-                            <p:childTnLst>
-                              <p:par>
-                                <p:cTn id="11" presetID="1" presetClass="entr" presetSubtype="0" fill="hold" nodeType="clickEffect">
-                                  <p:stCondLst>
-                                    <p:cond delay="0"/>
-                                  </p:stCondLst>
-                                  <p:childTnLst>
-                                    <p:set>
-                                      <p:cBhvr>
-                                        <p:cTn id="12" dur="1" fill="hold">
-                                          <p:stCondLst>
-                                            <p:cond delay="0"/>
-                                          </p:stCondLst>
-                                        </p:cTn>
-                                        <p:tgtEl>
-                                          <p:spTgt spid="4">
-                                            <p:txEl>
-                                              <p:pRg st="6" end="6"/>
-                                            </p:txEl>
-                                          </p:spTgt>
-                                        </p:tgtEl>
-                                        <p:attrNameLst>
-                                          <p:attrName>style.visibility</p:attrName>
-                                        </p:attrNameLst>
-                                      </p:cBhvr>
-                                      <p:to>
-                                        <p:strVal val="visible"/>
-                                      </p:to>
-                                    </p:set>
-                                  </p:childTnLst>
-                                </p:cTn>
-                              </p:par>
-                              <p:par>
-                                <p:cTn id="13" presetID="1" presetClass="entr" presetSubtype="0" fill="hold" nodeType="withEffect">
-                                  <p:stCondLst>
-                                    <p:cond delay="0"/>
-                                  </p:stCondLst>
-                                  <p:childTnLst>
-                                    <p:set>
-                                      <p:cBhvr>
-                                        <p:cTn id="14" dur="1" fill="hold">
-                                          <p:stCondLst>
-                                            <p:cond delay="0"/>
-                                          </p:stCondLst>
-                                        </p:cTn>
-                                        <p:tgtEl>
-                                          <p:spTgt spid="4">
-                                            <p:txEl>
-                                              <p:pRg st="7" end="7"/>
-                                            </p:txEl>
-                                          </p:spTgt>
-                                        </p:tgtEl>
-                                        <p:attrNameLst>
-                                          <p:attrName>style.visibility</p:attrName>
-                                        </p:attrNameLst>
-                                      </p:cBhvr>
-                                      <p:to>
-                                        <p:strVal val="visible"/>
-                                      </p:to>
-                                    </p:set>
-                                  </p:childTnLst>
-                                </p:cTn>
-                              </p:par>
-                            </p:childTnLst>
-                          </p:cTn>
-                        </p:par>
-                      </p:childTnLst>
-                    </p:cTn>
-                  </p:par>
-                  <p:par>
-                    <p:cTn id="15" fill="hold">
-                      <p:stCondLst>
-                        <p:cond delay="indefinite"/>
-                      </p:stCondLst>
-                      <p:childTnLst>
-                        <p:par>
-                          <p:cTn id="16" fill="hold">
-                            <p:stCondLst>
-                              <p:cond delay="0"/>
-                            </p:stCondLst>
-                            <p:childTnLst>
-                              <p:par>
-                                <p:cTn id="17" presetID="1" presetClass="entr" presetSubtype="0" fill="hold" nodeType="clickEffect">
-                                  <p:stCondLst>
-                                    <p:cond delay="0"/>
-                                  </p:stCondLst>
-                                  <p:childTnLst>
-                                    <p:set>
-                                      <p:cBhvr>
-                                        <p:cTn id="18" dur="1" fill="hold">
-                                          <p:stCondLst>
-                                            <p:cond delay="0"/>
-                                          </p:stCondLst>
-                                        </p:cTn>
-                                        <p:tgtEl>
-                                          <p:spTgt spid="4">
-                                            <p:txEl>
-                                              <p:pRg st="10" end="10"/>
-                                            </p:txEl>
-                                          </p:spTgt>
-                                        </p:tgtEl>
-                                        <p:attrNameLst>
-                                          <p:attrName>style.visibility</p:attrName>
-                                        </p:attrNameLst>
-                                      </p:cBhvr>
-                                      <p:to>
-                                        <p:strVal val="visible"/>
-                                      </p:to>
-                                    </p:set>
-                                  </p:childTnLst>
-                                </p:cTn>
-                              </p:par>
-                              <p:par>
-                                <p:cTn id="19" presetID="1" presetClass="entr" presetSubtype="0" fill="hold" nodeType="withEffect">
-                                  <p:stCondLst>
-                                    <p:cond delay="0"/>
-                                  </p:stCondLst>
-                                  <p:childTnLst>
-                                    <p:set>
-                                      <p:cBhvr>
-                                        <p:cTn id="20" dur="1" fill="hold">
-                                          <p:stCondLst>
-                                            <p:cond delay="0"/>
-                                          </p:stCondLst>
-                                        </p:cTn>
-                                        <p:tgtEl>
-                                          <p:spTgt spid="4">
-                                            <p:txEl>
-                                              <p:pRg st="11" end="11"/>
-                                            </p:txEl>
-                                          </p:spTgt>
-                                        </p:tgtEl>
-                                        <p:attrNameLst>
-                                          <p:attrName>style.visibility</p:attrName>
-                                        </p:attrNameLst>
-                                      </p:cBhvr>
-                                      <p:to>
-                                        <p:strVal val="visible"/>
-                                      </p:to>
-                                    </p:set>
-                                  </p:childTnLst>
-                                </p:cTn>
-                              </p:par>
-                            </p:childTnLst>
-                          </p:cTn>
-                        </p:par>
-                      </p:childTnLst>
-                    </p:cTn>
-                  </p:par>
-                  <p:par>
-                    <p:cTn id="21" fill="hold">
-                      <p:stCondLst>
-                        <p:cond delay="indefinite"/>
-                      </p:stCondLst>
-                      <p:childTnLst>
-                        <p:par>
-                          <p:cTn id="22" fill="hold">
-                            <p:stCondLst>
-                              <p:cond delay="0"/>
-                            </p:stCondLst>
-                            <p:childTnLst>
-                              <p:par>
-                                <p:cTn id="23" presetID="1" presetClass="entr" presetSubtype="0" fill="hold" nodeType="clickEffect">
-                                  <p:stCondLst>
-                                    <p:cond delay="0"/>
-                                  </p:stCondLst>
-                                  <p:childTnLst>
-                                    <p:set>
-                                      <p:cBhvr>
-                                        <p:cTn id="24" dur="1" fill="hold">
-                                          <p:stCondLst>
-                                            <p:cond delay="0"/>
-                                          </p:stCondLst>
-                                        </p:cTn>
-                                        <p:tgtEl>
-                                          <p:spTgt spid="4">
-                                            <p:txEl>
-                                              <p:pRg st="13" end="13"/>
-                                            </p:txEl>
-                                          </p:spTgt>
-                                        </p:tgtEl>
-                                        <p:attrNameLst>
-                                          <p:attrName>style.visibility</p:attrName>
-                                        </p:attrNameLst>
-                                      </p:cBhvr>
-                                      <p:to>
-                                        <p:strVal val="visible"/>
-                                      </p:to>
-                                    </p:set>
-                                  </p:childTnLst>
-                                </p:cTn>
-                              </p:par>
-                              <p:par>
-                                <p:cTn id="25" presetID="1" presetClass="entr" presetSubtype="0" fill="hold" nodeType="withEffect">
-                                  <p:stCondLst>
-                                    <p:cond delay="0"/>
-                                  </p:stCondLst>
-                                  <p:childTnLst>
-                                    <p:set>
-                                      <p:cBhvr>
-                                        <p:cTn id="26" dur="1" fill="hold">
-                                          <p:stCondLst>
-                                            <p:cond delay="0"/>
-                                          </p:stCondLst>
-                                        </p:cTn>
-                                        <p:tgtEl>
-                                          <p:spTgt spid="4">
-                                            <p:txEl>
-                                              <p:pRg st="14" end="14"/>
-                                            </p:txEl>
-                                          </p:spTgt>
-                                        </p:tgtEl>
-                                        <p:attrNameLst>
-                                          <p:attrName>style.visibility</p:attrName>
-                                        </p:attrNameLst>
-                                      </p:cBhvr>
-                                      <p:to>
-                                        <p:strVal val="visible"/>
-                                      </p:to>
-                                    </p:set>
-                                  </p:childTnLst>
-                                </p:cTn>
-                              </p:par>
-                              <p:par>
-                                <p:cTn id="27" presetID="1" presetClass="entr" presetSubtype="0" fill="hold" nodeType="withEffect">
-                                  <p:stCondLst>
-                                    <p:cond delay="0"/>
-                                  </p:stCondLst>
-                                  <p:childTnLst>
-                                    <p:set>
-                                      <p:cBhvr>
-                                        <p:cTn id="28" dur="1" fill="hold">
-                                          <p:stCondLst>
-                                            <p:cond delay="0"/>
-                                          </p:stCondLst>
-                                        </p:cTn>
-                                        <p:tgtEl>
-                                          <p:spTgt spid="4">
-                                            <p:txEl>
-                                              <p:pRg st="15" end="15"/>
-                                            </p:txEl>
-                                          </p:spTgt>
-                                        </p:tgtEl>
-                                        <p:attrNameLst>
-                                          <p:attrName>style.visibility</p:attrName>
-                                        </p:attrNameLst>
-                                      </p:cBhvr>
-                                      <p:to>
-                                        <p:strVal val="visible"/>
-                                      </p:to>
-                                    </p:set>
-                                  </p:childTnLst>
-                                </p:cTn>
-                              </p:par>
-                            </p:childTnLst>
-                          </p:cTn>
-                        </p:par>
-                      </p:childTnLst>
-                    </p:cTn>
-                  </p:par>
-                </p:childTnLst>
-              </p:cTn>
-              <p:prevCondLst>
-                <p:cond evt="onPrev" delay="0">
-                  <p:tgtEl>
-                    <p:sldTgt/>
-                  </p:tgtEl>
-                </p:cond>
-              </p:prevCondLst>
-              <p:nextCondLst>
-                <p:cond evt="onNext" delay="0">
-                  <p:tgtEl>
-                    <p:sldTgt/>
-                  </p:tgtEl>
-                </p:cond>
-              </p:nextCondLst>
-            </p:seq>
-          </p:childTnLst>
-        </p:cTn>
       </p:par>
     </p:tnLst>
   </p:timing>
@@ -14705,1283 +11462,6 @@
     <p:tnLst>
       <p:par>
         <p:cTn id="1" dur="indefinite" restart="never" nodeType="tmRoot"/>
-      </p:par>
-    </p:tnLst>
-  </p:timing>
-</p:sld>
-</file>
-
-<file path=ppt/slides/slide30.xml><?xml version="1.0" encoding="utf-8"?>
-<p:sld xmlns:a="http://schemas.openxmlformats.org/drawingml/2006/main" xmlns:r="http://schemas.openxmlformats.org/officeDocument/2006/relationships" xmlns:p="http://schemas.openxmlformats.org/presentationml/2006/main">
-  <p:cSld>
-    <p:spTree>
-      <p:nvGrpSpPr>
-        <p:cNvPr id="1" name=""/>
-        <p:cNvGrpSpPr/>
-        <p:nvPr/>
-      </p:nvGrpSpPr>
-      <p:grpSpPr>
-        <a:xfrm>
-          <a:off x="0" y="0"/>
-          <a:ext cx="0" cy="0"/>
-          <a:chOff x="0" y="0"/>
-          <a:chExt cx="0" cy="0"/>
-        </a:xfrm>
-      </p:grpSpPr>
-      <p:sp>
-        <p:nvSpPr>
-          <p:cNvPr id="2" name="Title 1"/>
-          <p:cNvSpPr>
-            <a:spLocks noGrp="1"/>
-          </p:cNvSpPr>
-          <p:nvPr>
-            <p:ph type="title"/>
-          </p:nvPr>
-        </p:nvSpPr>
-        <p:spPr/>
-        <p:txBody>
-          <a:bodyPr/>
-          <a:lstStyle/>
-          <a:p>
-            <a:r>
-              <a:rPr lang="en-US" dirty="0" smtClean="0"/>
-              <a:t>A note on whitespace</a:t>
-            </a:r>
-            <a:endParaRPr lang="en-US" dirty="0"/>
-          </a:p>
-        </p:txBody>
-      </p:sp>
-      <p:graphicFrame>
-        <p:nvGraphicFramePr>
-          <p:cNvPr id="4" name="Content Placeholder 3"/>
-          <p:cNvGraphicFramePr>
-            <a:graphicFrameLocks noGrp="1"/>
-          </p:cNvGraphicFramePr>
-          <p:nvPr>
-            <p:ph idx="1"/>
-            <p:extLst>
-              <p:ext uri="{D42A27DB-BD31-4B8C-83A1-F6EECF244321}">
-                <p14:modId xmlns:p14="http://schemas.microsoft.com/office/powerpoint/2010/main" val="707315200"/>
-              </p:ext>
-            </p:extLst>
-          </p:nvPr>
-        </p:nvGraphicFramePr>
-        <p:xfrm>
-          <a:off x="1525834" y="1906836"/>
-          <a:ext cx="5670016" cy="1854200"/>
-        </p:xfrm>
-        <a:graphic>
-          <a:graphicData uri="http://schemas.openxmlformats.org/drawingml/2006/table">
-            <a:tbl>
-              <a:tblPr firstRow="1" bandRow="1">
-                <a:tableStyleId>{5C22544A-7EE6-4342-B048-85BDC9FD1C3A}</a:tableStyleId>
-              </a:tblPr>
-              <a:tblGrid>
-                <a:gridCol w="1525838"/>
-                <a:gridCol w="4144178"/>
-              </a:tblGrid>
-              <a:tr h="370840">
-                <a:tc>
-                  <a:txBody>
-                    <a:bodyPr/>
-                    <a:lstStyle/>
-                    <a:p>
-                      <a:r>
-                        <a:rPr lang="en-US" dirty="0" smtClean="0"/>
-                        <a:t>Symbol</a:t>
-                      </a:r>
-                      <a:endParaRPr lang="en-US" dirty="0"/>
-                    </a:p>
-                  </a:txBody>
-                  <a:tcPr/>
-                </a:tc>
-                <a:tc>
-                  <a:txBody>
-                    <a:bodyPr/>
-                    <a:lstStyle/>
-                    <a:p>
-                      <a:r>
-                        <a:rPr lang="en-US" dirty="0" smtClean="0"/>
-                        <a:t>Meaning</a:t>
-                      </a:r>
-                      <a:endParaRPr lang="en-US" dirty="0"/>
-                    </a:p>
-                  </a:txBody>
-                  <a:tcPr/>
-                </a:tc>
-              </a:tr>
-              <a:tr h="370840">
-                <a:tc>
-                  <a:txBody>
-                    <a:bodyPr/>
-                    <a:lstStyle/>
-                    <a:p>
-                      <a:r>
-                        <a:rPr lang="en-US" dirty="0" smtClean="0">
-                          <a:latin typeface="Monaco" charset="0"/>
-                          <a:ea typeface="Monaco" charset="0"/>
-                          <a:cs typeface="Monaco" charset="0"/>
-                        </a:rPr>
-                        <a:t>\s</a:t>
-                      </a:r>
-                      <a:endParaRPr lang="en-US" dirty="0">
-                        <a:latin typeface="Monaco" charset="0"/>
-                        <a:ea typeface="Monaco" charset="0"/>
-                        <a:cs typeface="Monaco" charset="0"/>
-                      </a:endParaRPr>
-                    </a:p>
-                  </a:txBody>
-                  <a:tcPr/>
-                </a:tc>
-                <a:tc>
-                  <a:txBody>
-                    <a:bodyPr/>
-                    <a:lstStyle/>
-                    <a:p>
-                      <a:r>
-                        <a:rPr lang="en-US" dirty="0" smtClean="0"/>
-                        <a:t>Single space</a:t>
-                      </a:r>
-                      <a:endParaRPr lang="en-US" dirty="0"/>
-                    </a:p>
-                  </a:txBody>
-                  <a:tcPr/>
-                </a:tc>
-              </a:tr>
-              <a:tr h="370840">
-                <a:tc>
-                  <a:txBody>
-                    <a:bodyPr/>
-                    <a:lstStyle/>
-                    <a:p>
-                      <a:r>
-                        <a:rPr lang="en-US" dirty="0" smtClean="0">
-                          <a:latin typeface="Monaco" charset="0"/>
-                          <a:ea typeface="Monaco" charset="0"/>
-                          <a:cs typeface="Monaco" charset="0"/>
-                        </a:rPr>
-                        <a:t>\t</a:t>
-                      </a:r>
-                      <a:endParaRPr lang="en-US" dirty="0">
-                        <a:latin typeface="Monaco" charset="0"/>
-                        <a:ea typeface="Monaco" charset="0"/>
-                        <a:cs typeface="Monaco" charset="0"/>
-                      </a:endParaRPr>
-                    </a:p>
-                  </a:txBody>
-                  <a:tcPr/>
-                </a:tc>
-                <a:tc>
-                  <a:txBody>
-                    <a:bodyPr/>
-                    <a:lstStyle/>
-                    <a:p>
-                      <a:r>
-                        <a:rPr lang="en-US" dirty="0" smtClean="0"/>
-                        <a:t>Tab</a:t>
-                      </a:r>
-                      <a:endParaRPr lang="en-US" dirty="0"/>
-                    </a:p>
-                  </a:txBody>
-                  <a:tcPr/>
-                </a:tc>
-              </a:tr>
-              <a:tr h="370840">
-                <a:tc>
-                  <a:txBody>
-                    <a:bodyPr/>
-                    <a:lstStyle/>
-                    <a:p>
-                      <a:r>
-                        <a:rPr lang="en-US" dirty="0" smtClean="0">
-                          <a:latin typeface="Monaco" charset="0"/>
-                          <a:ea typeface="Monaco" charset="0"/>
-                          <a:cs typeface="Monaco" charset="0"/>
-                        </a:rPr>
-                        <a:t>\n</a:t>
-                      </a:r>
-                      <a:endParaRPr lang="en-US" dirty="0">
-                        <a:latin typeface="Monaco" charset="0"/>
-                        <a:ea typeface="Monaco" charset="0"/>
-                        <a:cs typeface="Monaco" charset="0"/>
-                      </a:endParaRPr>
-                    </a:p>
-                  </a:txBody>
-                  <a:tcPr/>
-                </a:tc>
-                <a:tc>
-                  <a:txBody>
-                    <a:bodyPr/>
-                    <a:lstStyle/>
-                    <a:p>
-                      <a:r>
-                        <a:rPr lang="en-US" dirty="0" smtClean="0"/>
-                        <a:t>Newline</a:t>
-                      </a:r>
-                      <a:endParaRPr lang="en-US" dirty="0"/>
-                    </a:p>
-                  </a:txBody>
-                  <a:tcPr/>
-                </a:tc>
-              </a:tr>
-              <a:tr h="370840">
-                <a:tc>
-                  <a:txBody>
-                    <a:bodyPr/>
-                    <a:lstStyle/>
-                    <a:p>
-                      <a:r>
-                        <a:rPr lang="en-US" dirty="0" smtClean="0">
-                          <a:latin typeface="Monaco" charset="0"/>
-                          <a:ea typeface="Monaco" charset="0"/>
-                          <a:cs typeface="Monaco" charset="0"/>
-                        </a:rPr>
-                        <a:t>\r</a:t>
-                      </a:r>
-                      <a:endParaRPr lang="en-US" dirty="0">
-                        <a:latin typeface="Monaco" charset="0"/>
-                        <a:ea typeface="Monaco" charset="0"/>
-                        <a:cs typeface="Monaco" charset="0"/>
-                      </a:endParaRPr>
-                    </a:p>
-                  </a:txBody>
-                  <a:tcPr/>
-                </a:tc>
-                <a:tc>
-                  <a:txBody>
-                    <a:bodyPr/>
-                    <a:lstStyle/>
-                    <a:p>
-                      <a:r>
-                        <a:rPr lang="en-US" dirty="0" smtClean="0"/>
-                        <a:t>Return character (mostly on Windows)</a:t>
-                      </a:r>
-                      <a:endParaRPr lang="en-US" dirty="0"/>
-                    </a:p>
-                  </a:txBody>
-                  <a:tcPr/>
-                </a:tc>
-              </a:tr>
-            </a:tbl>
-          </a:graphicData>
-        </a:graphic>
-      </p:graphicFrame>
-    </p:spTree>
-    <p:extLst>
-      <p:ext uri="{BB962C8B-B14F-4D97-AF65-F5344CB8AC3E}">
-        <p14:creationId xmlns:p14="http://schemas.microsoft.com/office/powerpoint/2010/main" val="204267281"/>
-      </p:ext>
-    </p:extLst>
-  </p:cSld>
-  <p:clrMapOvr>
-    <a:masterClrMapping/>
-  </p:clrMapOvr>
-  <p:timing>
-    <p:tnLst>
-      <p:par>
-        <p:cTn id="1" dur="indefinite" restart="never" nodeType="tmRoot"/>
-      </p:par>
-    </p:tnLst>
-  </p:timing>
-</p:sld>
-</file>
-
-<file path=ppt/slides/slide31.xml><?xml version="1.0" encoding="utf-8"?>
-<p:sld xmlns:a="http://schemas.openxmlformats.org/drawingml/2006/main" xmlns:r="http://schemas.openxmlformats.org/officeDocument/2006/relationships" xmlns:p="http://schemas.openxmlformats.org/presentationml/2006/main">
-  <p:cSld>
-    <p:spTree>
-      <p:nvGrpSpPr>
-        <p:cNvPr id="1" name=""/>
-        <p:cNvGrpSpPr/>
-        <p:nvPr/>
-      </p:nvGrpSpPr>
-      <p:grpSpPr>
-        <a:xfrm>
-          <a:off x="0" y="0"/>
-          <a:ext cx="0" cy="0"/>
-          <a:chOff x="0" y="0"/>
-          <a:chExt cx="0" cy="0"/>
-        </a:xfrm>
-      </p:grpSpPr>
-      <p:sp>
-        <p:nvSpPr>
-          <p:cNvPr id="2" name="Title 1"/>
-          <p:cNvSpPr>
-            <a:spLocks noGrp="1"/>
-          </p:cNvSpPr>
-          <p:nvPr>
-            <p:ph type="title"/>
-          </p:nvPr>
-        </p:nvSpPr>
-        <p:spPr/>
-        <p:txBody>
-          <a:bodyPr/>
-          <a:lstStyle/>
-          <a:p>
-            <a:r>
-              <a:rPr lang="en-US" dirty="0" smtClean="0"/>
-              <a:t>.</a:t>
-            </a:r>
-            <a:r>
-              <a:rPr lang="en-US" dirty="0" err="1" smtClean="0"/>
-              <a:t>Startswith</a:t>
-            </a:r>
-            <a:r>
-              <a:rPr lang="en-US" dirty="0" smtClean="0"/>
-              <a:t>() and .</a:t>
-            </a:r>
-            <a:r>
-              <a:rPr lang="en-US" dirty="0" err="1" smtClean="0"/>
-              <a:t>endswith</a:t>
-            </a:r>
-            <a:r>
-              <a:rPr lang="en-US" dirty="0" smtClean="0"/>
-              <a:t>()</a:t>
-            </a:r>
-            <a:endParaRPr lang="en-US" dirty="0"/>
-          </a:p>
-        </p:txBody>
-      </p:sp>
-      <p:sp>
-        <p:nvSpPr>
-          <p:cNvPr id="4" name="TextBox 3"/>
-          <p:cNvSpPr txBox="1"/>
-          <p:nvPr/>
-        </p:nvSpPr>
-        <p:spPr>
-          <a:xfrm>
-            <a:off x="457199" y="1558432"/>
-            <a:ext cx="8338444" cy="4801314"/>
-          </a:xfrm>
-          <a:prstGeom prst="rect">
-            <a:avLst/>
-          </a:prstGeom>
-          <a:noFill/>
-        </p:spPr>
-        <p:txBody>
-          <a:bodyPr wrap="square" rtlCol="0">
-            <a:spAutoFit/>
-          </a:bodyPr>
-          <a:lstStyle/>
-          <a:p>
-            <a:r>
-              <a:rPr lang="en-US" dirty="0" err="1" smtClean="0">
-                <a:latin typeface="Monaco"/>
-                <a:cs typeface="Monaco"/>
-              </a:rPr>
-              <a:t>mystring</a:t>
-            </a:r>
-            <a:r>
-              <a:rPr lang="en-US" dirty="0" smtClean="0">
-                <a:latin typeface="Monaco"/>
-                <a:cs typeface="Monaco"/>
-              </a:rPr>
-              <a:t> = "Hello this is a string"</a:t>
-            </a:r>
-          </a:p>
-          <a:p>
-            <a:endParaRPr lang="en-US" dirty="0">
-              <a:latin typeface="Monaco"/>
-              <a:cs typeface="Monaco"/>
-            </a:endParaRPr>
-          </a:p>
-          <a:p>
-            <a:r>
-              <a:rPr lang="en-US" dirty="0" smtClean="0">
-                <a:latin typeface="Monaco"/>
-                <a:cs typeface="Monaco"/>
-              </a:rPr>
-              <a:t>print(</a:t>
-            </a:r>
-            <a:r>
-              <a:rPr lang="en-US" dirty="0" err="1" smtClean="0">
-                <a:latin typeface="Monaco"/>
-                <a:cs typeface="Monaco"/>
-              </a:rPr>
-              <a:t>mystring</a:t>
-            </a:r>
-            <a:r>
-              <a:rPr lang="en-US" dirty="0" err="1" smtClean="0">
-                <a:solidFill>
-                  <a:schemeClr val="accent5"/>
-                </a:solidFill>
-                <a:latin typeface="Monaco"/>
-                <a:cs typeface="Monaco"/>
-              </a:rPr>
-              <a:t>.startswith</a:t>
-            </a:r>
-            <a:r>
-              <a:rPr lang="en-US" dirty="0" smtClean="0">
-                <a:solidFill>
-                  <a:schemeClr val="accent5"/>
-                </a:solidFill>
-                <a:latin typeface="Monaco"/>
-                <a:cs typeface="Monaco"/>
-              </a:rPr>
-              <a:t>("H")</a:t>
-            </a:r>
-            <a:r>
-              <a:rPr lang="en-US" dirty="0" smtClean="0">
-                <a:latin typeface="Monaco"/>
-                <a:cs typeface="Monaco"/>
-              </a:rPr>
-              <a:t>)</a:t>
-            </a:r>
-          </a:p>
-          <a:p>
-            <a:r>
-              <a:rPr lang="en-US" dirty="0">
-                <a:solidFill>
-                  <a:schemeClr val="bg1">
-                    <a:lumMod val="65000"/>
-                  </a:schemeClr>
-                </a:solidFill>
-                <a:latin typeface="Monaco"/>
-                <a:cs typeface="Monaco"/>
-              </a:rPr>
-              <a:t>	</a:t>
-            </a:r>
-            <a:r>
-              <a:rPr lang="en-US" dirty="0" smtClean="0">
-                <a:solidFill>
-                  <a:schemeClr val="bg1">
-                    <a:lumMod val="65000"/>
-                  </a:schemeClr>
-                </a:solidFill>
-                <a:latin typeface="Monaco"/>
-                <a:cs typeface="Monaco"/>
-              </a:rPr>
-              <a:t>True</a:t>
-            </a:r>
-            <a:endParaRPr lang="en-US" dirty="0">
-              <a:latin typeface="Monaco"/>
-              <a:cs typeface="Monaco"/>
-            </a:endParaRPr>
-          </a:p>
-          <a:p>
-            <a:endParaRPr lang="en-US" dirty="0" smtClean="0">
-              <a:latin typeface="Monaco"/>
-              <a:cs typeface="Monaco"/>
-            </a:endParaRPr>
-          </a:p>
-          <a:p>
-            <a:r>
-              <a:rPr lang="en-US" dirty="0" smtClean="0">
-                <a:latin typeface="Monaco"/>
-                <a:cs typeface="Monaco"/>
-              </a:rPr>
-              <a:t>print(</a:t>
-            </a:r>
-            <a:r>
-              <a:rPr lang="en-US" dirty="0" err="1" smtClean="0">
-                <a:latin typeface="Monaco"/>
-                <a:cs typeface="Monaco"/>
-              </a:rPr>
-              <a:t>mystring</a:t>
-            </a:r>
-            <a:r>
-              <a:rPr lang="en-US" dirty="0" err="1" smtClean="0">
-                <a:solidFill>
-                  <a:schemeClr val="accent5"/>
-                </a:solidFill>
-                <a:latin typeface="Monaco"/>
-                <a:cs typeface="Monaco"/>
-              </a:rPr>
-              <a:t>.endswith</a:t>
-            </a:r>
-            <a:r>
-              <a:rPr lang="en-US" dirty="0" smtClean="0">
-                <a:solidFill>
-                  <a:schemeClr val="accent5"/>
-                </a:solidFill>
-                <a:latin typeface="Monaco"/>
-                <a:cs typeface="Monaco"/>
-              </a:rPr>
-              <a:t>("g")</a:t>
-            </a:r>
-            <a:r>
-              <a:rPr lang="en-US" dirty="0" smtClean="0">
-                <a:latin typeface="Monaco"/>
-                <a:cs typeface="Monaco"/>
-              </a:rPr>
-              <a:t>)</a:t>
-            </a:r>
-            <a:endParaRPr lang="en-US" dirty="0" smtClean="0">
-              <a:solidFill>
-                <a:schemeClr val="accent5"/>
-              </a:solidFill>
-              <a:latin typeface="Monaco"/>
-              <a:cs typeface="Monaco"/>
-            </a:endParaRPr>
-          </a:p>
-          <a:p>
-            <a:r>
-              <a:rPr lang="en-US" dirty="0" smtClean="0">
-                <a:solidFill>
-                  <a:schemeClr val="bg1">
-                    <a:lumMod val="65000"/>
-                  </a:schemeClr>
-                </a:solidFill>
-                <a:latin typeface="Monaco"/>
-                <a:cs typeface="Monaco"/>
-              </a:rPr>
-              <a:t>	True</a:t>
-            </a:r>
-          </a:p>
-          <a:p>
-            <a:endParaRPr lang="en-US" dirty="0" smtClean="0">
-              <a:solidFill>
-                <a:schemeClr val="bg1">
-                  <a:lumMod val="65000"/>
-                </a:schemeClr>
-              </a:solidFill>
-              <a:latin typeface="Monaco"/>
-              <a:cs typeface="Monaco"/>
-            </a:endParaRPr>
-          </a:p>
-          <a:p>
-            <a:r>
-              <a:rPr lang="en-US" dirty="0" smtClean="0">
-                <a:latin typeface="Monaco"/>
-                <a:cs typeface="Monaco"/>
-              </a:rPr>
-              <a:t>print(</a:t>
-            </a:r>
-            <a:r>
-              <a:rPr lang="en-US" dirty="0" err="1" smtClean="0">
-                <a:latin typeface="Monaco"/>
-                <a:cs typeface="Monaco"/>
-              </a:rPr>
-              <a:t>mystring</a:t>
-            </a:r>
-            <a:r>
-              <a:rPr lang="en-US" dirty="0" err="1" smtClean="0">
-                <a:solidFill>
-                  <a:schemeClr val="accent5"/>
-                </a:solidFill>
-                <a:latin typeface="Monaco"/>
-                <a:cs typeface="Monaco"/>
-              </a:rPr>
-              <a:t>.startswith</a:t>
-            </a:r>
-            <a:r>
-              <a:rPr lang="en-US" dirty="0" smtClean="0">
-                <a:solidFill>
-                  <a:schemeClr val="accent5"/>
-                </a:solidFill>
-                <a:latin typeface="Monaco"/>
-                <a:cs typeface="Monaco"/>
-              </a:rPr>
-              <a:t>("Hello")</a:t>
-            </a:r>
-            <a:r>
-              <a:rPr lang="en-US" dirty="0" smtClean="0">
-                <a:latin typeface="Monaco"/>
-                <a:cs typeface="Monaco"/>
-              </a:rPr>
-              <a:t>)</a:t>
-            </a:r>
-            <a:endParaRPr lang="en-US" dirty="0">
-              <a:solidFill>
-                <a:schemeClr val="accent5"/>
-              </a:solidFill>
-              <a:latin typeface="Monaco"/>
-              <a:cs typeface="Monaco"/>
-            </a:endParaRPr>
-          </a:p>
-          <a:p>
-            <a:r>
-              <a:rPr lang="en-US" dirty="0">
-                <a:solidFill>
-                  <a:schemeClr val="bg1">
-                    <a:lumMod val="65000"/>
-                  </a:schemeClr>
-                </a:solidFill>
-                <a:latin typeface="Monaco"/>
-                <a:cs typeface="Monaco"/>
-              </a:rPr>
-              <a:t>	True</a:t>
-            </a:r>
-          </a:p>
-          <a:p>
-            <a:r>
-              <a:rPr lang="en-US" dirty="0">
-                <a:latin typeface="Monaco"/>
-                <a:cs typeface="Monaco"/>
-              </a:rPr>
-              <a:t>print(</a:t>
-            </a:r>
-            <a:r>
-              <a:rPr lang="en-US" dirty="0" err="1">
-                <a:latin typeface="Monaco"/>
-                <a:cs typeface="Monaco"/>
-              </a:rPr>
-              <a:t>mystring</a:t>
-            </a:r>
-            <a:r>
-              <a:rPr lang="en-US" dirty="0" err="1">
-                <a:solidFill>
-                  <a:schemeClr val="accent5"/>
-                </a:solidFill>
-                <a:latin typeface="Monaco"/>
-                <a:cs typeface="Monaco"/>
-              </a:rPr>
-              <a:t>.startswith</a:t>
-            </a:r>
-            <a:r>
-              <a:rPr lang="en-US" dirty="0" smtClean="0">
-                <a:solidFill>
-                  <a:schemeClr val="accent5"/>
-                </a:solidFill>
-                <a:latin typeface="Monaco"/>
-                <a:cs typeface="Monaco"/>
-              </a:rPr>
-              <a:t>("badgers")</a:t>
-            </a:r>
-            <a:r>
-              <a:rPr lang="en-US" dirty="0" smtClean="0">
-                <a:latin typeface="Monaco"/>
-                <a:cs typeface="Monaco"/>
-              </a:rPr>
-              <a:t>)</a:t>
-            </a:r>
-            <a:endParaRPr lang="en-US" dirty="0">
-              <a:solidFill>
-                <a:schemeClr val="accent5"/>
-              </a:solidFill>
-              <a:latin typeface="Monaco"/>
-              <a:cs typeface="Monaco"/>
-            </a:endParaRPr>
-          </a:p>
-          <a:p>
-            <a:r>
-              <a:rPr lang="en-US" dirty="0">
-                <a:solidFill>
-                  <a:schemeClr val="bg1">
-                    <a:lumMod val="65000"/>
-                  </a:schemeClr>
-                </a:solidFill>
-                <a:latin typeface="Monaco"/>
-                <a:cs typeface="Monaco"/>
-              </a:rPr>
-              <a:t>	</a:t>
-            </a:r>
-            <a:r>
-              <a:rPr lang="en-US" dirty="0" smtClean="0">
-                <a:solidFill>
-                  <a:schemeClr val="bg1">
-                    <a:lumMod val="65000"/>
-                  </a:schemeClr>
-                </a:solidFill>
-                <a:latin typeface="Monaco"/>
-                <a:cs typeface="Monaco"/>
-              </a:rPr>
-              <a:t>False</a:t>
-            </a:r>
-            <a:endParaRPr lang="en-US" dirty="0">
-              <a:solidFill>
-                <a:schemeClr val="bg1">
-                  <a:lumMod val="65000"/>
-                </a:schemeClr>
-              </a:solidFill>
-              <a:latin typeface="Monaco"/>
-              <a:cs typeface="Monaco"/>
-            </a:endParaRPr>
-          </a:p>
-          <a:p>
-            <a:endParaRPr lang="en-US" dirty="0" smtClean="0">
-              <a:latin typeface="Monaco"/>
-              <a:cs typeface="Monaco"/>
-            </a:endParaRPr>
-          </a:p>
-          <a:p>
-            <a:r>
-              <a:rPr lang="en-US" dirty="0" smtClean="0">
-                <a:solidFill>
-                  <a:schemeClr val="accent3">
-                    <a:lumMod val="60000"/>
-                    <a:lumOff val="40000"/>
-                  </a:schemeClr>
-                </a:solidFill>
-                <a:latin typeface="Monaco"/>
-                <a:cs typeface="Monaco"/>
-              </a:rPr>
-              <a:t># Useful for file parsing!! </a:t>
-            </a:r>
-          </a:p>
-          <a:p>
-            <a:r>
-              <a:rPr lang="en-US" dirty="0" smtClean="0">
-                <a:latin typeface="Monaco"/>
-                <a:cs typeface="Monaco"/>
-              </a:rPr>
-              <a:t>for line in </a:t>
-            </a:r>
-            <a:r>
-              <a:rPr lang="en-US" dirty="0" err="1" smtClean="0">
-                <a:latin typeface="Monaco"/>
-                <a:cs typeface="Monaco"/>
-              </a:rPr>
-              <a:t>file_lines</a:t>
-            </a:r>
-            <a:r>
-              <a:rPr lang="en-US" dirty="0" smtClean="0">
-                <a:latin typeface="Monaco"/>
-                <a:cs typeface="Monaco"/>
-              </a:rPr>
-              <a:t>:</a:t>
-            </a:r>
-          </a:p>
-          <a:p>
-            <a:r>
-              <a:rPr lang="en-US" dirty="0">
-                <a:latin typeface="Monaco"/>
-                <a:cs typeface="Monaco"/>
-              </a:rPr>
-              <a:t>	</a:t>
-            </a:r>
-            <a:r>
-              <a:rPr lang="en-US" dirty="0" smtClean="0">
-                <a:latin typeface="Monaco"/>
-                <a:cs typeface="Monaco"/>
-              </a:rPr>
-              <a:t>if </a:t>
-            </a:r>
-            <a:r>
-              <a:rPr lang="en-US" dirty="0" err="1" smtClean="0">
-                <a:latin typeface="Monaco"/>
-                <a:cs typeface="Monaco"/>
-              </a:rPr>
-              <a:t>line.startswith</a:t>
-            </a:r>
-            <a:r>
-              <a:rPr lang="en-US" dirty="0" smtClean="0">
-                <a:latin typeface="Monaco"/>
-                <a:cs typeface="Monaco"/>
-              </a:rPr>
-              <a:t>("some important thing"):</a:t>
-            </a:r>
-          </a:p>
-          <a:p>
-            <a:r>
-              <a:rPr lang="en-US" dirty="0">
-                <a:solidFill>
-                  <a:schemeClr val="accent3">
-                    <a:lumMod val="60000"/>
-                    <a:lumOff val="40000"/>
-                  </a:schemeClr>
-                </a:solidFill>
-                <a:latin typeface="Monaco"/>
-                <a:cs typeface="Monaco"/>
-              </a:rPr>
-              <a:t>	</a:t>
-            </a:r>
-            <a:r>
-              <a:rPr lang="en-US" dirty="0" smtClean="0">
-                <a:solidFill>
-                  <a:schemeClr val="accent3">
-                    <a:lumMod val="60000"/>
-                    <a:lumOff val="40000"/>
-                  </a:schemeClr>
-                </a:solidFill>
-                <a:latin typeface="Monaco"/>
-                <a:cs typeface="Monaco"/>
-              </a:rPr>
-              <a:t>	## do something with these lines only</a:t>
-            </a:r>
-            <a:endParaRPr lang="en-US" dirty="0" smtClean="0">
-              <a:solidFill>
-                <a:schemeClr val="bg1">
-                  <a:lumMod val="65000"/>
-                </a:schemeClr>
-              </a:solidFill>
-              <a:latin typeface="Monaco"/>
-              <a:cs typeface="Monaco"/>
-            </a:endParaRPr>
-          </a:p>
-        </p:txBody>
-      </p:sp>
-    </p:spTree>
-    <p:extLst>
-      <p:ext uri="{BB962C8B-B14F-4D97-AF65-F5344CB8AC3E}">
-        <p14:creationId xmlns:p14="http://schemas.microsoft.com/office/powerpoint/2010/main" val="1265822137"/>
-      </p:ext>
-    </p:extLst>
-  </p:cSld>
-  <p:clrMapOvr>
-    <a:masterClrMapping/>
-  </p:clrMapOvr>
-  <p:timing>
-    <p:tnLst>
-      <p:par>
-        <p:cTn id="1" dur="indefinite" restart="never" nodeType="tmRoot">
-          <p:childTnLst>
-            <p:seq concurrent="1" nextAc="seek">
-              <p:cTn id="2" dur="indefinite" nodeType="mainSeq">
-                <p:childTnLst>
-                  <p:par>
-                    <p:cTn id="3" fill="hold">
-                      <p:stCondLst>
-                        <p:cond delay="indefinite"/>
-                      </p:stCondLst>
-                      <p:childTnLst>
-                        <p:par>
-                          <p:cTn id="4" fill="hold">
-                            <p:stCondLst>
-                              <p:cond delay="0"/>
-                            </p:stCondLst>
-                            <p:childTnLst>
-                              <p:par>
-                                <p:cTn id="5" presetID="1" presetClass="entr" presetSubtype="0" fill="hold" nodeType="clickEffect">
-                                  <p:stCondLst>
-                                    <p:cond delay="0"/>
-                                  </p:stCondLst>
-                                  <p:childTnLst>
-                                    <p:set>
-                                      <p:cBhvr>
-                                        <p:cTn id="6" dur="1" fill="hold">
-                                          <p:stCondLst>
-                                            <p:cond delay="0"/>
-                                          </p:stCondLst>
-                                        </p:cTn>
-                                        <p:tgtEl>
-                                          <p:spTgt spid="4">
-                                            <p:txEl>
-                                              <p:pRg st="2" end="2"/>
-                                            </p:txEl>
-                                          </p:spTgt>
-                                        </p:tgtEl>
-                                        <p:attrNameLst>
-                                          <p:attrName>style.visibility</p:attrName>
-                                        </p:attrNameLst>
-                                      </p:cBhvr>
-                                      <p:to>
-                                        <p:strVal val="visible"/>
-                                      </p:to>
-                                    </p:set>
-                                  </p:childTnLst>
-                                </p:cTn>
-                              </p:par>
-                              <p:par>
-                                <p:cTn id="7" presetID="1" presetClass="entr" presetSubtype="0" fill="hold" nodeType="withEffect">
-                                  <p:stCondLst>
-                                    <p:cond delay="0"/>
-                                  </p:stCondLst>
-                                  <p:childTnLst>
-                                    <p:set>
-                                      <p:cBhvr>
-                                        <p:cTn id="8" dur="1" fill="hold">
-                                          <p:stCondLst>
-                                            <p:cond delay="0"/>
-                                          </p:stCondLst>
-                                        </p:cTn>
-                                        <p:tgtEl>
-                                          <p:spTgt spid="4">
-                                            <p:txEl>
-                                              <p:pRg st="3" end="3"/>
-                                            </p:txEl>
-                                          </p:spTgt>
-                                        </p:tgtEl>
-                                        <p:attrNameLst>
-                                          <p:attrName>style.visibility</p:attrName>
-                                        </p:attrNameLst>
-                                      </p:cBhvr>
-                                      <p:to>
-                                        <p:strVal val="visible"/>
-                                      </p:to>
-                                    </p:set>
-                                  </p:childTnLst>
-                                </p:cTn>
-                              </p:par>
-                            </p:childTnLst>
-                          </p:cTn>
-                        </p:par>
-                      </p:childTnLst>
-                    </p:cTn>
-                  </p:par>
-                  <p:par>
-                    <p:cTn id="9" fill="hold">
-                      <p:stCondLst>
-                        <p:cond delay="indefinite"/>
-                      </p:stCondLst>
-                      <p:childTnLst>
-                        <p:par>
-                          <p:cTn id="10" fill="hold">
-                            <p:stCondLst>
-                              <p:cond delay="0"/>
-                            </p:stCondLst>
-                            <p:childTnLst>
-                              <p:par>
-                                <p:cTn id="11" presetID="1" presetClass="entr" presetSubtype="0" fill="hold" nodeType="clickEffect">
-                                  <p:stCondLst>
-                                    <p:cond delay="0"/>
-                                  </p:stCondLst>
-                                  <p:childTnLst>
-                                    <p:set>
-                                      <p:cBhvr>
-                                        <p:cTn id="12" dur="1" fill="hold">
-                                          <p:stCondLst>
-                                            <p:cond delay="0"/>
-                                          </p:stCondLst>
-                                        </p:cTn>
-                                        <p:tgtEl>
-                                          <p:spTgt spid="4">
-                                            <p:txEl>
-                                              <p:pRg st="5" end="5"/>
-                                            </p:txEl>
-                                          </p:spTgt>
-                                        </p:tgtEl>
-                                        <p:attrNameLst>
-                                          <p:attrName>style.visibility</p:attrName>
-                                        </p:attrNameLst>
-                                      </p:cBhvr>
-                                      <p:to>
-                                        <p:strVal val="visible"/>
-                                      </p:to>
-                                    </p:set>
-                                  </p:childTnLst>
-                                </p:cTn>
-                              </p:par>
-                              <p:par>
-                                <p:cTn id="13" presetID="1" presetClass="entr" presetSubtype="0" fill="hold" nodeType="withEffect">
-                                  <p:stCondLst>
-                                    <p:cond delay="0"/>
-                                  </p:stCondLst>
-                                  <p:childTnLst>
-                                    <p:set>
-                                      <p:cBhvr>
-                                        <p:cTn id="14" dur="1" fill="hold">
-                                          <p:stCondLst>
-                                            <p:cond delay="0"/>
-                                          </p:stCondLst>
-                                        </p:cTn>
-                                        <p:tgtEl>
-                                          <p:spTgt spid="4">
-                                            <p:txEl>
-                                              <p:pRg st="6" end="6"/>
-                                            </p:txEl>
-                                          </p:spTgt>
-                                        </p:tgtEl>
-                                        <p:attrNameLst>
-                                          <p:attrName>style.visibility</p:attrName>
-                                        </p:attrNameLst>
-                                      </p:cBhvr>
-                                      <p:to>
-                                        <p:strVal val="visible"/>
-                                      </p:to>
-                                    </p:set>
-                                  </p:childTnLst>
-                                </p:cTn>
-                              </p:par>
-                            </p:childTnLst>
-                          </p:cTn>
-                        </p:par>
-                      </p:childTnLst>
-                    </p:cTn>
-                  </p:par>
-                  <p:par>
-                    <p:cTn id="15" fill="hold">
-                      <p:stCondLst>
-                        <p:cond delay="indefinite"/>
-                      </p:stCondLst>
-                      <p:childTnLst>
-                        <p:par>
-                          <p:cTn id="16" fill="hold">
-                            <p:stCondLst>
-                              <p:cond delay="0"/>
-                            </p:stCondLst>
-                            <p:childTnLst>
-                              <p:par>
-                                <p:cTn id="17" presetID="1" presetClass="entr" presetSubtype="0" fill="hold" nodeType="clickEffect">
-                                  <p:stCondLst>
-                                    <p:cond delay="0"/>
-                                  </p:stCondLst>
-                                  <p:childTnLst>
-                                    <p:set>
-                                      <p:cBhvr>
-                                        <p:cTn id="18" dur="1" fill="hold">
-                                          <p:stCondLst>
-                                            <p:cond delay="0"/>
-                                          </p:stCondLst>
-                                        </p:cTn>
-                                        <p:tgtEl>
-                                          <p:spTgt spid="4">
-                                            <p:txEl>
-                                              <p:pRg st="8" end="8"/>
-                                            </p:txEl>
-                                          </p:spTgt>
-                                        </p:tgtEl>
-                                        <p:attrNameLst>
-                                          <p:attrName>style.visibility</p:attrName>
-                                        </p:attrNameLst>
-                                      </p:cBhvr>
-                                      <p:to>
-                                        <p:strVal val="visible"/>
-                                      </p:to>
-                                    </p:set>
-                                  </p:childTnLst>
-                                </p:cTn>
-                              </p:par>
-                              <p:par>
-                                <p:cTn id="19" presetID="1" presetClass="entr" presetSubtype="0" fill="hold" nodeType="withEffect">
-                                  <p:stCondLst>
-                                    <p:cond delay="0"/>
-                                  </p:stCondLst>
-                                  <p:childTnLst>
-                                    <p:set>
-                                      <p:cBhvr>
-                                        <p:cTn id="20" dur="1" fill="hold">
-                                          <p:stCondLst>
-                                            <p:cond delay="0"/>
-                                          </p:stCondLst>
-                                        </p:cTn>
-                                        <p:tgtEl>
-                                          <p:spTgt spid="4">
-                                            <p:txEl>
-                                              <p:pRg st="9" end="9"/>
-                                            </p:txEl>
-                                          </p:spTgt>
-                                        </p:tgtEl>
-                                        <p:attrNameLst>
-                                          <p:attrName>style.visibility</p:attrName>
-                                        </p:attrNameLst>
-                                      </p:cBhvr>
-                                      <p:to>
-                                        <p:strVal val="visible"/>
-                                      </p:to>
-                                    </p:set>
-                                  </p:childTnLst>
-                                </p:cTn>
-                              </p:par>
-                              <p:par>
-                                <p:cTn id="21" presetID="1" presetClass="entr" presetSubtype="0" fill="hold" nodeType="withEffect">
-                                  <p:stCondLst>
-                                    <p:cond delay="0"/>
-                                  </p:stCondLst>
-                                  <p:childTnLst>
-                                    <p:set>
-                                      <p:cBhvr>
-                                        <p:cTn id="22" dur="1" fill="hold">
-                                          <p:stCondLst>
-                                            <p:cond delay="0"/>
-                                          </p:stCondLst>
-                                        </p:cTn>
-                                        <p:tgtEl>
-                                          <p:spTgt spid="4">
-                                            <p:txEl>
-                                              <p:pRg st="10" end="10"/>
-                                            </p:txEl>
-                                          </p:spTgt>
-                                        </p:tgtEl>
-                                        <p:attrNameLst>
-                                          <p:attrName>style.visibility</p:attrName>
-                                        </p:attrNameLst>
-                                      </p:cBhvr>
-                                      <p:to>
-                                        <p:strVal val="visible"/>
-                                      </p:to>
-                                    </p:set>
-                                  </p:childTnLst>
-                                </p:cTn>
-                              </p:par>
-                              <p:par>
-                                <p:cTn id="23" presetID="1" presetClass="entr" presetSubtype="0" fill="hold" nodeType="withEffect">
-                                  <p:stCondLst>
-                                    <p:cond delay="0"/>
-                                  </p:stCondLst>
-                                  <p:childTnLst>
-                                    <p:set>
-                                      <p:cBhvr>
-                                        <p:cTn id="24" dur="1" fill="hold">
-                                          <p:stCondLst>
-                                            <p:cond delay="0"/>
-                                          </p:stCondLst>
-                                        </p:cTn>
-                                        <p:tgtEl>
-                                          <p:spTgt spid="4">
-                                            <p:txEl>
-                                              <p:pRg st="11" end="11"/>
-                                            </p:txEl>
-                                          </p:spTgt>
-                                        </p:tgtEl>
-                                        <p:attrNameLst>
-                                          <p:attrName>style.visibility</p:attrName>
-                                        </p:attrNameLst>
-                                      </p:cBhvr>
-                                      <p:to>
-                                        <p:strVal val="visible"/>
-                                      </p:to>
-                                    </p:set>
-                                  </p:childTnLst>
-                                </p:cTn>
-                              </p:par>
-                            </p:childTnLst>
-                          </p:cTn>
-                        </p:par>
-                      </p:childTnLst>
-                    </p:cTn>
-                  </p:par>
-                  <p:par>
-                    <p:cTn id="25" fill="hold">
-                      <p:stCondLst>
-                        <p:cond delay="indefinite"/>
-                      </p:stCondLst>
-                      <p:childTnLst>
-                        <p:par>
-                          <p:cTn id="26" fill="hold">
-                            <p:stCondLst>
-                              <p:cond delay="0"/>
-                            </p:stCondLst>
-                            <p:childTnLst>
-                              <p:par>
-                                <p:cTn id="27" presetID="1" presetClass="entr" presetSubtype="0" fill="hold" nodeType="clickEffect">
-                                  <p:stCondLst>
-                                    <p:cond delay="0"/>
-                                  </p:stCondLst>
-                                  <p:childTnLst>
-                                    <p:set>
-                                      <p:cBhvr>
-                                        <p:cTn id="28" dur="1" fill="hold">
-                                          <p:stCondLst>
-                                            <p:cond delay="0"/>
-                                          </p:stCondLst>
-                                        </p:cTn>
-                                        <p:tgtEl>
-                                          <p:spTgt spid="4">
-                                            <p:txEl>
-                                              <p:pRg st="13" end="13"/>
-                                            </p:txEl>
-                                          </p:spTgt>
-                                        </p:tgtEl>
-                                        <p:attrNameLst>
-                                          <p:attrName>style.visibility</p:attrName>
-                                        </p:attrNameLst>
-                                      </p:cBhvr>
-                                      <p:to>
-                                        <p:strVal val="visible"/>
-                                      </p:to>
-                                    </p:set>
-                                  </p:childTnLst>
-                                </p:cTn>
-                              </p:par>
-                              <p:par>
-                                <p:cTn id="29" presetID="1" presetClass="entr" presetSubtype="0" fill="hold" nodeType="withEffect">
-                                  <p:stCondLst>
-                                    <p:cond delay="0"/>
-                                  </p:stCondLst>
-                                  <p:childTnLst>
-                                    <p:set>
-                                      <p:cBhvr>
-                                        <p:cTn id="30" dur="1" fill="hold">
-                                          <p:stCondLst>
-                                            <p:cond delay="0"/>
-                                          </p:stCondLst>
-                                        </p:cTn>
-                                        <p:tgtEl>
-                                          <p:spTgt spid="4">
-                                            <p:txEl>
-                                              <p:pRg st="14" end="14"/>
-                                            </p:txEl>
-                                          </p:spTgt>
-                                        </p:tgtEl>
-                                        <p:attrNameLst>
-                                          <p:attrName>style.visibility</p:attrName>
-                                        </p:attrNameLst>
-                                      </p:cBhvr>
-                                      <p:to>
-                                        <p:strVal val="visible"/>
-                                      </p:to>
-                                    </p:set>
-                                  </p:childTnLst>
-                                </p:cTn>
-                              </p:par>
-                              <p:par>
-                                <p:cTn id="31" presetID="1" presetClass="entr" presetSubtype="0" fill="hold" nodeType="withEffect">
-                                  <p:stCondLst>
-                                    <p:cond delay="0"/>
-                                  </p:stCondLst>
-                                  <p:childTnLst>
-                                    <p:set>
-                                      <p:cBhvr>
-                                        <p:cTn id="32" dur="1" fill="hold">
-                                          <p:stCondLst>
-                                            <p:cond delay="0"/>
-                                          </p:stCondLst>
-                                        </p:cTn>
-                                        <p:tgtEl>
-                                          <p:spTgt spid="4">
-                                            <p:txEl>
-                                              <p:pRg st="15" end="15"/>
-                                            </p:txEl>
-                                          </p:spTgt>
-                                        </p:tgtEl>
-                                        <p:attrNameLst>
-                                          <p:attrName>style.visibility</p:attrName>
-                                        </p:attrNameLst>
-                                      </p:cBhvr>
-                                      <p:to>
-                                        <p:strVal val="visible"/>
-                                      </p:to>
-                                    </p:set>
-                                  </p:childTnLst>
-                                </p:cTn>
-                              </p:par>
-                              <p:par>
-                                <p:cTn id="33" presetID="1" presetClass="entr" presetSubtype="0" fill="hold" nodeType="withEffect">
-                                  <p:stCondLst>
-                                    <p:cond delay="0"/>
-                                  </p:stCondLst>
-                                  <p:childTnLst>
-                                    <p:set>
-                                      <p:cBhvr>
-                                        <p:cTn id="34" dur="1" fill="hold">
-                                          <p:stCondLst>
-                                            <p:cond delay="0"/>
-                                          </p:stCondLst>
-                                        </p:cTn>
-                                        <p:tgtEl>
-                                          <p:spTgt spid="4">
-                                            <p:txEl>
-                                              <p:pRg st="16" end="16"/>
-                                            </p:txEl>
-                                          </p:spTgt>
-                                        </p:tgtEl>
-                                        <p:attrNameLst>
-                                          <p:attrName>style.visibility</p:attrName>
-                                        </p:attrNameLst>
-                                      </p:cBhvr>
-                                      <p:to>
-                                        <p:strVal val="visible"/>
-                                      </p:to>
-                                    </p:set>
-                                  </p:childTnLst>
-                                </p:cTn>
-                              </p:par>
-                            </p:childTnLst>
-                          </p:cTn>
-                        </p:par>
-                      </p:childTnLst>
-                    </p:cTn>
-                  </p:par>
-                </p:childTnLst>
-              </p:cTn>
-              <p:prevCondLst>
-                <p:cond evt="onPrev" delay="0">
-                  <p:tgtEl>
-                    <p:sldTgt/>
-                  </p:tgtEl>
-                </p:cond>
-              </p:prevCondLst>
-              <p:nextCondLst>
-                <p:cond evt="onNext" delay="0">
-                  <p:tgtEl>
-                    <p:sldTgt/>
-                  </p:tgtEl>
-                </p:cond>
-              </p:nextCondLst>
-            </p:seq>
-          </p:childTnLst>
-        </p:cTn>
       </p:par>
     </p:tnLst>
   </p:timing>
@@ -18325,150 +13805,6 @@
         </p:nvSpPr>
         <p:spPr>
           <a:xfrm>
-            <a:off x="365827" y="1651736"/>
-            <a:ext cx="8338444" cy="1477328"/>
-          </a:xfrm>
-          <a:prstGeom prst="rect">
-            <a:avLst/>
-          </a:prstGeom>
-          <a:noFill/>
-        </p:spPr>
-        <p:txBody>
-          <a:bodyPr wrap="square" rtlCol="0">
-            <a:spAutoFit/>
-          </a:bodyPr>
-          <a:lstStyle/>
-          <a:p>
-            <a:endParaRPr lang="en-US" dirty="0">
-              <a:solidFill>
-                <a:schemeClr val="bg1">
-                  <a:lumMod val="65000"/>
-                </a:schemeClr>
-              </a:solidFill>
-              <a:latin typeface="Monaco"/>
-              <a:cs typeface="Monaco"/>
-            </a:endParaRPr>
-          </a:p>
-          <a:p>
-            <a:r>
-              <a:rPr lang="en-US" dirty="0" smtClean="0">
-                <a:latin typeface="Monaco"/>
-                <a:cs typeface="Monaco"/>
-              </a:rPr>
-              <a:t>def triangle_area(l, w):</a:t>
-            </a:r>
-          </a:p>
-          <a:p>
-            <a:r>
-              <a:rPr lang="en-US" dirty="0">
-                <a:latin typeface="Monaco"/>
-                <a:cs typeface="Monaco"/>
-              </a:rPr>
-              <a:t>	</a:t>
-            </a:r>
-            <a:r>
-              <a:rPr lang="en-US" dirty="0" smtClean="0">
-                <a:latin typeface="Monaco"/>
-                <a:cs typeface="Monaco"/>
-              </a:rPr>
-              <a:t>area = l*w / 2.0</a:t>
-            </a:r>
-          </a:p>
-          <a:p>
-            <a:r>
-              <a:rPr lang="en-US" dirty="0">
-                <a:latin typeface="Monaco"/>
-                <a:cs typeface="Monaco"/>
-              </a:rPr>
-              <a:t>	</a:t>
-            </a:r>
-            <a:r>
-              <a:rPr lang="en-US" dirty="0" smtClean="0">
-                <a:latin typeface="Monaco"/>
-                <a:cs typeface="Monaco"/>
-              </a:rPr>
-              <a:t>return area</a:t>
-            </a:r>
-          </a:p>
-          <a:p>
-            <a:r>
-              <a:rPr lang="en-US" dirty="0" smtClean="0">
-                <a:latin typeface="Monaco"/>
-                <a:cs typeface="Monaco"/>
-              </a:rPr>
-              <a:t> </a:t>
-            </a:r>
-          </a:p>
-        </p:txBody>
-      </p:sp>
-    </p:spTree>
-    <p:extLst>
-      <p:ext uri="{BB962C8B-B14F-4D97-AF65-F5344CB8AC3E}">
-        <p14:creationId xmlns:p14="http://schemas.microsoft.com/office/powerpoint/2010/main" val="978883696"/>
-      </p:ext>
-    </p:extLst>
-  </p:cSld>
-  <p:clrMapOvr>
-    <a:masterClrMapping/>
-  </p:clrMapOvr>
-  <p:timing>
-    <p:tnLst>
-      <p:par>
-        <p:cTn id="1" dur="indefinite" restart="never" nodeType="tmRoot"/>
-      </p:par>
-    </p:tnLst>
-  </p:timing>
-</p:sld>
-</file>
-
-<file path=ppt/slides/slide9.xml><?xml version="1.0" encoding="utf-8"?>
-<p:sld xmlns:a="http://schemas.openxmlformats.org/drawingml/2006/main" xmlns:r="http://schemas.openxmlformats.org/officeDocument/2006/relationships" xmlns:p="http://schemas.openxmlformats.org/presentationml/2006/main">
-  <p:cSld>
-    <p:spTree>
-      <p:nvGrpSpPr>
-        <p:cNvPr id="1" name=""/>
-        <p:cNvGrpSpPr/>
-        <p:nvPr/>
-      </p:nvGrpSpPr>
-      <p:grpSpPr>
-        <a:xfrm>
-          <a:off x="0" y="0"/>
-          <a:ext cx="0" cy="0"/>
-          <a:chOff x="0" y="0"/>
-          <a:chExt cx="0" cy="0"/>
-        </a:xfrm>
-      </p:grpSpPr>
-      <p:sp>
-        <p:nvSpPr>
-          <p:cNvPr id="2" name="Title 1"/>
-          <p:cNvSpPr>
-            <a:spLocks noGrp="1"/>
-          </p:cNvSpPr>
-          <p:nvPr>
-            <p:ph type="title"/>
-          </p:nvPr>
-        </p:nvSpPr>
-        <p:spPr/>
-        <p:txBody>
-          <a:bodyPr/>
-          <a:lstStyle/>
-          <a:p>
-            <a:r>
-              <a:rPr lang="en-US" dirty="0" smtClean="0"/>
-              <a:t>functions are generic formulas</a:t>
-            </a:r>
-            <a:endParaRPr lang="en-US" dirty="0"/>
-          </a:p>
-        </p:txBody>
-      </p:sp>
-      <p:sp>
-        <p:nvSpPr>
-          <p:cNvPr id="4" name="TextBox 3"/>
-          <p:cNvSpPr txBox="1"/>
-          <p:nvPr/>
-        </p:nvSpPr>
-        <p:spPr>
-          <a:xfrm>
             <a:off x="324884" y="1419724"/>
             <a:ext cx="8338444" cy="5940088"/>
           </a:xfrm>
@@ -19094,6 +14430,324 @@
         </p:cTn>
       </p:par>
     </p:tnLst>
+  </p:timing>
+</p:sld>
+</file>
+
+<file path=ppt/slides/slide9.xml><?xml version="1.0" encoding="utf-8"?>
+<p:sld xmlns:a="http://schemas.openxmlformats.org/drawingml/2006/main" xmlns:r="http://schemas.openxmlformats.org/officeDocument/2006/relationships" xmlns:p="http://schemas.openxmlformats.org/presentationml/2006/main">
+  <p:cSld>
+    <p:spTree>
+      <p:nvGrpSpPr>
+        <p:cNvPr id="1" name=""/>
+        <p:cNvGrpSpPr/>
+        <p:nvPr/>
+      </p:nvGrpSpPr>
+      <p:grpSpPr>
+        <a:xfrm>
+          <a:off x="0" y="0"/>
+          <a:ext cx="0" cy="0"/>
+          <a:chOff x="0" y="0"/>
+          <a:chExt cx="0" cy="0"/>
+        </a:xfrm>
+      </p:grpSpPr>
+      <p:sp>
+        <p:nvSpPr>
+          <p:cNvPr id="2" name="Title 1"/>
+          <p:cNvSpPr>
+            <a:spLocks noGrp="1"/>
+          </p:cNvSpPr>
+          <p:nvPr>
+            <p:ph type="title"/>
+          </p:nvPr>
+        </p:nvSpPr>
+        <p:spPr/>
+        <p:txBody>
+          <a:bodyPr/>
+          <a:lstStyle/>
+          <a:p>
+            <a:r>
+              <a:rPr lang="en-US" dirty="0" smtClean="0"/>
+              <a:t>use test cases to ensure your function works</a:t>
+            </a:r>
+            <a:endParaRPr lang="en-US" dirty="0"/>
+          </a:p>
+        </p:txBody>
+      </p:sp>
+      <p:sp>
+        <p:nvSpPr>
+          <p:cNvPr id="3" name="Content Placeholder 2"/>
+          <p:cNvSpPr>
+            <a:spLocks noGrp="1"/>
+          </p:cNvSpPr>
+          <p:nvPr>
+            <p:ph idx="1"/>
+          </p:nvPr>
+        </p:nvSpPr>
+        <p:spPr/>
+        <p:txBody>
+          <a:bodyPr/>
+          <a:lstStyle/>
+          <a:p>
+            <a:pPr marL="457200" indent="-457200">
+              <a:buFont typeface="Arial"/>
+              <a:buChar char="•"/>
+            </a:pPr>
+            <a:r>
+              <a:rPr lang="en-US" dirty="0" smtClean="0"/>
+              <a:t>After writing a function, *always* test it with input that you know should work</a:t>
+            </a:r>
+          </a:p>
+        </p:txBody>
+      </p:sp>
+      <p:sp>
+        <p:nvSpPr>
+          <p:cNvPr id="4" name="TextBox 3"/>
+          <p:cNvSpPr txBox="1"/>
+          <p:nvPr/>
+        </p:nvSpPr>
+        <p:spPr>
+          <a:xfrm>
+            <a:off x="457199" y="2817044"/>
+            <a:ext cx="8338444" cy="3477875"/>
+          </a:xfrm>
+          <a:prstGeom prst="rect">
+            <a:avLst/>
+          </a:prstGeom>
+          <a:noFill/>
+        </p:spPr>
+        <p:txBody>
+          <a:bodyPr wrap="square" rtlCol="0">
+            <a:spAutoFit/>
+          </a:bodyPr>
+          <a:lstStyle/>
+          <a:p>
+            <a:endParaRPr lang="en-US" sz="2000" dirty="0">
+              <a:solidFill>
+                <a:schemeClr val="bg1">
+                  <a:lumMod val="65000"/>
+                </a:schemeClr>
+              </a:solidFill>
+              <a:latin typeface="Monaco"/>
+              <a:cs typeface="Monaco"/>
+            </a:endParaRPr>
+          </a:p>
+          <a:p>
+            <a:r>
+              <a:rPr lang="en-US" sz="2000" dirty="0" smtClean="0">
+                <a:latin typeface="Monaco"/>
+                <a:cs typeface="Monaco"/>
+              </a:rPr>
+              <a:t>def triangle_area(l, w):</a:t>
+            </a:r>
+          </a:p>
+          <a:p>
+            <a:r>
+              <a:rPr lang="en-US" sz="2000" dirty="0">
+                <a:latin typeface="Monaco"/>
+                <a:cs typeface="Monaco"/>
+              </a:rPr>
+              <a:t>	</a:t>
+            </a:r>
+            <a:r>
+              <a:rPr lang="en-US" sz="2000" dirty="0" smtClean="0">
+                <a:latin typeface="Monaco"/>
+                <a:cs typeface="Monaco"/>
+              </a:rPr>
+              <a:t>area = l*w/ 2.0</a:t>
+            </a:r>
+          </a:p>
+          <a:p>
+            <a:r>
+              <a:rPr lang="en-US" sz="2000" dirty="0">
+                <a:latin typeface="Monaco"/>
+                <a:cs typeface="Monaco"/>
+              </a:rPr>
+              <a:t>	</a:t>
+            </a:r>
+            <a:r>
+              <a:rPr lang="en-US" sz="2000" dirty="0" smtClean="0">
+                <a:latin typeface="Monaco"/>
+                <a:cs typeface="Monaco"/>
+              </a:rPr>
+              <a:t>return area</a:t>
+            </a:r>
+          </a:p>
+          <a:p>
+            <a:endParaRPr lang="en-US" sz="2000" dirty="0">
+              <a:latin typeface="Monaco"/>
+              <a:cs typeface="Monaco"/>
+            </a:endParaRPr>
+          </a:p>
+          <a:p>
+            <a:r>
+              <a:rPr lang="en-US" sz="2000" dirty="0" smtClean="0">
+                <a:solidFill>
+                  <a:schemeClr val="accent3">
+                    <a:lumMod val="60000"/>
+                    <a:lumOff val="40000"/>
+                  </a:schemeClr>
+                </a:solidFill>
+                <a:latin typeface="Monaco"/>
+                <a:cs typeface="Monaco"/>
+              </a:rPr>
+              <a:t># Before using the function all over the place, make sure that l=7, w=6 prints 21</a:t>
+            </a:r>
+            <a:endParaRPr lang="en-US" sz="2000" dirty="0" smtClean="0">
+              <a:latin typeface="Monaco"/>
+              <a:cs typeface="Monaco"/>
+            </a:endParaRPr>
+          </a:p>
+          <a:p>
+            <a:r>
+              <a:rPr lang="en-US" sz="2000" dirty="0" smtClean="0">
+                <a:latin typeface="Monaco"/>
+                <a:cs typeface="Monaco"/>
+              </a:rPr>
+              <a:t>print(</a:t>
+            </a:r>
+            <a:r>
+              <a:rPr lang="en-US" sz="2000" dirty="0" err="1" smtClean="0">
+                <a:latin typeface="Monaco"/>
+                <a:cs typeface="Monaco"/>
+              </a:rPr>
+              <a:t>triangle_area</a:t>
+            </a:r>
+            <a:r>
+              <a:rPr lang="en-US" sz="2000" dirty="0" smtClean="0">
+                <a:latin typeface="Monaco"/>
+                <a:cs typeface="Monaco"/>
+              </a:rPr>
+              <a:t>(7,6))</a:t>
+            </a:r>
+          </a:p>
+          <a:p>
+            <a:r>
+              <a:rPr lang="en-US" sz="2000" dirty="0">
+                <a:latin typeface="Monaco"/>
+                <a:cs typeface="Monaco"/>
+              </a:rPr>
+              <a:t>	</a:t>
+            </a:r>
+            <a:r>
+              <a:rPr lang="en-US" sz="2000" dirty="0" smtClean="0">
+                <a:solidFill>
+                  <a:schemeClr val="bg1">
+                    <a:lumMod val="65000"/>
+                  </a:schemeClr>
+                </a:solidFill>
+                <a:latin typeface="Monaco"/>
+                <a:cs typeface="Monaco"/>
+              </a:rPr>
+              <a:t>21</a:t>
+            </a:r>
+          </a:p>
+          <a:p>
+            <a:endParaRPr lang="en-US" sz="2000" dirty="0">
+              <a:solidFill>
+                <a:schemeClr val="bg1">
+                  <a:lumMod val="65000"/>
+                </a:schemeClr>
+              </a:solidFill>
+              <a:latin typeface="Monaco"/>
+              <a:cs typeface="Monaco"/>
+            </a:endParaRPr>
+          </a:p>
+          <a:p>
+            <a:endParaRPr lang="en-US" sz="2000" dirty="0" smtClean="0">
+              <a:latin typeface="Monaco"/>
+              <a:cs typeface="Monaco"/>
+            </a:endParaRPr>
+          </a:p>
+        </p:txBody>
+      </p:sp>
+    </p:spTree>
+    <p:extLst>
+      <p:ext uri="{BB962C8B-B14F-4D97-AF65-F5344CB8AC3E}">
+        <p14:creationId xmlns:p14="http://schemas.microsoft.com/office/powerpoint/2010/main" val="1089944498"/>
+      </p:ext>
+    </p:extLst>
+  </p:cSld>
+  <p:clrMapOvr>
+    <a:masterClrMapping/>
+  </p:clrMapOvr>
+  <p:timing>
+    <p:tnLst>
+      <p:par>
+        <p:cTn id="1" dur="indefinite" restart="never" nodeType="tmRoot">
+          <p:childTnLst>
+            <p:seq concurrent="1" nextAc="seek">
+              <p:cTn id="2" dur="indefinite" nodeType="mainSeq">
+                <p:childTnLst>
+                  <p:par>
+                    <p:cTn id="3" fill="hold">
+                      <p:stCondLst>
+                        <p:cond delay="indefinite"/>
+                      </p:stCondLst>
+                      <p:childTnLst>
+                        <p:par>
+                          <p:cTn id="4" fill="hold">
+                            <p:stCondLst>
+                              <p:cond delay="0"/>
+                            </p:stCondLst>
+                            <p:childTnLst>
+                              <p:par>
+                                <p:cTn id="5" presetID="1" presetClass="entr" presetSubtype="0" fill="hold" grpId="0" nodeType="clickEffect">
+                                  <p:stCondLst>
+                                    <p:cond delay="0"/>
+                                  </p:stCondLst>
+                                  <p:childTnLst>
+                                    <p:set>
+                                      <p:cBhvr>
+                                        <p:cTn id="6" dur="1" fill="hold">
+                                          <p:stCondLst>
+                                            <p:cond delay="0"/>
+                                          </p:stCondLst>
+                                        </p:cTn>
+                                        <p:tgtEl>
+                                          <p:spTgt spid="4"/>
+                                        </p:tgtEl>
+                                        <p:attrNameLst>
+                                          <p:attrName>style.visibility</p:attrName>
+                                        </p:attrNameLst>
+                                      </p:cBhvr>
+                                      <p:to>
+                                        <p:strVal val="visible"/>
+                                      </p:to>
+                                    </p:set>
+                                  </p:childTnLst>
+                                </p:cTn>
+                              </p:par>
+                            </p:childTnLst>
+                          </p:cTn>
+                        </p:par>
+                      </p:childTnLst>
+                    </p:cTn>
+                  </p:par>
+                </p:childTnLst>
+              </p:cTn>
+              <p:prevCondLst>
+                <p:cond evt="onPrev" delay="0">
+                  <p:tgtEl>
+                    <p:sldTgt/>
+                  </p:tgtEl>
+                </p:cond>
+              </p:prevCondLst>
+              <p:nextCondLst>
+                <p:cond evt="onNext" delay="0">
+                  <p:tgtEl>
+                    <p:sldTgt/>
+                  </p:tgtEl>
+                </p:cond>
+              </p:nextCondLst>
+            </p:seq>
+          </p:childTnLst>
+        </p:cTn>
+      </p:par>
+    </p:tnLst>
+    <p:bldLst>
+      <p:bldP spid="4" grpId="0"/>
+    </p:bldLst>
   </p:timing>
 </p:sld>
 </file>
